--- a/教材/11章_上流工程.pptx
+++ b/教材/11章_上流工程.pptx
@@ -176,16 +176,1656 @@
 </p:presentation>
 </file>
 
-<file path=ppt/revisionInfo.xml><?xml version="1.0" encoding="utf-8"?>
-<p1510:revInfo xmlns:a="http://schemas.openxmlformats.org/drawingml/2006/main" xmlns:r="http://schemas.openxmlformats.org/officeDocument/2006/relationships" xmlns:p1510="http://schemas.microsoft.com/office/powerpoint/2015/10/main">
-  <p1510:revLst>
-    <p1510:client id="{26C33A79-BBC8-435D-B8CD-D08705468850}" v="66" dt="2023-01-18T14:37:19.611"/>
-  </p1510:revLst>
-</p1510:revInfo>
-</file>
-
 <file path=ppt/changesInfos/changesInfo1.xml><?xml version="1.0" encoding="utf-8"?>
 <pc:chgInfo xmlns:a="http://schemas.openxmlformats.org/drawingml/2006/main" xmlns:r="http://schemas.openxmlformats.org/officeDocument/2006/relationships" xmlns:ac="http://schemas.microsoft.com/office/drawing/2013/main/command" xmlns:pc="http://schemas.microsoft.com/office/powerpoint/2013/main/command">
+  <pc:docChgLst>
+    <pc:chgData name="尾嵜 成真" userId="dd95f81a979e9056" providerId="LiveId" clId="{AC734C73-8538-4BAB-908C-DE9B017264B5}"/>
+    <pc:docChg chg="undo redo custSel addSld delSld modSld sldOrd">
+      <pc:chgData name="尾嵜 成真" userId="dd95f81a979e9056" providerId="LiveId" clId="{AC734C73-8538-4BAB-908C-DE9B017264B5}" dt="2023-01-11T15:38:23.647" v="5205" actId="947"/>
+      <pc:docMkLst>
+        <pc:docMk/>
+      </pc:docMkLst>
+      <pc:sldChg chg="modSp mod">
+        <pc:chgData name="尾嵜 成真" userId="dd95f81a979e9056" providerId="LiveId" clId="{AC734C73-8538-4BAB-908C-DE9B017264B5}" dt="2023-01-09T06:30:34.133" v="19" actId="14100"/>
+        <pc:sldMkLst>
+          <pc:docMk/>
+          <pc:sldMk cId="0" sldId="293"/>
+        </pc:sldMkLst>
+        <pc:spChg chg="mod">
+          <ac:chgData name="尾嵜 成真" userId="dd95f81a979e9056" providerId="LiveId" clId="{AC734C73-8538-4BAB-908C-DE9B017264B5}" dt="2023-01-09T06:30:34.133" v="19" actId="14100"/>
+          <ac:spMkLst>
+            <pc:docMk/>
+            <pc:sldMk cId="0" sldId="293"/>
+            <ac:spMk id="7" creationId="{00000000-0000-0000-0000-000000000000}"/>
+          </ac:spMkLst>
+        </pc:spChg>
+      </pc:sldChg>
+      <pc:sldChg chg="addSp delSp modSp mod">
+        <pc:chgData name="尾嵜 成真" userId="dd95f81a979e9056" providerId="LiveId" clId="{AC734C73-8538-4BAB-908C-DE9B017264B5}" dt="2023-01-09T07:52:08.811" v="454" actId="20577"/>
+        <pc:sldMkLst>
+          <pc:docMk/>
+          <pc:sldMk cId="4190097553" sldId="303"/>
+        </pc:sldMkLst>
+        <pc:spChg chg="add del mod">
+          <ac:chgData name="尾嵜 成真" userId="dd95f81a979e9056" providerId="LiveId" clId="{AC734C73-8538-4BAB-908C-DE9B017264B5}" dt="2023-01-09T07:09:20.323" v="189" actId="21"/>
+          <ac:spMkLst>
+            <pc:docMk/>
+            <pc:sldMk cId="4190097553" sldId="303"/>
+            <ac:spMk id="4" creationId="{72009D40-55EC-AB18-F98B-D1DBFD8751E1}"/>
+          </ac:spMkLst>
+        </pc:spChg>
+        <pc:spChg chg="add del mod">
+          <ac:chgData name="尾嵜 成真" userId="dd95f81a979e9056" providerId="LiveId" clId="{AC734C73-8538-4BAB-908C-DE9B017264B5}" dt="2023-01-09T07:12:21.175" v="204" actId="21"/>
+          <ac:spMkLst>
+            <pc:docMk/>
+            <pc:sldMk cId="4190097553" sldId="303"/>
+            <ac:spMk id="7" creationId="{85A84F6D-9190-3906-DBDD-0F3EA77CAE9D}"/>
+          </ac:spMkLst>
+        </pc:spChg>
+        <pc:spChg chg="add mod">
+          <ac:chgData name="尾嵜 成真" userId="dd95f81a979e9056" providerId="LiveId" clId="{AC734C73-8538-4BAB-908C-DE9B017264B5}" dt="2023-01-09T07:12:33.105" v="209" actId="1076"/>
+          <ac:spMkLst>
+            <pc:docMk/>
+            <pc:sldMk cId="4190097553" sldId="303"/>
+            <ac:spMk id="10" creationId="{8651F9A1-698E-5887-581B-DB5C35D78A45}"/>
+          </ac:spMkLst>
+        </pc:spChg>
+        <pc:spChg chg="mod">
+          <ac:chgData name="尾嵜 成真" userId="dd95f81a979e9056" providerId="LiveId" clId="{AC734C73-8538-4BAB-908C-DE9B017264B5}" dt="2023-01-09T06:59:10.333" v="104" actId="1076"/>
+          <ac:spMkLst>
+            <pc:docMk/>
+            <pc:sldMk cId="4190097553" sldId="303"/>
+            <ac:spMk id="22" creationId="{130837D4-140A-1DB8-3B90-658860BB5C5B}"/>
+          </ac:spMkLst>
+        </pc:spChg>
+        <pc:spChg chg="del mod">
+          <ac:chgData name="尾嵜 成真" userId="dd95f81a979e9056" providerId="LiveId" clId="{AC734C73-8538-4BAB-908C-DE9B017264B5}" dt="2023-01-09T06:59:27.698" v="107" actId="21"/>
+          <ac:spMkLst>
+            <pc:docMk/>
+            <pc:sldMk cId="4190097553" sldId="303"/>
+            <ac:spMk id="25" creationId="{6AD23C59-3008-CD1A-E4B5-28FCCA95819E}"/>
+          </ac:spMkLst>
+        </pc:spChg>
+        <pc:spChg chg="mod">
+          <ac:chgData name="尾嵜 成真" userId="dd95f81a979e9056" providerId="LiveId" clId="{AC734C73-8538-4BAB-908C-DE9B017264B5}" dt="2023-01-09T07:52:08.811" v="454" actId="20577"/>
+          <ac:spMkLst>
+            <pc:docMk/>
+            <pc:sldMk cId="4190097553" sldId="303"/>
+            <ac:spMk id="26" creationId="{4C6CF6C6-84B1-9D0E-1D23-344066B0F396}"/>
+          </ac:spMkLst>
+        </pc:spChg>
+        <pc:picChg chg="add del mod">
+          <ac:chgData name="尾嵜 成真" userId="dd95f81a979e9056" providerId="LiveId" clId="{AC734C73-8538-4BAB-908C-DE9B017264B5}" dt="2023-01-09T07:09:07.476" v="183" actId="478"/>
+          <ac:picMkLst>
+            <pc:docMk/>
+            <pc:sldMk cId="4190097553" sldId="303"/>
+            <ac:picMk id="3" creationId="{297AF16A-C2FD-F42F-9E8F-CE26FE8B451D}"/>
+          </ac:picMkLst>
+        </pc:picChg>
+        <pc:picChg chg="add del mod">
+          <ac:chgData name="尾嵜 成真" userId="dd95f81a979e9056" providerId="LiveId" clId="{AC734C73-8538-4BAB-908C-DE9B017264B5}" dt="2023-01-09T07:12:14.712" v="201" actId="478"/>
+          <ac:picMkLst>
+            <pc:docMk/>
+            <pc:sldMk cId="4190097553" sldId="303"/>
+            <ac:picMk id="6" creationId="{A1892162-92EE-C9DD-A925-2683032B7D5E}"/>
+          </ac:picMkLst>
+        </pc:picChg>
+        <pc:picChg chg="add mod">
+          <ac:chgData name="尾嵜 成真" userId="dd95f81a979e9056" providerId="LiveId" clId="{AC734C73-8538-4BAB-908C-DE9B017264B5}" dt="2023-01-09T07:12:29.529" v="208" actId="1076"/>
+          <ac:picMkLst>
+            <pc:docMk/>
+            <pc:sldMk cId="4190097553" sldId="303"/>
+            <ac:picMk id="9" creationId="{8FDAE5A2-1F42-C716-85A1-99DE6F246787}"/>
+          </ac:picMkLst>
+        </pc:picChg>
+        <pc:picChg chg="del">
+          <ac:chgData name="尾嵜 成真" userId="dd95f81a979e9056" providerId="LiveId" clId="{AC734C73-8538-4BAB-908C-DE9B017264B5}" dt="2023-01-09T06:48:22.685" v="35" actId="478"/>
+          <ac:picMkLst>
+            <pc:docMk/>
+            <pc:sldMk cId="4190097553" sldId="303"/>
+            <ac:picMk id="24" creationId="{75A56AED-8FCB-1181-6716-DED43235156D}"/>
+          </ac:picMkLst>
+        </pc:picChg>
+      </pc:sldChg>
+      <pc:sldChg chg="modSp mod">
+        <pc:chgData name="尾嵜 成真" userId="dd95f81a979e9056" providerId="LiveId" clId="{AC734C73-8538-4BAB-908C-DE9B017264B5}" dt="2023-01-09T06:59:53.016" v="110" actId="207"/>
+        <pc:sldMkLst>
+          <pc:docMk/>
+          <pc:sldMk cId="1793902739" sldId="305"/>
+        </pc:sldMkLst>
+        <pc:graphicFrameChg chg="modGraphic">
+          <ac:chgData name="尾嵜 成真" userId="dd95f81a979e9056" providerId="LiveId" clId="{AC734C73-8538-4BAB-908C-DE9B017264B5}" dt="2023-01-09T06:59:53.016" v="110" actId="207"/>
+          <ac:graphicFrameMkLst>
+            <pc:docMk/>
+            <pc:sldMk cId="1793902739" sldId="305"/>
+            <ac:graphicFrameMk id="31" creationId="{48DC726C-6E54-B2D0-3B8B-B4BA03014533}"/>
+          </ac:graphicFrameMkLst>
+        </pc:graphicFrameChg>
+      </pc:sldChg>
+      <pc:sldChg chg="modSp mod">
+        <pc:chgData name="尾嵜 成真" userId="dd95f81a979e9056" providerId="LiveId" clId="{AC734C73-8538-4BAB-908C-DE9B017264B5}" dt="2023-01-09T08:04:16.908" v="521" actId="14734"/>
+        <pc:sldMkLst>
+          <pc:docMk/>
+          <pc:sldMk cId="3198427016" sldId="306"/>
+        </pc:sldMkLst>
+        <pc:graphicFrameChg chg="mod modGraphic">
+          <ac:chgData name="尾嵜 成真" userId="dd95f81a979e9056" providerId="LiveId" clId="{AC734C73-8538-4BAB-908C-DE9B017264B5}" dt="2023-01-09T08:04:16.908" v="521" actId="14734"/>
+          <ac:graphicFrameMkLst>
+            <pc:docMk/>
+            <pc:sldMk cId="3198427016" sldId="306"/>
+            <ac:graphicFrameMk id="2" creationId="{4A46E109-EF54-CBF0-8FCA-158AEC5AE535}"/>
+          </ac:graphicFrameMkLst>
+        </pc:graphicFrameChg>
+        <pc:graphicFrameChg chg="modGraphic">
+          <ac:chgData name="尾嵜 成真" userId="dd95f81a979e9056" providerId="LiveId" clId="{AC734C73-8538-4BAB-908C-DE9B017264B5}" dt="2023-01-09T07:00:03.269" v="111" actId="207"/>
+          <ac:graphicFrameMkLst>
+            <pc:docMk/>
+            <pc:sldMk cId="3198427016" sldId="306"/>
+            <ac:graphicFrameMk id="4" creationId="{F9B8FF01-FAF6-78EA-838F-9757583E8040}"/>
+          </ac:graphicFrameMkLst>
+        </pc:graphicFrameChg>
+      </pc:sldChg>
+      <pc:sldChg chg="del">
+        <pc:chgData name="尾嵜 成真" userId="dd95f81a979e9056" providerId="LiveId" clId="{AC734C73-8538-4BAB-908C-DE9B017264B5}" dt="2023-01-09T06:32:50.413" v="23" actId="47"/>
+        <pc:sldMkLst>
+          <pc:docMk/>
+          <pc:sldMk cId="2225451864" sldId="307"/>
+        </pc:sldMkLst>
+      </pc:sldChg>
+      <pc:sldChg chg="del">
+        <pc:chgData name="尾嵜 成真" userId="dd95f81a979e9056" providerId="LiveId" clId="{AC734C73-8538-4BAB-908C-DE9B017264B5}" dt="2023-01-09T06:32:52.557" v="24" actId="47"/>
+        <pc:sldMkLst>
+          <pc:docMk/>
+          <pc:sldMk cId="3006967339" sldId="392"/>
+        </pc:sldMkLst>
+      </pc:sldChg>
+      <pc:sldChg chg="modSp mod">
+        <pc:chgData name="尾嵜 成真" userId="dd95f81a979e9056" providerId="LiveId" clId="{AC734C73-8538-4BAB-908C-DE9B017264B5}" dt="2023-01-09T07:00:15.039" v="113" actId="207"/>
+        <pc:sldMkLst>
+          <pc:docMk/>
+          <pc:sldMk cId="1778224841" sldId="394"/>
+        </pc:sldMkLst>
+        <pc:graphicFrameChg chg="modGraphic">
+          <ac:chgData name="尾嵜 成真" userId="dd95f81a979e9056" providerId="LiveId" clId="{AC734C73-8538-4BAB-908C-DE9B017264B5}" dt="2023-01-09T07:00:15.039" v="113" actId="207"/>
+          <ac:graphicFrameMkLst>
+            <pc:docMk/>
+            <pc:sldMk cId="1778224841" sldId="394"/>
+            <ac:graphicFrameMk id="9" creationId="{7373CF85-B4D4-9F92-8889-E7E4148A1054}"/>
+          </ac:graphicFrameMkLst>
+        </pc:graphicFrameChg>
+      </pc:sldChg>
+      <pc:sldChg chg="modSp mod">
+        <pc:chgData name="尾嵜 成真" userId="dd95f81a979e9056" providerId="LiveId" clId="{AC734C73-8538-4BAB-908C-DE9B017264B5}" dt="2023-01-09T08:04:49.963" v="523" actId="1076"/>
+        <pc:sldMkLst>
+          <pc:docMk/>
+          <pc:sldMk cId="1148648546" sldId="395"/>
+        </pc:sldMkLst>
+        <pc:spChg chg="mod">
+          <ac:chgData name="尾嵜 成真" userId="dd95f81a979e9056" providerId="LiveId" clId="{AC734C73-8538-4BAB-908C-DE9B017264B5}" dt="2023-01-09T08:04:45.939" v="522" actId="6549"/>
+          <ac:spMkLst>
+            <pc:docMk/>
+            <pc:sldMk cId="1148648546" sldId="395"/>
+            <ac:spMk id="10" creationId="{4C8D8093-D708-E46A-39FD-79BFCCF8875B}"/>
+          </ac:spMkLst>
+        </pc:spChg>
+        <pc:graphicFrameChg chg="mod">
+          <ac:chgData name="尾嵜 成真" userId="dd95f81a979e9056" providerId="LiveId" clId="{AC734C73-8538-4BAB-908C-DE9B017264B5}" dt="2023-01-09T07:52:44.881" v="456" actId="1076"/>
+          <ac:graphicFrameMkLst>
+            <pc:docMk/>
+            <pc:sldMk cId="1148648546" sldId="395"/>
+            <ac:graphicFrameMk id="2" creationId="{3DDB769E-1CF3-B14F-F320-D782BF6C5667}"/>
+          </ac:graphicFrameMkLst>
+        </pc:graphicFrameChg>
+        <pc:graphicFrameChg chg="mod modGraphic">
+          <ac:chgData name="尾嵜 成真" userId="dd95f81a979e9056" providerId="LiveId" clId="{AC734C73-8538-4BAB-908C-DE9B017264B5}" dt="2023-01-09T07:58:27.776" v="482" actId="20577"/>
+          <ac:graphicFrameMkLst>
+            <pc:docMk/>
+            <pc:sldMk cId="1148648546" sldId="395"/>
+            <ac:graphicFrameMk id="3" creationId="{D3B36031-627F-6834-8FFF-9FB042186059}"/>
+          </ac:graphicFrameMkLst>
+        </pc:graphicFrameChg>
+        <pc:graphicFrameChg chg="mod">
+          <ac:chgData name="尾嵜 成真" userId="dd95f81a979e9056" providerId="LiveId" clId="{AC734C73-8538-4BAB-908C-DE9B017264B5}" dt="2023-01-09T08:04:49.963" v="523" actId="1076"/>
+          <ac:graphicFrameMkLst>
+            <pc:docMk/>
+            <pc:sldMk cId="1148648546" sldId="395"/>
+            <ac:graphicFrameMk id="4" creationId="{946D63E4-2E41-7822-CD16-90215A147784}"/>
+          </ac:graphicFrameMkLst>
+        </pc:graphicFrameChg>
+        <pc:graphicFrameChg chg="mod modGraphic">
+          <ac:chgData name="尾嵜 成真" userId="dd95f81a979e9056" providerId="LiveId" clId="{AC734C73-8538-4BAB-908C-DE9B017264B5}" dt="2023-01-09T07:48:57.252" v="355" actId="207"/>
+          <ac:graphicFrameMkLst>
+            <pc:docMk/>
+            <pc:sldMk cId="1148648546" sldId="395"/>
+            <ac:graphicFrameMk id="7" creationId="{1536C17C-50A0-3AD8-030E-ECEF6020BB1A}"/>
+          </ac:graphicFrameMkLst>
+        </pc:graphicFrameChg>
+      </pc:sldChg>
+      <pc:sldChg chg="del">
+        <pc:chgData name="尾嵜 成真" userId="dd95f81a979e9056" providerId="LiveId" clId="{AC734C73-8538-4BAB-908C-DE9B017264B5}" dt="2023-01-09T06:32:37.889" v="20" actId="47"/>
+        <pc:sldMkLst>
+          <pc:docMk/>
+          <pc:sldMk cId="3911352939" sldId="396"/>
+        </pc:sldMkLst>
+      </pc:sldChg>
+      <pc:sldChg chg="del">
+        <pc:chgData name="尾嵜 成真" userId="dd95f81a979e9056" providerId="LiveId" clId="{AC734C73-8538-4BAB-908C-DE9B017264B5}" dt="2023-01-09T06:32:42.762" v="21" actId="47"/>
+        <pc:sldMkLst>
+          <pc:docMk/>
+          <pc:sldMk cId="3193689780" sldId="397"/>
+        </pc:sldMkLst>
+      </pc:sldChg>
+      <pc:sldChg chg="del">
+        <pc:chgData name="尾嵜 成真" userId="dd95f81a979e9056" providerId="LiveId" clId="{AC734C73-8538-4BAB-908C-DE9B017264B5}" dt="2023-01-09T06:32:53.895" v="25" actId="47"/>
+        <pc:sldMkLst>
+          <pc:docMk/>
+          <pc:sldMk cId="2594863473" sldId="398"/>
+        </pc:sldMkLst>
+      </pc:sldChg>
+      <pc:sldChg chg="del">
+        <pc:chgData name="尾嵜 成真" userId="dd95f81a979e9056" providerId="LiveId" clId="{AC734C73-8538-4BAB-908C-DE9B017264B5}" dt="2023-01-09T06:32:54.687" v="26" actId="47"/>
+        <pc:sldMkLst>
+          <pc:docMk/>
+          <pc:sldMk cId="1064526272" sldId="399"/>
+        </pc:sldMkLst>
+      </pc:sldChg>
+      <pc:sldChg chg="del">
+        <pc:chgData name="尾嵜 成真" userId="dd95f81a979e9056" providerId="LiveId" clId="{AC734C73-8538-4BAB-908C-DE9B017264B5}" dt="2023-01-09T06:32:55.643" v="27" actId="47"/>
+        <pc:sldMkLst>
+          <pc:docMk/>
+          <pc:sldMk cId="373197906" sldId="401"/>
+        </pc:sldMkLst>
+      </pc:sldChg>
+      <pc:sldChg chg="add del">
+        <pc:chgData name="尾嵜 成真" userId="dd95f81a979e9056" providerId="LiveId" clId="{AC734C73-8538-4BAB-908C-DE9B017264B5}" dt="2023-01-11T07:21:54.889" v="2284" actId="47"/>
+        <pc:sldMkLst>
+          <pc:docMk/>
+          <pc:sldMk cId="1637066913" sldId="402"/>
+        </pc:sldMkLst>
+      </pc:sldChg>
+      <pc:sldChg chg="del">
+        <pc:chgData name="尾嵜 成真" userId="dd95f81a979e9056" providerId="LiveId" clId="{AC734C73-8538-4BAB-908C-DE9B017264B5}" dt="2023-01-09T06:32:48.978" v="22" actId="47"/>
+        <pc:sldMkLst>
+          <pc:docMk/>
+          <pc:sldMk cId="3735046817" sldId="405"/>
+        </pc:sldMkLst>
+      </pc:sldChg>
+      <pc:sldChg chg="delSp modSp mod">
+        <pc:chgData name="尾嵜 成真" userId="dd95f81a979e9056" providerId="LiveId" clId="{AC734C73-8538-4BAB-908C-DE9B017264B5}" dt="2023-01-10T08:22:02.409" v="1681" actId="947"/>
+        <pc:sldMkLst>
+          <pc:docMk/>
+          <pc:sldMk cId="1362757188" sldId="406"/>
+        </pc:sldMkLst>
+        <pc:spChg chg="del">
+          <ac:chgData name="尾嵜 成真" userId="dd95f81a979e9056" providerId="LiveId" clId="{AC734C73-8538-4BAB-908C-DE9B017264B5}" dt="2023-01-09T14:06:11.007" v="806" actId="478"/>
+          <ac:spMkLst>
+            <pc:docMk/>
+            <pc:sldMk cId="1362757188" sldId="406"/>
+            <ac:spMk id="3" creationId="{E2142266-E189-EFD5-B67D-0A0D866FAB50}"/>
+          </ac:spMkLst>
+        </pc:spChg>
+        <pc:spChg chg="del">
+          <ac:chgData name="尾嵜 成真" userId="dd95f81a979e9056" providerId="LiveId" clId="{AC734C73-8538-4BAB-908C-DE9B017264B5}" dt="2023-01-09T14:06:11.007" v="806" actId="478"/>
+          <ac:spMkLst>
+            <pc:docMk/>
+            <pc:sldMk cId="1362757188" sldId="406"/>
+            <ac:spMk id="5" creationId="{F6CF39B1-389C-87AC-931A-5773BE5FFBA6}"/>
+          </ac:spMkLst>
+        </pc:spChg>
+        <pc:spChg chg="mod">
+          <ac:chgData name="尾嵜 成真" userId="dd95f81a979e9056" providerId="LiveId" clId="{AC734C73-8538-4BAB-908C-DE9B017264B5}" dt="2023-01-10T08:22:02.409" v="1681" actId="947"/>
+          <ac:spMkLst>
+            <pc:docMk/>
+            <pc:sldMk cId="1362757188" sldId="406"/>
+            <ac:spMk id="10" creationId="{4C8D8093-D708-E46A-39FD-79BFCCF8875B}"/>
+          </ac:spMkLst>
+        </pc:spChg>
+        <pc:spChg chg="mod">
+          <ac:chgData name="尾嵜 成真" userId="dd95f81a979e9056" providerId="LiveId" clId="{AC734C73-8538-4BAB-908C-DE9B017264B5}" dt="2023-01-09T10:46:53.738" v="758"/>
+          <ac:spMkLst>
+            <pc:docMk/>
+            <pc:sldMk cId="1362757188" sldId="406"/>
+            <ac:spMk id="28" creationId="{B0F217A8-646C-15BA-6733-F4B0F1014565}"/>
+          </ac:spMkLst>
+        </pc:spChg>
+        <pc:spChg chg="mod">
+          <ac:chgData name="尾嵜 成真" userId="dd95f81a979e9056" providerId="LiveId" clId="{AC734C73-8538-4BAB-908C-DE9B017264B5}" dt="2023-01-09T10:48:10.828" v="772" actId="20577"/>
+          <ac:spMkLst>
+            <pc:docMk/>
+            <pc:sldMk cId="1362757188" sldId="406"/>
+            <ac:spMk id="29" creationId="{A17934AB-FCC8-3776-1635-6E61D9A7D43B}"/>
+          </ac:spMkLst>
+        </pc:spChg>
+        <pc:picChg chg="del">
+          <ac:chgData name="尾嵜 成真" userId="dd95f81a979e9056" providerId="LiveId" clId="{AC734C73-8538-4BAB-908C-DE9B017264B5}" dt="2023-01-09T14:06:11.007" v="806" actId="478"/>
+          <ac:picMkLst>
+            <pc:docMk/>
+            <pc:sldMk cId="1362757188" sldId="406"/>
+            <ac:picMk id="2" creationId="{147811DE-CCFD-CACA-2161-0AB526E6B824}"/>
+          </ac:picMkLst>
+        </pc:picChg>
+        <pc:picChg chg="del">
+          <ac:chgData name="尾嵜 成真" userId="dd95f81a979e9056" providerId="LiveId" clId="{AC734C73-8538-4BAB-908C-DE9B017264B5}" dt="2023-01-09T14:06:11.007" v="806" actId="478"/>
+          <ac:picMkLst>
+            <pc:docMk/>
+            <pc:sldMk cId="1362757188" sldId="406"/>
+            <ac:picMk id="4" creationId="{3F300939-3739-A21B-256F-C7555733B00D}"/>
+          </ac:picMkLst>
+        </pc:picChg>
+      </pc:sldChg>
+      <pc:sldChg chg="add del">
+        <pc:chgData name="尾嵜 成真" userId="dd95f81a979e9056" providerId="LiveId" clId="{AC734C73-8538-4BAB-908C-DE9B017264B5}" dt="2023-01-09T06:33:04.054" v="33" actId="47"/>
+        <pc:sldMkLst>
+          <pc:docMk/>
+          <pc:sldMk cId="1137511312" sldId="407"/>
+        </pc:sldMkLst>
+      </pc:sldChg>
+      <pc:sldChg chg="addSp delSp modSp add mod">
+        <pc:chgData name="尾嵜 成真" userId="dd95f81a979e9056" providerId="LiveId" clId="{AC734C73-8538-4BAB-908C-DE9B017264B5}" dt="2023-01-11T09:19:23.728" v="3439" actId="14734"/>
+        <pc:sldMkLst>
+          <pc:docMk/>
+          <pc:sldMk cId="2298084990" sldId="407"/>
+        </pc:sldMkLst>
+        <pc:spChg chg="mod">
+          <ac:chgData name="尾嵜 成真" userId="dd95f81a979e9056" providerId="LiveId" clId="{AC734C73-8538-4BAB-908C-DE9B017264B5}" dt="2023-01-09T10:45:23.483" v="743" actId="1076"/>
+          <ac:spMkLst>
+            <pc:docMk/>
+            <pc:sldMk cId="2298084990" sldId="407"/>
+            <ac:spMk id="10" creationId="{4C8D8093-D708-E46A-39FD-79BFCCF8875B}"/>
+          </ac:spMkLst>
+        </pc:spChg>
+        <pc:graphicFrameChg chg="del">
+          <ac:chgData name="尾嵜 成真" userId="dd95f81a979e9056" providerId="LiveId" clId="{AC734C73-8538-4BAB-908C-DE9B017264B5}" dt="2023-01-09T07:01:12.063" v="128" actId="478"/>
+          <ac:graphicFrameMkLst>
+            <pc:docMk/>
+            <pc:sldMk cId="2298084990" sldId="407"/>
+            <ac:graphicFrameMk id="2" creationId="{3DDB769E-1CF3-B14F-F320-D782BF6C5667}"/>
+          </ac:graphicFrameMkLst>
+        </pc:graphicFrameChg>
+        <pc:graphicFrameChg chg="del">
+          <ac:chgData name="尾嵜 成真" userId="dd95f81a979e9056" providerId="LiveId" clId="{AC734C73-8538-4BAB-908C-DE9B017264B5}" dt="2023-01-09T07:01:12.063" v="128" actId="478"/>
+          <ac:graphicFrameMkLst>
+            <pc:docMk/>
+            <pc:sldMk cId="2298084990" sldId="407"/>
+            <ac:graphicFrameMk id="3" creationId="{D3B36031-627F-6834-8FFF-9FB042186059}"/>
+          </ac:graphicFrameMkLst>
+        </pc:graphicFrameChg>
+        <pc:graphicFrameChg chg="del">
+          <ac:chgData name="尾嵜 成真" userId="dd95f81a979e9056" providerId="LiveId" clId="{AC734C73-8538-4BAB-908C-DE9B017264B5}" dt="2023-01-09T07:01:12.063" v="128" actId="478"/>
+          <ac:graphicFrameMkLst>
+            <pc:docMk/>
+            <pc:sldMk cId="2298084990" sldId="407"/>
+            <ac:graphicFrameMk id="4" creationId="{946D63E4-2E41-7822-CD16-90215A147784}"/>
+          </ac:graphicFrameMkLst>
+        </pc:graphicFrameChg>
+        <pc:graphicFrameChg chg="add mod modGraphic">
+          <ac:chgData name="尾嵜 成真" userId="dd95f81a979e9056" providerId="LiveId" clId="{AC734C73-8538-4BAB-908C-DE9B017264B5}" dt="2023-01-11T09:19:23.728" v="3439" actId="14734"/>
+          <ac:graphicFrameMkLst>
+            <pc:docMk/>
+            <pc:sldMk cId="2298084990" sldId="407"/>
+            <ac:graphicFrameMk id="5" creationId="{53A7FBB1-5148-FEED-E8A4-8AC9734A1E50}"/>
+          </ac:graphicFrameMkLst>
+        </pc:graphicFrameChg>
+        <pc:graphicFrameChg chg="del">
+          <ac:chgData name="尾嵜 成真" userId="dd95f81a979e9056" providerId="LiveId" clId="{AC734C73-8538-4BAB-908C-DE9B017264B5}" dt="2023-01-09T07:01:46.049" v="131" actId="478"/>
+          <ac:graphicFrameMkLst>
+            <pc:docMk/>
+            <pc:sldMk cId="2298084990" sldId="407"/>
+            <ac:graphicFrameMk id="7" creationId="{1536C17C-50A0-3AD8-030E-ECEF6020BB1A}"/>
+          </ac:graphicFrameMkLst>
+        </pc:graphicFrameChg>
+      </pc:sldChg>
+      <pc:sldChg chg="del">
+        <pc:chgData name="尾嵜 成真" userId="dd95f81a979e9056" providerId="LiveId" clId="{AC734C73-8538-4BAB-908C-DE9B017264B5}" dt="2023-01-09T06:32:56.261" v="28" actId="47"/>
+        <pc:sldMkLst>
+          <pc:docMk/>
+          <pc:sldMk cId="1924153991" sldId="408"/>
+        </pc:sldMkLst>
+      </pc:sldChg>
+      <pc:sldChg chg="addSp delSp modSp add del mod">
+        <pc:chgData name="尾嵜 成真" userId="dd95f81a979e9056" providerId="LiveId" clId="{AC734C73-8538-4BAB-908C-DE9B017264B5}" dt="2023-01-11T07:47:02.289" v="3207" actId="20577"/>
+        <pc:sldMkLst>
+          <pc:docMk/>
+          <pc:sldMk cId="2680518299" sldId="408"/>
+        </pc:sldMkLst>
+        <pc:spChg chg="add mod">
+          <ac:chgData name="尾嵜 成真" userId="dd95f81a979e9056" providerId="LiveId" clId="{AC734C73-8538-4BAB-908C-DE9B017264B5}" dt="2023-01-11T07:20:20.321" v="2282" actId="1076"/>
+          <ac:spMkLst>
+            <pc:docMk/>
+            <pc:sldMk cId="2680518299" sldId="408"/>
+            <ac:spMk id="2" creationId="{F12381F0-04CA-C595-0610-2F2D276A6994}"/>
+          </ac:spMkLst>
+        </pc:spChg>
+        <pc:spChg chg="del">
+          <ac:chgData name="尾嵜 成真" userId="dd95f81a979e9056" providerId="LiveId" clId="{AC734C73-8538-4BAB-908C-DE9B017264B5}" dt="2023-01-09T14:16:14.483" v="873" actId="478"/>
+          <ac:spMkLst>
+            <pc:docMk/>
+            <pc:sldMk cId="2680518299" sldId="408"/>
+            <ac:spMk id="3" creationId="{E2142266-E189-EFD5-B67D-0A0D866FAB50}"/>
+          </ac:spMkLst>
+        </pc:spChg>
+        <pc:spChg chg="add mod">
+          <ac:chgData name="尾嵜 成真" userId="dd95f81a979e9056" providerId="LiveId" clId="{AC734C73-8538-4BAB-908C-DE9B017264B5}" dt="2023-01-11T07:20:20.321" v="2282" actId="1076"/>
+          <ac:spMkLst>
+            <pc:docMk/>
+            <pc:sldMk cId="2680518299" sldId="408"/>
+            <ac:spMk id="4" creationId="{EEB5F97B-CDB6-71F4-C647-26663F763011}"/>
+          </ac:spMkLst>
+        </pc:spChg>
+        <pc:spChg chg="del">
+          <ac:chgData name="尾嵜 成真" userId="dd95f81a979e9056" providerId="LiveId" clId="{AC734C73-8538-4BAB-908C-DE9B017264B5}" dt="2023-01-09T14:16:14.483" v="873" actId="478"/>
+          <ac:spMkLst>
+            <pc:docMk/>
+            <pc:sldMk cId="2680518299" sldId="408"/>
+            <ac:spMk id="5" creationId="{F6CF39B1-389C-87AC-931A-5773BE5FFBA6}"/>
+          </ac:spMkLst>
+        </pc:spChg>
+        <pc:spChg chg="mod">
+          <ac:chgData name="尾嵜 成真" userId="dd95f81a979e9056" providerId="LiveId" clId="{AC734C73-8538-4BAB-908C-DE9B017264B5}" dt="2023-01-11T07:47:02.289" v="3207" actId="20577"/>
+          <ac:spMkLst>
+            <pc:docMk/>
+            <pc:sldMk cId="2680518299" sldId="408"/>
+            <ac:spMk id="10" creationId="{4C8D8093-D708-E46A-39FD-79BFCCF8875B}"/>
+          </ac:spMkLst>
+        </pc:spChg>
+        <pc:spChg chg="mod">
+          <ac:chgData name="尾嵜 成真" userId="dd95f81a979e9056" providerId="LiveId" clId="{AC734C73-8538-4BAB-908C-DE9B017264B5}" dt="2023-01-10T09:03:34.939" v="1992"/>
+          <ac:spMkLst>
+            <pc:docMk/>
+            <pc:sldMk cId="2680518299" sldId="408"/>
+            <ac:spMk id="29" creationId="{A17934AB-FCC8-3776-1635-6E61D9A7D43B}"/>
+          </ac:spMkLst>
+        </pc:spChg>
+        <pc:picChg chg="del">
+          <ac:chgData name="尾嵜 成真" userId="dd95f81a979e9056" providerId="LiveId" clId="{AC734C73-8538-4BAB-908C-DE9B017264B5}" dt="2023-01-09T14:16:14.483" v="873" actId="478"/>
+          <ac:picMkLst>
+            <pc:docMk/>
+            <pc:sldMk cId="2680518299" sldId="408"/>
+            <ac:picMk id="2" creationId="{147811DE-CCFD-CACA-2161-0AB526E6B824}"/>
+          </ac:picMkLst>
+        </pc:picChg>
+        <pc:picChg chg="add mod">
+          <ac:chgData name="尾嵜 成真" userId="dd95f81a979e9056" providerId="LiveId" clId="{AC734C73-8538-4BAB-908C-DE9B017264B5}" dt="2023-01-11T07:20:20.321" v="2282" actId="1076"/>
+          <ac:picMkLst>
+            <pc:docMk/>
+            <pc:sldMk cId="2680518299" sldId="408"/>
+            <ac:picMk id="3" creationId="{83EB899C-F9B2-ECAC-F35D-4F0341392553}"/>
+          </ac:picMkLst>
+        </pc:picChg>
+        <pc:picChg chg="del">
+          <ac:chgData name="尾嵜 成真" userId="dd95f81a979e9056" providerId="LiveId" clId="{AC734C73-8538-4BAB-908C-DE9B017264B5}" dt="2023-01-09T14:16:14.483" v="873" actId="478"/>
+          <ac:picMkLst>
+            <pc:docMk/>
+            <pc:sldMk cId="2680518299" sldId="408"/>
+            <ac:picMk id="4" creationId="{3F300939-3739-A21B-256F-C7555733B00D}"/>
+          </ac:picMkLst>
+        </pc:picChg>
+        <pc:picChg chg="add del">
+          <ac:chgData name="尾嵜 成真" userId="dd95f81a979e9056" providerId="LiveId" clId="{AC734C73-8538-4BAB-908C-DE9B017264B5}" dt="2023-01-11T07:40:08.631" v="3112" actId="22"/>
+          <ac:picMkLst>
+            <pc:docMk/>
+            <pc:sldMk cId="2680518299" sldId="408"/>
+            <ac:picMk id="6" creationId="{DD4C0560-EBF1-40BA-2731-AE53E7C29561}"/>
+          </ac:picMkLst>
+        </pc:picChg>
+        <pc:picChg chg="add del">
+          <ac:chgData name="尾嵜 成真" userId="dd95f81a979e9056" providerId="LiveId" clId="{AC734C73-8538-4BAB-908C-DE9B017264B5}" dt="2023-01-09T15:03:57.855" v="1209"/>
+          <ac:picMkLst>
+            <pc:docMk/>
+            <pc:sldMk cId="2680518299" sldId="408"/>
+            <ac:picMk id="1026" creationId="{A6696BD0-74AB-5FFF-44A1-24C35A3F44C3}"/>
+          </ac:picMkLst>
+        </pc:picChg>
+      </pc:sldChg>
+      <pc:sldChg chg="addSp delSp modSp add del mod">
+        <pc:chgData name="尾嵜 成真" userId="dd95f81a979e9056" providerId="LiveId" clId="{AC734C73-8538-4BAB-908C-DE9B017264B5}" dt="2023-01-11T07:20:27.132" v="2283" actId="47"/>
+        <pc:sldMkLst>
+          <pc:docMk/>
+          <pc:sldMk cId="255535010" sldId="409"/>
+        </pc:sldMkLst>
+        <pc:spChg chg="add mod">
+          <ac:chgData name="尾嵜 成真" userId="dd95f81a979e9056" providerId="LiveId" clId="{AC734C73-8538-4BAB-908C-DE9B017264B5}" dt="2023-01-10T08:59:59.397" v="1948" actId="207"/>
+          <ac:spMkLst>
+            <pc:docMk/>
+            <pc:sldMk cId="255535010" sldId="409"/>
+            <ac:spMk id="2" creationId="{255CC66D-DD39-2623-5529-87148FC23A03}"/>
+          </ac:spMkLst>
+        </pc:spChg>
+        <pc:spChg chg="add mod">
+          <ac:chgData name="尾嵜 成真" userId="dd95f81a979e9056" providerId="LiveId" clId="{AC734C73-8538-4BAB-908C-DE9B017264B5}" dt="2023-01-10T08:48:15.891" v="1749" actId="14100"/>
+          <ac:spMkLst>
+            <pc:docMk/>
+            <pc:sldMk cId="255535010" sldId="409"/>
+            <ac:spMk id="4" creationId="{136B95D6-3A81-252F-67A3-196FF1121E65}"/>
+          </ac:spMkLst>
+        </pc:spChg>
+        <pc:spChg chg="add del mod">
+          <ac:chgData name="尾嵜 成真" userId="dd95f81a979e9056" providerId="LiveId" clId="{AC734C73-8538-4BAB-908C-DE9B017264B5}" dt="2023-01-10T08:57:15.979" v="1924"/>
+          <ac:spMkLst>
+            <pc:docMk/>
+            <pc:sldMk cId="255535010" sldId="409"/>
+            <ac:spMk id="5" creationId="{E888323E-A3C1-2768-B715-987BDA2C5E3B}"/>
+          </ac:spMkLst>
+        </pc:spChg>
+        <pc:spChg chg="mod">
+          <ac:chgData name="尾嵜 成真" userId="dd95f81a979e9056" providerId="LiveId" clId="{AC734C73-8538-4BAB-908C-DE9B017264B5}" dt="2023-01-09T15:10:34.055" v="1458" actId="20577"/>
+          <ac:spMkLst>
+            <pc:docMk/>
+            <pc:sldMk cId="255535010" sldId="409"/>
+            <ac:spMk id="10" creationId="{4C8D8093-D708-E46A-39FD-79BFCCF8875B}"/>
+          </ac:spMkLst>
+        </pc:spChg>
+        <pc:spChg chg="mod">
+          <ac:chgData name="尾嵜 成真" userId="dd95f81a979e9056" providerId="LiveId" clId="{AC734C73-8538-4BAB-908C-DE9B017264B5}" dt="2023-01-09T15:05:27.976" v="1253" actId="20577"/>
+          <ac:spMkLst>
+            <pc:docMk/>
+            <pc:sldMk cId="255535010" sldId="409"/>
+            <ac:spMk id="29" creationId="{A17934AB-FCC8-3776-1635-6E61D9A7D43B}"/>
+          </ac:spMkLst>
+        </pc:spChg>
+        <pc:picChg chg="add mod">
+          <ac:chgData name="尾嵜 成真" userId="dd95f81a979e9056" providerId="LiveId" clId="{AC734C73-8538-4BAB-908C-DE9B017264B5}" dt="2023-01-10T09:00:36.053" v="1952" actId="1076"/>
+          <ac:picMkLst>
+            <pc:docMk/>
+            <pc:sldMk cId="255535010" sldId="409"/>
+            <ac:picMk id="3" creationId="{B28BDD0F-B809-F1DE-AF53-48172998381B}"/>
+          </ac:picMkLst>
+        </pc:picChg>
+        <pc:picChg chg="add del mod">
+          <ac:chgData name="尾嵜 成真" userId="dd95f81a979e9056" providerId="LiveId" clId="{AC734C73-8538-4BAB-908C-DE9B017264B5}" dt="2023-01-09T15:09:37.165" v="1447" actId="21"/>
+          <ac:picMkLst>
+            <pc:docMk/>
+            <pc:sldMk cId="255535010" sldId="409"/>
+            <ac:picMk id="2050" creationId="{4AB6F1AB-E860-E0AF-3D80-5F37C1AF221E}"/>
+          </ac:picMkLst>
+        </pc:picChg>
+      </pc:sldChg>
+      <pc:sldChg chg="del">
+        <pc:chgData name="尾嵜 成真" userId="dd95f81a979e9056" providerId="LiveId" clId="{AC734C73-8538-4BAB-908C-DE9B017264B5}" dt="2023-01-09T06:33:05.949" v="34" actId="47"/>
+        <pc:sldMkLst>
+          <pc:docMk/>
+          <pc:sldMk cId="3356467864" sldId="409"/>
+        </pc:sldMkLst>
+      </pc:sldChg>
+      <pc:sldChg chg="modSp add del mod">
+        <pc:chgData name="尾嵜 成真" userId="dd95f81a979e9056" providerId="LiveId" clId="{AC734C73-8538-4BAB-908C-DE9B017264B5}" dt="2023-01-09T14:14:59.158" v="863" actId="47"/>
+        <pc:sldMkLst>
+          <pc:docMk/>
+          <pc:sldMk cId="3419469481" sldId="409"/>
+        </pc:sldMkLst>
+        <pc:spChg chg="mod">
+          <ac:chgData name="尾嵜 成真" userId="dd95f81a979e9056" providerId="LiveId" clId="{AC734C73-8538-4BAB-908C-DE9B017264B5}" dt="2023-01-09T14:14:56.627" v="862" actId="6549"/>
+          <ac:spMkLst>
+            <pc:docMk/>
+            <pc:sldMk cId="3419469481" sldId="409"/>
+            <ac:spMk id="29" creationId="{A17934AB-FCC8-3776-1635-6E61D9A7D43B}"/>
+          </ac:spMkLst>
+        </pc:spChg>
+      </pc:sldChg>
+      <pc:sldChg chg="addSp delSp modSp add mod ord">
+        <pc:chgData name="尾嵜 成真" userId="dd95f81a979e9056" providerId="LiveId" clId="{AC734C73-8538-4BAB-908C-DE9B017264B5}" dt="2023-01-11T07:07:18.357" v="2014" actId="113"/>
+        <pc:sldMkLst>
+          <pc:docMk/>
+          <pc:sldMk cId="3139867923" sldId="410"/>
+        </pc:sldMkLst>
+        <pc:spChg chg="mod">
+          <ac:chgData name="尾嵜 成真" userId="dd95f81a979e9056" providerId="LiveId" clId="{AC734C73-8538-4BAB-908C-DE9B017264B5}" dt="2023-01-11T07:07:18.357" v="2014" actId="113"/>
+          <ac:spMkLst>
+            <pc:docMk/>
+            <pc:sldMk cId="3139867923" sldId="410"/>
+            <ac:spMk id="10" creationId="{4C8D8093-D708-E46A-39FD-79BFCCF8875B}"/>
+          </ac:spMkLst>
+        </pc:spChg>
+        <pc:spChg chg="add del mod">
+          <ac:chgData name="尾嵜 成真" userId="dd95f81a979e9056" providerId="LiveId" clId="{AC734C73-8538-4BAB-908C-DE9B017264B5}" dt="2023-01-10T08:58:47.126" v="1938" actId="21"/>
+          <ac:spMkLst>
+            <pc:docMk/>
+            <pc:sldMk cId="3139867923" sldId="410"/>
+            <ac:spMk id="16" creationId="{073B1B70-080E-D813-197C-3B5629027995}"/>
+          </ac:spMkLst>
+        </pc:spChg>
+        <pc:spChg chg="add del mod">
+          <ac:chgData name="尾嵜 成真" userId="dd95f81a979e9056" providerId="LiveId" clId="{AC734C73-8538-4BAB-908C-DE9B017264B5}" dt="2023-01-10T08:58:47.126" v="1938" actId="21"/>
+          <ac:spMkLst>
+            <pc:docMk/>
+            <pc:sldMk cId="3139867923" sldId="410"/>
+            <ac:spMk id="17" creationId="{CAEAF506-A42E-9874-8CC1-3A8309105AC2}"/>
+          </ac:spMkLst>
+        </pc:spChg>
+        <pc:spChg chg="add del mod">
+          <ac:chgData name="尾嵜 成真" userId="dd95f81a979e9056" providerId="LiveId" clId="{AC734C73-8538-4BAB-908C-DE9B017264B5}" dt="2023-01-10T08:58:47.126" v="1938" actId="21"/>
+          <ac:spMkLst>
+            <pc:docMk/>
+            <pc:sldMk cId="3139867923" sldId="410"/>
+            <ac:spMk id="18" creationId="{18401BD7-A6E8-7D38-F090-2592C11F6530}"/>
+          </ac:spMkLst>
+        </pc:spChg>
+        <pc:spChg chg="add del mod">
+          <ac:chgData name="尾嵜 成真" userId="dd95f81a979e9056" providerId="LiveId" clId="{AC734C73-8538-4BAB-908C-DE9B017264B5}" dt="2023-01-10T09:00:55.114" v="1957" actId="21"/>
+          <ac:spMkLst>
+            <pc:docMk/>
+            <pc:sldMk cId="3139867923" sldId="410"/>
+            <ac:spMk id="19" creationId="{8C91F996-2639-8D08-FCF5-EA564DDF8FAA}"/>
+          </ac:spMkLst>
+        </pc:spChg>
+        <pc:spChg chg="mod">
+          <ac:chgData name="尾嵜 成真" userId="dd95f81a979e9056" providerId="LiveId" clId="{AC734C73-8538-4BAB-908C-DE9B017264B5}" dt="2023-01-10T09:03:25.684" v="1978" actId="20577"/>
+          <ac:spMkLst>
+            <pc:docMk/>
+            <pc:sldMk cId="3139867923" sldId="410"/>
+            <ac:spMk id="29" creationId="{A17934AB-FCC8-3776-1635-6E61D9A7D43B}"/>
+          </ac:spMkLst>
+        </pc:spChg>
+        <pc:spChg chg="add del mod">
+          <ac:chgData name="尾嵜 成真" userId="dd95f81a979e9056" providerId="LiveId" clId="{AC734C73-8538-4BAB-908C-DE9B017264B5}" dt="2023-01-10T08:58:47.126" v="1938" actId="21"/>
+          <ac:spMkLst>
+            <pc:docMk/>
+            <pc:sldMk cId="3139867923" sldId="410"/>
+            <ac:spMk id="67" creationId="{08523308-F11A-5E38-C78C-99FA6B0C2927}"/>
+          </ac:spMkLst>
+        </pc:spChg>
+        <pc:spChg chg="add del mod">
+          <ac:chgData name="尾嵜 成真" userId="dd95f81a979e9056" providerId="LiveId" clId="{AC734C73-8538-4BAB-908C-DE9B017264B5}" dt="2023-01-10T08:58:47.126" v="1938" actId="21"/>
+          <ac:spMkLst>
+            <pc:docMk/>
+            <pc:sldMk cId="3139867923" sldId="410"/>
+            <ac:spMk id="68" creationId="{70677F50-4995-61EF-5D63-40CB847859F2}"/>
+          </ac:spMkLst>
+        </pc:spChg>
+        <pc:spChg chg="add del mod">
+          <ac:chgData name="尾嵜 成真" userId="dd95f81a979e9056" providerId="LiveId" clId="{AC734C73-8538-4BAB-908C-DE9B017264B5}" dt="2023-01-10T08:58:00.507" v="1927" actId="478"/>
+          <ac:spMkLst>
+            <pc:docMk/>
+            <pc:sldMk cId="3139867923" sldId="410"/>
+            <ac:spMk id="69" creationId="{1E168B79-9E49-ABD3-517D-ECF6D20B63FA}"/>
+          </ac:spMkLst>
+        </pc:spChg>
+        <pc:spChg chg="add del mod">
+          <ac:chgData name="尾嵜 成真" userId="dd95f81a979e9056" providerId="LiveId" clId="{AC734C73-8538-4BAB-908C-DE9B017264B5}" dt="2023-01-10T09:00:55.114" v="1957" actId="21"/>
+          <ac:spMkLst>
+            <pc:docMk/>
+            <pc:sldMk cId="3139867923" sldId="410"/>
+            <ac:spMk id="81" creationId="{E7EDBC4E-12B9-A0E9-7DA0-D88B612095C9}"/>
+          </ac:spMkLst>
+        </pc:spChg>
+        <pc:spChg chg="add del mod">
+          <ac:chgData name="尾嵜 成真" userId="dd95f81a979e9056" providerId="LiveId" clId="{AC734C73-8538-4BAB-908C-DE9B017264B5}" dt="2023-01-10T09:00:55.114" v="1957" actId="21"/>
+          <ac:spMkLst>
+            <pc:docMk/>
+            <pc:sldMk cId="3139867923" sldId="410"/>
+            <ac:spMk id="82" creationId="{3006587E-BEF4-8F30-C350-A2CC0B561E5D}"/>
+          </ac:spMkLst>
+        </pc:spChg>
+        <pc:spChg chg="add del mod">
+          <ac:chgData name="尾嵜 成真" userId="dd95f81a979e9056" providerId="LiveId" clId="{AC734C73-8538-4BAB-908C-DE9B017264B5}" dt="2023-01-10T09:00:55.114" v="1957" actId="21"/>
+          <ac:spMkLst>
+            <pc:docMk/>
+            <pc:sldMk cId="3139867923" sldId="410"/>
+            <ac:spMk id="83" creationId="{8EF76740-0C3A-E007-2CC0-51372E6ED81B}"/>
+          </ac:spMkLst>
+        </pc:spChg>
+        <pc:spChg chg="add del mod">
+          <ac:chgData name="尾嵜 成真" userId="dd95f81a979e9056" providerId="LiveId" clId="{AC734C73-8538-4BAB-908C-DE9B017264B5}" dt="2023-01-10T09:00:55.114" v="1957" actId="21"/>
+          <ac:spMkLst>
+            <pc:docMk/>
+            <pc:sldMk cId="3139867923" sldId="410"/>
+            <ac:spMk id="96" creationId="{D3334808-555F-C5BE-5CDD-87813A140D9D}"/>
+          </ac:spMkLst>
+        </pc:spChg>
+        <pc:spChg chg="add del mod">
+          <ac:chgData name="尾嵜 成真" userId="dd95f81a979e9056" providerId="LiveId" clId="{AC734C73-8538-4BAB-908C-DE9B017264B5}" dt="2023-01-10T09:00:55.114" v="1957" actId="21"/>
+          <ac:spMkLst>
+            <pc:docMk/>
+            <pc:sldMk cId="3139867923" sldId="410"/>
+            <ac:spMk id="97" creationId="{961D5B33-F1B7-2434-9AF2-E0A5B92F5D85}"/>
+          </ac:spMkLst>
+        </pc:spChg>
+        <pc:spChg chg="add mod">
+          <ac:chgData name="尾嵜 成真" userId="dd95f81a979e9056" providerId="LiveId" clId="{AC734C73-8538-4BAB-908C-DE9B017264B5}" dt="2023-01-10T09:00:55.413" v="1958"/>
+          <ac:spMkLst>
+            <pc:docMk/>
+            <pc:sldMk cId="3139867923" sldId="410"/>
+            <ac:spMk id="101" creationId="{83A8B892-D58C-F214-CC73-696A21A79939}"/>
+          </ac:spMkLst>
+        </pc:spChg>
+        <pc:spChg chg="add mod">
+          <ac:chgData name="尾嵜 成真" userId="dd95f81a979e9056" providerId="LiveId" clId="{AC734C73-8538-4BAB-908C-DE9B017264B5}" dt="2023-01-10T09:00:55.413" v="1958"/>
+          <ac:spMkLst>
+            <pc:docMk/>
+            <pc:sldMk cId="3139867923" sldId="410"/>
+            <ac:spMk id="109" creationId="{EDA8A187-0998-43B3-54C9-2CADE2B043D4}"/>
+          </ac:spMkLst>
+        </pc:spChg>
+        <pc:spChg chg="add mod">
+          <ac:chgData name="尾嵜 成真" userId="dd95f81a979e9056" providerId="LiveId" clId="{AC734C73-8538-4BAB-908C-DE9B017264B5}" dt="2023-01-10T09:00:55.413" v="1958"/>
+          <ac:spMkLst>
+            <pc:docMk/>
+            <pc:sldMk cId="3139867923" sldId="410"/>
+            <ac:spMk id="110" creationId="{2CFC3419-D60F-CB0D-FF84-B747B8D76E23}"/>
+          </ac:spMkLst>
+        </pc:spChg>
+        <pc:spChg chg="add mod">
+          <ac:chgData name="尾嵜 成真" userId="dd95f81a979e9056" providerId="LiveId" clId="{AC734C73-8538-4BAB-908C-DE9B017264B5}" dt="2023-01-10T09:00:55.413" v="1958"/>
+          <ac:spMkLst>
+            <pc:docMk/>
+            <pc:sldMk cId="3139867923" sldId="410"/>
+            <ac:spMk id="111" creationId="{914AEE6C-0E7E-CB37-FE7A-B345D6A90E92}"/>
+          </ac:spMkLst>
+        </pc:spChg>
+        <pc:spChg chg="add mod">
+          <ac:chgData name="尾嵜 成真" userId="dd95f81a979e9056" providerId="LiveId" clId="{AC734C73-8538-4BAB-908C-DE9B017264B5}" dt="2023-01-10T09:00:55.413" v="1958"/>
+          <ac:spMkLst>
+            <pc:docMk/>
+            <pc:sldMk cId="3139867923" sldId="410"/>
+            <ac:spMk id="124" creationId="{3F76A605-AD10-5810-F66F-05A802FABF68}"/>
+          </ac:spMkLst>
+        </pc:spChg>
+        <pc:spChg chg="add mod">
+          <ac:chgData name="尾嵜 成真" userId="dd95f81a979e9056" providerId="LiveId" clId="{AC734C73-8538-4BAB-908C-DE9B017264B5}" dt="2023-01-10T09:00:55.413" v="1958"/>
+          <ac:spMkLst>
+            <pc:docMk/>
+            <pc:sldMk cId="3139867923" sldId="410"/>
+            <ac:spMk id="125" creationId="{E179C35C-E085-2F47-047A-B3A7FC0E2C92}"/>
+          </ac:spMkLst>
+        </pc:spChg>
+        <pc:spChg chg="add del mod">
+          <ac:chgData name="尾嵜 成真" userId="dd95f81a979e9056" providerId="LiveId" clId="{AC734C73-8538-4BAB-908C-DE9B017264B5}" dt="2023-01-11T07:03:36.085" v="2002" actId="478"/>
+          <ac:spMkLst>
+            <pc:docMk/>
+            <pc:sldMk cId="3139867923" sldId="410"/>
+            <ac:spMk id="130" creationId="{CEFF3EC0-519A-B997-6CCC-785097B4E6FE}"/>
+          </ac:spMkLst>
+        </pc:spChg>
+        <pc:picChg chg="add del mod">
+          <ac:chgData name="尾嵜 成真" userId="dd95f81a979e9056" providerId="LiveId" clId="{AC734C73-8538-4BAB-908C-DE9B017264B5}" dt="2023-01-10T08:58:47.126" v="1938" actId="21"/>
+          <ac:picMkLst>
+            <pc:docMk/>
+            <pc:sldMk cId="3139867923" sldId="410"/>
+            <ac:picMk id="3" creationId="{47F8C541-6B7E-48ED-F023-36D0FD7667F2}"/>
+          </ac:picMkLst>
+        </pc:picChg>
+        <pc:picChg chg="add del mod">
+          <ac:chgData name="尾嵜 成真" userId="dd95f81a979e9056" providerId="LiveId" clId="{AC734C73-8538-4BAB-908C-DE9B017264B5}" dt="2023-01-10T08:58:47.126" v="1938" actId="21"/>
+          <ac:picMkLst>
+            <pc:docMk/>
+            <pc:sldMk cId="3139867923" sldId="410"/>
+            <ac:picMk id="4" creationId="{7B029F51-15AC-F0FB-2893-05DFD2CE97D8}"/>
+          </ac:picMkLst>
+        </pc:picChg>
+        <pc:picChg chg="add del mod">
+          <ac:chgData name="尾嵜 成真" userId="dd95f81a979e9056" providerId="LiveId" clId="{AC734C73-8538-4BAB-908C-DE9B017264B5}" dt="2023-01-10T08:58:47.126" v="1938" actId="21"/>
+          <ac:picMkLst>
+            <pc:docMk/>
+            <pc:sldMk cId="3139867923" sldId="410"/>
+            <ac:picMk id="5" creationId="{A2AB5643-C557-86A8-A117-68FCA9BDC052}"/>
+          </ac:picMkLst>
+        </pc:picChg>
+        <pc:picChg chg="add del mod">
+          <ac:chgData name="尾嵜 成真" userId="dd95f81a979e9056" providerId="LiveId" clId="{AC734C73-8538-4BAB-908C-DE9B017264B5}" dt="2023-01-10T08:58:47.126" v="1938" actId="21"/>
+          <ac:picMkLst>
+            <pc:docMk/>
+            <pc:sldMk cId="3139867923" sldId="410"/>
+            <ac:picMk id="6" creationId="{A681487B-FEF6-0BD3-D49B-5395FB80EE99}"/>
+          </ac:picMkLst>
+        </pc:picChg>
+        <pc:picChg chg="add del mod">
+          <ac:chgData name="尾嵜 成真" userId="dd95f81a979e9056" providerId="LiveId" clId="{AC734C73-8538-4BAB-908C-DE9B017264B5}" dt="2023-01-10T08:50:18.373" v="1792" actId="478"/>
+          <ac:picMkLst>
+            <pc:docMk/>
+            <pc:sldMk cId="3139867923" sldId="410"/>
+            <ac:picMk id="20" creationId="{2B3BE360-ED9D-3894-27B8-1EAC9A99970D}"/>
+          </ac:picMkLst>
+        </pc:picChg>
+        <pc:picChg chg="add del mod">
+          <ac:chgData name="尾嵜 成真" userId="dd95f81a979e9056" providerId="LiveId" clId="{AC734C73-8538-4BAB-908C-DE9B017264B5}" dt="2023-01-10T08:58:47.126" v="1938" actId="21"/>
+          <ac:picMkLst>
+            <pc:docMk/>
+            <pc:sldMk cId="3139867923" sldId="410"/>
+            <ac:picMk id="22" creationId="{0E297574-67C4-0FCE-8123-2CAB90658F5B}"/>
+          </ac:picMkLst>
+        </pc:picChg>
+        <pc:picChg chg="add del mod">
+          <ac:chgData name="尾嵜 成真" userId="dd95f81a979e9056" providerId="LiveId" clId="{AC734C73-8538-4BAB-908C-DE9B017264B5}" dt="2023-01-10T08:50:27.328" v="1795"/>
+          <ac:picMkLst>
+            <pc:docMk/>
+            <pc:sldMk cId="3139867923" sldId="410"/>
+            <ac:picMk id="23" creationId="{D9B9BEE5-31D6-81C5-2793-16CE3899992C}"/>
+          </ac:picMkLst>
+        </pc:picChg>
+        <pc:picChg chg="add del mod">
+          <ac:chgData name="尾嵜 成真" userId="dd95f81a979e9056" providerId="LiveId" clId="{AC734C73-8538-4BAB-908C-DE9B017264B5}" dt="2023-01-10T08:58:47.126" v="1938" actId="21"/>
+          <ac:picMkLst>
+            <pc:docMk/>
+            <pc:sldMk cId="3139867923" sldId="410"/>
+            <ac:picMk id="24" creationId="{85E8164A-A382-5048-4C50-103F6BA59E0C}"/>
+          </ac:picMkLst>
+        </pc:picChg>
+        <pc:picChg chg="add del mod">
+          <ac:chgData name="尾嵜 成真" userId="dd95f81a979e9056" providerId="LiveId" clId="{AC734C73-8538-4BAB-908C-DE9B017264B5}" dt="2023-01-10T08:58:47.126" v="1938" actId="21"/>
+          <ac:picMkLst>
+            <pc:docMk/>
+            <pc:sldMk cId="3139867923" sldId="410"/>
+            <ac:picMk id="26" creationId="{1CFB7AC9-FD41-B268-CA50-22A7CE04E292}"/>
+          </ac:picMkLst>
+        </pc:picChg>
+        <pc:picChg chg="add del mod">
+          <ac:chgData name="尾嵜 成真" userId="dd95f81a979e9056" providerId="LiveId" clId="{AC734C73-8538-4BAB-908C-DE9B017264B5}" dt="2023-01-10T08:58:47.126" v="1938" actId="21"/>
+          <ac:picMkLst>
+            <pc:docMk/>
+            <pc:sldMk cId="3139867923" sldId="410"/>
+            <ac:picMk id="27" creationId="{9956011A-E82C-3BB1-2603-7C8D443C2522}"/>
+          </ac:picMkLst>
+        </pc:picChg>
+        <pc:picChg chg="add del mod">
+          <ac:chgData name="尾嵜 成真" userId="dd95f81a979e9056" providerId="LiveId" clId="{AC734C73-8538-4BAB-908C-DE9B017264B5}" dt="2023-01-10T08:58:47.126" v="1938" actId="21"/>
+          <ac:picMkLst>
+            <pc:docMk/>
+            <pc:sldMk cId="3139867923" sldId="410"/>
+            <ac:picMk id="30" creationId="{D164F9F9-D80A-E039-57C1-F44A77A015A0}"/>
+          </ac:picMkLst>
+        </pc:picChg>
+        <pc:picChg chg="add del mod">
+          <ac:chgData name="尾嵜 成真" userId="dd95f81a979e9056" providerId="LiveId" clId="{AC734C73-8538-4BAB-908C-DE9B017264B5}" dt="2023-01-10T08:58:47.126" v="1938" actId="21"/>
+          <ac:picMkLst>
+            <pc:docMk/>
+            <pc:sldMk cId="3139867923" sldId="410"/>
+            <ac:picMk id="31" creationId="{5E104E27-7E41-F358-23DF-58B3DACF8084}"/>
+          </ac:picMkLst>
+        </pc:picChg>
+        <pc:picChg chg="add del mod">
+          <ac:chgData name="尾嵜 成真" userId="dd95f81a979e9056" providerId="LiveId" clId="{AC734C73-8538-4BAB-908C-DE9B017264B5}" dt="2023-01-10T08:55:39.566" v="1864"/>
+          <ac:picMkLst>
+            <pc:docMk/>
+            <pc:sldMk cId="3139867923" sldId="410"/>
+            <ac:picMk id="64" creationId="{49C1FE1D-E741-95DA-7960-6A87887EC7DF}"/>
+          </ac:picMkLst>
+        </pc:picChg>
+        <pc:picChg chg="add del mod">
+          <ac:chgData name="尾嵜 成真" userId="dd95f81a979e9056" providerId="LiveId" clId="{AC734C73-8538-4BAB-908C-DE9B017264B5}" dt="2023-01-10T08:55:43.570" v="1866"/>
+          <ac:picMkLst>
+            <pc:docMk/>
+            <pc:sldMk cId="3139867923" sldId="410"/>
+            <ac:picMk id="65" creationId="{C05B38EF-937D-FDCD-2165-BBA95EB59A8C}"/>
+          </ac:picMkLst>
+        </pc:picChg>
+        <pc:picChg chg="add del mod">
+          <ac:chgData name="尾嵜 成真" userId="dd95f81a979e9056" providerId="LiveId" clId="{AC734C73-8538-4BAB-908C-DE9B017264B5}" dt="2023-01-10T08:55:46.032" v="1868"/>
+          <ac:picMkLst>
+            <pc:docMk/>
+            <pc:sldMk cId="3139867923" sldId="410"/>
+            <ac:picMk id="66" creationId="{5A837C5C-8528-F231-5C82-07B1E8BE5C18}"/>
+          </ac:picMkLst>
+        </pc:picChg>
+        <pc:picChg chg="add del mod">
+          <ac:chgData name="尾嵜 成真" userId="dd95f81a979e9056" providerId="LiveId" clId="{AC734C73-8538-4BAB-908C-DE9B017264B5}" dt="2023-01-10T08:58:27.790" v="1933" actId="478"/>
+          <ac:picMkLst>
+            <pc:docMk/>
+            <pc:sldMk cId="3139867923" sldId="410"/>
+            <ac:picMk id="71" creationId="{0F1650C1-C80B-8937-F83A-4B52370328EC}"/>
+          </ac:picMkLst>
+        </pc:picChg>
+        <pc:picChg chg="add del mod">
+          <ac:chgData name="尾嵜 成真" userId="dd95f81a979e9056" providerId="LiveId" clId="{AC734C73-8538-4BAB-908C-DE9B017264B5}" dt="2023-01-10T08:59:29.415" v="1946" actId="478"/>
+          <ac:picMkLst>
+            <pc:docMk/>
+            <pc:sldMk cId="3139867923" sldId="410"/>
+            <ac:picMk id="73" creationId="{8E522812-BA8B-5872-3849-B40BAC01DB7D}"/>
+          </ac:picMkLst>
+        </pc:picChg>
+        <pc:picChg chg="add del mod">
+          <ac:chgData name="尾嵜 成真" userId="dd95f81a979e9056" providerId="LiveId" clId="{AC734C73-8538-4BAB-908C-DE9B017264B5}" dt="2023-01-10T09:00:55.114" v="1957" actId="21"/>
+          <ac:picMkLst>
+            <pc:docMk/>
+            <pc:sldMk cId="3139867923" sldId="410"/>
+            <ac:picMk id="74" creationId="{79F0A919-D634-D4F7-70D8-0A54FF126C65}"/>
+          </ac:picMkLst>
+        </pc:picChg>
+        <pc:picChg chg="add del mod">
+          <ac:chgData name="尾嵜 成真" userId="dd95f81a979e9056" providerId="LiveId" clId="{AC734C73-8538-4BAB-908C-DE9B017264B5}" dt="2023-01-10T09:00:55.114" v="1957" actId="21"/>
+          <ac:picMkLst>
+            <pc:docMk/>
+            <pc:sldMk cId="3139867923" sldId="410"/>
+            <ac:picMk id="75" creationId="{F55629FA-C5DD-FCC1-46E1-4977106AFE4C}"/>
+          </ac:picMkLst>
+        </pc:picChg>
+        <pc:picChg chg="add del mod">
+          <ac:chgData name="尾嵜 成真" userId="dd95f81a979e9056" providerId="LiveId" clId="{AC734C73-8538-4BAB-908C-DE9B017264B5}" dt="2023-01-10T09:00:55.114" v="1957" actId="21"/>
+          <ac:picMkLst>
+            <pc:docMk/>
+            <pc:sldMk cId="3139867923" sldId="410"/>
+            <ac:picMk id="76" creationId="{FCA552CB-BCF3-0A2E-15CB-CC61778AB837}"/>
+          </ac:picMkLst>
+        </pc:picChg>
+        <pc:picChg chg="add del mod">
+          <ac:chgData name="尾嵜 成真" userId="dd95f81a979e9056" providerId="LiveId" clId="{AC734C73-8538-4BAB-908C-DE9B017264B5}" dt="2023-01-10T09:00:55.114" v="1957" actId="21"/>
+          <ac:picMkLst>
+            <pc:docMk/>
+            <pc:sldMk cId="3139867923" sldId="410"/>
+            <ac:picMk id="77" creationId="{62C3E83D-4436-1FE0-E028-2604EEC73E92}"/>
+          </ac:picMkLst>
+        </pc:picChg>
+        <pc:picChg chg="add del mod">
+          <ac:chgData name="尾嵜 成真" userId="dd95f81a979e9056" providerId="LiveId" clId="{AC734C73-8538-4BAB-908C-DE9B017264B5}" dt="2023-01-10T09:00:55.114" v="1957" actId="21"/>
+          <ac:picMkLst>
+            <pc:docMk/>
+            <pc:sldMk cId="3139867923" sldId="410"/>
+            <ac:picMk id="84" creationId="{CEFFAB53-1676-2E36-EE73-5CF3AB5430D2}"/>
+          </ac:picMkLst>
+        </pc:picChg>
+        <pc:picChg chg="add del mod">
+          <ac:chgData name="尾嵜 成真" userId="dd95f81a979e9056" providerId="LiveId" clId="{AC734C73-8538-4BAB-908C-DE9B017264B5}" dt="2023-01-10T09:00:55.114" v="1957" actId="21"/>
+          <ac:picMkLst>
+            <pc:docMk/>
+            <pc:sldMk cId="3139867923" sldId="410"/>
+            <ac:picMk id="85" creationId="{EC060EDE-FFB6-0480-C5DC-9B2B4ADB3DFE}"/>
+          </ac:picMkLst>
+        </pc:picChg>
+        <pc:picChg chg="add del mod">
+          <ac:chgData name="尾嵜 成真" userId="dd95f81a979e9056" providerId="LiveId" clId="{AC734C73-8538-4BAB-908C-DE9B017264B5}" dt="2023-01-10T09:00:55.114" v="1957" actId="21"/>
+          <ac:picMkLst>
+            <pc:docMk/>
+            <pc:sldMk cId="3139867923" sldId="410"/>
+            <ac:picMk id="86" creationId="{2A4F4FDF-EEE7-53CD-9F29-E28DBA21B38C}"/>
+          </ac:picMkLst>
+        </pc:picChg>
+        <pc:picChg chg="add del mod">
+          <ac:chgData name="尾嵜 成真" userId="dd95f81a979e9056" providerId="LiveId" clId="{AC734C73-8538-4BAB-908C-DE9B017264B5}" dt="2023-01-10T09:00:55.114" v="1957" actId="21"/>
+          <ac:picMkLst>
+            <pc:docMk/>
+            <pc:sldMk cId="3139867923" sldId="410"/>
+            <ac:picMk id="87" creationId="{2E9F054A-FC0D-57FB-8A5F-52027A08C00F}"/>
+          </ac:picMkLst>
+        </pc:picChg>
+        <pc:picChg chg="add del mod">
+          <ac:chgData name="尾嵜 成真" userId="dd95f81a979e9056" providerId="LiveId" clId="{AC734C73-8538-4BAB-908C-DE9B017264B5}" dt="2023-01-10T09:00:55.114" v="1957" actId="21"/>
+          <ac:picMkLst>
+            <pc:docMk/>
+            <pc:sldMk cId="3139867923" sldId="410"/>
+            <ac:picMk id="88" creationId="{F36AA2A0-0F4D-89CF-EE31-091655D135FF}"/>
+          </ac:picMkLst>
+        </pc:picChg>
+        <pc:picChg chg="add del mod">
+          <ac:chgData name="尾嵜 成真" userId="dd95f81a979e9056" providerId="LiveId" clId="{AC734C73-8538-4BAB-908C-DE9B017264B5}" dt="2023-01-10T09:00:55.114" v="1957" actId="21"/>
+          <ac:picMkLst>
+            <pc:docMk/>
+            <pc:sldMk cId="3139867923" sldId="410"/>
+            <ac:picMk id="89" creationId="{652C148F-891A-1FC0-1C86-C0F2C7255AE4}"/>
+          </ac:picMkLst>
+        </pc:picChg>
+        <pc:picChg chg="add del mod">
+          <ac:chgData name="尾嵜 成真" userId="dd95f81a979e9056" providerId="LiveId" clId="{AC734C73-8538-4BAB-908C-DE9B017264B5}" dt="2023-01-10T09:00:49.112" v="1954"/>
+          <ac:picMkLst>
+            <pc:docMk/>
+            <pc:sldMk cId="3139867923" sldId="410"/>
+            <ac:picMk id="98" creationId="{5AFD63FB-5816-BE82-A3E9-52C7932D514E}"/>
+          </ac:picMkLst>
+        </pc:picChg>
+        <pc:picChg chg="add mod">
+          <ac:chgData name="尾嵜 成真" userId="dd95f81a979e9056" providerId="LiveId" clId="{AC734C73-8538-4BAB-908C-DE9B017264B5}" dt="2023-01-10T09:01:34.336" v="1967" actId="14100"/>
+          <ac:picMkLst>
+            <pc:docMk/>
+            <pc:sldMk cId="3139867923" sldId="410"/>
+            <ac:picMk id="100" creationId="{0A02E126-E294-0FC2-6361-EBA70307C44C}"/>
+          </ac:picMkLst>
+        </pc:picChg>
+        <pc:picChg chg="add mod">
+          <ac:chgData name="尾嵜 成真" userId="dd95f81a979e9056" providerId="LiveId" clId="{AC734C73-8538-4BAB-908C-DE9B017264B5}" dt="2023-01-10T09:00:55.413" v="1958"/>
+          <ac:picMkLst>
+            <pc:docMk/>
+            <pc:sldMk cId="3139867923" sldId="410"/>
+            <ac:picMk id="102" creationId="{1BA8F531-B3E1-2119-0925-BDB80F0E4459}"/>
+          </ac:picMkLst>
+        </pc:picChg>
+        <pc:picChg chg="add mod">
+          <ac:chgData name="尾嵜 成真" userId="dd95f81a979e9056" providerId="LiveId" clId="{AC734C73-8538-4BAB-908C-DE9B017264B5}" dt="2023-01-10T09:00:55.413" v="1958"/>
+          <ac:picMkLst>
+            <pc:docMk/>
+            <pc:sldMk cId="3139867923" sldId="410"/>
+            <ac:picMk id="103" creationId="{82F268A2-8A07-5422-07CF-431A18381E3B}"/>
+          </ac:picMkLst>
+        </pc:picChg>
+        <pc:picChg chg="add mod">
+          <ac:chgData name="尾嵜 成真" userId="dd95f81a979e9056" providerId="LiveId" clId="{AC734C73-8538-4BAB-908C-DE9B017264B5}" dt="2023-01-10T09:00:55.413" v="1958"/>
+          <ac:picMkLst>
+            <pc:docMk/>
+            <pc:sldMk cId="3139867923" sldId="410"/>
+            <ac:picMk id="104" creationId="{39AD31B7-7DC4-0F2B-BDFA-1020890911C3}"/>
+          </ac:picMkLst>
+        </pc:picChg>
+        <pc:picChg chg="add mod">
+          <ac:chgData name="尾嵜 成真" userId="dd95f81a979e9056" providerId="LiveId" clId="{AC734C73-8538-4BAB-908C-DE9B017264B5}" dt="2023-01-10T09:00:55.413" v="1958"/>
+          <ac:picMkLst>
+            <pc:docMk/>
+            <pc:sldMk cId="3139867923" sldId="410"/>
+            <ac:picMk id="105" creationId="{A8291433-FF71-2251-F8B2-6A85C6B387C3}"/>
+          </ac:picMkLst>
+        </pc:picChg>
+        <pc:picChg chg="add mod">
+          <ac:chgData name="尾嵜 成真" userId="dd95f81a979e9056" providerId="LiveId" clId="{AC734C73-8538-4BAB-908C-DE9B017264B5}" dt="2023-01-10T09:01:28.113" v="1965" actId="1076"/>
+          <ac:picMkLst>
+            <pc:docMk/>
+            <pc:sldMk cId="3139867923" sldId="410"/>
+            <ac:picMk id="112" creationId="{BF63A4D2-70AC-D7FF-CC83-A00A2AF6D775}"/>
+          </ac:picMkLst>
+        </pc:picChg>
+        <pc:picChg chg="add mod">
+          <ac:chgData name="尾嵜 成真" userId="dd95f81a979e9056" providerId="LiveId" clId="{AC734C73-8538-4BAB-908C-DE9B017264B5}" dt="2023-01-10T09:00:55.413" v="1958"/>
+          <ac:picMkLst>
+            <pc:docMk/>
+            <pc:sldMk cId="3139867923" sldId="410"/>
+            <ac:picMk id="113" creationId="{AB232B70-D12C-4A94-C4EA-C0D42481C341}"/>
+          </ac:picMkLst>
+        </pc:picChg>
+        <pc:picChg chg="add mod">
+          <ac:chgData name="尾嵜 成真" userId="dd95f81a979e9056" providerId="LiveId" clId="{AC734C73-8538-4BAB-908C-DE9B017264B5}" dt="2023-01-10T09:01:31.307" v="1966" actId="1076"/>
+          <ac:picMkLst>
+            <pc:docMk/>
+            <pc:sldMk cId="3139867923" sldId="410"/>
+            <ac:picMk id="114" creationId="{882C1337-2934-157D-73AF-C1AA6DA0332C}"/>
+          </ac:picMkLst>
+        </pc:picChg>
+        <pc:picChg chg="add mod">
+          <ac:chgData name="尾嵜 成真" userId="dd95f81a979e9056" providerId="LiveId" clId="{AC734C73-8538-4BAB-908C-DE9B017264B5}" dt="2023-01-10T09:00:55.413" v="1958"/>
+          <ac:picMkLst>
+            <pc:docMk/>
+            <pc:sldMk cId="3139867923" sldId="410"/>
+            <ac:picMk id="115" creationId="{09DF699D-7513-818D-8A2F-3B6320E917BC}"/>
+          </ac:picMkLst>
+        </pc:picChg>
+        <pc:picChg chg="add mod">
+          <ac:chgData name="尾嵜 成真" userId="dd95f81a979e9056" providerId="LiveId" clId="{AC734C73-8538-4BAB-908C-DE9B017264B5}" dt="2023-01-10T09:00:55.413" v="1958"/>
+          <ac:picMkLst>
+            <pc:docMk/>
+            <pc:sldMk cId="3139867923" sldId="410"/>
+            <ac:picMk id="116" creationId="{8359B24D-F8F7-B77F-4806-CE4CD3670AF3}"/>
+          </ac:picMkLst>
+        </pc:picChg>
+        <pc:picChg chg="add mod">
+          <ac:chgData name="尾嵜 成真" userId="dd95f81a979e9056" providerId="LiveId" clId="{AC734C73-8538-4BAB-908C-DE9B017264B5}" dt="2023-01-10T09:00:55.413" v="1958"/>
+          <ac:picMkLst>
+            <pc:docMk/>
+            <pc:sldMk cId="3139867923" sldId="410"/>
+            <ac:picMk id="117" creationId="{26DE2BEC-6FCC-FB0A-2F19-E08184929CEC}"/>
+          </ac:picMkLst>
+        </pc:picChg>
+        <pc:picChg chg="add del mod">
+          <ac:chgData name="尾嵜 成真" userId="dd95f81a979e9056" providerId="LiveId" clId="{AC734C73-8538-4BAB-908C-DE9B017264B5}" dt="2023-01-10T09:02:06.236" v="1969" actId="478"/>
+          <ac:picMkLst>
+            <pc:docMk/>
+            <pc:sldMk cId="3139867923" sldId="410"/>
+            <ac:picMk id="129" creationId="{9103227E-1C72-9550-B536-D521CCCD86EB}"/>
+          </ac:picMkLst>
+        </pc:picChg>
+        <pc:cxnChg chg="add del mod">
+          <ac:chgData name="尾嵜 成真" userId="dd95f81a979e9056" providerId="LiveId" clId="{AC734C73-8538-4BAB-908C-DE9B017264B5}" dt="2023-01-10T08:58:47.126" v="1938" actId="21"/>
+          <ac:cxnSpMkLst>
+            <pc:docMk/>
+            <pc:sldMk cId="3139867923" sldId="410"/>
+            <ac:cxnSpMk id="8" creationId="{F13E5D9E-C605-DC2F-6B93-DA4FEE64CD6B}"/>
+          </ac:cxnSpMkLst>
+        </pc:cxnChg>
+        <pc:cxnChg chg="add del mod">
+          <ac:chgData name="尾嵜 成真" userId="dd95f81a979e9056" providerId="LiveId" clId="{AC734C73-8538-4BAB-908C-DE9B017264B5}" dt="2023-01-10T08:58:47.126" v="1938" actId="21"/>
+          <ac:cxnSpMkLst>
+            <pc:docMk/>
+            <pc:sldMk cId="3139867923" sldId="410"/>
+            <ac:cxnSpMk id="9" creationId="{7A20C70E-ACC8-CF4F-ECE9-83BAE5014EB9}"/>
+          </ac:cxnSpMkLst>
+        </pc:cxnChg>
+        <pc:cxnChg chg="add del mod">
+          <ac:chgData name="尾嵜 成真" userId="dd95f81a979e9056" providerId="LiveId" clId="{AC734C73-8538-4BAB-908C-DE9B017264B5}" dt="2023-01-10T08:58:47.126" v="1938" actId="21"/>
+          <ac:cxnSpMkLst>
+            <pc:docMk/>
+            <pc:sldMk cId="3139867923" sldId="410"/>
+            <ac:cxnSpMk id="13" creationId="{B9CD02D7-0199-CE2F-EF78-7FD8801C1C22}"/>
+          </ac:cxnSpMkLst>
+        </pc:cxnChg>
+        <pc:cxnChg chg="add del mod">
+          <ac:chgData name="尾嵜 成真" userId="dd95f81a979e9056" providerId="LiveId" clId="{AC734C73-8538-4BAB-908C-DE9B017264B5}" dt="2023-01-10T08:58:47.126" v="1938" actId="21"/>
+          <ac:cxnSpMkLst>
+            <pc:docMk/>
+            <pc:sldMk cId="3139867923" sldId="410"/>
+            <ac:cxnSpMk id="32" creationId="{D84146A6-EC2B-0883-6507-BE65E0AA850B}"/>
+          </ac:cxnSpMkLst>
+        </pc:cxnChg>
+        <pc:cxnChg chg="add del mod">
+          <ac:chgData name="尾嵜 成真" userId="dd95f81a979e9056" providerId="LiveId" clId="{AC734C73-8538-4BAB-908C-DE9B017264B5}" dt="2023-01-10T08:58:47.126" v="1938" actId="21"/>
+          <ac:cxnSpMkLst>
+            <pc:docMk/>
+            <pc:sldMk cId="3139867923" sldId="410"/>
+            <ac:cxnSpMk id="35" creationId="{78A9C415-E678-3666-4CBF-4EDEF749E9C2}"/>
+          </ac:cxnSpMkLst>
+        </pc:cxnChg>
+        <pc:cxnChg chg="add del mod">
+          <ac:chgData name="尾嵜 成真" userId="dd95f81a979e9056" providerId="LiveId" clId="{AC734C73-8538-4BAB-908C-DE9B017264B5}" dt="2023-01-10T08:53:42.815" v="1849" actId="478"/>
+          <ac:cxnSpMkLst>
+            <pc:docMk/>
+            <pc:sldMk cId="3139867923" sldId="410"/>
+            <ac:cxnSpMk id="38" creationId="{09765BF2-A569-1A1D-2CA8-36FC41D68ADA}"/>
+          </ac:cxnSpMkLst>
+        </pc:cxnChg>
+        <pc:cxnChg chg="add del mod">
+          <ac:chgData name="尾嵜 成真" userId="dd95f81a979e9056" providerId="LiveId" clId="{AC734C73-8538-4BAB-908C-DE9B017264B5}" dt="2023-01-10T08:58:47.126" v="1938" actId="21"/>
+          <ac:cxnSpMkLst>
+            <pc:docMk/>
+            <pc:sldMk cId="3139867923" sldId="410"/>
+            <ac:cxnSpMk id="39" creationId="{728B3A31-C6DF-BB08-348F-7CB1EE282B14}"/>
+          </ac:cxnSpMkLst>
+        </pc:cxnChg>
+        <pc:cxnChg chg="add del mod">
+          <ac:chgData name="尾嵜 成真" userId="dd95f81a979e9056" providerId="LiveId" clId="{AC734C73-8538-4BAB-908C-DE9B017264B5}" dt="2023-01-10T08:58:47.126" v="1938" actId="21"/>
+          <ac:cxnSpMkLst>
+            <pc:docMk/>
+            <pc:sldMk cId="3139867923" sldId="410"/>
+            <ac:cxnSpMk id="42" creationId="{7315B817-61DD-6E1F-6A22-FC4983DD8CB9}"/>
+          </ac:cxnSpMkLst>
+        </pc:cxnChg>
+        <pc:cxnChg chg="add del mod">
+          <ac:chgData name="尾嵜 成真" userId="dd95f81a979e9056" providerId="LiveId" clId="{AC734C73-8538-4BAB-908C-DE9B017264B5}" dt="2023-01-10T08:58:47.126" v="1938" actId="21"/>
+          <ac:cxnSpMkLst>
+            <pc:docMk/>
+            <pc:sldMk cId="3139867923" sldId="410"/>
+            <ac:cxnSpMk id="46" creationId="{6DB23C82-DA00-F643-BF58-3288402CBE1D}"/>
+          </ac:cxnSpMkLst>
+        </pc:cxnChg>
+        <pc:cxnChg chg="add del mod">
+          <ac:chgData name="尾嵜 成真" userId="dd95f81a979e9056" providerId="LiveId" clId="{AC734C73-8538-4BAB-908C-DE9B017264B5}" dt="2023-01-10T08:58:47.126" v="1938" actId="21"/>
+          <ac:cxnSpMkLst>
+            <pc:docMk/>
+            <pc:sldMk cId="3139867923" sldId="410"/>
+            <ac:cxnSpMk id="49" creationId="{31B566C3-D59B-D1F8-6392-3DA01FC8C2BF}"/>
+          </ac:cxnSpMkLst>
+        </pc:cxnChg>
+        <pc:cxnChg chg="add del mod">
+          <ac:chgData name="尾嵜 成真" userId="dd95f81a979e9056" providerId="LiveId" clId="{AC734C73-8538-4BAB-908C-DE9B017264B5}" dt="2023-01-10T09:00:55.114" v="1957" actId="21"/>
+          <ac:cxnSpMkLst>
+            <pc:docMk/>
+            <pc:sldMk cId="3139867923" sldId="410"/>
+            <ac:cxnSpMk id="78" creationId="{2161BEAD-37EF-CC97-8042-143213B7A5C0}"/>
+          </ac:cxnSpMkLst>
+        </pc:cxnChg>
+        <pc:cxnChg chg="add del mod">
+          <ac:chgData name="尾嵜 成真" userId="dd95f81a979e9056" providerId="LiveId" clId="{AC734C73-8538-4BAB-908C-DE9B017264B5}" dt="2023-01-10T09:00:55.114" v="1957" actId="21"/>
+          <ac:cxnSpMkLst>
+            <pc:docMk/>
+            <pc:sldMk cId="3139867923" sldId="410"/>
+            <ac:cxnSpMk id="79" creationId="{824F662D-C9EC-9AA9-848D-81B0588FFB1A}"/>
+          </ac:cxnSpMkLst>
+        </pc:cxnChg>
+        <pc:cxnChg chg="add del mod">
+          <ac:chgData name="尾嵜 成真" userId="dd95f81a979e9056" providerId="LiveId" clId="{AC734C73-8538-4BAB-908C-DE9B017264B5}" dt="2023-01-10T09:00:55.114" v="1957" actId="21"/>
+          <ac:cxnSpMkLst>
+            <pc:docMk/>
+            <pc:sldMk cId="3139867923" sldId="410"/>
+            <ac:cxnSpMk id="80" creationId="{D7A840E6-DC6B-864A-DE31-2C0AB6A96112}"/>
+          </ac:cxnSpMkLst>
+        </pc:cxnChg>
+        <pc:cxnChg chg="add del mod">
+          <ac:chgData name="尾嵜 成真" userId="dd95f81a979e9056" providerId="LiveId" clId="{AC734C73-8538-4BAB-908C-DE9B017264B5}" dt="2023-01-10T09:00:55.114" v="1957" actId="21"/>
+          <ac:cxnSpMkLst>
+            <pc:docMk/>
+            <pc:sldMk cId="3139867923" sldId="410"/>
+            <ac:cxnSpMk id="90" creationId="{C84201E4-2C9D-2F26-CB61-88BA183318E6}"/>
+          </ac:cxnSpMkLst>
+        </pc:cxnChg>
+        <pc:cxnChg chg="add del mod">
+          <ac:chgData name="尾嵜 成真" userId="dd95f81a979e9056" providerId="LiveId" clId="{AC734C73-8538-4BAB-908C-DE9B017264B5}" dt="2023-01-10T09:00:55.114" v="1957" actId="21"/>
+          <ac:cxnSpMkLst>
+            <pc:docMk/>
+            <pc:sldMk cId="3139867923" sldId="410"/>
+            <ac:cxnSpMk id="91" creationId="{E9BAE3EA-E9E1-04A7-80B5-8F8855DD9FEA}"/>
+          </ac:cxnSpMkLst>
+        </pc:cxnChg>
+        <pc:cxnChg chg="add del mod">
+          <ac:chgData name="尾嵜 成真" userId="dd95f81a979e9056" providerId="LiveId" clId="{AC734C73-8538-4BAB-908C-DE9B017264B5}" dt="2023-01-10T09:00:55.114" v="1957" actId="21"/>
+          <ac:cxnSpMkLst>
+            <pc:docMk/>
+            <pc:sldMk cId="3139867923" sldId="410"/>
+            <ac:cxnSpMk id="92" creationId="{307FF898-83C6-A0A9-EA40-CADA783DAA57}"/>
+          </ac:cxnSpMkLst>
+        </pc:cxnChg>
+        <pc:cxnChg chg="add del mod">
+          <ac:chgData name="尾嵜 成真" userId="dd95f81a979e9056" providerId="LiveId" clId="{AC734C73-8538-4BAB-908C-DE9B017264B5}" dt="2023-01-10T09:00:55.114" v="1957" actId="21"/>
+          <ac:cxnSpMkLst>
+            <pc:docMk/>
+            <pc:sldMk cId="3139867923" sldId="410"/>
+            <ac:cxnSpMk id="93" creationId="{1B93F2A6-E9D2-BAA8-C074-F09C4C2D0EDA}"/>
+          </ac:cxnSpMkLst>
+        </pc:cxnChg>
+        <pc:cxnChg chg="add del mod">
+          <ac:chgData name="尾嵜 成真" userId="dd95f81a979e9056" providerId="LiveId" clId="{AC734C73-8538-4BAB-908C-DE9B017264B5}" dt="2023-01-10T09:00:55.114" v="1957" actId="21"/>
+          <ac:cxnSpMkLst>
+            <pc:docMk/>
+            <pc:sldMk cId="3139867923" sldId="410"/>
+            <ac:cxnSpMk id="94" creationId="{C5FB1983-8E18-8483-CDF1-C56F58306E54}"/>
+          </ac:cxnSpMkLst>
+        </pc:cxnChg>
+        <pc:cxnChg chg="add del mod">
+          <ac:chgData name="尾嵜 成真" userId="dd95f81a979e9056" providerId="LiveId" clId="{AC734C73-8538-4BAB-908C-DE9B017264B5}" dt="2023-01-10T09:00:55.114" v="1957" actId="21"/>
+          <ac:cxnSpMkLst>
+            <pc:docMk/>
+            <pc:sldMk cId="3139867923" sldId="410"/>
+            <ac:cxnSpMk id="95" creationId="{2BA98D35-2B2F-602F-9718-5C86081A1E9A}"/>
+          </ac:cxnSpMkLst>
+        </pc:cxnChg>
+        <pc:cxnChg chg="add mod">
+          <ac:chgData name="尾嵜 成真" userId="dd95f81a979e9056" providerId="LiveId" clId="{AC734C73-8538-4BAB-908C-DE9B017264B5}" dt="2023-01-10T09:00:55.413" v="1958"/>
+          <ac:cxnSpMkLst>
+            <pc:docMk/>
+            <pc:sldMk cId="3139867923" sldId="410"/>
+            <ac:cxnSpMk id="106" creationId="{91A6949D-D1A0-192D-A852-9A3E52C8E592}"/>
+          </ac:cxnSpMkLst>
+        </pc:cxnChg>
+        <pc:cxnChg chg="add mod">
+          <ac:chgData name="尾嵜 成真" userId="dd95f81a979e9056" providerId="LiveId" clId="{AC734C73-8538-4BAB-908C-DE9B017264B5}" dt="2023-01-10T09:00:55.413" v="1958"/>
+          <ac:cxnSpMkLst>
+            <pc:docMk/>
+            <pc:sldMk cId="3139867923" sldId="410"/>
+            <ac:cxnSpMk id="107" creationId="{494B561B-5428-AB60-E95C-65D9EC103032}"/>
+          </ac:cxnSpMkLst>
+        </pc:cxnChg>
+        <pc:cxnChg chg="add mod">
+          <ac:chgData name="尾嵜 成真" userId="dd95f81a979e9056" providerId="LiveId" clId="{AC734C73-8538-4BAB-908C-DE9B017264B5}" dt="2023-01-10T09:00:55.413" v="1958"/>
+          <ac:cxnSpMkLst>
+            <pc:docMk/>
+            <pc:sldMk cId="3139867923" sldId="410"/>
+            <ac:cxnSpMk id="108" creationId="{14A39E33-55B1-FD2B-2EE9-51797A5E5EBC}"/>
+          </ac:cxnSpMkLst>
+        </pc:cxnChg>
+        <pc:cxnChg chg="add mod">
+          <ac:chgData name="尾嵜 成真" userId="dd95f81a979e9056" providerId="LiveId" clId="{AC734C73-8538-4BAB-908C-DE9B017264B5}" dt="2023-01-10T09:01:28.113" v="1965" actId="1076"/>
+          <ac:cxnSpMkLst>
+            <pc:docMk/>
+            <pc:sldMk cId="3139867923" sldId="410"/>
+            <ac:cxnSpMk id="118" creationId="{27AA0824-F5DD-1921-C221-868D58E2B98E}"/>
+          </ac:cxnSpMkLst>
+        </pc:cxnChg>
+        <pc:cxnChg chg="add mod">
+          <ac:chgData name="尾嵜 成真" userId="dd95f81a979e9056" providerId="LiveId" clId="{AC734C73-8538-4BAB-908C-DE9B017264B5}" dt="2023-01-10T09:01:31.307" v="1966" actId="1076"/>
+          <ac:cxnSpMkLst>
+            <pc:docMk/>
+            <pc:sldMk cId="3139867923" sldId="410"/>
+            <ac:cxnSpMk id="119" creationId="{130011E1-473B-6BFA-838F-5B368B13F642}"/>
+          </ac:cxnSpMkLst>
+        </pc:cxnChg>
+        <pc:cxnChg chg="add mod">
+          <ac:chgData name="尾嵜 成真" userId="dd95f81a979e9056" providerId="LiveId" clId="{AC734C73-8538-4BAB-908C-DE9B017264B5}" dt="2023-01-10T09:00:55.413" v="1958"/>
+          <ac:cxnSpMkLst>
+            <pc:docMk/>
+            <pc:sldMk cId="3139867923" sldId="410"/>
+            <ac:cxnSpMk id="120" creationId="{311DE159-5153-490B-2A15-8C6E241C90D8}"/>
+          </ac:cxnSpMkLst>
+        </pc:cxnChg>
+        <pc:cxnChg chg="add mod">
+          <ac:chgData name="尾嵜 成真" userId="dd95f81a979e9056" providerId="LiveId" clId="{AC734C73-8538-4BAB-908C-DE9B017264B5}" dt="2023-01-10T09:00:55.413" v="1958"/>
+          <ac:cxnSpMkLst>
+            <pc:docMk/>
+            <pc:sldMk cId="3139867923" sldId="410"/>
+            <ac:cxnSpMk id="121" creationId="{748CE440-DC84-6AA8-E120-CD809491F765}"/>
+          </ac:cxnSpMkLst>
+        </pc:cxnChg>
+        <pc:cxnChg chg="add mod">
+          <ac:chgData name="尾嵜 成真" userId="dd95f81a979e9056" providerId="LiveId" clId="{AC734C73-8538-4BAB-908C-DE9B017264B5}" dt="2023-01-10T09:00:55.413" v="1958"/>
+          <ac:cxnSpMkLst>
+            <pc:docMk/>
+            <pc:sldMk cId="3139867923" sldId="410"/>
+            <ac:cxnSpMk id="122" creationId="{3F4ABB59-BC35-5804-A138-E5E194E1E335}"/>
+          </ac:cxnSpMkLst>
+        </pc:cxnChg>
+        <pc:cxnChg chg="add mod">
+          <ac:chgData name="尾嵜 成真" userId="dd95f81a979e9056" providerId="LiveId" clId="{AC734C73-8538-4BAB-908C-DE9B017264B5}" dt="2023-01-10T09:00:55.413" v="1958"/>
+          <ac:cxnSpMkLst>
+            <pc:docMk/>
+            <pc:sldMk cId="3139867923" sldId="410"/>
+            <ac:cxnSpMk id="123" creationId="{6441C048-4807-FF38-CDF6-C7FE2FAB7950}"/>
+          </ac:cxnSpMkLst>
+        </pc:cxnChg>
+      </pc:sldChg>
+      <pc:sldChg chg="addSp delSp modSp add mod">
+        <pc:chgData name="尾嵜 成真" userId="dd95f81a979e9056" providerId="LiveId" clId="{AC734C73-8538-4BAB-908C-DE9B017264B5}" dt="2023-01-11T07:45:01.091" v="3197" actId="20577"/>
+        <pc:sldMkLst>
+          <pc:docMk/>
+          <pc:sldMk cId="3565108647" sldId="411"/>
+        </pc:sldMkLst>
+        <pc:spChg chg="mod">
+          <ac:chgData name="尾嵜 成真" userId="dd95f81a979e9056" providerId="LiveId" clId="{AC734C73-8538-4BAB-908C-DE9B017264B5}" dt="2023-01-11T07:45:01.091" v="3197" actId="20577"/>
+          <ac:spMkLst>
+            <pc:docMk/>
+            <pc:sldMk cId="3565108647" sldId="411"/>
+            <ac:spMk id="10" creationId="{4C8D8093-D708-E46A-39FD-79BFCCF8875B}"/>
+          </ac:spMkLst>
+        </pc:spChg>
+        <pc:spChg chg="mod">
+          <ac:chgData name="尾嵜 成真" userId="dd95f81a979e9056" providerId="LiveId" clId="{AC734C73-8538-4BAB-908C-DE9B017264B5}" dt="2023-01-11T07:22:58.116" v="2294"/>
+          <ac:spMkLst>
+            <pc:docMk/>
+            <pc:sldMk cId="3565108647" sldId="411"/>
+            <ac:spMk id="28" creationId="{B0F217A8-646C-15BA-6733-F4B0F1014565}"/>
+          </ac:spMkLst>
+        </pc:spChg>
+        <pc:spChg chg="mod">
+          <ac:chgData name="尾嵜 成真" userId="dd95f81a979e9056" providerId="LiveId" clId="{AC734C73-8538-4BAB-908C-DE9B017264B5}" dt="2023-01-11T07:23:02.134" v="2295"/>
+          <ac:spMkLst>
+            <pc:docMk/>
+            <pc:sldMk cId="3565108647" sldId="411"/>
+            <ac:spMk id="29" creationId="{A17934AB-FCC8-3776-1635-6E61D9A7D43B}"/>
+          </ac:spMkLst>
+        </pc:spChg>
+        <pc:picChg chg="add del mod">
+          <ac:chgData name="尾嵜 成真" userId="dd95f81a979e9056" providerId="LiveId" clId="{AC734C73-8538-4BAB-908C-DE9B017264B5}" dt="2023-01-11T07:40:05.385" v="3110" actId="478"/>
+          <ac:picMkLst>
+            <pc:docMk/>
+            <pc:sldMk cId="3565108647" sldId="411"/>
+            <ac:picMk id="3" creationId="{7C6A92B2-C4E5-9605-BE3A-12166DB5A6AB}"/>
+          </ac:picMkLst>
+        </pc:picChg>
+        <pc:picChg chg="add del mod">
+          <ac:chgData name="尾嵜 成真" userId="dd95f81a979e9056" providerId="LiveId" clId="{AC734C73-8538-4BAB-908C-DE9B017264B5}" dt="2023-01-11T07:40:41.641" v="3117" actId="478"/>
+          <ac:picMkLst>
+            <pc:docMk/>
+            <pc:sldMk cId="3565108647" sldId="411"/>
+            <ac:picMk id="5" creationId="{792C9E77-4DF0-87C4-7A6B-0455239D856F}"/>
+          </ac:picMkLst>
+        </pc:picChg>
+        <pc:picChg chg="add mod">
+          <ac:chgData name="尾嵜 成真" userId="dd95f81a979e9056" providerId="LiveId" clId="{AC734C73-8538-4BAB-908C-DE9B017264B5}" dt="2023-01-11T07:43:30.991" v="3168" actId="1076"/>
+          <ac:picMkLst>
+            <pc:docMk/>
+            <pc:sldMk cId="3565108647" sldId="411"/>
+            <ac:picMk id="7" creationId="{4A2830A7-A56F-13CA-E44A-BC41C1205C16}"/>
+          </ac:picMkLst>
+        </pc:picChg>
+        <pc:picChg chg="add del mod">
+          <ac:chgData name="尾嵜 成真" userId="dd95f81a979e9056" providerId="LiveId" clId="{AC734C73-8538-4BAB-908C-DE9B017264B5}" dt="2023-01-11T07:41:07.782" v="3123" actId="478"/>
+          <ac:picMkLst>
+            <pc:docMk/>
+            <pc:sldMk cId="3565108647" sldId="411"/>
+            <ac:picMk id="9" creationId="{F543A821-1EA8-0385-4309-EEAE540FC41C}"/>
+          </ac:picMkLst>
+        </pc:picChg>
+        <pc:picChg chg="add mod">
+          <ac:chgData name="尾嵜 成真" userId="dd95f81a979e9056" providerId="LiveId" clId="{AC734C73-8538-4BAB-908C-DE9B017264B5}" dt="2023-01-11T07:43:30.991" v="3168" actId="1076"/>
+          <ac:picMkLst>
+            <pc:docMk/>
+            <pc:sldMk cId="3565108647" sldId="411"/>
+            <ac:picMk id="12" creationId="{D1BBC247-F20B-F908-974A-5C7E97C10587}"/>
+          </ac:picMkLst>
+        </pc:picChg>
+      </pc:sldChg>
+      <pc:sldChg chg="addSp delSp modSp add mod">
+        <pc:chgData name="尾嵜 成真" userId="dd95f81a979e9056" providerId="LiveId" clId="{AC734C73-8538-4BAB-908C-DE9B017264B5}" dt="2023-01-11T15:36:24.272" v="5176" actId="947"/>
+        <pc:sldMkLst>
+          <pc:docMk/>
+          <pc:sldMk cId="2948967432" sldId="412"/>
+        </pc:sldMkLst>
+        <pc:spChg chg="add del mod">
+          <ac:chgData name="尾嵜 成真" userId="dd95f81a979e9056" providerId="LiveId" clId="{AC734C73-8538-4BAB-908C-DE9B017264B5}" dt="2023-01-11T15:32:27.718" v="5038" actId="478"/>
+          <ac:spMkLst>
+            <pc:docMk/>
+            <pc:sldMk cId="2948967432" sldId="412"/>
+            <ac:spMk id="6" creationId="{5EBB1C1B-AF0D-0A45-C1D4-5B4E474F9165}"/>
+          </ac:spMkLst>
+        </pc:spChg>
+        <pc:spChg chg="add mod">
+          <ac:chgData name="尾嵜 成真" userId="dd95f81a979e9056" providerId="LiveId" clId="{AC734C73-8538-4BAB-908C-DE9B017264B5}" dt="2023-01-11T15:33:18.786" v="5072" actId="1076"/>
+          <ac:spMkLst>
+            <pc:docMk/>
+            <pc:sldMk cId="2948967432" sldId="412"/>
+            <ac:spMk id="8" creationId="{ECA9CDB1-A2BA-67E7-DD91-13B2614E8A84}"/>
+          </ac:spMkLst>
+        </pc:spChg>
+        <pc:spChg chg="mod">
+          <ac:chgData name="尾嵜 成真" userId="dd95f81a979e9056" providerId="LiveId" clId="{AC734C73-8538-4BAB-908C-DE9B017264B5}" dt="2023-01-11T15:36:24.272" v="5176" actId="947"/>
+          <ac:spMkLst>
+            <pc:docMk/>
+            <pc:sldMk cId="2948967432" sldId="412"/>
+            <ac:spMk id="10" creationId="{4C8D8093-D708-E46A-39FD-79BFCCF8875B}"/>
+          </ac:spMkLst>
+        </pc:spChg>
+        <pc:spChg chg="mod">
+          <ac:chgData name="尾嵜 成真" userId="dd95f81a979e9056" providerId="LiveId" clId="{AC734C73-8538-4BAB-908C-DE9B017264B5}" dt="2023-01-11T15:34:52.967" v="5148" actId="20577"/>
+          <ac:spMkLst>
+            <pc:docMk/>
+            <pc:sldMk cId="2948967432" sldId="412"/>
+            <ac:spMk id="28" creationId="{B0F217A8-646C-15BA-6733-F4B0F1014565}"/>
+          </ac:spMkLst>
+        </pc:spChg>
+        <pc:spChg chg="mod">
+          <ac:chgData name="尾嵜 成真" userId="dd95f81a979e9056" providerId="LiveId" clId="{AC734C73-8538-4BAB-908C-DE9B017264B5}" dt="2023-01-11T15:35:10.209" v="5162" actId="20577"/>
+          <ac:spMkLst>
+            <pc:docMk/>
+            <pc:sldMk cId="2948967432" sldId="412"/>
+            <ac:spMk id="29" creationId="{A17934AB-FCC8-3776-1635-6E61D9A7D43B}"/>
+          </ac:spMkLst>
+        </pc:spChg>
+        <pc:picChg chg="add del mod">
+          <ac:chgData name="尾嵜 成真" userId="dd95f81a979e9056" providerId="LiveId" clId="{AC734C73-8538-4BAB-908C-DE9B017264B5}" dt="2023-01-11T15:32:25.849" v="5037" actId="478"/>
+          <ac:picMkLst>
+            <pc:docMk/>
+            <pc:sldMk cId="2948967432" sldId="412"/>
+            <ac:picMk id="3" creationId="{3A2CE6F1-CC1F-4E2A-F93F-FFAA84FC093C}"/>
+          </ac:picMkLst>
+        </pc:picChg>
+        <pc:picChg chg="add del mod">
+          <ac:chgData name="尾嵜 成真" userId="dd95f81a979e9056" providerId="LiveId" clId="{AC734C73-8538-4BAB-908C-DE9B017264B5}" dt="2023-01-11T15:32:25.849" v="5037" actId="478"/>
+          <ac:picMkLst>
+            <pc:docMk/>
+            <pc:sldMk cId="2948967432" sldId="412"/>
+            <ac:picMk id="5" creationId="{07E93C1B-753D-42A0-5284-6F9564344F1A}"/>
+          </ac:picMkLst>
+        </pc:picChg>
+        <pc:picChg chg="add mod">
+          <ac:chgData name="尾嵜 成真" userId="dd95f81a979e9056" providerId="LiveId" clId="{AC734C73-8538-4BAB-908C-DE9B017264B5}" dt="2023-01-11T15:33:18.786" v="5072" actId="1076"/>
+          <ac:picMkLst>
+            <pc:docMk/>
+            <pc:sldMk cId="2948967432" sldId="412"/>
+            <ac:picMk id="7" creationId="{57C334B8-27D8-5B65-82FC-94BF36C90A61}"/>
+          </ac:picMkLst>
+        </pc:picChg>
+      </pc:sldChg>
+      <pc:sldChg chg="addSp modSp add del mod">
+        <pc:chgData name="尾嵜 成真" userId="dd95f81a979e9056" providerId="LiveId" clId="{AC734C73-8538-4BAB-908C-DE9B017264B5}" dt="2023-01-11T15:35:23.667" v="5166" actId="47"/>
+        <pc:sldMkLst>
+          <pc:docMk/>
+          <pc:sldMk cId="1502133115" sldId="413"/>
+        </pc:sldMkLst>
+        <pc:spChg chg="add mod">
+          <ac:chgData name="尾嵜 成真" userId="dd95f81a979e9056" providerId="LiveId" clId="{AC734C73-8538-4BAB-908C-DE9B017264B5}" dt="2023-01-11T15:31:14.816" v="5033" actId="20577"/>
+          <ac:spMkLst>
+            <pc:docMk/>
+            <pc:sldMk cId="1502133115" sldId="413"/>
+            <ac:spMk id="4" creationId="{0FF597B8-8364-C833-06E7-29971196C3A4}"/>
+          </ac:spMkLst>
+        </pc:spChg>
+        <pc:spChg chg="mod">
+          <ac:chgData name="尾嵜 成真" userId="dd95f81a979e9056" providerId="LiveId" clId="{AC734C73-8538-4BAB-908C-DE9B017264B5}" dt="2023-01-11T15:28:12.019" v="5007" actId="20577"/>
+          <ac:spMkLst>
+            <pc:docMk/>
+            <pc:sldMk cId="1502133115" sldId="413"/>
+            <ac:spMk id="10" creationId="{4C8D8093-D708-E46A-39FD-79BFCCF8875B}"/>
+          </ac:spMkLst>
+        </pc:spChg>
+        <pc:spChg chg="mod">
+          <ac:chgData name="尾嵜 成真" userId="dd95f81a979e9056" providerId="LiveId" clId="{AC734C73-8538-4BAB-908C-DE9B017264B5}" dt="2023-01-11T10:09:21.587" v="3661"/>
+          <ac:spMkLst>
+            <pc:docMk/>
+            <pc:sldMk cId="1502133115" sldId="413"/>
+            <ac:spMk id="28" creationId="{B0F217A8-646C-15BA-6733-F4B0F1014565}"/>
+          </ac:spMkLst>
+        </pc:spChg>
+        <pc:spChg chg="mod">
+          <ac:chgData name="尾嵜 成真" userId="dd95f81a979e9056" providerId="LiveId" clId="{AC734C73-8538-4BAB-908C-DE9B017264B5}" dt="2023-01-11T09:14:49.313" v="3413" actId="20577"/>
+          <ac:spMkLst>
+            <pc:docMk/>
+            <pc:sldMk cId="1502133115" sldId="413"/>
+            <ac:spMk id="29" creationId="{A17934AB-FCC8-3776-1635-6E61D9A7D43B}"/>
+          </ac:spMkLst>
+        </pc:spChg>
+        <pc:picChg chg="add mod">
+          <ac:chgData name="尾嵜 成真" userId="dd95f81a979e9056" providerId="LiveId" clId="{AC734C73-8538-4BAB-908C-DE9B017264B5}" dt="2023-01-11T15:30:24.322" v="5009" actId="1076"/>
+          <ac:picMkLst>
+            <pc:docMk/>
+            <pc:sldMk cId="1502133115" sldId="413"/>
+            <ac:picMk id="3" creationId="{4375CBA7-240F-372F-A149-1EDC4057875D}"/>
+          </ac:picMkLst>
+        </pc:picChg>
+      </pc:sldChg>
+      <pc:sldChg chg="add del">
+        <pc:chgData name="尾嵜 成真" userId="dd95f81a979e9056" providerId="LiveId" clId="{AC734C73-8538-4BAB-908C-DE9B017264B5}" dt="2023-01-11T09:14:42.259" v="3408"/>
+        <pc:sldMkLst>
+          <pc:docMk/>
+          <pc:sldMk cId="2688534383" sldId="413"/>
+        </pc:sldMkLst>
+      </pc:sldChg>
+      <pc:sldChg chg="modSp add del mod">
+        <pc:chgData name="尾嵜 成真" userId="dd95f81a979e9056" providerId="LiveId" clId="{AC734C73-8538-4BAB-908C-DE9B017264B5}" dt="2023-01-11T11:11:41.158" v="4461" actId="47"/>
+        <pc:sldMkLst>
+          <pc:docMk/>
+          <pc:sldMk cId="4180852672" sldId="414"/>
+        </pc:sldMkLst>
+        <pc:spChg chg="mod">
+          <ac:chgData name="尾嵜 成真" userId="dd95f81a979e9056" providerId="LiveId" clId="{AC734C73-8538-4BAB-908C-DE9B017264B5}" dt="2023-01-11T11:11:09.146" v="4460" actId="20577"/>
+          <ac:spMkLst>
+            <pc:docMk/>
+            <pc:sldMk cId="4180852672" sldId="414"/>
+            <ac:spMk id="10" creationId="{4C8D8093-D708-E46A-39FD-79BFCCF8875B}"/>
+          </ac:spMkLst>
+        </pc:spChg>
+        <pc:spChg chg="mod">
+          <ac:chgData name="尾嵜 成真" userId="dd95f81a979e9056" providerId="LiveId" clId="{AC734C73-8538-4BAB-908C-DE9B017264B5}" dt="2023-01-11T10:09:18.246" v="3660"/>
+          <ac:spMkLst>
+            <pc:docMk/>
+            <pc:sldMk cId="4180852672" sldId="414"/>
+            <ac:spMk id="28" creationId="{B0F217A8-646C-15BA-6733-F4B0F1014565}"/>
+          </ac:spMkLst>
+        </pc:spChg>
+        <pc:spChg chg="mod">
+          <ac:chgData name="尾嵜 成真" userId="dd95f81a979e9056" providerId="LiveId" clId="{AC734C73-8538-4BAB-908C-DE9B017264B5}" dt="2023-01-11T10:08:48.827" v="3654" actId="20577"/>
+          <ac:spMkLst>
+            <pc:docMk/>
+            <pc:sldMk cId="4180852672" sldId="414"/>
+            <ac:spMk id="29" creationId="{A17934AB-FCC8-3776-1635-6E61D9A7D43B}"/>
+          </ac:spMkLst>
+        </pc:spChg>
+      </pc:sldChg>
+      <pc:sldChg chg="modSp add mod">
+        <pc:chgData name="尾嵜 成真" userId="dd95f81a979e9056" providerId="LiveId" clId="{AC734C73-8538-4BAB-908C-DE9B017264B5}" dt="2023-01-11T15:37:10.752" v="5195" actId="207"/>
+        <pc:sldMkLst>
+          <pc:docMk/>
+          <pc:sldMk cId="3553905273" sldId="415"/>
+        </pc:sldMkLst>
+        <pc:spChg chg="mod">
+          <ac:chgData name="尾嵜 成真" userId="dd95f81a979e9056" providerId="LiveId" clId="{AC734C73-8538-4BAB-908C-DE9B017264B5}" dt="2023-01-11T15:37:10.752" v="5195" actId="207"/>
+          <ac:spMkLst>
+            <pc:docMk/>
+            <pc:sldMk cId="3553905273" sldId="415"/>
+            <ac:spMk id="10" creationId="{4C8D8093-D708-E46A-39FD-79BFCCF8875B}"/>
+          </ac:spMkLst>
+        </pc:spChg>
+        <pc:spChg chg="mod">
+          <ac:chgData name="尾嵜 成真" userId="dd95f81a979e9056" providerId="LiveId" clId="{AC734C73-8538-4BAB-908C-DE9B017264B5}" dt="2023-01-11T15:35:14.710" v="5163" actId="20577"/>
+          <ac:spMkLst>
+            <pc:docMk/>
+            <pc:sldMk cId="3553905273" sldId="415"/>
+            <ac:spMk id="28" creationId="{B0F217A8-646C-15BA-6733-F4B0F1014565}"/>
+          </ac:spMkLst>
+        </pc:spChg>
+      </pc:sldChg>
+      <pc:sldChg chg="modSp add del mod">
+        <pc:chgData name="尾嵜 成真" userId="dd95f81a979e9056" providerId="LiveId" clId="{AC734C73-8538-4BAB-908C-DE9B017264B5}" dt="2023-01-11T11:01:23.616" v="4123" actId="47"/>
+        <pc:sldMkLst>
+          <pc:docMk/>
+          <pc:sldMk cId="4191330125" sldId="415"/>
+        </pc:sldMkLst>
+        <pc:spChg chg="mod">
+          <ac:chgData name="尾嵜 成真" userId="dd95f81a979e9056" providerId="LiveId" clId="{AC734C73-8538-4BAB-908C-DE9B017264B5}" dt="2023-01-11T10:30:03.108" v="3996" actId="20577"/>
+          <ac:spMkLst>
+            <pc:docMk/>
+            <pc:sldMk cId="4191330125" sldId="415"/>
+            <ac:spMk id="10" creationId="{4C8D8093-D708-E46A-39FD-79BFCCF8875B}"/>
+          </ac:spMkLst>
+        </pc:spChg>
+      </pc:sldChg>
+      <pc:sldChg chg="addSp modSp add mod">
+        <pc:chgData name="尾嵜 成真" userId="dd95f81a979e9056" providerId="LiveId" clId="{AC734C73-8538-4BAB-908C-DE9B017264B5}" dt="2023-01-11T15:38:06.365" v="5203" actId="947"/>
+        <pc:sldMkLst>
+          <pc:docMk/>
+          <pc:sldMk cId="305311975" sldId="416"/>
+        </pc:sldMkLst>
+        <pc:spChg chg="mod">
+          <ac:chgData name="尾嵜 成真" userId="dd95f81a979e9056" providerId="LiveId" clId="{AC734C73-8538-4BAB-908C-DE9B017264B5}" dt="2023-01-11T15:38:06.365" v="5203" actId="947"/>
+          <ac:spMkLst>
+            <pc:docMk/>
+            <pc:sldMk cId="305311975" sldId="416"/>
+            <ac:spMk id="10" creationId="{4C8D8093-D708-E46A-39FD-79BFCCF8875B}"/>
+          </ac:spMkLst>
+        </pc:spChg>
+        <pc:spChg chg="mod">
+          <ac:chgData name="尾嵜 成真" userId="dd95f81a979e9056" providerId="LiveId" clId="{AC734C73-8538-4BAB-908C-DE9B017264B5}" dt="2023-01-11T15:35:18.085" v="5164" actId="20577"/>
+          <ac:spMkLst>
+            <pc:docMk/>
+            <pc:sldMk cId="305311975" sldId="416"/>
+            <ac:spMk id="28" creationId="{B0F217A8-646C-15BA-6733-F4B0F1014565}"/>
+          </ac:spMkLst>
+        </pc:spChg>
+        <pc:spChg chg="mod">
+          <ac:chgData name="尾嵜 成真" userId="dd95f81a979e9056" providerId="LiveId" clId="{AC734C73-8538-4BAB-908C-DE9B017264B5}" dt="2023-01-11T11:07:42.973" v="4303" actId="20577"/>
+          <ac:spMkLst>
+            <pc:docMk/>
+            <pc:sldMk cId="305311975" sldId="416"/>
+            <ac:spMk id="29" creationId="{A17934AB-FCC8-3776-1635-6E61D9A7D43B}"/>
+          </ac:spMkLst>
+        </pc:spChg>
+        <pc:graphicFrameChg chg="add mod modGraphic">
+          <ac:chgData name="尾嵜 成真" userId="dd95f81a979e9056" providerId="LiveId" clId="{AC734C73-8538-4BAB-908C-DE9B017264B5}" dt="2023-01-11T14:48:45.721" v="4601" actId="1076"/>
+          <ac:graphicFrameMkLst>
+            <pc:docMk/>
+            <pc:sldMk cId="305311975" sldId="416"/>
+            <ac:graphicFrameMk id="2" creationId="{8A225559-C5EE-690B-AD52-91B24B51DC1A}"/>
+          </ac:graphicFrameMkLst>
+        </pc:graphicFrameChg>
+      </pc:sldChg>
+      <pc:sldChg chg="modSp add mod">
+        <pc:chgData name="尾嵜 成真" userId="dd95f81a979e9056" providerId="LiveId" clId="{AC734C73-8538-4BAB-908C-DE9B017264B5}" dt="2023-01-11T15:38:23.647" v="5205" actId="947"/>
+        <pc:sldMkLst>
+          <pc:docMk/>
+          <pc:sldMk cId="343408756" sldId="417"/>
+        </pc:sldMkLst>
+        <pc:spChg chg="mod">
+          <ac:chgData name="尾嵜 成真" userId="dd95f81a979e9056" providerId="LiveId" clId="{AC734C73-8538-4BAB-908C-DE9B017264B5}" dt="2023-01-11T15:38:23.647" v="5205" actId="947"/>
+          <ac:spMkLst>
+            <pc:docMk/>
+            <pc:sldMk cId="343408756" sldId="417"/>
+            <ac:spMk id="10" creationId="{4C8D8093-D708-E46A-39FD-79BFCCF8875B}"/>
+          </ac:spMkLst>
+        </pc:spChg>
+        <pc:spChg chg="mod">
+          <ac:chgData name="尾嵜 成真" userId="dd95f81a979e9056" providerId="LiveId" clId="{AC734C73-8538-4BAB-908C-DE9B017264B5}" dt="2023-01-11T15:35:21.227" v="5165" actId="20577"/>
+          <ac:spMkLst>
+            <pc:docMk/>
+            <pc:sldMk cId="343408756" sldId="417"/>
+            <ac:spMk id="28" creationId="{B0F217A8-646C-15BA-6733-F4B0F1014565}"/>
+          </ac:spMkLst>
+        </pc:spChg>
+        <pc:spChg chg="mod">
+          <ac:chgData name="尾嵜 成真" userId="dd95f81a979e9056" providerId="LiveId" clId="{AC734C73-8538-4BAB-908C-DE9B017264B5}" dt="2023-01-11T15:02:26.849" v="4632" actId="20577"/>
+          <ac:spMkLst>
+            <pc:docMk/>
+            <pc:sldMk cId="343408756" sldId="417"/>
+            <ac:spMk id="29" creationId="{A17934AB-FCC8-3776-1635-6E61D9A7D43B}"/>
+          </ac:spMkLst>
+        </pc:spChg>
+        <pc:graphicFrameChg chg="mod modGraphic">
+          <ac:chgData name="尾嵜 成真" userId="dd95f81a979e9056" providerId="LiveId" clId="{AC734C73-8538-4BAB-908C-DE9B017264B5}" dt="2023-01-11T15:23:18.792" v="4985" actId="1076"/>
+          <ac:graphicFrameMkLst>
+            <pc:docMk/>
+            <pc:sldMk cId="343408756" sldId="417"/>
+            <ac:graphicFrameMk id="2" creationId="{8A225559-C5EE-690B-AD52-91B24B51DC1A}"/>
+          </ac:graphicFrameMkLst>
+        </pc:graphicFrameChg>
+      </pc:sldChg>
+    </pc:docChg>
+  </pc:docChgLst>
   <pc:docChgLst>
     <pc:chgData name="尾嵜 成真" userId="dd95f81a979e9056" providerId="LiveId" clId="{261289AE-FA7C-4CE5-8626-F461A71A7004}"/>
     <pc:docChg chg="undo custSel addSld delSld modSld sldOrd">
@@ -1266,1654 +2906,6 @@
           <pc:docMk/>
           <pc:sldMk cId="2986861723" sldId="438"/>
         </pc:sldMkLst>
-      </pc:sldChg>
-    </pc:docChg>
-  </pc:docChgLst>
-  <pc:docChgLst>
-    <pc:chgData name="尾嵜 成真" userId="dd95f81a979e9056" providerId="LiveId" clId="{AC734C73-8538-4BAB-908C-DE9B017264B5}"/>
-    <pc:docChg chg="undo redo custSel addSld delSld modSld sldOrd">
-      <pc:chgData name="尾嵜 成真" userId="dd95f81a979e9056" providerId="LiveId" clId="{AC734C73-8538-4BAB-908C-DE9B017264B5}" dt="2023-01-11T15:38:23.647" v="5205" actId="947"/>
-      <pc:docMkLst>
-        <pc:docMk/>
-      </pc:docMkLst>
-      <pc:sldChg chg="modSp mod">
-        <pc:chgData name="尾嵜 成真" userId="dd95f81a979e9056" providerId="LiveId" clId="{AC734C73-8538-4BAB-908C-DE9B017264B5}" dt="2023-01-09T06:30:34.133" v="19" actId="14100"/>
-        <pc:sldMkLst>
-          <pc:docMk/>
-          <pc:sldMk cId="0" sldId="293"/>
-        </pc:sldMkLst>
-        <pc:spChg chg="mod">
-          <ac:chgData name="尾嵜 成真" userId="dd95f81a979e9056" providerId="LiveId" clId="{AC734C73-8538-4BAB-908C-DE9B017264B5}" dt="2023-01-09T06:30:34.133" v="19" actId="14100"/>
-          <ac:spMkLst>
-            <pc:docMk/>
-            <pc:sldMk cId="0" sldId="293"/>
-            <ac:spMk id="7" creationId="{00000000-0000-0000-0000-000000000000}"/>
-          </ac:spMkLst>
-        </pc:spChg>
-      </pc:sldChg>
-      <pc:sldChg chg="addSp delSp modSp mod">
-        <pc:chgData name="尾嵜 成真" userId="dd95f81a979e9056" providerId="LiveId" clId="{AC734C73-8538-4BAB-908C-DE9B017264B5}" dt="2023-01-09T07:52:08.811" v="454" actId="20577"/>
-        <pc:sldMkLst>
-          <pc:docMk/>
-          <pc:sldMk cId="4190097553" sldId="303"/>
-        </pc:sldMkLst>
-        <pc:spChg chg="add del mod">
-          <ac:chgData name="尾嵜 成真" userId="dd95f81a979e9056" providerId="LiveId" clId="{AC734C73-8538-4BAB-908C-DE9B017264B5}" dt="2023-01-09T07:09:20.323" v="189" actId="21"/>
-          <ac:spMkLst>
-            <pc:docMk/>
-            <pc:sldMk cId="4190097553" sldId="303"/>
-            <ac:spMk id="4" creationId="{72009D40-55EC-AB18-F98B-D1DBFD8751E1}"/>
-          </ac:spMkLst>
-        </pc:spChg>
-        <pc:spChg chg="add del mod">
-          <ac:chgData name="尾嵜 成真" userId="dd95f81a979e9056" providerId="LiveId" clId="{AC734C73-8538-4BAB-908C-DE9B017264B5}" dt="2023-01-09T07:12:21.175" v="204" actId="21"/>
-          <ac:spMkLst>
-            <pc:docMk/>
-            <pc:sldMk cId="4190097553" sldId="303"/>
-            <ac:spMk id="7" creationId="{85A84F6D-9190-3906-DBDD-0F3EA77CAE9D}"/>
-          </ac:spMkLst>
-        </pc:spChg>
-        <pc:spChg chg="add mod">
-          <ac:chgData name="尾嵜 成真" userId="dd95f81a979e9056" providerId="LiveId" clId="{AC734C73-8538-4BAB-908C-DE9B017264B5}" dt="2023-01-09T07:12:33.105" v="209" actId="1076"/>
-          <ac:spMkLst>
-            <pc:docMk/>
-            <pc:sldMk cId="4190097553" sldId="303"/>
-            <ac:spMk id="10" creationId="{8651F9A1-698E-5887-581B-DB5C35D78A45}"/>
-          </ac:spMkLst>
-        </pc:spChg>
-        <pc:spChg chg="mod">
-          <ac:chgData name="尾嵜 成真" userId="dd95f81a979e9056" providerId="LiveId" clId="{AC734C73-8538-4BAB-908C-DE9B017264B5}" dt="2023-01-09T06:59:10.333" v="104" actId="1076"/>
-          <ac:spMkLst>
-            <pc:docMk/>
-            <pc:sldMk cId="4190097553" sldId="303"/>
-            <ac:spMk id="22" creationId="{130837D4-140A-1DB8-3B90-658860BB5C5B}"/>
-          </ac:spMkLst>
-        </pc:spChg>
-        <pc:spChg chg="del mod">
-          <ac:chgData name="尾嵜 成真" userId="dd95f81a979e9056" providerId="LiveId" clId="{AC734C73-8538-4BAB-908C-DE9B017264B5}" dt="2023-01-09T06:59:27.698" v="107" actId="21"/>
-          <ac:spMkLst>
-            <pc:docMk/>
-            <pc:sldMk cId="4190097553" sldId="303"/>
-            <ac:spMk id="25" creationId="{6AD23C59-3008-CD1A-E4B5-28FCCA95819E}"/>
-          </ac:spMkLst>
-        </pc:spChg>
-        <pc:spChg chg="mod">
-          <ac:chgData name="尾嵜 成真" userId="dd95f81a979e9056" providerId="LiveId" clId="{AC734C73-8538-4BAB-908C-DE9B017264B5}" dt="2023-01-09T07:52:08.811" v="454" actId="20577"/>
-          <ac:spMkLst>
-            <pc:docMk/>
-            <pc:sldMk cId="4190097553" sldId="303"/>
-            <ac:spMk id="26" creationId="{4C6CF6C6-84B1-9D0E-1D23-344066B0F396}"/>
-          </ac:spMkLst>
-        </pc:spChg>
-        <pc:picChg chg="add del mod">
-          <ac:chgData name="尾嵜 成真" userId="dd95f81a979e9056" providerId="LiveId" clId="{AC734C73-8538-4BAB-908C-DE9B017264B5}" dt="2023-01-09T07:09:07.476" v="183" actId="478"/>
-          <ac:picMkLst>
-            <pc:docMk/>
-            <pc:sldMk cId="4190097553" sldId="303"/>
-            <ac:picMk id="3" creationId="{297AF16A-C2FD-F42F-9E8F-CE26FE8B451D}"/>
-          </ac:picMkLst>
-        </pc:picChg>
-        <pc:picChg chg="add del mod">
-          <ac:chgData name="尾嵜 成真" userId="dd95f81a979e9056" providerId="LiveId" clId="{AC734C73-8538-4BAB-908C-DE9B017264B5}" dt="2023-01-09T07:12:14.712" v="201" actId="478"/>
-          <ac:picMkLst>
-            <pc:docMk/>
-            <pc:sldMk cId="4190097553" sldId="303"/>
-            <ac:picMk id="6" creationId="{A1892162-92EE-C9DD-A925-2683032B7D5E}"/>
-          </ac:picMkLst>
-        </pc:picChg>
-        <pc:picChg chg="add mod">
-          <ac:chgData name="尾嵜 成真" userId="dd95f81a979e9056" providerId="LiveId" clId="{AC734C73-8538-4BAB-908C-DE9B017264B5}" dt="2023-01-09T07:12:29.529" v="208" actId="1076"/>
-          <ac:picMkLst>
-            <pc:docMk/>
-            <pc:sldMk cId="4190097553" sldId="303"/>
-            <ac:picMk id="9" creationId="{8FDAE5A2-1F42-C716-85A1-99DE6F246787}"/>
-          </ac:picMkLst>
-        </pc:picChg>
-        <pc:picChg chg="del">
-          <ac:chgData name="尾嵜 成真" userId="dd95f81a979e9056" providerId="LiveId" clId="{AC734C73-8538-4BAB-908C-DE9B017264B5}" dt="2023-01-09T06:48:22.685" v="35" actId="478"/>
-          <ac:picMkLst>
-            <pc:docMk/>
-            <pc:sldMk cId="4190097553" sldId="303"/>
-            <ac:picMk id="24" creationId="{75A56AED-8FCB-1181-6716-DED43235156D}"/>
-          </ac:picMkLst>
-        </pc:picChg>
-      </pc:sldChg>
-      <pc:sldChg chg="modSp mod">
-        <pc:chgData name="尾嵜 成真" userId="dd95f81a979e9056" providerId="LiveId" clId="{AC734C73-8538-4BAB-908C-DE9B017264B5}" dt="2023-01-09T06:59:53.016" v="110" actId="207"/>
-        <pc:sldMkLst>
-          <pc:docMk/>
-          <pc:sldMk cId="1793902739" sldId="305"/>
-        </pc:sldMkLst>
-        <pc:graphicFrameChg chg="modGraphic">
-          <ac:chgData name="尾嵜 成真" userId="dd95f81a979e9056" providerId="LiveId" clId="{AC734C73-8538-4BAB-908C-DE9B017264B5}" dt="2023-01-09T06:59:53.016" v="110" actId="207"/>
-          <ac:graphicFrameMkLst>
-            <pc:docMk/>
-            <pc:sldMk cId="1793902739" sldId="305"/>
-            <ac:graphicFrameMk id="31" creationId="{48DC726C-6E54-B2D0-3B8B-B4BA03014533}"/>
-          </ac:graphicFrameMkLst>
-        </pc:graphicFrameChg>
-      </pc:sldChg>
-      <pc:sldChg chg="modSp mod">
-        <pc:chgData name="尾嵜 成真" userId="dd95f81a979e9056" providerId="LiveId" clId="{AC734C73-8538-4BAB-908C-DE9B017264B5}" dt="2023-01-09T08:04:16.908" v="521" actId="14734"/>
-        <pc:sldMkLst>
-          <pc:docMk/>
-          <pc:sldMk cId="3198427016" sldId="306"/>
-        </pc:sldMkLst>
-        <pc:graphicFrameChg chg="mod modGraphic">
-          <ac:chgData name="尾嵜 成真" userId="dd95f81a979e9056" providerId="LiveId" clId="{AC734C73-8538-4BAB-908C-DE9B017264B5}" dt="2023-01-09T08:04:16.908" v="521" actId="14734"/>
-          <ac:graphicFrameMkLst>
-            <pc:docMk/>
-            <pc:sldMk cId="3198427016" sldId="306"/>
-            <ac:graphicFrameMk id="2" creationId="{4A46E109-EF54-CBF0-8FCA-158AEC5AE535}"/>
-          </ac:graphicFrameMkLst>
-        </pc:graphicFrameChg>
-        <pc:graphicFrameChg chg="modGraphic">
-          <ac:chgData name="尾嵜 成真" userId="dd95f81a979e9056" providerId="LiveId" clId="{AC734C73-8538-4BAB-908C-DE9B017264B5}" dt="2023-01-09T07:00:03.269" v="111" actId="207"/>
-          <ac:graphicFrameMkLst>
-            <pc:docMk/>
-            <pc:sldMk cId="3198427016" sldId="306"/>
-            <ac:graphicFrameMk id="4" creationId="{F9B8FF01-FAF6-78EA-838F-9757583E8040}"/>
-          </ac:graphicFrameMkLst>
-        </pc:graphicFrameChg>
-      </pc:sldChg>
-      <pc:sldChg chg="del">
-        <pc:chgData name="尾嵜 成真" userId="dd95f81a979e9056" providerId="LiveId" clId="{AC734C73-8538-4BAB-908C-DE9B017264B5}" dt="2023-01-09T06:32:50.413" v="23" actId="47"/>
-        <pc:sldMkLst>
-          <pc:docMk/>
-          <pc:sldMk cId="2225451864" sldId="307"/>
-        </pc:sldMkLst>
-      </pc:sldChg>
-      <pc:sldChg chg="del">
-        <pc:chgData name="尾嵜 成真" userId="dd95f81a979e9056" providerId="LiveId" clId="{AC734C73-8538-4BAB-908C-DE9B017264B5}" dt="2023-01-09T06:32:52.557" v="24" actId="47"/>
-        <pc:sldMkLst>
-          <pc:docMk/>
-          <pc:sldMk cId="3006967339" sldId="392"/>
-        </pc:sldMkLst>
-      </pc:sldChg>
-      <pc:sldChg chg="modSp mod">
-        <pc:chgData name="尾嵜 成真" userId="dd95f81a979e9056" providerId="LiveId" clId="{AC734C73-8538-4BAB-908C-DE9B017264B5}" dt="2023-01-09T07:00:15.039" v="113" actId="207"/>
-        <pc:sldMkLst>
-          <pc:docMk/>
-          <pc:sldMk cId="1778224841" sldId="394"/>
-        </pc:sldMkLst>
-        <pc:graphicFrameChg chg="modGraphic">
-          <ac:chgData name="尾嵜 成真" userId="dd95f81a979e9056" providerId="LiveId" clId="{AC734C73-8538-4BAB-908C-DE9B017264B5}" dt="2023-01-09T07:00:15.039" v="113" actId="207"/>
-          <ac:graphicFrameMkLst>
-            <pc:docMk/>
-            <pc:sldMk cId="1778224841" sldId="394"/>
-            <ac:graphicFrameMk id="9" creationId="{7373CF85-B4D4-9F92-8889-E7E4148A1054}"/>
-          </ac:graphicFrameMkLst>
-        </pc:graphicFrameChg>
-      </pc:sldChg>
-      <pc:sldChg chg="modSp mod">
-        <pc:chgData name="尾嵜 成真" userId="dd95f81a979e9056" providerId="LiveId" clId="{AC734C73-8538-4BAB-908C-DE9B017264B5}" dt="2023-01-09T08:04:49.963" v="523" actId="1076"/>
-        <pc:sldMkLst>
-          <pc:docMk/>
-          <pc:sldMk cId="1148648546" sldId="395"/>
-        </pc:sldMkLst>
-        <pc:spChg chg="mod">
-          <ac:chgData name="尾嵜 成真" userId="dd95f81a979e9056" providerId="LiveId" clId="{AC734C73-8538-4BAB-908C-DE9B017264B5}" dt="2023-01-09T08:04:45.939" v="522" actId="6549"/>
-          <ac:spMkLst>
-            <pc:docMk/>
-            <pc:sldMk cId="1148648546" sldId="395"/>
-            <ac:spMk id="10" creationId="{4C8D8093-D708-E46A-39FD-79BFCCF8875B}"/>
-          </ac:spMkLst>
-        </pc:spChg>
-        <pc:graphicFrameChg chg="mod">
-          <ac:chgData name="尾嵜 成真" userId="dd95f81a979e9056" providerId="LiveId" clId="{AC734C73-8538-4BAB-908C-DE9B017264B5}" dt="2023-01-09T07:52:44.881" v="456" actId="1076"/>
-          <ac:graphicFrameMkLst>
-            <pc:docMk/>
-            <pc:sldMk cId="1148648546" sldId="395"/>
-            <ac:graphicFrameMk id="2" creationId="{3DDB769E-1CF3-B14F-F320-D782BF6C5667}"/>
-          </ac:graphicFrameMkLst>
-        </pc:graphicFrameChg>
-        <pc:graphicFrameChg chg="mod modGraphic">
-          <ac:chgData name="尾嵜 成真" userId="dd95f81a979e9056" providerId="LiveId" clId="{AC734C73-8538-4BAB-908C-DE9B017264B5}" dt="2023-01-09T07:58:27.776" v="482" actId="20577"/>
-          <ac:graphicFrameMkLst>
-            <pc:docMk/>
-            <pc:sldMk cId="1148648546" sldId="395"/>
-            <ac:graphicFrameMk id="3" creationId="{D3B36031-627F-6834-8FFF-9FB042186059}"/>
-          </ac:graphicFrameMkLst>
-        </pc:graphicFrameChg>
-        <pc:graphicFrameChg chg="mod">
-          <ac:chgData name="尾嵜 成真" userId="dd95f81a979e9056" providerId="LiveId" clId="{AC734C73-8538-4BAB-908C-DE9B017264B5}" dt="2023-01-09T08:04:49.963" v="523" actId="1076"/>
-          <ac:graphicFrameMkLst>
-            <pc:docMk/>
-            <pc:sldMk cId="1148648546" sldId="395"/>
-            <ac:graphicFrameMk id="4" creationId="{946D63E4-2E41-7822-CD16-90215A147784}"/>
-          </ac:graphicFrameMkLst>
-        </pc:graphicFrameChg>
-        <pc:graphicFrameChg chg="mod modGraphic">
-          <ac:chgData name="尾嵜 成真" userId="dd95f81a979e9056" providerId="LiveId" clId="{AC734C73-8538-4BAB-908C-DE9B017264B5}" dt="2023-01-09T07:48:57.252" v="355" actId="207"/>
-          <ac:graphicFrameMkLst>
-            <pc:docMk/>
-            <pc:sldMk cId="1148648546" sldId="395"/>
-            <ac:graphicFrameMk id="7" creationId="{1536C17C-50A0-3AD8-030E-ECEF6020BB1A}"/>
-          </ac:graphicFrameMkLst>
-        </pc:graphicFrameChg>
-      </pc:sldChg>
-      <pc:sldChg chg="del">
-        <pc:chgData name="尾嵜 成真" userId="dd95f81a979e9056" providerId="LiveId" clId="{AC734C73-8538-4BAB-908C-DE9B017264B5}" dt="2023-01-09T06:32:37.889" v="20" actId="47"/>
-        <pc:sldMkLst>
-          <pc:docMk/>
-          <pc:sldMk cId="3911352939" sldId="396"/>
-        </pc:sldMkLst>
-      </pc:sldChg>
-      <pc:sldChg chg="del">
-        <pc:chgData name="尾嵜 成真" userId="dd95f81a979e9056" providerId="LiveId" clId="{AC734C73-8538-4BAB-908C-DE9B017264B5}" dt="2023-01-09T06:32:42.762" v="21" actId="47"/>
-        <pc:sldMkLst>
-          <pc:docMk/>
-          <pc:sldMk cId="3193689780" sldId="397"/>
-        </pc:sldMkLst>
-      </pc:sldChg>
-      <pc:sldChg chg="del">
-        <pc:chgData name="尾嵜 成真" userId="dd95f81a979e9056" providerId="LiveId" clId="{AC734C73-8538-4BAB-908C-DE9B017264B5}" dt="2023-01-09T06:32:53.895" v="25" actId="47"/>
-        <pc:sldMkLst>
-          <pc:docMk/>
-          <pc:sldMk cId="2594863473" sldId="398"/>
-        </pc:sldMkLst>
-      </pc:sldChg>
-      <pc:sldChg chg="del">
-        <pc:chgData name="尾嵜 成真" userId="dd95f81a979e9056" providerId="LiveId" clId="{AC734C73-8538-4BAB-908C-DE9B017264B5}" dt="2023-01-09T06:32:54.687" v="26" actId="47"/>
-        <pc:sldMkLst>
-          <pc:docMk/>
-          <pc:sldMk cId="1064526272" sldId="399"/>
-        </pc:sldMkLst>
-      </pc:sldChg>
-      <pc:sldChg chg="del">
-        <pc:chgData name="尾嵜 成真" userId="dd95f81a979e9056" providerId="LiveId" clId="{AC734C73-8538-4BAB-908C-DE9B017264B5}" dt="2023-01-09T06:32:55.643" v="27" actId="47"/>
-        <pc:sldMkLst>
-          <pc:docMk/>
-          <pc:sldMk cId="373197906" sldId="401"/>
-        </pc:sldMkLst>
-      </pc:sldChg>
-      <pc:sldChg chg="add del">
-        <pc:chgData name="尾嵜 成真" userId="dd95f81a979e9056" providerId="LiveId" clId="{AC734C73-8538-4BAB-908C-DE9B017264B5}" dt="2023-01-11T07:21:54.889" v="2284" actId="47"/>
-        <pc:sldMkLst>
-          <pc:docMk/>
-          <pc:sldMk cId="1637066913" sldId="402"/>
-        </pc:sldMkLst>
-      </pc:sldChg>
-      <pc:sldChg chg="del">
-        <pc:chgData name="尾嵜 成真" userId="dd95f81a979e9056" providerId="LiveId" clId="{AC734C73-8538-4BAB-908C-DE9B017264B5}" dt="2023-01-09T06:32:48.978" v="22" actId="47"/>
-        <pc:sldMkLst>
-          <pc:docMk/>
-          <pc:sldMk cId="3735046817" sldId="405"/>
-        </pc:sldMkLst>
-      </pc:sldChg>
-      <pc:sldChg chg="delSp modSp mod">
-        <pc:chgData name="尾嵜 成真" userId="dd95f81a979e9056" providerId="LiveId" clId="{AC734C73-8538-4BAB-908C-DE9B017264B5}" dt="2023-01-10T08:22:02.409" v="1681" actId="947"/>
-        <pc:sldMkLst>
-          <pc:docMk/>
-          <pc:sldMk cId="1362757188" sldId="406"/>
-        </pc:sldMkLst>
-        <pc:spChg chg="del">
-          <ac:chgData name="尾嵜 成真" userId="dd95f81a979e9056" providerId="LiveId" clId="{AC734C73-8538-4BAB-908C-DE9B017264B5}" dt="2023-01-09T14:06:11.007" v="806" actId="478"/>
-          <ac:spMkLst>
-            <pc:docMk/>
-            <pc:sldMk cId="1362757188" sldId="406"/>
-            <ac:spMk id="3" creationId="{E2142266-E189-EFD5-B67D-0A0D866FAB50}"/>
-          </ac:spMkLst>
-        </pc:spChg>
-        <pc:spChg chg="del">
-          <ac:chgData name="尾嵜 成真" userId="dd95f81a979e9056" providerId="LiveId" clId="{AC734C73-8538-4BAB-908C-DE9B017264B5}" dt="2023-01-09T14:06:11.007" v="806" actId="478"/>
-          <ac:spMkLst>
-            <pc:docMk/>
-            <pc:sldMk cId="1362757188" sldId="406"/>
-            <ac:spMk id="5" creationId="{F6CF39B1-389C-87AC-931A-5773BE5FFBA6}"/>
-          </ac:spMkLst>
-        </pc:spChg>
-        <pc:spChg chg="mod">
-          <ac:chgData name="尾嵜 成真" userId="dd95f81a979e9056" providerId="LiveId" clId="{AC734C73-8538-4BAB-908C-DE9B017264B5}" dt="2023-01-10T08:22:02.409" v="1681" actId="947"/>
-          <ac:spMkLst>
-            <pc:docMk/>
-            <pc:sldMk cId="1362757188" sldId="406"/>
-            <ac:spMk id="10" creationId="{4C8D8093-D708-E46A-39FD-79BFCCF8875B}"/>
-          </ac:spMkLst>
-        </pc:spChg>
-        <pc:spChg chg="mod">
-          <ac:chgData name="尾嵜 成真" userId="dd95f81a979e9056" providerId="LiveId" clId="{AC734C73-8538-4BAB-908C-DE9B017264B5}" dt="2023-01-09T10:46:53.738" v="758"/>
-          <ac:spMkLst>
-            <pc:docMk/>
-            <pc:sldMk cId="1362757188" sldId="406"/>
-            <ac:spMk id="28" creationId="{B0F217A8-646C-15BA-6733-F4B0F1014565}"/>
-          </ac:spMkLst>
-        </pc:spChg>
-        <pc:spChg chg="mod">
-          <ac:chgData name="尾嵜 成真" userId="dd95f81a979e9056" providerId="LiveId" clId="{AC734C73-8538-4BAB-908C-DE9B017264B5}" dt="2023-01-09T10:48:10.828" v="772" actId="20577"/>
-          <ac:spMkLst>
-            <pc:docMk/>
-            <pc:sldMk cId="1362757188" sldId="406"/>
-            <ac:spMk id="29" creationId="{A17934AB-FCC8-3776-1635-6E61D9A7D43B}"/>
-          </ac:spMkLst>
-        </pc:spChg>
-        <pc:picChg chg="del">
-          <ac:chgData name="尾嵜 成真" userId="dd95f81a979e9056" providerId="LiveId" clId="{AC734C73-8538-4BAB-908C-DE9B017264B5}" dt="2023-01-09T14:06:11.007" v="806" actId="478"/>
-          <ac:picMkLst>
-            <pc:docMk/>
-            <pc:sldMk cId="1362757188" sldId="406"/>
-            <ac:picMk id="2" creationId="{147811DE-CCFD-CACA-2161-0AB526E6B824}"/>
-          </ac:picMkLst>
-        </pc:picChg>
-        <pc:picChg chg="del">
-          <ac:chgData name="尾嵜 成真" userId="dd95f81a979e9056" providerId="LiveId" clId="{AC734C73-8538-4BAB-908C-DE9B017264B5}" dt="2023-01-09T14:06:11.007" v="806" actId="478"/>
-          <ac:picMkLst>
-            <pc:docMk/>
-            <pc:sldMk cId="1362757188" sldId="406"/>
-            <ac:picMk id="4" creationId="{3F300939-3739-A21B-256F-C7555733B00D}"/>
-          </ac:picMkLst>
-        </pc:picChg>
-      </pc:sldChg>
-      <pc:sldChg chg="add del">
-        <pc:chgData name="尾嵜 成真" userId="dd95f81a979e9056" providerId="LiveId" clId="{AC734C73-8538-4BAB-908C-DE9B017264B5}" dt="2023-01-09T06:33:04.054" v="33" actId="47"/>
-        <pc:sldMkLst>
-          <pc:docMk/>
-          <pc:sldMk cId="1137511312" sldId="407"/>
-        </pc:sldMkLst>
-      </pc:sldChg>
-      <pc:sldChg chg="addSp delSp modSp add mod">
-        <pc:chgData name="尾嵜 成真" userId="dd95f81a979e9056" providerId="LiveId" clId="{AC734C73-8538-4BAB-908C-DE9B017264B5}" dt="2023-01-11T09:19:23.728" v="3439" actId="14734"/>
-        <pc:sldMkLst>
-          <pc:docMk/>
-          <pc:sldMk cId="2298084990" sldId="407"/>
-        </pc:sldMkLst>
-        <pc:spChg chg="mod">
-          <ac:chgData name="尾嵜 成真" userId="dd95f81a979e9056" providerId="LiveId" clId="{AC734C73-8538-4BAB-908C-DE9B017264B5}" dt="2023-01-09T10:45:23.483" v="743" actId="1076"/>
-          <ac:spMkLst>
-            <pc:docMk/>
-            <pc:sldMk cId="2298084990" sldId="407"/>
-            <ac:spMk id="10" creationId="{4C8D8093-D708-E46A-39FD-79BFCCF8875B}"/>
-          </ac:spMkLst>
-        </pc:spChg>
-        <pc:graphicFrameChg chg="del">
-          <ac:chgData name="尾嵜 成真" userId="dd95f81a979e9056" providerId="LiveId" clId="{AC734C73-8538-4BAB-908C-DE9B017264B5}" dt="2023-01-09T07:01:12.063" v="128" actId="478"/>
-          <ac:graphicFrameMkLst>
-            <pc:docMk/>
-            <pc:sldMk cId="2298084990" sldId="407"/>
-            <ac:graphicFrameMk id="2" creationId="{3DDB769E-1CF3-B14F-F320-D782BF6C5667}"/>
-          </ac:graphicFrameMkLst>
-        </pc:graphicFrameChg>
-        <pc:graphicFrameChg chg="del">
-          <ac:chgData name="尾嵜 成真" userId="dd95f81a979e9056" providerId="LiveId" clId="{AC734C73-8538-4BAB-908C-DE9B017264B5}" dt="2023-01-09T07:01:12.063" v="128" actId="478"/>
-          <ac:graphicFrameMkLst>
-            <pc:docMk/>
-            <pc:sldMk cId="2298084990" sldId="407"/>
-            <ac:graphicFrameMk id="3" creationId="{D3B36031-627F-6834-8FFF-9FB042186059}"/>
-          </ac:graphicFrameMkLst>
-        </pc:graphicFrameChg>
-        <pc:graphicFrameChg chg="del">
-          <ac:chgData name="尾嵜 成真" userId="dd95f81a979e9056" providerId="LiveId" clId="{AC734C73-8538-4BAB-908C-DE9B017264B5}" dt="2023-01-09T07:01:12.063" v="128" actId="478"/>
-          <ac:graphicFrameMkLst>
-            <pc:docMk/>
-            <pc:sldMk cId="2298084990" sldId="407"/>
-            <ac:graphicFrameMk id="4" creationId="{946D63E4-2E41-7822-CD16-90215A147784}"/>
-          </ac:graphicFrameMkLst>
-        </pc:graphicFrameChg>
-        <pc:graphicFrameChg chg="add mod modGraphic">
-          <ac:chgData name="尾嵜 成真" userId="dd95f81a979e9056" providerId="LiveId" clId="{AC734C73-8538-4BAB-908C-DE9B017264B5}" dt="2023-01-11T09:19:23.728" v="3439" actId="14734"/>
-          <ac:graphicFrameMkLst>
-            <pc:docMk/>
-            <pc:sldMk cId="2298084990" sldId="407"/>
-            <ac:graphicFrameMk id="5" creationId="{53A7FBB1-5148-FEED-E8A4-8AC9734A1E50}"/>
-          </ac:graphicFrameMkLst>
-        </pc:graphicFrameChg>
-        <pc:graphicFrameChg chg="del">
-          <ac:chgData name="尾嵜 成真" userId="dd95f81a979e9056" providerId="LiveId" clId="{AC734C73-8538-4BAB-908C-DE9B017264B5}" dt="2023-01-09T07:01:46.049" v="131" actId="478"/>
-          <ac:graphicFrameMkLst>
-            <pc:docMk/>
-            <pc:sldMk cId="2298084990" sldId="407"/>
-            <ac:graphicFrameMk id="7" creationId="{1536C17C-50A0-3AD8-030E-ECEF6020BB1A}"/>
-          </ac:graphicFrameMkLst>
-        </pc:graphicFrameChg>
-      </pc:sldChg>
-      <pc:sldChg chg="del">
-        <pc:chgData name="尾嵜 成真" userId="dd95f81a979e9056" providerId="LiveId" clId="{AC734C73-8538-4BAB-908C-DE9B017264B5}" dt="2023-01-09T06:32:56.261" v="28" actId="47"/>
-        <pc:sldMkLst>
-          <pc:docMk/>
-          <pc:sldMk cId="1924153991" sldId="408"/>
-        </pc:sldMkLst>
-      </pc:sldChg>
-      <pc:sldChg chg="addSp delSp modSp add del mod">
-        <pc:chgData name="尾嵜 成真" userId="dd95f81a979e9056" providerId="LiveId" clId="{AC734C73-8538-4BAB-908C-DE9B017264B5}" dt="2023-01-11T07:47:02.289" v="3207" actId="20577"/>
-        <pc:sldMkLst>
-          <pc:docMk/>
-          <pc:sldMk cId="2680518299" sldId="408"/>
-        </pc:sldMkLst>
-        <pc:spChg chg="add mod">
-          <ac:chgData name="尾嵜 成真" userId="dd95f81a979e9056" providerId="LiveId" clId="{AC734C73-8538-4BAB-908C-DE9B017264B5}" dt="2023-01-11T07:20:20.321" v="2282" actId="1076"/>
-          <ac:spMkLst>
-            <pc:docMk/>
-            <pc:sldMk cId="2680518299" sldId="408"/>
-            <ac:spMk id="2" creationId="{F12381F0-04CA-C595-0610-2F2D276A6994}"/>
-          </ac:spMkLst>
-        </pc:spChg>
-        <pc:spChg chg="del">
-          <ac:chgData name="尾嵜 成真" userId="dd95f81a979e9056" providerId="LiveId" clId="{AC734C73-8538-4BAB-908C-DE9B017264B5}" dt="2023-01-09T14:16:14.483" v="873" actId="478"/>
-          <ac:spMkLst>
-            <pc:docMk/>
-            <pc:sldMk cId="2680518299" sldId="408"/>
-            <ac:spMk id="3" creationId="{E2142266-E189-EFD5-B67D-0A0D866FAB50}"/>
-          </ac:spMkLst>
-        </pc:spChg>
-        <pc:spChg chg="add mod">
-          <ac:chgData name="尾嵜 成真" userId="dd95f81a979e9056" providerId="LiveId" clId="{AC734C73-8538-4BAB-908C-DE9B017264B5}" dt="2023-01-11T07:20:20.321" v="2282" actId="1076"/>
-          <ac:spMkLst>
-            <pc:docMk/>
-            <pc:sldMk cId="2680518299" sldId="408"/>
-            <ac:spMk id="4" creationId="{EEB5F97B-CDB6-71F4-C647-26663F763011}"/>
-          </ac:spMkLst>
-        </pc:spChg>
-        <pc:spChg chg="del">
-          <ac:chgData name="尾嵜 成真" userId="dd95f81a979e9056" providerId="LiveId" clId="{AC734C73-8538-4BAB-908C-DE9B017264B5}" dt="2023-01-09T14:16:14.483" v="873" actId="478"/>
-          <ac:spMkLst>
-            <pc:docMk/>
-            <pc:sldMk cId="2680518299" sldId="408"/>
-            <ac:spMk id="5" creationId="{F6CF39B1-389C-87AC-931A-5773BE5FFBA6}"/>
-          </ac:spMkLst>
-        </pc:spChg>
-        <pc:spChg chg="mod">
-          <ac:chgData name="尾嵜 成真" userId="dd95f81a979e9056" providerId="LiveId" clId="{AC734C73-8538-4BAB-908C-DE9B017264B5}" dt="2023-01-11T07:47:02.289" v="3207" actId="20577"/>
-          <ac:spMkLst>
-            <pc:docMk/>
-            <pc:sldMk cId="2680518299" sldId="408"/>
-            <ac:spMk id="10" creationId="{4C8D8093-D708-E46A-39FD-79BFCCF8875B}"/>
-          </ac:spMkLst>
-        </pc:spChg>
-        <pc:spChg chg="mod">
-          <ac:chgData name="尾嵜 成真" userId="dd95f81a979e9056" providerId="LiveId" clId="{AC734C73-8538-4BAB-908C-DE9B017264B5}" dt="2023-01-10T09:03:34.939" v="1992"/>
-          <ac:spMkLst>
-            <pc:docMk/>
-            <pc:sldMk cId="2680518299" sldId="408"/>
-            <ac:spMk id="29" creationId="{A17934AB-FCC8-3776-1635-6E61D9A7D43B}"/>
-          </ac:spMkLst>
-        </pc:spChg>
-        <pc:picChg chg="del">
-          <ac:chgData name="尾嵜 成真" userId="dd95f81a979e9056" providerId="LiveId" clId="{AC734C73-8538-4BAB-908C-DE9B017264B5}" dt="2023-01-09T14:16:14.483" v="873" actId="478"/>
-          <ac:picMkLst>
-            <pc:docMk/>
-            <pc:sldMk cId="2680518299" sldId="408"/>
-            <ac:picMk id="2" creationId="{147811DE-CCFD-CACA-2161-0AB526E6B824}"/>
-          </ac:picMkLst>
-        </pc:picChg>
-        <pc:picChg chg="add mod">
-          <ac:chgData name="尾嵜 成真" userId="dd95f81a979e9056" providerId="LiveId" clId="{AC734C73-8538-4BAB-908C-DE9B017264B5}" dt="2023-01-11T07:20:20.321" v="2282" actId="1076"/>
-          <ac:picMkLst>
-            <pc:docMk/>
-            <pc:sldMk cId="2680518299" sldId="408"/>
-            <ac:picMk id="3" creationId="{83EB899C-F9B2-ECAC-F35D-4F0341392553}"/>
-          </ac:picMkLst>
-        </pc:picChg>
-        <pc:picChg chg="del">
-          <ac:chgData name="尾嵜 成真" userId="dd95f81a979e9056" providerId="LiveId" clId="{AC734C73-8538-4BAB-908C-DE9B017264B5}" dt="2023-01-09T14:16:14.483" v="873" actId="478"/>
-          <ac:picMkLst>
-            <pc:docMk/>
-            <pc:sldMk cId="2680518299" sldId="408"/>
-            <ac:picMk id="4" creationId="{3F300939-3739-A21B-256F-C7555733B00D}"/>
-          </ac:picMkLst>
-        </pc:picChg>
-        <pc:picChg chg="add del">
-          <ac:chgData name="尾嵜 成真" userId="dd95f81a979e9056" providerId="LiveId" clId="{AC734C73-8538-4BAB-908C-DE9B017264B5}" dt="2023-01-11T07:40:08.631" v="3112" actId="22"/>
-          <ac:picMkLst>
-            <pc:docMk/>
-            <pc:sldMk cId="2680518299" sldId="408"/>
-            <ac:picMk id="6" creationId="{DD4C0560-EBF1-40BA-2731-AE53E7C29561}"/>
-          </ac:picMkLst>
-        </pc:picChg>
-        <pc:picChg chg="add del">
-          <ac:chgData name="尾嵜 成真" userId="dd95f81a979e9056" providerId="LiveId" clId="{AC734C73-8538-4BAB-908C-DE9B017264B5}" dt="2023-01-09T15:03:57.855" v="1209"/>
-          <ac:picMkLst>
-            <pc:docMk/>
-            <pc:sldMk cId="2680518299" sldId="408"/>
-            <ac:picMk id="1026" creationId="{A6696BD0-74AB-5FFF-44A1-24C35A3F44C3}"/>
-          </ac:picMkLst>
-        </pc:picChg>
-      </pc:sldChg>
-      <pc:sldChg chg="addSp delSp modSp add del mod">
-        <pc:chgData name="尾嵜 成真" userId="dd95f81a979e9056" providerId="LiveId" clId="{AC734C73-8538-4BAB-908C-DE9B017264B5}" dt="2023-01-11T07:20:27.132" v="2283" actId="47"/>
-        <pc:sldMkLst>
-          <pc:docMk/>
-          <pc:sldMk cId="255535010" sldId="409"/>
-        </pc:sldMkLst>
-        <pc:spChg chg="add mod">
-          <ac:chgData name="尾嵜 成真" userId="dd95f81a979e9056" providerId="LiveId" clId="{AC734C73-8538-4BAB-908C-DE9B017264B5}" dt="2023-01-10T08:59:59.397" v="1948" actId="207"/>
-          <ac:spMkLst>
-            <pc:docMk/>
-            <pc:sldMk cId="255535010" sldId="409"/>
-            <ac:spMk id="2" creationId="{255CC66D-DD39-2623-5529-87148FC23A03}"/>
-          </ac:spMkLst>
-        </pc:spChg>
-        <pc:spChg chg="add mod">
-          <ac:chgData name="尾嵜 成真" userId="dd95f81a979e9056" providerId="LiveId" clId="{AC734C73-8538-4BAB-908C-DE9B017264B5}" dt="2023-01-10T08:48:15.891" v="1749" actId="14100"/>
-          <ac:spMkLst>
-            <pc:docMk/>
-            <pc:sldMk cId="255535010" sldId="409"/>
-            <ac:spMk id="4" creationId="{136B95D6-3A81-252F-67A3-196FF1121E65}"/>
-          </ac:spMkLst>
-        </pc:spChg>
-        <pc:spChg chg="add del mod">
-          <ac:chgData name="尾嵜 成真" userId="dd95f81a979e9056" providerId="LiveId" clId="{AC734C73-8538-4BAB-908C-DE9B017264B5}" dt="2023-01-10T08:57:15.979" v="1924"/>
-          <ac:spMkLst>
-            <pc:docMk/>
-            <pc:sldMk cId="255535010" sldId="409"/>
-            <ac:spMk id="5" creationId="{E888323E-A3C1-2768-B715-987BDA2C5E3B}"/>
-          </ac:spMkLst>
-        </pc:spChg>
-        <pc:spChg chg="mod">
-          <ac:chgData name="尾嵜 成真" userId="dd95f81a979e9056" providerId="LiveId" clId="{AC734C73-8538-4BAB-908C-DE9B017264B5}" dt="2023-01-09T15:10:34.055" v="1458" actId="20577"/>
-          <ac:spMkLst>
-            <pc:docMk/>
-            <pc:sldMk cId="255535010" sldId="409"/>
-            <ac:spMk id="10" creationId="{4C8D8093-D708-E46A-39FD-79BFCCF8875B}"/>
-          </ac:spMkLst>
-        </pc:spChg>
-        <pc:spChg chg="mod">
-          <ac:chgData name="尾嵜 成真" userId="dd95f81a979e9056" providerId="LiveId" clId="{AC734C73-8538-4BAB-908C-DE9B017264B5}" dt="2023-01-09T15:05:27.976" v="1253" actId="20577"/>
-          <ac:spMkLst>
-            <pc:docMk/>
-            <pc:sldMk cId="255535010" sldId="409"/>
-            <ac:spMk id="29" creationId="{A17934AB-FCC8-3776-1635-6E61D9A7D43B}"/>
-          </ac:spMkLst>
-        </pc:spChg>
-        <pc:picChg chg="add mod">
-          <ac:chgData name="尾嵜 成真" userId="dd95f81a979e9056" providerId="LiveId" clId="{AC734C73-8538-4BAB-908C-DE9B017264B5}" dt="2023-01-10T09:00:36.053" v="1952" actId="1076"/>
-          <ac:picMkLst>
-            <pc:docMk/>
-            <pc:sldMk cId="255535010" sldId="409"/>
-            <ac:picMk id="3" creationId="{B28BDD0F-B809-F1DE-AF53-48172998381B}"/>
-          </ac:picMkLst>
-        </pc:picChg>
-        <pc:picChg chg="add del mod">
-          <ac:chgData name="尾嵜 成真" userId="dd95f81a979e9056" providerId="LiveId" clId="{AC734C73-8538-4BAB-908C-DE9B017264B5}" dt="2023-01-09T15:09:37.165" v="1447" actId="21"/>
-          <ac:picMkLst>
-            <pc:docMk/>
-            <pc:sldMk cId="255535010" sldId="409"/>
-            <ac:picMk id="2050" creationId="{4AB6F1AB-E860-E0AF-3D80-5F37C1AF221E}"/>
-          </ac:picMkLst>
-        </pc:picChg>
-      </pc:sldChg>
-      <pc:sldChg chg="del">
-        <pc:chgData name="尾嵜 成真" userId="dd95f81a979e9056" providerId="LiveId" clId="{AC734C73-8538-4BAB-908C-DE9B017264B5}" dt="2023-01-09T06:33:05.949" v="34" actId="47"/>
-        <pc:sldMkLst>
-          <pc:docMk/>
-          <pc:sldMk cId="3356467864" sldId="409"/>
-        </pc:sldMkLst>
-      </pc:sldChg>
-      <pc:sldChg chg="modSp add del mod">
-        <pc:chgData name="尾嵜 成真" userId="dd95f81a979e9056" providerId="LiveId" clId="{AC734C73-8538-4BAB-908C-DE9B017264B5}" dt="2023-01-09T14:14:59.158" v="863" actId="47"/>
-        <pc:sldMkLst>
-          <pc:docMk/>
-          <pc:sldMk cId="3419469481" sldId="409"/>
-        </pc:sldMkLst>
-        <pc:spChg chg="mod">
-          <ac:chgData name="尾嵜 成真" userId="dd95f81a979e9056" providerId="LiveId" clId="{AC734C73-8538-4BAB-908C-DE9B017264B5}" dt="2023-01-09T14:14:56.627" v="862" actId="6549"/>
-          <ac:spMkLst>
-            <pc:docMk/>
-            <pc:sldMk cId="3419469481" sldId="409"/>
-            <ac:spMk id="29" creationId="{A17934AB-FCC8-3776-1635-6E61D9A7D43B}"/>
-          </ac:spMkLst>
-        </pc:spChg>
-      </pc:sldChg>
-      <pc:sldChg chg="addSp delSp modSp add mod ord">
-        <pc:chgData name="尾嵜 成真" userId="dd95f81a979e9056" providerId="LiveId" clId="{AC734C73-8538-4BAB-908C-DE9B017264B5}" dt="2023-01-11T07:07:18.357" v="2014" actId="113"/>
-        <pc:sldMkLst>
-          <pc:docMk/>
-          <pc:sldMk cId="3139867923" sldId="410"/>
-        </pc:sldMkLst>
-        <pc:spChg chg="mod">
-          <ac:chgData name="尾嵜 成真" userId="dd95f81a979e9056" providerId="LiveId" clId="{AC734C73-8538-4BAB-908C-DE9B017264B5}" dt="2023-01-11T07:07:18.357" v="2014" actId="113"/>
-          <ac:spMkLst>
-            <pc:docMk/>
-            <pc:sldMk cId="3139867923" sldId="410"/>
-            <ac:spMk id="10" creationId="{4C8D8093-D708-E46A-39FD-79BFCCF8875B}"/>
-          </ac:spMkLst>
-        </pc:spChg>
-        <pc:spChg chg="add del mod">
-          <ac:chgData name="尾嵜 成真" userId="dd95f81a979e9056" providerId="LiveId" clId="{AC734C73-8538-4BAB-908C-DE9B017264B5}" dt="2023-01-10T08:58:47.126" v="1938" actId="21"/>
-          <ac:spMkLst>
-            <pc:docMk/>
-            <pc:sldMk cId="3139867923" sldId="410"/>
-            <ac:spMk id="16" creationId="{073B1B70-080E-D813-197C-3B5629027995}"/>
-          </ac:spMkLst>
-        </pc:spChg>
-        <pc:spChg chg="add del mod">
-          <ac:chgData name="尾嵜 成真" userId="dd95f81a979e9056" providerId="LiveId" clId="{AC734C73-8538-4BAB-908C-DE9B017264B5}" dt="2023-01-10T08:58:47.126" v="1938" actId="21"/>
-          <ac:spMkLst>
-            <pc:docMk/>
-            <pc:sldMk cId="3139867923" sldId="410"/>
-            <ac:spMk id="17" creationId="{CAEAF506-A42E-9874-8CC1-3A8309105AC2}"/>
-          </ac:spMkLst>
-        </pc:spChg>
-        <pc:spChg chg="add del mod">
-          <ac:chgData name="尾嵜 成真" userId="dd95f81a979e9056" providerId="LiveId" clId="{AC734C73-8538-4BAB-908C-DE9B017264B5}" dt="2023-01-10T08:58:47.126" v="1938" actId="21"/>
-          <ac:spMkLst>
-            <pc:docMk/>
-            <pc:sldMk cId="3139867923" sldId="410"/>
-            <ac:spMk id="18" creationId="{18401BD7-A6E8-7D38-F090-2592C11F6530}"/>
-          </ac:spMkLst>
-        </pc:spChg>
-        <pc:spChg chg="add del mod">
-          <ac:chgData name="尾嵜 成真" userId="dd95f81a979e9056" providerId="LiveId" clId="{AC734C73-8538-4BAB-908C-DE9B017264B5}" dt="2023-01-10T09:00:55.114" v="1957" actId="21"/>
-          <ac:spMkLst>
-            <pc:docMk/>
-            <pc:sldMk cId="3139867923" sldId="410"/>
-            <ac:spMk id="19" creationId="{8C91F996-2639-8D08-FCF5-EA564DDF8FAA}"/>
-          </ac:spMkLst>
-        </pc:spChg>
-        <pc:spChg chg="mod">
-          <ac:chgData name="尾嵜 成真" userId="dd95f81a979e9056" providerId="LiveId" clId="{AC734C73-8538-4BAB-908C-DE9B017264B5}" dt="2023-01-10T09:03:25.684" v="1978" actId="20577"/>
-          <ac:spMkLst>
-            <pc:docMk/>
-            <pc:sldMk cId="3139867923" sldId="410"/>
-            <ac:spMk id="29" creationId="{A17934AB-FCC8-3776-1635-6E61D9A7D43B}"/>
-          </ac:spMkLst>
-        </pc:spChg>
-        <pc:spChg chg="add del mod">
-          <ac:chgData name="尾嵜 成真" userId="dd95f81a979e9056" providerId="LiveId" clId="{AC734C73-8538-4BAB-908C-DE9B017264B5}" dt="2023-01-10T08:58:47.126" v="1938" actId="21"/>
-          <ac:spMkLst>
-            <pc:docMk/>
-            <pc:sldMk cId="3139867923" sldId="410"/>
-            <ac:spMk id="67" creationId="{08523308-F11A-5E38-C78C-99FA6B0C2927}"/>
-          </ac:spMkLst>
-        </pc:spChg>
-        <pc:spChg chg="add del mod">
-          <ac:chgData name="尾嵜 成真" userId="dd95f81a979e9056" providerId="LiveId" clId="{AC734C73-8538-4BAB-908C-DE9B017264B5}" dt="2023-01-10T08:58:47.126" v="1938" actId="21"/>
-          <ac:spMkLst>
-            <pc:docMk/>
-            <pc:sldMk cId="3139867923" sldId="410"/>
-            <ac:spMk id="68" creationId="{70677F50-4995-61EF-5D63-40CB847859F2}"/>
-          </ac:spMkLst>
-        </pc:spChg>
-        <pc:spChg chg="add del mod">
-          <ac:chgData name="尾嵜 成真" userId="dd95f81a979e9056" providerId="LiveId" clId="{AC734C73-8538-4BAB-908C-DE9B017264B5}" dt="2023-01-10T08:58:00.507" v="1927" actId="478"/>
-          <ac:spMkLst>
-            <pc:docMk/>
-            <pc:sldMk cId="3139867923" sldId="410"/>
-            <ac:spMk id="69" creationId="{1E168B79-9E49-ABD3-517D-ECF6D20B63FA}"/>
-          </ac:spMkLst>
-        </pc:spChg>
-        <pc:spChg chg="add del mod">
-          <ac:chgData name="尾嵜 成真" userId="dd95f81a979e9056" providerId="LiveId" clId="{AC734C73-8538-4BAB-908C-DE9B017264B5}" dt="2023-01-10T09:00:55.114" v="1957" actId="21"/>
-          <ac:spMkLst>
-            <pc:docMk/>
-            <pc:sldMk cId="3139867923" sldId="410"/>
-            <ac:spMk id="81" creationId="{E7EDBC4E-12B9-A0E9-7DA0-D88B612095C9}"/>
-          </ac:spMkLst>
-        </pc:spChg>
-        <pc:spChg chg="add del mod">
-          <ac:chgData name="尾嵜 成真" userId="dd95f81a979e9056" providerId="LiveId" clId="{AC734C73-8538-4BAB-908C-DE9B017264B5}" dt="2023-01-10T09:00:55.114" v="1957" actId="21"/>
-          <ac:spMkLst>
-            <pc:docMk/>
-            <pc:sldMk cId="3139867923" sldId="410"/>
-            <ac:spMk id="82" creationId="{3006587E-BEF4-8F30-C350-A2CC0B561E5D}"/>
-          </ac:spMkLst>
-        </pc:spChg>
-        <pc:spChg chg="add del mod">
-          <ac:chgData name="尾嵜 成真" userId="dd95f81a979e9056" providerId="LiveId" clId="{AC734C73-8538-4BAB-908C-DE9B017264B5}" dt="2023-01-10T09:00:55.114" v="1957" actId="21"/>
-          <ac:spMkLst>
-            <pc:docMk/>
-            <pc:sldMk cId="3139867923" sldId="410"/>
-            <ac:spMk id="83" creationId="{8EF76740-0C3A-E007-2CC0-51372E6ED81B}"/>
-          </ac:spMkLst>
-        </pc:spChg>
-        <pc:spChg chg="add del mod">
-          <ac:chgData name="尾嵜 成真" userId="dd95f81a979e9056" providerId="LiveId" clId="{AC734C73-8538-4BAB-908C-DE9B017264B5}" dt="2023-01-10T09:00:55.114" v="1957" actId="21"/>
-          <ac:spMkLst>
-            <pc:docMk/>
-            <pc:sldMk cId="3139867923" sldId="410"/>
-            <ac:spMk id="96" creationId="{D3334808-555F-C5BE-5CDD-87813A140D9D}"/>
-          </ac:spMkLst>
-        </pc:spChg>
-        <pc:spChg chg="add del mod">
-          <ac:chgData name="尾嵜 成真" userId="dd95f81a979e9056" providerId="LiveId" clId="{AC734C73-8538-4BAB-908C-DE9B017264B5}" dt="2023-01-10T09:00:55.114" v="1957" actId="21"/>
-          <ac:spMkLst>
-            <pc:docMk/>
-            <pc:sldMk cId="3139867923" sldId="410"/>
-            <ac:spMk id="97" creationId="{961D5B33-F1B7-2434-9AF2-E0A5B92F5D85}"/>
-          </ac:spMkLst>
-        </pc:spChg>
-        <pc:spChg chg="add mod">
-          <ac:chgData name="尾嵜 成真" userId="dd95f81a979e9056" providerId="LiveId" clId="{AC734C73-8538-4BAB-908C-DE9B017264B5}" dt="2023-01-10T09:00:55.413" v="1958"/>
-          <ac:spMkLst>
-            <pc:docMk/>
-            <pc:sldMk cId="3139867923" sldId="410"/>
-            <ac:spMk id="101" creationId="{83A8B892-D58C-F214-CC73-696A21A79939}"/>
-          </ac:spMkLst>
-        </pc:spChg>
-        <pc:spChg chg="add mod">
-          <ac:chgData name="尾嵜 成真" userId="dd95f81a979e9056" providerId="LiveId" clId="{AC734C73-8538-4BAB-908C-DE9B017264B5}" dt="2023-01-10T09:00:55.413" v="1958"/>
-          <ac:spMkLst>
-            <pc:docMk/>
-            <pc:sldMk cId="3139867923" sldId="410"/>
-            <ac:spMk id="109" creationId="{EDA8A187-0998-43B3-54C9-2CADE2B043D4}"/>
-          </ac:spMkLst>
-        </pc:spChg>
-        <pc:spChg chg="add mod">
-          <ac:chgData name="尾嵜 成真" userId="dd95f81a979e9056" providerId="LiveId" clId="{AC734C73-8538-4BAB-908C-DE9B017264B5}" dt="2023-01-10T09:00:55.413" v="1958"/>
-          <ac:spMkLst>
-            <pc:docMk/>
-            <pc:sldMk cId="3139867923" sldId="410"/>
-            <ac:spMk id="110" creationId="{2CFC3419-D60F-CB0D-FF84-B747B8D76E23}"/>
-          </ac:spMkLst>
-        </pc:spChg>
-        <pc:spChg chg="add mod">
-          <ac:chgData name="尾嵜 成真" userId="dd95f81a979e9056" providerId="LiveId" clId="{AC734C73-8538-4BAB-908C-DE9B017264B5}" dt="2023-01-10T09:00:55.413" v="1958"/>
-          <ac:spMkLst>
-            <pc:docMk/>
-            <pc:sldMk cId="3139867923" sldId="410"/>
-            <ac:spMk id="111" creationId="{914AEE6C-0E7E-CB37-FE7A-B345D6A90E92}"/>
-          </ac:spMkLst>
-        </pc:spChg>
-        <pc:spChg chg="add mod">
-          <ac:chgData name="尾嵜 成真" userId="dd95f81a979e9056" providerId="LiveId" clId="{AC734C73-8538-4BAB-908C-DE9B017264B5}" dt="2023-01-10T09:00:55.413" v="1958"/>
-          <ac:spMkLst>
-            <pc:docMk/>
-            <pc:sldMk cId="3139867923" sldId="410"/>
-            <ac:spMk id="124" creationId="{3F76A605-AD10-5810-F66F-05A802FABF68}"/>
-          </ac:spMkLst>
-        </pc:spChg>
-        <pc:spChg chg="add mod">
-          <ac:chgData name="尾嵜 成真" userId="dd95f81a979e9056" providerId="LiveId" clId="{AC734C73-8538-4BAB-908C-DE9B017264B5}" dt="2023-01-10T09:00:55.413" v="1958"/>
-          <ac:spMkLst>
-            <pc:docMk/>
-            <pc:sldMk cId="3139867923" sldId="410"/>
-            <ac:spMk id="125" creationId="{E179C35C-E085-2F47-047A-B3A7FC0E2C92}"/>
-          </ac:spMkLst>
-        </pc:spChg>
-        <pc:spChg chg="add del mod">
-          <ac:chgData name="尾嵜 成真" userId="dd95f81a979e9056" providerId="LiveId" clId="{AC734C73-8538-4BAB-908C-DE9B017264B5}" dt="2023-01-11T07:03:36.085" v="2002" actId="478"/>
-          <ac:spMkLst>
-            <pc:docMk/>
-            <pc:sldMk cId="3139867923" sldId="410"/>
-            <ac:spMk id="130" creationId="{CEFF3EC0-519A-B997-6CCC-785097B4E6FE}"/>
-          </ac:spMkLst>
-        </pc:spChg>
-        <pc:picChg chg="add del mod">
-          <ac:chgData name="尾嵜 成真" userId="dd95f81a979e9056" providerId="LiveId" clId="{AC734C73-8538-4BAB-908C-DE9B017264B5}" dt="2023-01-10T08:58:47.126" v="1938" actId="21"/>
-          <ac:picMkLst>
-            <pc:docMk/>
-            <pc:sldMk cId="3139867923" sldId="410"/>
-            <ac:picMk id="3" creationId="{47F8C541-6B7E-48ED-F023-36D0FD7667F2}"/>
-          </ac:picMkLst>
-        </pc:picChg>
-        <pc:picChg chg="add del mod">
-          <ac:chgData name="尾嵜 成真" userId="dd95f81a979e9056" providerId="LiveId" clId="{AC734C73-8538-4BAB-908C-DE9B017264B5}" dt="2023-01-10T08:58:47.126" v="1938" actId="21"/>
-          <ac:picMkLst>
-            <pc:docMk/>
-            <pc:sldMk cId="3139867923" sldId="410"/>
-            <ac:picMk id="4" creationId="{7B029F51-15AC-F0FB-2893-05DFD2CE97D8}"/>
-          </ac:picMkLst>
-        </pc:picChg>
-        <pc:picChg chg="add del mod">
-          <ac:chgData name="尾嵜 成真" userId="dd95f81a979e9056" providerId="LiveId" clId="{AC734C73-8538-4BAB-908C-DE9B017264B5}" dt="2023-01-10T08:58:47.126" v="1938" actId="21"/>
-          <ac:picMkLst>
-            <pc:docMk/>
-            <pc:sldMk cId="3139867923" sldId="410"/>
-            <ac:picMk id="5" creationId="{A2AB5643-C557-86A8-A117-68FCA9BDC052}"/>
-          </ac:picMkLst>
-        </pc:picChg>
-        <pc:picChg chg="add del mod">
-          <ac:chgData name="尾嵜 成真" userId="dd95f81a979e9056" providerId="LiveId" clId="{AC734C73-8538-4BAB-908C-DE9B017264B5}" dt="2023-01-10T08:58:47.126" v="1938" actId="21"/>
-          <ac:picMkLst>
-            <pc:docMk/>
-            <pc:sldMk cId="3139867923" sldId="410"/>
-            <ac:picMk id="6" creationId="{A681487B-FEF6-0BD3-D49B-5395FB80EE99}"/>
-          </ac:picMkLst>
-        </pc:picChg>
-        <pc:picChg chg="add del mod">
-          <ac:chgData name="尾嵜 成真" userId="dd95f81a979e9056" providerId="LiveId" clId="{AC734C73-8538-4BAB-908C-DE9B017264B5}" dt="2023-01-10T08:50:18.373" v="1792" actId="478"/>
-          <ac:picMkLst>
-            <pc:docMk/>
-            <pc:sldMk cId="3139867923" sldId="410"/>
-            <ac:picMk id="20" creationId="{2B3BE360-ED9D-3894-27B8-1EAC9A99970D}"/>
-          </ac:picMkLst>
-        </pc:picChg>
-        <pc:picChg chg="add del mod">
-          <ac:chgData name="尾嵜 成真" userId="dd95f81a979e9056" providerId="LiveId" clId="{AC734C73-8538-4BAB-908C-DE9B017264B5}" dt="2023-01-10T08:58:47.126" v="1938" actId="21"/>
-          <ac:picMkLst>
-            <pc:docMk/>
-            <pc:sldMk cId="3139867923" sldId="410"/>
-            <ac:picMk id="22" creationId="{0E297574-67C4-0FCE-8123-2CAB90658F5B}"/>
-          </ac:picMkLst>
-        </pc:picChg>
-        <pc:picChg chg="add del mod">
-          <ac:chgData name="尾嵜 成真" userId="dd95f81a979e9056" providerId="LiveId" clId="{AC734C73-8538-4BAB-908C-DE9B017264B5}" dt="2023-01-10T08:50:27.328" v="1795"/>
-          <ac:picMkLst>
-            <pc:docMk/>
-            <pc:sldMk cId="3139867923" sldId="410"/>
-            <ac:picMk id="23" creationId="{D9B9BEE5-31D6-81C5-2793-16CE3899992C}"/>
-          </ac:picMkLst>
-        </pc:picChg>
-        <pc:picChg chg="add del mod">
-          <ac:chgData name="尾嵜 成真" userId="dd95f81a979e9056" providerId="LiveId" clId="{AC734C73-8538-4BAB-908C-DE9B017264B5}" dt="2023-01-10T08:58:47.126" v="1938" actId="21"/>
-          <ac:picMkLst>
-            <pc:docMk/>
-            <pc:sldMk cId="3139867923" sldId="410"/>
-            <ac:picMk id="24" creationId="{85E8164A-A382-5048-4C50-103F6BA59E0C}"/>
-          </ac:picMkLst>
-        </pc:picChg>
-        <pc:picChg chg="add del mod">
-          <ac:chgData name="尾嵜 成真" userId="dd95f81a979e9056" providerId="LiveId" clId="{AC734C73-8538-4BAB-908C-DE9B017264B5}" dt="2023-01-10T08:58:47.126" v="1938" actId="21"/>
-          <ac:picMkLst>
-            <pc:docMk/>
-            <pc:sldMk cId="3139867923" sldId="410"/>
-            <ac:picMk id="26" creationId="{1CFB7AC9-FD41-B268-CA50-22A7CE04E292}"/>
-          </ac:picMkLst>
-        </pc:picChg>
-        <pc:picChg chg="add del mod">
-          <ac:chgData name="尾嵜 成真" userId="dd95f81a979e9056" providerId="LiveId" clId="{AC734C73-8538-4BAB-908C-DE9B017264B5}" dt="2023-01-10T08:58:47.126" v="1938" actId="21"/>
-          <ac:picMkLst>
-            <pc:docMk/>
-            <pc:sldMk cId="3139867923" sldId="410"/>
-            <ac:picMk id="27" creationId="{9956011A-E82C-3BB1-2603-7C8D443C2522}"/>
-          </ac:picMkLst>
-        </pc:picChg>
-        <pc:picChg chg="add del mod">
-          <ac:chgData name="尾嵜 成真" userId="dd95f81a979e9056" providerId="LiveId" clId="{AC734C73-8538-4BAB-908C-DE9B017264B5}" dt="2023-01-10T08:58:47.126" v="1938" actId="21"/>
-          <ac:picMkLst>
-            <pc:docMk/>
-            <pc:sldMk cId="3139867923" sldId="410"/>
-            <ac:picMk id="30" creationId="{D164F9F9-D80A-E039-57C1-F44A77A015A0}"/>
-          </ac:picMkLst>
-        </pc:picChg>
-        <pc:picChg chg="add del mod">
-          <ac:chgData name="尾嵜 成真" userId="dd95f81a979e9056" providerId="LiveId" clId="{AC734C73-8538-4BAB-908C-DE9B017264B5}" dt="2023-01-10T08:58:47.126" v="1938" actId="21"/>
-          <ac:picMkLst>
-            <pc:docMk/>
-            <pc:sldMk cId="3139867923" sldId="410"/>
-            <ac:picMk id="31" creationId="{5E104E27-7E41-F358-23DF-58B3DACF8084}"/>
-          </ac:picMkLst>
-        </pc:picChg>
-        <pc:picChg chg="add del mod">
-          <ac:chgData name="尾嵜 成真" userId="dd95f81a979e9056" providerId="LiveId" clId="{AC734C73-8538-4BAB-908C-DE9B017264B5}" dt="2023-01-10T08:55:39.566" v="1864"/>
-          <ac:picMkLst>
-            <pc:docMk/>
-            <pc:sldMk cId="3139867923" sldId="410"/>
-            <ac:picMk id="64" creationId="{49C1FE1D-E741-95DA-7960-6A87887EC7DF}"/>
-          </ac:picMkLst>
-        </pc:picChg>
-        <pc:picChg chg="add del mod">
-          <ac:chgData name="尾嵜 成真" userId="dd95f81a979e9056" providerId="LiveId" clId="{AC734C73-8538-4BAB-908C-DE9B017264B5}" dt="2023-01-10T08:55:43.570" v="1866"/>
-          <ac:picMkLst>
-            <pc:docMk/>
-            <pc:sldMk cId="3139867923" sldId="410"/>
-            <ac:picMk id="65" creationId="{C05B38EF-937D-FDCD-2165-BBA95EB59A8C}"/>
-          </ac:picMkLst>
-        </pc:picChg>
-        <pc:picChg chg="add del mod">
-          <ac:chgData name="尾嵜 成真" userId="dd95f81a979e9056" providerId="LiveId" clId="{AC734C73-8538-4BAB-908C-DE9B017264B5}" dt="2023-01-10T08:55:46.032" v="1868"/>
-          <ac:picMkLst>
-            <pc:docMk/>
-            <pc:sldMk cId="3139867923" sldId="410"/>
-            <ac:picMk id="66" creationId="{5A837C5C-8528-F231-5C82-07B1E8BE5C18}"/>
-          </ac:picMkLst>
-        </pc:picChg>
-        <pc:picChg chg="add del mod">
-          <ac:chgData name="尾嵜 成真" userId="dd95f81a979e9056" providerId="LiveId" clId="{AC734C73-8538-4BAB-908C-DE9B017264B5}" dt="2023-01-10T08:58:27.790" v="1933" actId="478"/>
-          <ac:picMkLst>
-            <pc:docMk/>
-            <pc:sldMk cId="3139867923" sldId="410"/>
-            <ac:picMk id="71" creationId="{0F1650C1-C80B-8937-F83A-4B52370328EC}"/>
-          </ac:picMkLst>
-        </pc:picChg>
-        <pc:picChg chg="add del mod">
-          <ac:chgData name="尾嵜 成真" userId="dd95f81a979e9056" providerId="LiveId" clId="{AC734C73-8538-4BAB-908C-DE9B017264B5}" dt="2023-01-10T08:59:29.415" v="1946" actId="478"/>
-          <ac:picMkLst>
-            <pc:docMk/>
-            <pc:sldMk cId="3139867923" sldId="410"/>
-            <ac:picMk id="73" creationId="{8E522812-BA8B-5872-3849-B40BAC01DB7D}"/>
-          </ac:picMkLst>
-        </pc:picChg>
-        <pc:picChg chg="add del mod">
-          <ac:chgData name="尾嵜 成真" userId="dd95f81a979e9056" providerId="LiveId" clId="{AC734C73-8538-4BAB-908C-DE9B017264B5}" dt="2023-01-10T09:00:55.114" v="1957" actId="21"/>
-          <ac:picMkLst>
-            <pc:docMk/>
-            <pc:sldMk cId="3139867923" sldId="410"/>
-            <ac:picMk id="74" creationId="{79F0A919-D634-D4F7-70D8-0A54FF126C65}"/>
-          </ac:picMkLst>
-        </pc:picChg>
-        <pc:picChg chg="add del mod">
-          <ac:chgData name="尾嵜 成真" userId="dd95f81a979e9056" providerId="LiveId" clId="{AC734C73-8538-4BAB-908C-DE9B017264B5}" dt="2023-01-10T09:00:55.114" v="1957" actId="21"/>
-          <ac:picMkLst>
-            <pc:docMk/>
-            <pc:sldMk cId="3139867923" sldId="410"/>
-            <ac:picMk id="75" creationId="{F55629FA-C5DD-FCC1-46E1-4977106AFE4C}"/>
-          </ac:picMkLst>
-        </pc:picChg>
-        <pc:picChg chg="add del mod">
-          <ac:chgData name="尾嵜 成真" userId="dd95f81a979e9056" providerId="LiveId" clId="{AC734C73-8538-4BAB-908C-DE9B017264B5}" dt="2023-01-10T09:00:55.114" v="1957" actId="21"/>
-          <ac:picMkLst>
-            <pc:docMk/>
-            <pc:sldMk cId="3139867923" sldId="410"/>
-            <ac:picMk id="76" creationId="{FCA552CB-BCF3-0A2E-15CB-CC61778AB837}"/>
-          </ac:picMkLst>
-        </pc:picChg>
-        <pc:picChg chg="add del mod">
-          <ac:chgData name="尾嵜 成真" userId="dd95f81a979e9056" providerId="LiveId" clId="{AC734C73-8538-4BAB-908C-DE9B017264B5}" dt="2023-01-10T09:00:55.114" v="1957" actId="21"/>
-          <ac:picMkLst>
-            <pc:docMk/>
-            <pc:sldMk cId="3139867923" sldId="410"/>
-            <ac:picMk id="77" creationId="{62C3E83D-4436-1FE0-E028-2604EEC73E92}"/>
-          </ac:picMkLst>
-        </pc:picChg>
-        <pc:picChg chg="add del mod">
-          <ac:chgData name="尾嵜 成真" userId="dd95f81a979e9056" providerId="LiveId" clId="{AC734C73-8538-4BAB-908C-DE9B017264B5}" dt="2023-01-10T09:00:55.114" v="1957" actId="21"/>
-          <ac:picMkLst>
-            <pc:docMk/>
-            <pc:sldMk cId="3139867923" sldId="410"/>
-            <ac:picMk id="84" creationId="{CEFFAB53-1676-2E36-EE73-5CF3AB5430D2}"/>
-          </ac:picMkLst>
-        </pc:picChg>
-        <pc:picChg chg="add del mod">
-          <ac:chgData name="尾嵜 成真" userId="dd95f81a979e9056" providerId="LiveId" clId="{AC734C73-8538-4BAB-908C-DE9B017264B5}" dt="2023-01-10T09:00:55.114" v="1957" actId="21"/>
-          <ac:picMkLst>
-            <pc:docMk/>
-            <pc:sldMk cId="3139867923" sldId="410"/>
-            <ac:picMk id="85" creationId="{EC060EDE-FFB6-0480-C5DC-9B2B4ADB3DFE}"/>
-          </ac:picMkLst>
-        </pc:picChg>
-        <pc:picChg chg="add del mod">
-          <ac:chgData name="尾嵜 成真" userId="dd95f81a979e9056" providerId="LiveId" clId="{AC734C73-8538-4BAB-908C-DE9B017264B5}" dt="2023-01-10T09:00:55.114" v="1957" actId="21"/>
-          <ac:picMkLst>
-            <pc:docMk/>
-            <pc:sldMk cId="3139867923" sldId="410"/>
-            <ac:picMk id="86" creationId="{2A4F4FDF-EEE7-53CD-9F29-E28DBA21B38C}"/>
-          </ac:picMkLst>
-        </pc:picChg>
-        <pc:picChg chg="add del mod">
-          <ac:chgData name="尾嵜 成真" userId="dd95f81a979e9056" providerId="LiveId" clId="{AC734C73-8538-4BAB-908C-DE9B017264B5}" dt="2023-01-10T09:00:55.114" v="1957" actId="21"/>
-          <ac:picMkLst>
-            <pc:docMk/>
-            <pc:sldMk cId="3139867923" sldId="410"/>
-            <ac:picMk id="87" creationId="{2E9F054A-FC0D-57FB-8A5F-52027A08C00F}"/>
-          </ac:picMkLst>
-        </pc:picChg>
-        <pc:picChg chg="add del mod">
-          <ac:chgData name="尾嵜 成真" userId="dd95f81a979e9056" providerId="LiveId" clId="{AC734C73-8538-4BAB-908C-DE9B017264B5}" dt="2023-01-10T09:00:55.114" v="1957" actId="21"/>
-          <ac:picMkLst>
-            <pc:docMk/>
-            <pc:sldMk cId="3139867923" sldId="410"/>
-            <ac:picMk id="88" creationId="{F36AA2A0-0F4D-89CF-EE31-091655D135FF}"/>
-          </ac:picMkLst>
-        </pc:picChg>
-        <pc:picChg chg="add del mod">
-          <ac:chgData name="尾嵜 成真" userId="dd95f81a979e9056" providerId="LiveId" clId="{AC734C73-8538-4BAB-908C-DE9B017264B5}" dt="2023-01-10T09:00:55.114" v="1957" actId="21"/>
-          <ac:picMkLst>
-            <pc:docMk/>
-            <pc:sldMk cId="3139867923" sldId="410"/>
-            <ac:picMk id="89" creationId="{652C148F-891A-1FC0-1C86-C0F2C7255AE4}"/>
-          </ac:picMkLst>
-        </pc:picChg>
-        <pc:picChg chg="add del mod">
-          <ac:chgData name="尾嵜 成真" userId="dd95f81a979e9056" providerId="LiveId" clId="{AC734C73-8538-4BAB-908C-DE9B017264B5}" dt="2023-01-10T09:00:49.112" v="1954"/>
-          <ac:picMkLst>
-            <pc:docMk/>
-            <pc:sldMk cId="3139867923" sldId="410"/>
-            <ac:picMk id="98" creationId="{5AFD63FB-5816-BE82-A3E9-52C7932D514E}"/>
-          </ac:picMkLst>
-        </pc:picChg>
-        <pc:picChg chg="add mod">
-          <ac:chgData name="尾嵜 成真" userId="dd95f81a979e9056" providerId="LiveId" clId="{AC734C73-8538-4BAB-908C-DE9B017264B5}" dt="2023-01-10T09:01:34.336" v="1967" actId="14100"/>
-          <ac:picMkLst>
-            <pc:docMk/>
-            <pc:sldMk cId="3139867923" sldId="410"/>
-            <ac:picMk id="100" creationId="{0A02E126-E294-0FC2-6361-EBA70307C44C}"/>
-          </ac:picMkLst>
-        </pc:picChg>
-        <pc:picChg chg="add mod">
-          <ac:chgData name="尾嵜 成真" userId="dd95f81a979e9056" providerId="LiveId" clId="{AC734C73-8538-4BAB-908C-DE9B017264B5}" dt="2023-01-10T09:00:55.413" v="1958"/>
-          <ac:picMkLst>
-            <pc:docMk/>
-            <pc:sldMk cId="3139867923" sldId="410"/>
-            <ac:picMk id="102" creationId="{1BA8F531-B3E1-2119-0925-BDB80F0E4459}"/>
-          </ac:picMkLst>
-        </pc:picChg>
-        <pc:picChg chg="add mod">
-          <ac:chgData name="尾嵜 成真" userId="dd95f81a979e9056" providerId="LiveId" clId="{AC734C73-8538-4BAB-908C-DE9B017264B5}" dt="2023-01-10T09:00:55.413" v="1958"/>
-          <ac:picMkLst>
-            <pc:docMk/>
-            <pc:sldMk cId="3139867923" sldId="410"/>
-            <ac:picMk id="103" creationId="{82F268A2-8A07-5422-07CF-431A18381E3B}"/>
-          </ac:picMkLst>
-        </pc:picChg>
-        <pc:picChg chg="add mod">
-          <ac:chgData name="尾嵜 成真" userId="dd95f81a979e9056" providerId="LiveId" clId="{AC734C73-8538-4BAB-908C-DE9B017264B5}" dt="2023-01-10T09:00:55.413" v="1958"/>
-          <ac:picMkLst>
-            <pc:docMk/>
-            <pc:sldMk cId="3139867923" sldId="410"/>
-            <ac:picMk id="104" creationId="{39AD31B7-7DC4-0F2B-BDFA-1020890911C3}"/>
-          </ac:picMkLst>
-        </pc:picChg>
-        <pc:picChg chg="add mod">
-          <ac:chgData name="尾嵜 成真" userId="dd95f81a979e9056" providerId="LiveId" clId="{AC734C73-8538-4BAB-908C-DE9B017264B5}" dt="2023-01-10T09:00:55.413" v="1958"/>
-          <ac:picMkLst>
-            <pc:docMk/>
-            <pc:sldMk cId="3139867923" sldId="410"/>
-            <ac:picMk id="105" creationId="{A8291433-FF71-2251-F8B2-6A85C6B387C3}"/>
-          </ac:picMkLst>
-        </pc:picChg>
-        <pc:picChg chg="add mod">
-          <ac:chgData name="尾嵜 成真" userId="dd95f81a979e9056" providerId="LiveId" clId="{AC734C73-8538-4BAB-908C-DE9B017264B5}" dt="2023-01-10T09:01:28.113" v="1965" actId="1076"/>
-          <ac:picMkLst>
-            <pc:docMk/>
-            <pc:sldMk cId="3139867923" sldId="410"/>
-            <ac:picMk id="112" creationId="{BF63A4D2-70AC-D7FF-CC83-A00A2AF6D775}"/>
-          </ac:picMkLst>
-        </pc:picChg>
-        <pc:picChg chg="add mod">
-          <ac:chgData name="尾嵜 成真" userId="dd95f81a979e9056" providerId="LiveId" clId="{AC734C73-8538-4BAB-908C-DE9B017264B5}" dt="2023-01-10T09:00:55.413" v="1958"/>
-          <ac:picMkLst>
-            <pc:docMk/>
-            <pc:sldMk cId="3139867923" sldId="410"/>
-            <ac:picMk id="113" creationId="{AB232B70-D12C-4A94-C4EA-C0D42481C341}"/>
-          </ac:picMkLst>
-        </pc:picChg>
-        <pc:picChg chg="add mod">
-          <ac:chgData name="尾嵜 成真" userId="dd95f81a979e9056" providerId="LiveId" clId="{AC734C73-8538-4BAB-908C-DE9B017264B5}" dt="2023-01-10T09:01:31.307" v="1966" actId="1076"/>
-          <ac:picMkLst>
-            <pc:docMk/>
-            <pc:sldMk cId="3139867923" sldId="410"/>
-            <ac:picMk id="114" creationId="{882C1337-2934-157D-73AF-C1AA6DA0332C}"/>
-          </ac:picMkLst>
-        </pc:picChg>
-        <pc:picChg chg="add mod">
-          <ac:chgData name="尾嵜 成真" userId="dd95f81a979e9056" providerId="LiveId" clId="{AC734C73-8538-4BAB-908C-DE9B017264B5}" dt="2023-01-10T09:00:55.413" v="1958"/>
-          <ac:picMkLst>
-            <pc:docMk/>
-            <pc:sldMk cId="3139867923" sldId="410"/>
-            <ac:picMk id="115" creationId="{09DF699D-7513-818D-8A2F-3B6320E917BC}"/>
-          </ac:picMkLst>
-        </pc:picChg>
-        <pc:picChg chg="add mod">
-          <ac:chgData name="尾嵜 成真" userId="dd95f81a979e9056" providerId="LiveId" clId="{AC734C73-8538-4BAB-908C-DE9B017264B5}" dt="2023-01-10T09:00:55.413" v="1958"/>
-          <ac:picMkLst>
-            <pc:docMk/>
-            <pc:sldMk cId="3139867923" sldId="410"/>
-            <ac:picMk id="116" creationId="{8359B24D-F8F7-B77F-4806-CE4CD3670AF3}"/>
-          </ac:picMkLst>
-        </pc:picChg>
-        <pc:picChg chg="add mod">
-          <ac:chgData name="尾嵜 成真" userId="dd95f81a979e9056" providerId="LiveId" clId="{AC734C73-8538-4BAB-908C-DE9B017264B5}" dt="2023-01-10T09:00:55.413" v="1958"/>
-          <ac:picMkLst>
-            <pc:docMk/>
-            <pc:sldMk cId="3139867923" sldId="410"/>
-            <ac:picMk id="117" creationId="{26DE2BEC-6FCC-FB0A-2F19-E08184929CEC}"/>
-          </ac:picMkLst>
-        </pc:picChg>
-        <pc:picChg chg="add del mod">
-          <ac:chgData name="尾嵜 成真" userId="dd95f81a979e9056" providerId="LiveId" clId="{AC734C73-8538-4BAB-908C-DE9B017264B5}" dt="2023-01-10T09:02:06.236" v="1969" actId="478"/>
-          <ac:picMkLst>
-            <pc:docMk/>
-            <pc:sldMk cId="3139867923" sldId="410"/>
-            <ac:picMk id="129" creationId="{9103227E-1C72-9550-B536-D521CCCD86EB}"/>
-          </ac:picMkLst>
-        </pc:picChg>
-        <pc:cxnChg chg="add del mod">
-          <ac:chgData name="尾嵜 成真" userId="dd95f81a979e9056" providerId="LiveId" clId="{AC734C73-8538-4BAB-908C-DE9B017264B5}" dt="2023-01-10T08:58:47.126" v="1938" actId="21"/>
-          <ac:cxnSpMkLst>
-            <pc:docMk/>
-            <pc:sldMk cId="3139867923" sldId="410"/>
-            <ac:cxnSpMk id="8" creationId="{F13E5D9E-C605-DC2F-6B93-DA4FEE64CD6B}"/>
-          </ac:cxnSpMkLst>
-        </pc:cxnChg>
-        <pc:cxnChg chg="add del mod">
-          <ac:chgData name="尾嵜 成真" userId="dd95f81a979e9056" providerId="LiveId" clId="{AC734C73-8538-4BAB-908C-DE9B017264B5}" dt="2023-01-10T08:58:47.126" v="1938" actId="21"/>
-          <ac:cxnSpMkLst>
-            <pc:docMk/>
-            <pc:sldMk cId="3139867923" sldId="410"/>
-            <ac:cxnSpMk id="9" creationId="{7A20C70E-ACC8-CF4F-ECE9-83BAE5014EB9}"/>
-          </ac:cxnSpMkLst>
-        </pc:cxnChg>
-        <pc:cxnChg chg="add del mod">
-          <ac:chgData name="尾嵜 成真" userId="dd95f81a979e9056" providerId="LiveId" clId="{AC734C73-8538-4BAB-908C-DE9B017264B5}" dt="2023-01-10T08:58:47.126" v="1938" actId="21"/>
-          <ac:cxnSpMkLst>
-            <pc:docMk/>
-            <pc:sldMk cId="3139867923" sldId="410"/>
-            <ac:cxnSpMk id="13" creationId="{B9CD02D7-0199-CE2F-EF78-7FD8801C1C22}"/>
-          </ac:cxnSpMkLst>
-        </pc:cxnChg>
-        <pc:cxnChg chg="add del mod">
-          <ac:chgData name="尾嵜 成真" userId="dd95f81a979e9056" providerId="LiveId" clId="{AC734C73-8538-4BAB-908C-DE9B017264B5}" dt="2023-01-10T08:58:47.126" v="1938" actId="21"/>
-          <ac:cxnSpMkLst>
-            <pc:docMk/>
-            <pc:sldMk cId="3139867923" sldId="410"/>
-            <ac:cxnSpMk id="32" creationId="{D84146A6-EC2B-0883-6507-BE65E0AA850B}"/>
-          </ac:cxnSpMkLst>
-        </pc:cxnChg>
-        <pc:cxnChg chg="add del mod">
-          <ac:chgData name="尾嵜 成真" userId="dd95f81a979e9056" providerId="LiveId" clId="{AC734C73-8538-4BAB-908C-DE9B017264B5}" dt="2023-01-10T08:58:47.126" v="1938" actId="21"/>
-          <ac:cxnSpMkLst>
-            <pc:docMk/>
-            <pc:sldMk cId="3139867923" sldId="410"/>
-            <ac:cxnSpMk id="35" creationId="{78A9C415-E678-3666-4CBF-4EDEF749E9C2}"/>
-          </ac:cxnSpMkLst>
-        </pc:cxnChg>
-        <pc:cxnChg chg="add del mod">
-          <ac:chgData name="尾嵜 成真" userId="dd95f81a979e9056" providerId="LiveId" clId="{AC734C73-8538-4BAB-908C-DE9B017264B5}" dt="2023-01-10T08:53:42.815" v="1849" actId="478"/>
-          <ac:cxnSpMkLst>
-            <pc:docMk/>
-            <pc:sldMk cId="3139867923" sldId="410"/>
-            <ac:cxnSpMk id="38" creationId="{09765BF2-A569-1A1D-2CA8-36FC41D68ADA}"/>
-          </ac:cxnSpMkLst>
-        </pc:cxnChg>
-        <pc:cxnChg chg="add del mod">
-          <ac:chgData name="尾嵜 成真" userId="dd95f81a979e9056" providerId="LiveId" clId="{AC734C73-8538-4BAB-908C-DE9B017264B5}" dt="2023-01-10T08:58:47.126" v="1938" actId="21"/>
-          <ac:cxnSpMkLst>
-            <pc:docMk/>
-            <pc:sldMk cId="3139867923" sldId="410"/>
-            <ac:cxnSpMk id="39" creationId="{728B3A31-C6DF-BB08-348F-7CB1EE282B14}"/>
-          </ac:cxnSpMkLst>
-        </pc:cxnChg>
-        <pc:cxnChg chg="add del mod">
-          <ac:chgData name="尾嵜 成真" userId="dd95f81a979e9056" providerId="LiveId" clId="{AC734C73-8538-4BAB-908C-DE9B017264B5}" dt="2023-01-10T08:58:47.126" v="1938" actId="21"/>
-          <ac:cxnSpMkLst>
-            <pc:docMk/>
-            <pc:sldMk cId="3139867923" sldId="410"/>
-            <ac:cxnSpMk id="42" creationId="{7315B817-61DD-6E1F-6A22-FC4983DD8CB9}"/>
-          </ac:cxnSpMkLst>
-        </pc:cxnChg>
-        <pc:cxnChg chg="add del mod">
-          <ac:chgData name="尾嵜 成真" userId="dd95f81a979e9056" providerId="LiveId" clId="{AC734C73-8538-4BAB-908C-DE9B017264B5}" dt="2023-01-10T08:58:47.126" v="1938" actId="21"/>
-          <ac:cxnSpMkLst>
-            <pc:docMk/>
-            <pc:sldMk cId="3139867923" sldId="410"/>
-            <ac:cxnSpMk id="46" creationId="{6DB23C82-DA00-F643-BF58-3288402CBE1D}"/>
-          </ac:cxnSpMkLst>
-        </pc:cxnChg>
-        <pc:cxnChg chg="add del mod">
-          <ac:chgData name="尾嵜 成真" userId="dd95f81a979e9056" providerId="LiveId" clId="{AC734C73-8538-4BAB-908C-DE9B017264B5}" dt="2023-01-10T08:58:47.126" v="1938" actId="21"/>
-          <ac:cxnSpMkLst>
-            <pc:docMk/>
-            <pc:sldMk cId="3139867923" sldId="410"/>
-            <ac:cxnSpMk id="49" creationId="{31B566C3-D59B-D1F8-6392-3DA01FC8C2BF}"/>
-          </ac:cxnSpMkLst>
-        </pc:cxnChg>
-        <pc:cxnChg chg="add del mod">
-          <ac:chgData name="尾嵜 成真" userId="dd95f81a979e9056" providerId="LiveId" clId="{AC734C73-8538-4BAB-908C-DE9B017264B5}" dt="2023-01-10T09:00:55.114" v="1957" actId="21"/>
-          <ac:cxnSpMkLst>
-            <pc:docMk/>
-            <pc:sldMk cId="3139867923" sldId="410"/>
-            <ac:cxnSpMk id="78" creationId="{2161BEAD-37EF-CC97-8042-143213B7A5C0}"/>
-          </ac:cxnSpMkLst>
-        </pc:cxnChg>
-        <pc:cxnChg chg="add del mod">
-          <ac:chgData name="尾嵜 成真" userId="dd95f81a979e9056" providerId="LiveId" clId="{AC734C73-8538-4BAB-908C-DE9B017264B5}" dt="2023-01-10T09:00:55.114" v="1957" actId="21"/>
-          <ac:cxnSpMkLst>
-            <pc:docMk/>
-            <pc:sldMk cId="3139867923" sldId="410"/>
-            <ac:cxnSpMk id="79" creationId="{824F662D-C9EC-9AA9-848D-81B0588FFB1A}"/>
-          </ac:cxnSpMkLst>
-        </pc:cxnChg>
-        <pc:cxnChg chg="add del mod">
-          <ac:chgData name="尾嵜 成真" userId="dd95f81a979e9056" providerId="LiveId" clId="{AC734C73-8538-4BAB-908C-DE9B017264B5}" dt="2023-01-10T09:00:55.114" v="1957" actId="21"/>
-          <ac:cxnSpMkLst>
-            <pc:docMk/>
-            <pc:sldMk cId="3139867923" sldId="410"/>
-            <ac:cxnSpMk id="80" creationId="{D7A840E6-DC6B-864A-DE31-2C0AB6A96112}"/>
-          </ac:cxnSpMkLst>
-        </pc:cxnChg>
-        <pc:cxnChg chg="add del mod">
-          <ac:chgData name="尾嵜 成真" userId="dd95f81a979e9056" providerId="LiveId" clId="{AC734C73-8538-4BAB-908C-DE9B017264B5}" dt="2023-01-10T09:00:55.114" v="1957" actId="21"/>
-          <ac:cxnSpMkLst>
-            <pc:docMk/>
-            <pc:sldMk cId="3139867923" sldId="410"/>
-            <ac:cxnSpMk id="90" creationId="{C84201E4-2C9D-2F26-CB61-88BA183318E6}"/>
-          </ac:cxnSpMkLst>
-        </pc:cxnChg>
-        <pc:cxnChg chg="add del mod">
-          <ac:chgData name="尾嵜 成真" userId="dd95f81a979e9056" providerId="LiveId" clId="{AC734C73-8538-4BAB-908C-DE9B017264B5}" dt="2023-01-10T09:00:55.114" v="1957" actId="21"/>
-          <ac:cxnSpMkLst>
-            <pc:docMk/>
-            <pc:sldMk cId="3139867923" sldId="410"/>
-            <ac:cxnSpMk id="91" creationId="{E9BAE3EA-E9E1-04A7-80B5-8F8855DD9FEA}"/>
-          </ac:cxnSpMkLst>
-        </pc:cxnChg>
-        <pc:cxnChg chg="add del mod">
-          <ac:chgData name="尾嵜 成真" userId="dd95f81a979e9056" providerId="LiveId" clId="{AC734C73-8538-4BAB-908C-DE9B017264B5}" dt="2023-01-10T09:00:55.114" v="1957" actId="21"/>
-          <ac:cxnSpMkLst>
-            <pc:docMk/>
-            <pc:sldMk cId="3139867923" sldId="410"/>
-            <ac:cxnSpMk id="92" creationId="{307FF898-83C6-A0A9-EA40-CADA783DAA57}"/>
-          </ac:cxnSpMkLst>
-        </pc:cxnChg>
-        <pc:cxnChg chg="add del mod">
-          <ac:chgData name="尾嵜 成真" userId="dd95f81a979e9056" providerId="LiveId" clId="{AC734C73-8538-4BAB-908C-DE9B017264B5}" dt="2023-01-10T09:00:55.114" v="1957" actId="21"/>
-          <ac:cxnSpMkLst>
-            <pc:docMk/>
-            <pc:sldMk cId="3139867923" sldId="410"/>
-            <ac:cxnSpMk id="93" creationId="{1B93F2A6-E9D2-BAA8-C074-F09C4C2D0EDA}"/>
-          </ac:cxnSpMkLst>
-        </pc:cxnChg>
-        <pc:cxnChg chg="add del mod">
-          <ac:chgData name="尾嵜 成真" userId="dd95f81a979e9056" providerId="LiveId" clId="{AC734C73-8538-4BAB-908C-DE9B017264B5}" dt="2023-01-10T09:00:55.114" v="1957" actId="21"/>
-          <ac:cxnSpMkLst>
-            <pc:docMk/>
-            <pc:sldMk cId="3139867923" sldId="410"/>
-            <ac:cxnSpMk id="94" creationId="{C5FB1983-8E18-8483-CDF1-C56F58306E54}"/>
-          </ac:cxnSpMkLst>
-        </pc:cxnChg>
-        <pc:cxnChg chg="add del mod">
-          <ac:chgData name="尾嵜 成真" userId="dd95f81a979e9056" providerId="LiveId" clId="{AC734C73-8538-4BAB-908C-DE9B017264B5}" dt="2023-01-10T09:00:55.114" v="1957" actId="21"/>
-          <ac:cxnSpMkLst>
-            <pc:docMk/>
-            <pc:sldMk cId="3139867923" sldId="410"/>
-            <ac:cxnSpMk id="95" creationId="{2BA98D35-2B2F-602F-9718-5C86081A1E9A}"/>
-          </ac:cxnSpMkLst>
-        </pc:cxnChg>
-        <pc:cxnChg chg="add mod">
-          <ac:chgData name="尾嵜 成真" userId="dd95f81a979e9056" providerId="LiveId" clId="{AC734C73-8538-4BAB-908C-DE9B017264B5}" dt="2023-01-10T09:00:55.413" v="1958"/>
-          <ac:cxnSpMkLst>
-            <pc:docMk/>
-            <pc:sldMk cId="3139867923" sldId="410"/>
-            <ac:cxnSpMk id="106" creationId="{91A6949D-D1A0-192D-A852-9A3E52C8E592}"/>
-          </ac:cxnSpMkLst>
-        </pc:cxnChg>
-        <pc:cxnChg chg="add mod">
-          <ac:chgData name="尾嵜 成真" userId="dd95f81a979e9056" providerId="LiveId" clId="{AC734C73-8538-4BAB-908C-DE9B017264B5}" dt="2023-01-10T09:00:55.413" v="1958"/>
-          <ac:cxnSpMkLst>
-            <pc:docMk/>
-            <pc:sldMk cId="3139867923" sldId="410"/>
-            <ac:cxnSpMk id="107" creationId="{494B561B-5428-AB60-E95C-65D9EC103032}"/>
-          </ac:cxnSpMkLst>
-        </pc:cxnChg>
-        <pc:cxnChg chg="add mod">
-          <ac:chgData name="尾嵜 成真" userId="dd95f81a979e9056" providerId="LiveId" clId="{AC734C73-8538-4BAB-908C-DE9B017264B5}" dt="2023-01-10T09:00:55.413" v="1958"/>
-          <ac:cxnSpMkLst>
-            <pc:docMk/>
-            <pc:sldMk cId="3139867923" sldId="410"/>
-            <ac:cxnSpMk id="108" creationId="{14A39E33-55B1-FD2B-2EE9-51797A5E5EBC}"/>
-          </ac:cxnSpMkLst>
-        </pc:cxnChg>
-        <pc:cxnChg chg="add mod">
-          <ac:chgData name="尾嵜 成真" userId="dd95f81a979e9056" providerId="LiveId" clId="{AC734C73-8538-4BAB-908C-DE9B017264B5}" dt="2023-01-10T09:01:28.113" v="1965" actId="1076"/>
-          <ac:cxnSpMkLst>
-            <pc:docMk/>
-            <pc:sldMk cId="3139867923" sldId="410"/>
-            <ac:cxnSpMk id="118" creationId="{27AA0824-F5DD-1921-C221-868D58E2B98E}"/>
-          </ac:cxnSpMkLst>
-        </pc:cxnChg>
-        <pc:cxnChg chg="add mod">
-          <ac:chgData name="尾嵜 成真" userId="dd95f81a979e9056" providerId="LiveId" clId="{AC734C73-8538-4BAB-908C-DE9B017264B5}" dt="2023-01-10T09:01:31.307" v="1966" actId="1076"/>
-          <ac:cxnSpMkLst>
-            <pc:docMk/>
-            <pc:sldMk cId="3139867923" sldId="410"/>
-            <ac:cxnSpMk id="119" creationId="{130011E1-473B-6BFA-838F-5B368B13F642}"/>
-          </ac:cxnSpMkLst>
-        </pc:cxnChg>
-        <pc:cxnChg chg="add mod">
-          <ac:chgData name="尾嵜 成真" userId="dd95f81a979e9056" providerId="LiveId" clId="{AC734C73-8538-4BAB-908C-DE9B017264B5}" dt="2023-01-10T09:00:55.413" v="1958"/>
-          <ac:cxnSpMkLst>
-            <pc:docMk/>
-            <pc:sldMk cId="3139867923" sldId="410"/>
-            <ac:cxnSpMk id="120" creationId="{311DE159-5153-490B-2A15-8C6E241C90D8}"/>
-          </ac:cxnSpMkLst>
-        </pc:cxnChg>
-        <pc:cxnChg chg="add mod">
-          <ac:chgData name="尾嵜 成真" userId="dd95f81a979e9056" providerId="LiveId" clId="{AC734C73-8538-4BAB-908C-DE9B017264B5}" dt="2023-01-10T09:00:55.413" v="1958"/>
-          <ac:cxnSpMkLst>
-            <pc:docMk/>
-            <pc:sldMk cId="3139867923" sldId="410"/>
-            <ac:cxnSpMk id="121" creationId="{748CE440-DC84-6AA8-E120-CD809491F765}"/>
-          </ac:cxnSpMkLst>
-        </pc:cxnChg>
-        <pc:cxnChg chg="add mod">
-          <ac:chgData name="尾嵜 成真" userId="dd95f81a979e9056" providerId="LiveId" clId="{AC734C73-8538-4BAB-908C-DE9B017264B5}" dt="2023-01-10T09:00:55.413" v="1958"/>
-          <ac:cxnSpMkLst>
-            <pc:docMk/>
-            <pc:sldMk cId="3139867923" sldId="410"/>
-            <ac:cxnSpMk id="122" creationId="{3F4ABB59-BC35-5804-A138-E5E194E1E335}"/>
-          </ac:cxnSpMkLst>
-        </pc:cxnChg>
-        <pc:cxnChg chg="add mod">
-          <ac:chgData name="尾嵜 成真" userId="dd95f81a979e9056" providerId="LiveId" clId="{AC734C73-8538-4BAB-908C-DE9B017264B5}" dt="2023-01-10T09:00:55.413" v="1958"/>
-          <ac:cxnSpMkLst>
-            <pc:docMk/>
-            <pc:sldMk cId="3139867923" sldId="410"/>
-            <ac:cxnSpMk id="123" creationId="{6441C048-4807-FF38-CDF6-C7FE2FAB7950}"/>
-          </ac:cxnSpMkLst>
-        </pc:cxnChg>
-      </pc:sldChg>
-      <pc:sldChg chg="addSp delSp modSp add mod">
-        <pc:chgData name="尾嵜 成真" userId="dd95f81a979e9056" providerId="LiveId" clId="{AC734C73-8538-4BAB-908C-DE9B017264B5}" dt="2023-01-11T07:45:01.091" v="3197" actId="20577"/>
-        <pc:sldMkLst>
-          <pc:docMk/>
-          <pc:sldMk cId="3565108647" sldId="411"/>
-        </pc:sldMkLst>
-        <pc:spChg chg="mod">
-          <ac:chgData name="尾嵜 成真" userId="dd95f81a979e9056" providerId="LiveId" clId="{AC734C73-8538-4BAB-908C-DE9B017264B5}" dt="2023-01-11T07:45:01.091" v="3197" actId="20577"/>
-          <ac:spMkLst>
-            <pc:docMk/>
-            <pc:sldMk cId="3565108647" sldId="411"/>
-            <ac:spMk id="10" creationId="{4C8D8093-D708-E46A-39FD-79BFCCF8875B}"/>
-          </ac:spMkLst>
-        </pc:spChg>
-        <pc:spChg chg="mod">
-          <ac:chgData name="尾嵜 成真" userId="dd95f81a979e9056" providerId="LiveId" clId="{AC734C73-8538-4BAB-908C-DE9B017264B5}" dt="2023-01-11T07:22:58.116" v="2294"/>
-          <ac:spMkLst>
-            <pc:docMk/>
-            <pc:sldMk cId="3565108647" sldId="411"/>
-            <ac:spMk id="28" creationId="{B0F217A8-646C-15BA-6733-F4B0F1014565}"/>
-          </ac:spMkLst>
-        </pc:spChg>
-        <pc:spChg chg="mod">
-          <ac:chgData name="尾嵜 成真" userId="dd95f81a979e9056" providerId="LiveId" clId="{AC734C73-8538-4BAB-908C-DE9B017264B5}" dt="2023-01-11T07:23:02.134" v="2295"/>
-          <ac:spMkLst>
-            <pc:docMk/>
-            <pc:sldMk cId="3565108647" sldId="411"/>
-            <ac:spMk id="29" creationId="{A17934AB-FCC8-3776-1635-6E61D9A7D43B}"/>
-          </ac:spMkLst>
-        </pc:spChg>
-        <pc:picChg chg="add del mod">
-          <ac:chgData name="尾嵜 成真" userId="dd95f81a979e9056" providerId="LiveId" clId="{AC734C73-8538-4BAB-908C-DE9B017264B5}" dt="2023-01-11T07:40:05.385" v="3110" actId="478"/>
-          <ac:picMkLst>
-            <pc:docMk/>
-            <pc:sldMk cId="3565108647" sldId="411"/>
-            <ac:picMk id="3" creationId="{7C6A92B2-C4E5-9605-BE3A-12166DB5A6AB}"/>
-          </ac:picMkLst>
-        </pc:picChg>
-        <pc:picChg chg="add del mod">
-          <ac:chgData name="尾嵜 成真" userId="dd95f81a979e9056" providerId="LiveId" clId="{AC734C73-8538-4BAB-908C-DE9B017264B5}" dt="2023-01-11T07:40:41.641" v="3117" actId="478"/>
-          <ac:picMkLst>
-            <pc:docMk/>
-            <pc:sldMk cId="3565108647" sldId="411"/>
-            <ac:picMk id="5" creationId="{792C9E77-4DF0-87C4-7A6B-0455239D856F}"/>
-          </ac:picMkLst>
-        </pc:picChg>
-        <pc:picChg chg="add mod">
-          <ac:chgData name="尾嵜 成真" userId="dd95f81a979e9056" providerId="LiveId" clId="{AC734C73-8538-4BAB-908C-DE9B017264B5}" dt="2023-01-11T07:43:30.991" v="3168" actId="1076"/>
-          <ac:picMkLst>
-            <pc:docMk/>
-            <pc:sldMk cId="3565108647" sldId="411"/>
-            <ac:picMk id="7" creationId="{4A2830A7-A56F-13CA-E44A-BC41C1205C16}"/>
-          </ac:picMkLst>
-        </pc:picChg>
-        <pc:picChg chg="add del mod">
-          <ac:chgData name="尾嵜 成真" userId="dd95f81a979e9056" providerId="LiveId" clId="{AC734C73-8538-4BAB-908C-DE9B017264B5}" dt="2023-01-11T07:41:07.782" v="3123" actId="478"/>
-          <ac:picMkLst>
-            <pc:docMk/>
-            <pc:sldMk cId="3565108647" sldId="411"/>
-            <ac:picMk id="9" creationId="{F543A821-1EA8-0385-4309-EEAE540FC41C}"/>
-          </ac:picMkLst>
-        </pc:picChg>
-        <pc:picChg chg="add mod">
-          <ac:chgData name="尾嵜 成真" userId="dd95f81a979e9056" providerId="LiveId" clId="{AC734C73-8538-4BAB-908C-DE9B017264B5}" dt="2023-01-11T07:43:30.991" v="3168" actId="1076"/>
-          <ac:picMkLst>
-            <pc:docMk/>
-            <pc:sldMk cId="3565108647" sldId="411"/>
-            <ac:picMk id="12" creationId="{D1BBC247-F20B-F908-974A-5C7E97C10587}"/>
-          </ac:picMkLst>
-        </pc:picChg>
-      </pc:sldChg>
-      <pc:sldChg chg="addSp delSp modSp add mod">
-        <pc:chgData name="尾嵜 成真" userId="dd95f81a979e9056" providerId="LiveId" clId="{AC734C73-8538-4BAB-908C-DE9B017264B5}" dt="2023-01-11T15:36:24.272" v="5176" actId="947"/>
-        <pc:sldMkLst>
-          <pc:docMk/>
-          <pc:sldMk cId="2948967432" sldId="412"/>
-        </pc:sldMkLst>
-        <pc:spChg chg="add del mod">
-          <ac:chgData name="尾嵜 成真" userId="dd95f81a979e9056" providerId="LiveId" clId="{AC734C73-8538-4BAB-908C-DE9B017264B5}" dt="2023-01-11T15:32:27.718" v="5038" actId="478"/>
-          <ac:spMkLst>
-            <pc:docMk/>
-            <pc:sldMk cId="2948967432" sldId="412"/>
-            <ac:spMk id="6" creationId="{5EBB1C1B-AF0D-0A45-C1D4-5B4E474F9165}"/>
-          </ac:spMkLst>
-        </pc:spChg>
-        <pc:spChg chg="add mod">
-          <ac:chgData name="尾嵜 成真" userId="dd95f81a979e9056" providerId="LiveId" clId="{AC734C73-8538-4BAB-908C-DE9B017264B5}" dt="2023-01-11T15:33:18.786" v="5072" actId="1076"/>
-          <ac:spMkLst>
-            <pc:docMk/>
-            <pc:sldMk cId="2948967432" sldId="412"/>
-            <ac:spMk id="8" creationId="{ECA9CDB1-A2BA-67E7-DD91-13B2614E8A84}"/>
-          </ac:spMkLst>
-        </pc:spChg>
-        <pc:spChg chg="mod">
-          <ac:chgData name="尾嵜 成真" userId="dd95f81a979e9056" providerId="LiveId" clId="{AC734C73-8538-4BAB-908C-DE9B017264B5}" dt="2023-01-11T15:36:24.272" v="5176" actId="947"/>
-          <ac:spMkLst>
-            <pc:docMk/>
-            <pc:sldMk cId="2948967432" sldId="412"/>
-            <ac:spMk id="10" creationId="{4C8D8093-D708-E46A-39FD-79BFCCF8875B}"/>
-          </ac:spMkLst>
-        </pc:spChg>
-        <pc:spChg chg="mod">
-          <ac:chgData name="尾嵜 成真" userId="dd95f81a979e9056" providerId="LiveId" clId="{AC734C73-8538-4BAB-908C-DE9B017264B5}" dt="2023-01-11T15:34:52.967" v="5148" actId="20577"/>
-          <ac:spMkLst>
-            <pc:docMk/>
-            <pc:sldMk cId="2948967432" sldId="412"/>
-            <ac:spMk id="28" creationId="{B0F217A8-646C-15BA-6733-F4B0F1014565}"/>
-          </ac:spMkLst>
-        </pc:spChg>
-        <pc:spChg chg="mod">
-          <ac:chgData name="尾嵜 成真" userId="dd95f81a979e9056" providerId="LiveId" clId="{AC734C73-8538-4BAB-908C-DE9B017264B5}" dt="2023-01-11T15:35:10.209" v="5162" actId="20577"/>
-          <ac:spMkLst>
-            <pc:docMk/>
-            <pc:sldMk cId="2948967432" sldId="412"/>
-            <ac:spMk id="29" creationId="{A17934AB-FCC8-3776-1635-6E61D9A7D43B}"/>
-          </ac:spMkLst>
-        </pc:spChg>
-        <pc:picChg chg="add del mod">
-          <ac:chgData name="尾嵜 成真" userId="dd95f81a979e9056" providerId="LiveId" clId="{AC734C73-8538-4BAB-908C-DE9B017264B5}" dt="2023-01-11T15:32:25.849" v="5037" actId="478"/>
-          <ac:picMkLst>
-            <pc:docMk/>
-            <pc:sldMk cId="2948967432" sldId="412"/>
-            <ac:picMk id="3" creationId="{3A2CE6F1-CC1F-4E2A-F93F-FFAA84FC093C}"/>
-          </ac:picMkLst>
-        </pc:picChg>
-        <pc:picChg chg="add del mod">
-          <ac:chgData name="尾嵜 成真" userId="dd95f81a979e9056" providerId="LiveId" clId="{AC734C73-8538-4BAB-908C-DE9B017264B5}" dt="2023-01-11T15:32:25.849" v="5037" actId="478"/>
-          <ac:picMkLst>
-            <pc:docMk/>
-            <pc:sldMk cId="2948967432" sldId="412"/>
-            <ac:picMk id="5" creationId="{07E93C1B-753D-42A0-5284-6F9564344F1A}"/>
-          </ac:picMkLst>
-        </pc:picChg>
-        <pc:picChg chg="add mod">
-          <ac:chgData name="尾嵜 成真" userId="dd95f81a979e9056" providerId="LiveId" clId="{AC734C73-8538-4BAB-908C-DE9B017264B5}" dt="2023-01-11T15:33:18.786" v="5072" actId="1076"/>
-          <ac:picMkLst>
-            <pc:docMk/>
-            <pc:sldMk cId="2948967432" sldId="412"/>
-            <ac:picMk id="7" creationId="{57C334B8-27D8-5B65-82FC-94BF36C90A61}"/>
-          </ac:picMkLst>
-        </pc:picChg>
-      </pc:sldChg>
-      <pc:sldChg chg="addSp modSp add del mod">
-        <pc:chgData name="尾嵜 成真" userId="dd95f81a979e9056" providerId="LiveId" clId="{AC734C73-8538-4BAB-908C-DE9B017264B5}" dt="2023-01-11T15:35:23.667" v="5166" actId="47"/>
-        <pc:sldMkLst>
-          <pc:docMk/>
-          <pc:sldMk cId="1502133115" sldId="413"/>
-        </pc:sldMkLst>
-        <pc:spChg chg="add mod">
-          <ac:chgData name="尾嵜 成真" userId="dd95f81a979e9056" providerId="LiveId" clId="{AC734C73-8538-4BAB-908C-DE9B017264B5}" dt="2023-01-11T15:31:14.816" v="5033" actId="20577"/>
-          <ac:spMkLst>
-            <pc:docMk/>
-            <pc:sldMk cId="1502133115" sldId="413"/>
-            <ac:spMk id="4" creationId="{0FF597B8-8364-C833-06E7-29971196C3A4}"/>
-          </ac:spMkLst>
-        </pc:spChg>
-        <pc:spChg chg="mod">
-          <ac:chgData name="尾嵜 成真" userId="dd95f81a979e9056" providerId="LiveId" clId="{AC734C73-8538-4BAB-908C-DE9B017264B5}" dt="2023-01-11T15:28:12.019" v="5007" actId="20577"/>
-          <ac:spMkLst>
-            <pc:docMk/>
-            <pc:sldMk cId="1502133115" sldId="413"/>
-            <ac:spMk id="10" creationId="{4C8D8093-D708-E46A-39FD-79BFCCF8875B}"/>
-          </ac:spMkLst>
-        </pc:spChg>
-        <pc:spChg chg="mod">
-          <ac:chgData name="尾嵜 成真" userId="dd95f81a979e9056" providerId="LiveId" clId="{AC734C73-8538-4BAB-908C-DE9B017264B5}" dt="2023-01-11T10:09:21.587" v="3661"/>
-          <ac:spMkLst>
-            <pc:docMk/>
-            <pc:sldMk cId="1502133115" sldId="413"/>
-            <ac:spMk id="28" creationId="{B0F217A8-646C-15BA-6733-F4B0F1014565}"/>
-          </ac:spMkLst>
-        </pc:spChg>
-        <pc:spChg chg="mod">
-          <ac:chgData name="尾嵜 成真" userId="dd95f81a979e9056" providerId="LiveId" clId="{AC734C73-8538-4BAB-908C-DE9B017264B5}" dt="2023-01-11T09:14:49.313" v="3413" actId="20577"/>
-          <ac:spMkLst>
-            <pc:docMk/>
-            <pc:sldMk cId="1502133115" sldId="413"/>
-            <ac:spMk id="29" creationId="{A17934AB-FCC8-3776-1635-6E61D9A7D43B}"/>
-          </ac:spMkLst>
-        </pc:spChg>
-        <pc:picChg chg="add mod">
-          <ac:chgData name="尾嵜 成真" userId="dd95f81a979e9056" providerId="LiveId" clId="{AC734C73-8538-4BAB-908C-DE9B017264B5}" dt="2023-01-11T15:30:24.322" v="5009" actId="1076"/>
-          <ac:picMkLst>
-            <pc:docMk/>
-            <pc:sldMk cId="1502133115" sldId="413"/>
-            <ac:picMk id="3" creationId="{4375CBA7-240F-372F-A149-1EDC4057875D}"/>
-          </ac:picMkLst>
-        </pc:picChg>
-      </pc:sldChg>
-      <pc:sldChg chg="add del">
-        <pc:chgData name="尾嵜 成真" userId="dd95f81a979e9056" providerId="LiveId" clId="{AC734C73-8538-4BAB-908C-DE9B017264B5}" dt="2023-01-11T09:14:42.259" v="3408"/>
-        <pc:sldMkLst>
-          <pc:docMk/>
-          <pc:sldMk cId="2688534383" sldId="413"/>
-        </pc:sldMkLst>
-      </pc:sldChg>
-      <pc:sldChg chg="modSp add del mod">
-        <pc:chgData name="尾嵜 成真" userId="dd95f81a979e9056" providerId="LiveId" clId="{AC734C73-8538-4BAB-908C-DE9B017264B5}" dt="2023-01-11T11:11:41.158" v="4461" actId="47"/>
-        <pc:sldMkLst>
-          <pc:docMk/>
-          <pc:sldMk cId="4180852672" sldId="414"/>
-        </pc:sldMkLst>
-        <pc:spChg chg="mod">
-          <ac:chgData name="尾嵜 成真" userId="dd95f81a979e9056" providerId="LiveId" clId="{AC734C73-8538-4BAB-908C-DE9B017264B5}" dt="2023-01-11T11:11:09.146" v="4460" actId="20577"/>
-          <ac:spMkLst>
-            <pc:docMk/>
-            <pc:sldMk cId="4180852672" sldId="414"/>
-            <ac:spMk id="10" creationId="{4C8D8093-D708-E46A-39FD-79BFCCF8875B}"/>
-          </ac:spMkLst>
-        </pc:spChg>
-        <pc:spChg chg="mod">
-          <ac:chgData name="尾嵜 成真" userId="dd95f81a979e9056" providerId="LiveId" clId="{AC734C73-8538-4BAB-908C-DE9B017264B5}" dt="2023-01-11T10:09:18.246" v="3660"/>
-          <ac:spMkLst>
-            <pc:docMk/>
-            <pc:sldMk cId="4180852672" sldId="414"/>
-            <ac:spMk id="28" creationId="{B0F217A8-646C-15BA-6733-F4B0F1014565}"/>
-          </ac:spMkLst>
-        </pc:spChg>
-        <pc:spChg chg="mod">
-          <ac:chgData name="尾嵜 成真" userId="dd95f81a979e9056" providerId="LiveId" clId="{AC734C73-8538-4BAB-908C-DE9B017264B5}" dt="2023-01-11T10:08:48.827" v="3654" actId="20577"/>
-          <ac:spMkLst>
-            <pc:docMk/>
-            <pc:sldMk cId="4180852672" sldId="414"/>
-            <ac:spMk id="29" creationId="{A17934AB-FCC8-3776-1635-6E61D9A7D43B}"/>
-          </ac:spMkLst>
-        </pc:spChg>
-      </pc:sldChg>
-      <pc:sldChg chg="modSp add mod">
-        <pc:chgData name="尾嵜 成真" userId="dd95f81a979e9056" providerId="LiveId" clId="{AC734C73-8538-4BAB-908C-DE9B017264B5}" dt="2023-01-11T15:37:10.752" v="5195" actId="207"/>
-        <pc:sldMkLst>
-          <pc:docMk/>
-          <pc:sldMk cId="3553905273" sldId="415"/>
-        </pc:sldMkLst>
-        <pc:spChg chg="mod">
-          <ac:chgData name="尾嵜 成真" userId="dd95f81a979e9056" providerId="LiveId" clId="{AC734C73-8538-4BAB-908C-DE9B017264B5}" dt="2023-01-11T15:37:10.752" v="5195" actId="207"/>
-          <ac:spMkLst>
-            <pc:docMk/>
-            <pc:sldMk cId="3553905273" sldId="415"/>
-            <ac:spMk id="10" creationId="{4C8D8093-D708-E46A-39FD-79BFCCF8875B}"/>
-          </ac:spMkLst>
-        </pc:spChg>
-        <pc:spChg chg="mod">
-          <ac:chgData name="尾嵜 成真" userId="dd95f81a979e9056" providerId="LiveId" clId="{AC734C73-8538-4BAB-908C-DE9B017264B5}" dt="2023-01-11T15:35:14.710" v="5163" actId="20577"/>
-          <ac:spMkLst>
-            <pc:docMk/>
-            <pc:sldMk cId="3553905273" sldId="415"/>
-            <ac:spMk id="28" creationId="{B0F217A8-646C-15BA-6733-F4B0F1014565}"/>
-          </ac:spMkLst>
-        </pc:spChg>
-      </pc:sldChg>
-      <pc:sldChg chg="modSp add del mod">
-        <pc:chgData name="尾嵜 成真" userId="dd95f81a979e9056" providerId="LiveId" clId="{AC734C73-8538-4BAB-908C-DE9B017264B5}" dt="2023-01-11T11:01:23.616" v="4123" actId="47"/>
-        <pc:sldMkLst>
-          <pc:docMk/>
-          <pc:sldMk cId="4191330125" sldId="415"/>
-        </pc:sldMkLst>
-        <pc:spChg chg="mod">
-          <ac:chgData name="尾嵜 成真" userId="dd95f81a979e9056" providerId="LiveId" clId="{AC734C73-8538-4BAB-908C-DE9B017264B5}" dt="2023-01-11T10:30:03.108" v="3996" actId="20577"/>
-          <ac:spMkLst>
-            <pc:docMk/>
-            <pc:sldMk cId="4191330125" sldId="415"/>
-            <ac:spMk id="10" creationId="{4C8D8093-D708-E46A-39FD-79BFCCF8875B}"/>
-          </ac:spMkLst>
-        </pc:spChg>
-      </pc:sldChg>
-      <pc:sldChg chg="addSp modSp add mod">
-        <pc:chgData name="尾嵜 成真" userId="dd95f81a979e9056" providerId="LiveId" clId="{AC734C73-8538-4BAB-908C-DE9B017264B5}" dt="2023-01-11T15:38:06.365" v="5203" actId="947"/>
-        <pc:sldMkLst>
-          <pc:docMk/>
-          <pc:sldMk cId="305311975" sldId="416"/>
-        </pc:sldMkLst>
-        <pc:spChg chg="mod">
-          <ac:chgData name="尾嵜 成真" userId="dd95f81a979e9056" providerId="LiveId" clId="{AC734C73-8538-4BAB-908C-DE9B017264B5}" dt="2023-01-11T15:38:06.365" v="5203" actId="947"/>
-          <ac:spMkLst>
-            <pc:docMk/>
-            <pc:sldMk cId="305311975" sldId="416"/>
-            <ac:spMk id="10" creationId="{4C8D8093-D708-E46A-39FD-79BFCCF8875B}"/>
-          </ac:spMkLst>
-        </pc:spChg>
-        <pc:spChg chg="mod">
-          <ac:chgData name="尾嵜 成真" userId="dd95f81a979e9056" providerId="LiveId" clId="{AC734C73-8538-4BAB-908C-DE9B017264B5}" dt="2023-01-11T15:35:18.085" v="5164" actId="20577"/>
-          <ac:spMkLst>
-            <pc:docMk/>
-            <pc:sldMk cId="305311975" sldId="416"/>
-            <ac:spMk id="28" creationId="{B0F217A8-646C-15BA-6733-F4B0F1014565}"/>
-          </ac:spMkLst>
-        </pc:spChg>
-        <pc:spChg chg="mod">
-          <ac:chgData name="尾嵜 成真" userId="dd95f81a979e9056" providerId="LiveId" clId="{AC734C73-8538-4BAB-908C-DE9B017264B5}" dt="2023-01-11T11:07:42.973" v="4303" actId="20577"/>
-          <ac:spMkLst>
-            <pc:docMk/>
-            <pc:sldMk cId="305311975" sldId="416"/>
-            <ac:spMk id="29" creationId="{A17934AB-FCC8-3776-1635-6E61D9A7D43B}"/>
-          </ac:spMkLst>
-        </pc:spChg>
-        <pc:graphicFrameChg chg="add mod modGraphic">
-          <ac:chgData name="尾嵜 成真" userId="dd95f81a979e9056" providerId="LiveId" clId="{AC734C73-8538-4BAB-908C-DE9B017264B5}" dt="2023-01-11T14:48:45.721" v="4601" actId="1076"/>
-          <ac:graphicFrameMkLst>
-            <pc:docMk/>
-            <pc:sldMk cId="305311975" sldId="416"/>
-            <ac:graphicFrameMk id="2" creationId="{8A225559-C5EE-690B-AD52-91B24B51DC1A}"/>
-          </ac:graphicFrameMkLst>
-        </pc:graphicFrameChg>
-      </pc:sldChg>
-      <pc:sldChg chg="modSp add mod">
-        <pc:chgData name="尾嵜 成真" userId="dd95f81a979e9056" providerId="LiveId" clId="{AC734C73-8538-4BAB-908C-DE9B017264B5}" dt="2023-01-11T15:38:23.647" v="5205" actId="947"/>
-        <pc:sldMkLst>
-          <pc:docMk/>
-          <pc:sldMk cId="343408756" sldId="417"/>
-        </pc:sldMkLst>
-        <pc:spChg chg="mod">
-          <ac:chgData name="尾嵜 成真" userId="dd95f81a979e9056" providerId="LiveId" clId="{AC734C73-8538-4BAB-908C-DE9B017264B5}" dt="2023-01-11T15:38:23.647" v="5205" actId="947"/>
-          <ac:spMkLst>
-            <pc:docMk/>
-            <pc:sldMk cId="343408756" sldId="417"/>
-            <ac:spMk id="10" creationId="{4C8D8093-D708-E46A-39FD-79BFCCF8875B}"/>
-          </ac:spMkLst>
-        </pc:spChg>
-        <pc:spChg chg="mod">
-          <ac:chgData name="尾嵜 成真" userId="dd95f81a979e9056" providerId="LiveId" clId="{AC734C73-8538-4BAB-908C-DE9B017264B5}" dt="2023-01-11T15:35:21.227" v="5165" actId="20577"/>
-          <ac:spMkLst>
-            <pc:docMk/>
-            <pc:sldMk cId="343408756" sldId="417"/>
-            <ac:spMk id="28" creationId="{B0F217A8-646C-15BA-6733-F4B0F1014565}"/>
-          </ac:spMkLst>
-        </pc:spChg>
-        <pc:spChg chg="mod">
-          <ac:chgData name="尾嵜 成真" userId="dd95f81a979e9056" providerId="LiveId" clId="{AC734C73-8538-4BAB-908C-DE9B017264B5}" dt="2023-01-11T15:02:26.849" v="4632" actId="20577"/>
-          <ac:spMkLst>
-            <pc:docMk/>
-            <pc:sldMk cId="343408756" sldId="417"/>
-            <ac:spMk id="29" creationId="{A17934AB-FCC8-3776-1635-6E61D9A7D43B}"/>
-          </ac:spMkLst>
-        </pc:spChg>
-        <pc:graphicFrameChg chg="mod modGraphic">
-          <ac:chgData name="尾嵜 成真" userId="dd95f81a979e9056" providerId="LiveId" clId="{AC734C73-8538-4BAB-908C-DE9B017264B5}" dt="2023-01-11T15:23:18.792" v="4985" actId="1076"/>
-          <ac:graphicFrameMkLst>
-            <pc:docMk/>
-            <pc:sldMk cId="343408756" sldId="417"/>
-            <ac:graphicFrameMk id="2" creationId="{8A225559-C5EE-690B-AD52-91B24B51DC1A}"/>
-          </ac:graphicFrameMkLst>
-        </pc:graphicFrameChg>
       </pc:sldChg>
     </pc:docChg>
   </pc:docChgLst>
@@ -4076,6 +4068,54 @@
     </pc:docChg>
   </pc:docChgLst>
   <pc:docChgLst>
+    <pc:chgData name="尾嵜 成真" userId="dd95f81a979e9056" providerId="LiveId" clId="{BA7BE01E-308B-4BA2-8CD6-3881097D1D8F}"/>
+    <pc:docChg chg="modSld">
+      <pc:chgData name="尾嵜 成真" userId="dd95f81a979e9056" providerId="LiveId" clId="{BA7BE01E-308B-4BA2-8CD6-3881097D1D8F}" dt="2023-02-08T12:44:57.154" v="3" actId="1076"/>
+      <pc:docMkLst>
+        <pc:docMk/>
+      </pc:docMkLst>
+      <pc:sldChg chg="modSp mod">
+        <pc:chgData name="尾嵜 成真" userId="dd95f81a979e9056" providerId="LiveId" clId="{BA7BE01E-308B-4BA2-8CD6-3881097D1D8F}" dt="2023-02-08T12:44:57.154" v="3" actId="1076"/>
+        <pc:sldMkLst>
+          <pc:docMk/>
+          <pc:sldMk cId="0" sldId="259"/>
+        </pc:sldMkLst>
+        <pc:spChg chg="mod">
+          <ac:chgData name="尾嵜 成真" userId="dd95f81a979e9056" providerId="LiveId" clId="{BA7BE01E-308B-4BA2-8CD6-3881097D1D8F}" dt="2023-02-08T12:44:47.421" v="1" actId="1076"/>
+          <ac:spMkLst>
+            <pc:docMk/>
+            <pc:sldMk cId="0" sldId="259"/>
+            <ac:spMk id="19" creationId="{C6CA1394-23CE-E914-905A-097451AC4BCF}"/>
+          </ac:spMkLst>
+        </pc:spChg>
+        <pc:spChg chg="mod">
+          <ac:chgData name="尾嵜 成真" userId="dd95f81a979e9056" providerId="LiveId" clId="{BA7BE01E-308B-4BA2-8CD6-3881097D1D8F}" dt="2023-02-08T12:44:57.154" v="3" actId="1076"/>
+          <ac:spMkLst>
+            <pc:docMk/>
+            <pc:sldMk cId="0" sldId="259"/>
+            <ac:spMk id="27" creationId="{00000000-0000-0000-0000-000000000000}"/>
+          </ac:spMkLst>
+        </pc:spChg>
+        <pc:grpChg chg="mod">
+          <ac:chgData name="尾嵜 成真" userId="dd95f81a979e9056" providerId="LiveId" clId="{BA7BE01E-308B-4BA2-8CD6-3881097D1D8F}" dt="2023-02-08T12:44:43.062" v="0" actId="1076"/>
+          <ac:grpSpMkLst>
+            <pc:docMk/>
+            <pc:sldMk cId="0" sldId="259"/>
+            <ac:grpSpMk id="4" creationId="{D878DFA1-E3C6-85BD-E041-0F46C006721D}"/>
+          </ac:grpSpMkLst>
+        </pc:grpChg>
+        <pc:grpChg chg="mod">
+          <ac:chgData name="尾嵜 成真" userId="dd95f81a979e9056" providerId="LiveId" clId="{BA7BE01E-308B-4BA2-8CD6-3881097D1D8F}" dt="2023-02-08T12:44:47.421" v="1" actId="1076"/>
+          <ac:grpSpMkLst>
+            <pc:docMk/>
+            <pc:sldMk cId="0" sldId="259"/>
+            <ac:grpSpMk id="9" creationId="{EF7ADAA6-09FB-2358-E4FC-1C2B2AF8D65E}"/>
+          </ac:grpSpMkLst>
+        </pc:grpChg>
+      </pc:sldChg>
+    </pc:docChg>
+  </pc:docChgLst>
+  <pc:docChgLst>
     <pc:chgData name="尾嵜 成真" userId="dd95f81a979e9056" providerId="LiveId" clId="{26C33A79-BBC8-435D-B8CD-D08705468850}"/>
     <pc:docChg chg="undo custSel addSld delSld modSld">
       <pc:chgData name="尾嵜 成真" userId="dd95f81a979e9056" providerId="LiveId" clId="{26C33A79-BBC8-435D-B8CD-D08705468850}" dt="2023-01-18T14:39:10.179" v="3235" actId="20577"/>
@@ -6832,6 +6872,2044 @@
     </pc:docChg>
   </pc:docChgLst>
   <pc:docChgLst>
+    <pc:chgData name="尾嵜 成真" userId="dd95f81a979e9056" providerId="LiveId" clId="{CDA21BDE-563E-44C9-826A-4ED92E3D6D3A}"/>
+    <pc:docChg chg="undo redo custSel addSld delSld modSld sldOrd">
+      <pc:chgData name="尾嵜 成真" userId="dd95f81a979e9056" providerId="LiveId" clId="{CDA21BDE-563E-44C9-826A-4ED92E3D6D3A}" dt="2023-01-08T08:03:21.952" v="9493"/>
+      <pc:docMkLst>
+        <pc:docMk/>
+      </pc:docMkLst>
+      <pc:sldChg chg="addSp delSp modSp mod">
+        <pc:chgData name="尾嵜 成真" userId="dd95f81a979e9056" providerId="LiveId" clId="{CDA21BDE-563E-44C9-826A-4ED92E3D6D3A}" dt="2023-01-08T08:03:21.952" v="9493"/>
+        <pc:sldMkLst>
+          <pc:docMk/>
+          <pc:sldMk cId="0" sldId="259"/>
+        </pc:sldMkLst>
+        <pc:spChg chg="mod">
+          <ac:chgData name="尾嵜 成真" userId="dd95f81a979e9056" providerId="LiveId" clId="{CDA21BDE-563E-44C9-826A-4ED92E3D6D3A}" dt="2023-01-08T08:02:36.095" v="9471"/>
+          <ac:spMkLst>
+            <pc:docMk/>
+            <pc:sldMk cId="0" sldId="259"/>
+            <ac:spMk id="5" creationId="{FD830EDF-0AE0-07AC-3408-C14707F98F7C}"/>
+          </ac:spMkLst>
+        </pc:spChg>
+        <pc:spChg chg="mod">
+          <ac:chgData name="尾嵜 成真" userId="dd95f81a979e9056" providerId="LiveId" clId="{CDA21BDE-563E-44C9-826A-4ED92E3D6D3A}" dt="2023-01-08T08:02:36.095" v="9471"/>
+          <ac:spMkLst>
+            <pc:docMk/>
+            <pc:sldMk cId="0" sldId="259"/>
+            <ac:spMk id="6" creationId="{5E8DF250-E2E1-463A-1CFB-606AA0029019}"/>
+          </ac:spMkLst>
+        </pc:spChg>
+        <pc:spChg chg="del">
+          <ac:chgData name="尾嵜 成真" userId="dd95f81a979e9056" providerId="LiveId" clId="{CDA21BDE-563E-44C9-826A-4ED92E3D6D3A}" dt="2023-01-08T08:02:35.913" v="9470" actId="478"/>
+          <ac:spMkLst>
+            <pc:docMk/>
+            <pc:sldMk cId="0" sldId="259"/>
+            <ac:spMk id="7" creationId="{868586D0-495E-0042-21C8-6D9C53F32F5A}"/>
+          </ac:spMkLst>
+        </pc:spChg>
+        <pc:spChg chg="mod">
+          <ac:chgData name="尾嵜 成真" userId="dd95f81a979e9056" providerId="LiveId" clId="{CDA21BDE-563E-44C9-826A-4ED92E3D6D3A}" dt="2023-01-08T08:02:36.095" v="9471"/>
+          <ac:spMkLst>
+            <pc:docMk/>
+            <pc:sldMk cId="0" sldId="259"/>
+            <ac:spMk id="8" creationId="{E222909A-9036-F7D3-BE09-C025DCAE0646}"/>
+          </ac:spMkLst>
+        </pc:spChg>
+        <pc:spChg chg="mod">
+          <ac:chgData name="尾嵜 成真" userId="dd95f81a979e9056" providerId="LiveId" clId="{CDA21BDE-563E-44C9-826A-4ED92E3D6D3A}" dt="2023-01-08T08:02:36.095" v="9471"/>
+          <ac:spMkLst>
+            <pc:docMk/>
+            <pc:sldMk cId="0" sldId="259"/>
+            <ac:spMk id="10" creationId="{1672DA89-349C-8309-A511-350F09352493}"/>
+          </ac:spMkLst>
+        </pc:spChg>
+        <pc:spChg chg="mod">
+          <ac:chgData name="尾嵜 成真" userId="dd95f81a979e9056" providerId="LiveId" clId="{CDA21BDE-563E-44C9-826A-4ED92E3D6D3A}" dt="2023-01-08T08:02:36.095" v="9471"/>
+          <ac:spMkLst>
+            <pc:docMk/>
+            <pc:sldMk cId="0" sldId="259"/>
+            <ac:spMk id="11" creationId="{A46567DC-FCEE-BEBC-E1EF-A6D636BCEE40}"/>
+          </ac:spMkLst>
+        </pc:spChg>
+        <pc:spChg chg="mod">
+          <ac:chgData name="尾嵜 成真" userId="dd95f81a979e9056" providerId="LiveId" clId="{CDA21BDE-563E-44C9-826A-4ED92E3D6D3A}" dt="2023-01-08T08:02:36.095" v="9471"/>
+          <ac:spMkLst>
+            <pc:docMk/>
+            <pc:sldMk cId="0" sldId="259"/>
+            <ac:spMk id="13" creationId="{876820BD-90E4-79F3-3708-6452A8E8AB28}"/>
+          </ac:spMkLst>
+        </pc:spChg>
+        <pc:spChg chg="mod">
+          <ac:chgData name="尾嵜 成真" userId="dd95f81a979e9056" providerId="LiveId" clId="{CDA21BDE-563E-44C9-826A-4ED92E3D6D3A}" dt="2023-01-08T08:02:36.095" v="9471"/>
+          <ac:spMkLst>
+            <pc:docMk/>
+            <pc:sldMk cId="0" sldId="259"/>
+            <ac:spMk id="14" creationId="{84B8BDC7-3A1E-7358-7651-F75675669039}"/>
+          </ac:spMkLst>
+        </pc:spChg>
+        <pc:spChg chg="mod">
+          <ac:chgData name="尾嵜 成真" userId="dd95f81a979e9056" providerId="LiveId" clId="{CDA21BDE-563E-44C9-826A-4ED92E3D6D3A}" dt="2023-01-08T08:02:36.095" v="9471"/>
+          <ac:spMkLst>
+            <pc:docMk/>
+            <pc:sldMk cId="0" sldId="259"/>
+            <ac:spMk id="16" creationId="{28B2A99B-06B7-7194-14A2-260C9E93F2DD}"/>
+          </ac:spMkLst>
+        </pc:spChg>
+        <pc:spChg chg="mod">
+          <ac:chgData name="尾嵜 成真" userId="dd95f81a979e9056" providerId="LiveId" clId="{CDA21BDE-563E-44C9-826A-4ED92E3D6D3A}" dt="2023-01-08T08:02:36.095" v="9471"/>
+          <ac:spMkLst>
+            <pc:docMk/>
+            <pc:sldMk cId="0" sldId="259"/>
+            <ac:spMk id="17" creationId="{ADA89448-5159-F66C-80CE-8F46B466264C}"/>
+          </ac:spMkLst>
+        </pc:spChg>
+        <pc:spChg chg="add mod">
+          <ac:chgData name="尾嵜 成真" userId="dd95f81a979e9056" providerId="LiveId" clId="{CDA21BDE-563E-44C9-826A-4ED92E3D6D3A}" dt="2023-01-08T08:02:58.088" v="9480" actId="20577"/>
+          <ac:spMkLst>
+            <pc:docMk/>
+            <pc:sldMk cId="0" sldId="259"/>
+            <ac:spMk id="19" creationId="{C6CA1394-23CE-E914-905A-097451AC4BCF}"/>
+          </ac:spMkLst>
+        </pc:spChg>
+        <pc:spChg chg="add mod">
+          <ac:chgData name="尾嵜 成真" userId="dd95f81a979e9056" providerId="LiveId" clId="{CDA21BDE-563E-44C9-826A-4ED92E3D6D3A}" dt="2023-01-08T08:03:08.483" v="9487" actId="1076"/>
+          <ac:spMkLst>
+            <pc:docMk/>
+            <pc:sldMk cId="0" sldId="259"/>
+            <ac:spMk id="22" creationId="{6286828B-49EF-1DB2-95F8-A3227739ECEA}"/>
+          </ac:spMkLst>
+        </pc:spChg>
+        <pc:spChg chg="add mod">
+          <ac:chgData name="尾嵜 成真" userId="dd95f81a979e9056" providerId="LiveId" clId="{CDA21BDE-563E-44C9-826A-4ED92E3D6D3A}" dt="2023-01-08T08:03:21.952" v="9493"/>
+          <ac:spMkLst>
+            <pc:docMk/>
+            <pc:sldMk cId="0" sldId="259"/>
+            <ac:spMk id="23" creationId="{2E9F8BEE-54A9-4485-30DE-5BD610AD9383}"/>
+          </ac:spMkLst>
+        </pc:spChg>
+        <pc:spChg chg="mod">
+          <ac:chgData name="尾嵜 成真" userId="dd95f81a979e9056" providerId="LiveId" clId="{CDA21BDE-563E-44C9-826A-4ED92E3D6D3A}" dt="2023-01-08T08:02:20.162" v="9469" actId="1076"/>
+          <ac:spMkLst>
+            <pc:docMk/>
+            <pc:sldMk cId="0" sldId="259"/>
+            <ac:spMk id="27" creationId="{00000000-0000-0000-0000-000000000000}"/>
+          </ac:spMkLst>
+        </pc:spChg>
+        <pc:grpChg chg="del">
+          <ac:chgData name="尾嵜 成真" userId="dd95f81a979e9056" providerId="LiveId" clId="{CDA21BDE-563E-44C9-826A-4ED92E3D6D3A}" dt="2023-01-08T08:02:35.913" v="9470" actId="478"/>
+          <ac:grpSpMkLst>
+            <pc:docMk/>
+            <pc:sldMk cId="0" sldId="259"/>
+            <ac:grpSpMk id="2" creationId="{F3E18761-6F4D-4A56-A95B-FE9E51163FF2}"/>
+          </ac:grpSpMkLst>
+        </pc:grpChg>
+        <pc:grpChg chg="del">
+          <ac:chgData name="尾嵜 成真" userId="dd95f81a979e9056" providerId="LiveId" clId="{CDA21BDE-563E-44C9-826A-4ED92E3D6D3A}" dt="2023-01-08T08:02:35.913" v="9470" actId="478"/>
+          <ac:grpSpMkLst>
+            <pc:docMk/>
+            <pc:sldMk cId="0" sldId="259"/>
+            <ac:grpSpMk id="3" creationId="{28D86D72-E7AD-4CA2-BA44-25225DE74CDA}"/>
+          </ac:grpSpMkLst>
+        </pc:grpChg>
+        <pc:grpChg chg="add mod">
+          <ac:chgData name="尾嵜 成真" userId="dd95f81a979e9056" providerId="LiveId" clId="{CDA21BDE-563E-44C9-826A-4ED92E3D6D3A}" dt="2023-01-08T08:02:43.337" v="9472" actId="1076"/>
+          <ac:grpSpMkLst>
+            <pc:docMk/>
+            <pc:sldMk cId="0" sldId="259"/>
+            <ac:grpSpMk id="4" creationId="{D878DFA1-E3C6-85BD-E041-0F46C006721D}"/>
+          </ac:grpSpMkLst>
+        </pc:grpChg>
+        <pc:grpChg chg="add mod">
+          <ac:chgData name="尾嵜 成真" userId="dd95f81a979e9056" providerId="LiveId" clId="{CDA21BDE-563E-44C9-826A-4ED92E3D6D3A}" dt="2023-01-08T08:02:43.337" v="9472" actId="1076"/>
+          <ac:grpSpMkLst>
+            <pc:docMk/>
+            <pc:sldMk cId="0" sldId="259"/>
+            <ac:grpSpMk id="9" creationId="{EF7ADAA6-09FB-2358-E4FC-1C2B2AF8D65E}"/>
+          </ac:grpSpMkLst>
+        </pc:grpChg>
+        <pc:grpChg chg="add mod">
+          <ac:chgData name="尾嵜 成真" userId="dd95f81a979e9056" providerId="LiveId" clId="{CDA21BDE-563E-44C9-826A-4ED92E3D6D3A}" dt="2023-01-08T08:02:43.337" v="9472" actId="1076"/>
+          <ac:grpSpMkLst>
+            <pc:docMk/>
+            <pc:sldMk cId="0" sldId="259"/>
+            <ac:grpSpMk id="12" creationId="{7932C5DD-8842-00F0-E891-D564ACEDE896}"/>
+          </ac:grpSpMkLst>
+        </pc:grpChg>
+        <pc:grpChg chg="add mod">
+          <ac:chgData name="尾嵜 成真" userId="dd95f81a979e9056" providerId="LiveId" clId="{CDA21BDE-563E-44C9-826A-4ED92E3D6D3A}" dt="2023-01-08T08:02:43.337" v="9472" actId="1076"/>
+          <ac:grpSpMkLst>
+            <pc:docMk/>
+            <pc:sldMk cId="0" sldId="259"/>
+            <ac:grpSpMk id="15" creationId="{ABF64C8C-9B4C-9D21-9AF5-4477981CD304}"/>
+          </ac:grpSpMkLst>
+        </pc:grpChg>
+      </pc:sldChg>
+      <pc:sldChg chg="modSp mod">
+        <pc:chgData name="尾嵜 成真" userId="dd95f81a979e9056" providerId="LiveId" clId="{CDA21BDE-563E-44C9-826A-4ED92E3D6D3A}" dt="2023-01-04T12:18:43.619" v="19" actId="1076"/>
+        <pc:sldMkLst>
+          <pc:docMk/>
+          <pc:sldMk cId="0" sldId="293"/>
+        </pc:sldMkLst>
+        <pc:spChg chg="mod">
+          <ac:chgData name="尾嵜 成真" userId="dd95f81a979e9056" providerId="LiveId" clId="{CDA21BDE-563E-44C9-826A-4ED92E3D6D3A}" dt="2023-01-04T12:18:43.619" v="19" actId="1076"/>
+          <ac:spMkLst>
+            <pc:docMk/>
+            <pc:sldMk cId="0" sldId="293"/>
+            <ac:spMk id="7" creationId="{00000000-0000-0000-0000-000000000000}"/>
+          </ac:spMkLst>
+        </pc:spChg>
+      </pc:sldChg>
+      <pc:sldChg chg="addSp delSp modSp mod">
+        <pc:chgData name="尾嵜 成真" userId="dd95f81a979e9056" providerId="LiveId" clId="{CDA21BDE-563E-44C9-826A-4ED92E3D6D3A}" dt="2023-01-04T15:17:25.011" v="1104" actId="14100"/>
+        <pc:sldMkLst>
+          <pc:docMk/>
+          <pc:sldMk cId="4190097553" sldId="303"/>
+        </pc:sldMkLst>
+        <pc:spChg chg="add del mod">
+          <ac:chgData name="尾嵜 成真" userId="dd95f81a979e9056" providerId="LiveId" clId="{CDA21BDE-563E-44C9-826A-4ED92E3D6D3A}" dt="2023-01-04T14:41:56.165" v="396" actId="21"/>
+          <ac:spMkLst>
+            <pc:docMk/>
+            <pc:sldMk cId="4190097553" sldId="303"/>
+            <ac:spMk id="7" creationId="{1DAD7CB3-6707-B178-07F9-CF9C063BCEBE}"/>
+          </ac:spMkLst>
+        </pc:spChg>
+        <pc:spChg chg="add del mod">
+          <ac:chgData name="尾嵜 成真" userId="dd95f81a979e9056" providerId="LiveId" clId="{CDA21BDE-563E-44C9-826A-4ED92E3D6D3A}" dt="2023-01-04T14:42:36.162" v="406" actId="21"/>
+          <ac:spMkLst>
+            <pc:docMk/>
+            <pc:sldMk cId="4190097553" sldId="303"/>
+            <ac:spMk id="10" creationId="{DD038A8F-615D-0E77-D277-A2AFF967B0D7}"/>
+          </ac:spMkLst>
+        </pc:spChg>
+        <pc:spChg chg="mod">
+          <ac:chgData name="尾嵜 成真" userId="dd95f81a979e9056" providerId="LiveId" clId="{CDA21BDE-563E-44C9-826A-4ED92E3D6D3A}" dt="2023-01-04T14:58:38.327" v="571" actId="1076"/>
+          <ac:spMkLst>
+            <pc:docMk/>
+            <pc:sldMk cId="4190097553" sldId="303"/>
+            <ac:spMk id="11" creationId="{8F4012D2-E45B-57FF-3B8C-E8092847CB68}"/>
+          </ac:spMkLst>
+        </pc:spChg>
+        <pc:spChg chg="add del mod">
+          <ac:chgData name="尾嵜 成真" userId="dd95f81a979e9056" providerId="LiveId" clId="{CDA21BDE-563E-44C9-826A-4ED92E3D6D3A}" dt="2023-01-04T14:46:21.159" v="417" actId="21"/>
+          <ac:spMkLst>
+            <pc:docMk/>
+            <pc:sldMk cId="4190097553" sldId="303"/>
+            <ac:spMk id="15" creationId="{4DDEEC26-53E6-3D8F-8587-F591B5E52D20}"/>
+          </ac:spMkLst>
+        </pc:spChg>
+        <pc:spChg chg="add del mod">
+          <ac:chgData name="尾嵜 成真" userId="dd95f81a979e9056" providerId="LiveId" clId="{CDA21BDE-563E-44C9-826A-4ED92E3D6D3A}" dt="2023-01-04T14:57:33.928" v="558" actId="21"/>
+          <ac:spMkLst>
+            <pc:docMk/>
+            <pc:sldMk cId="4190097553" sldId="303"/>
+            <ac:spMk id="18" creationId="{C2CA49C6-90E0-3D92-49D2-125487BBC082}"/>
+          </ac:spMkLst>
+        </pc:spChg>
+        <pc:spChg chg="add del mod">
+          <ac:chgData name="尾嵜 成真" userId="dd95f81a979e9056" providerId="LiveId" clId="{CDA21BDE-563E-44C9-826A-4ED92E3D6D3A}" dt="2023-01-04T14:58:44.328" v="572" actId="21"/>
+          <ac:spMkLst>
+            <pc:docMk/>
+            <pc:sldMk cId="4190097553" sldId="303"/>
+            <ac:spMk id="21" creationId="{7F9B698E-A140-7553-C696-4481E681F4BB}"/>
+          </ac:spMkLst>
+        </pc:spChg>
+        <pc:spChg chg="mod">
+          <ac:chgData name="尾嵜 成真" userId="dd95f81a979e9056" providerId="LiveId" clId="{CDA21BDE-563E-44C9-826A-4ED92E3D6D3A}" dt="2023-01-04T15:17:25.011" v="1104" actId="14100"/>
+          <ac:spMkLst>
+            <pc:docMk/>
+            <pc:sldMk cId="4190097553" sldId="303"/>
+            <ac:spMk id="22" creationId="{130837D4-140A-1DB8-3B90-658860BB5C5B}"/>
+          </ac:spMkLst>
+        </pc:spChg>
+        <pc:spChg chg="add mod">
+          <ac:chgData name="尾嵜 成真" userId="dd95f81a979e9056" providerId="LiveId" clId="{CDA21BDE-563E-44C9-826A-4ED92E3D6D3A}" dt="2023-01-04T14:58:50.376" v="574" actId="1076"/>
+          <ac:spMkLst>
+            <pc:docMk/>
+            <pc:sldMk cId="4190097553" sldId="303"/>
+            <ac:spMk id="25" creationId="{6AD23C59-3008-CD1A-E4B5-28FCCA95819E}"/>
+          </ac:spMkLst>
+        </pc:spChg>
+        <pc:spChg chg="mod">
+          <ac:chgData name="尾嵜 成真" userId="dd95f81a979e9056" providerId="LiveId" clId="{CDA21BDE-563E-44C9-826A-4ED92E3D6D3A}" dt="2023-01-04T14:40:28.676" v="386"/>
+          <ac:spMkLst>
+            <pc:docMk/>
+            <pc:sldMk cId="4190097553" sldId="303"/>
+            <ac:spMk id="26" creationId="{4C6CF6C6-84B1-9D0E-1D23-344066B0F396}"/>
+          </ac:spMkLst>
+        </pc:spChg>
+        <pc:spChg chg="del mod">
+          <ac:chgData name="尾嵜 成真" userId="dd95f81a979e9056" providerId="LiveId" clId="{CDA21BDE-563E-44C9-826A-4ED92E3D6D3A}" dt="2023-01-04T14:40:07.816" v="378" actId="21"/>
+          <ac:spMkLst>
+            <pc:docMk/>
+            <pc:sldMk cId="4190097553" sldId="303"/>
+            <ac:spMk id="28" creationId="{C265F40D-3F25-6778-A99F-C0FFAD5908E8}"/>
+          </ac:spMkLst>
+        </pc:spChg>
+        <pc:picChg chg="add del mod">
+          <ac:chgData name="尾嵜 成真" userId="dd95f81a979e9056" providerId="LiveId" clId="{CDA21BDE-563E-44C9-826A-4ED92E3D6D3A}" dt="2023-01-04T14:39:24.599" v="368" actId="478"/>
+          <ac:picMkLst>
+            <pc:docMk/>
+            <pc:sldMk cId="4190097553" sldId="303"/>
+            <ac:picMk id="3" creationId="{5F61E938-1CB2-5D4B-87E2-A4428859F370}"/>
+          </ac:picMkLst>
+        </pc:picChg>
+        <pc:picChg chg="add del mod">
+          <ac:chgData name="尾嵜 成真" userId="dd95f81a979e9056" providerId="LiveId" clId="{CDA21BDE-563E-44C9-826A-4ED92E3D6D3A}" dt="2023-01-04T14:41:34.353" v="387" actId="478"/>
+          <ac:picMkLst>
+            <pc:docMk/>
+            <pc:sldMk cId="4190097553" sldId="303"/>
+            <ac:picMk id="5" creationId="{83B4A0B9-E0A0-BC06-0733-902457139BA1}"/>
+          </ac:picMkLst>
+        </pc:picChg>
+        <pc:picChg chg="del">
+          <ac:chgData name="尾嵜 成真" userId="dd95f81a979e9056" providerId="LiveId" clId="{CDA21BDE-563E-44C9-826A-4ED92E3D6D3A}" dt="2023-01-04T14:33:43.772" v="20" actId="478"/>
+          <ac:picMkLst>
+            <pc:docMk/>
+            <pc:sldMk cId="4190097553" sldId="303"/>
+            <ac:picMk id="6" creationId="{A19635C5-D727-342D-DCAB-A69665FCF2FC}"/>
+          </ac:picMkLst>
+        </pc:picChg>
+        <pc:picChg chg="add del mod">
+          <ac:chgData name="尾嵜 成真" userId="dd95f81a979e9056" providerId="LiveId" clId="{CDA21BDE-563E-44C9-826A-4ED92E3D6D3A}" dt="2023-01-04T14:42:19.527" v="399" actId="478"/>
+          <ac:picMkLst>
+            <pc:docMk/>
+            <pc:sldMk cId="4190097553" sldId="303"/>
+            <ac:picMk id="9" creationId="{E8641E0F-AC24-92D7-1C24-D8EE51F1A343}"/>
+          </ac:picMkLst>
+        </pc:picChg>
+        <pc:picChg chg="add del mod">
+          <ac:chgData name="尾嵜 成真" userId="dd95f81a979e9056" providerId="LiveId" clId="{CDA21BDE-563E-44C9-826A-4ED92E3D6D3A}" dt="2023-01-04T14:46:01.872" v="409" actId="478"/>
+          <ac:picMkLst>
+            <pc:docMk/>
+            <pc:sldMk cId="4190097553" sldId="303"/>
+            <ac:picMk id="14" creationId="{00757E79-E267-7C8F-C8B8-68A6D7A13B64}"/>
+          </ac:picMkLst>
+        </pc:picChg>
+        <pc:picChg chg="add del mod">
+          <ac:chgData name="尾嵜 成真" userId="dd95f81a979e9056" providerId="LiveId" clId="{CDA21BDE-563E-44C9-826A-4ED92E3D6D3A}" dt="2023-01-04T14:57:15.829" v="552" actId="478"/>
+          <ac:picMkLst>
+            <pc:docMk/>
+            <pc:sldMk cId="4190097553" sldId="303"/>
+            <ac:picMk id="17" creationId="{9ADC44DE-BCA8-CDC5-D6E2-930D690B6BF3}"/>
+          </ac:picMkLst>
+        </pc:picChg>
+        <pc:picChg chg="add del mod">
+          <ac:chgData name="尾嵜 成真" userId="dd95f81a979e9056" providerId="LiveId" clId="{CDA21BDE-563E-44C9-826A-4ED92E3D6D3A}" dt="2023-01-04T14:58:14.949" v="561" actId="478"/>
+          <ac:picMkLst>
+            <pc:docMk/>
+            <pc:sldMk cId="4190097553" sldId="303"/>
+            <ac:picMk id="20" creationId="{8305A078-DF1F-ABC6-6C31-4E309BE391D9}"/>
+          </ac:picMkLst>
+        </pc:picChg>
+        <pc:picChg chg="add mod">
+          <ac:chgData name="尾嵜 成真" userId="dd95f81a979e9056" providerId="LiveId" clId="{CDA21BDE-563E-44C9-826A-4ED92E3D6D3A}" dt="2023-01-04T14:58:35.815" v="569" actId="1076"/>
+          <ac:picMkLst>
+            <pc:docMk/>
+            <pc:sldMk cId="4190097553" sldId="303"/>
+            <ac:picMk id="24" creationId="{75A56AED-8FCB-1181-6716-DED43235156D}"/>
+          </ac:picMkLst>
+        </pc:picChg>
+      </pc:sldChg>
+      <pc:sldChg chg="delSp modSp mod">
+        <pc:chgData name="尾嵜 成真" userId="dd95f81a979e9056" providerId="LiveId" clId="{CDA21BDE-563E-44C9-826A-4ED92E3D6D3A}" dt="2023-01-04T15:16:58.538" v="1103" actId="1076"/>
+        <pc:sldMkLst>
+          <pc:docMk/>
+          <pc:sldMk cId="1793902739" sldId="305"/>
+        </pc:sldMkLst>
+        <pc:spChg chg="mod">
+          <ac:chgData name="尾嵜 成真" userId="dd95f81a979e9056" providerId="LiveId" clId="{CDA21BDE-563E-44C9-826A-4ED92E3D6D3A}" dt="2023-01-04T14:49:37.225" v="440" actId="21"/>
+          <ac:spMkLst>
+            <pc:docMk/>
+            <pc:sldMk cId="1793902739" sldId="305"/>
+            <ac:spMk id="10" creationId="{4C8D8093-D708-E46A-39FD-79BFCCF8875B}"/>
+          </ac:spMkLst>
+        </pc:spChg>
+        <pc:graphicFrameChg chg="del mod">
+          <ac:chgData name="尾嵜 成真" userId="dd95f81a979e9056" providerId="LiveId" clId="{CDA21BDE-563E-44C9-826A-4ED92E3D6D3A}" dt="2023-01-04T14:50:05" v="447" actId="21"/>
+          <ac:graphicFrameMkLst>
+            <pc:docMk/>
+            <pc:sldMk cId="1793902739" sldId="305"/>
+            <ac:graphicFrameMk id="2" creationId="{7B87186C-A8B4-ED74-004E-2B74DDD0A081}"/>
+          </ac:graphicFrameMkLst>
+        </pc:graphicFrameChg>
+        <pc:graphicFrameChg chg="mod modGraphic">
+          <ac:chgData name="尾嵜 成真" userId="dd95f81a979e9056" providerId="LiveId" clId="{CDA21BDE-563E-44C9-826A-4ED92E3D6D3A}" dt="2023-01-04T14:54:39.855" v="547" actId="207"/>
+          <ac:graphicFrameMkLst>
+            <pc:docMk/>
+            <pc:sldMk cId="1793902739" sldId="305"/>
+            <ac:graphicFrameMk id="31" creationId="{48DC726C-6E54-B2D0-3B8B-B4BA03014533}"/>
+          </ac:graphicFrameMkLst>
+        </pc:graphicFrameChg>
+        <pc:graphicFrameChg chg="mod">
+          <ac:chgData name="尾嵜 成真" userId="dd95f81a979e9056" providerId="LiveId" clId="{CDA21BDE-563E-44C9-826A-4ED92E3D6D3A}" dt="2023-01-04T15:16:58.538" v="1103" actId="1076"/>
+          <ac:graphicFrameMkLst>
+            <pc:docMk/>
+            <pc:sldMk cId="1793902739" sldId="305"/>
+            <ac:graphicFrameMk id="32" creationId="{09633478-8EA1-EC49-9A21-449910C52C1D}"/>
+          </ac:graphicFrameMkLst>
+        </pc:graphicFrameChg>
+      </pc:sldChg>
+      <pc:sldChg chg="addSp delSp modSp mod">
+        <pc:chgData name="尾嵜 成真" userId="dd95f81a979e9056" providerId="LiveId" clId="{CDA21BDE-563E-44C9-826A-4ED92E3D6D3A}" dt="2023-01-04T14:59:25.102" v="576" actId="20577"/>
+        <pc:sldMkLst>
+          <pc:docMk/>
+          <pc:sldMk cId="3198427016" sldId="306"/>
+        </pc:sldMkLst>
+        <pc:spChg chg="mod">
+          <ac:chgData name="尾嵜 成真" userId="dd95f81a979e9056" providerId="LiveId" clId="{CDA21BDE-563E-44C9-826A-4ED92E3D6D3A}" dt="2023-01-04T14:51:15.400" v="466" actId="20577"/>
+          <ac:spMkLst>
+            <pc:docMk/>
+            <pc:sldMk cId="3198427016" sldId="306"/>
+            <ac:spMk id="10" creationId="{4C8D8093-D708-E46A-39FD-79BFCCF8875B}"/>
+          </ac:spMkLst>
+        </pc:spChg>
+        <pc:graphicFrameChg chg="mod modGraphic">
+          <ac:chgData name="尾嵜 成真" userId="dd95f81a979e9056" providerId="LiveId" clId="{CDA21BDE-563E-44C9-826A-4ED92E3D6D3A}" dt="2023-01-04T14:54:46.908" v="548" actId="207"/>
+          <ac:graphicFrameMkLst>
+            <pc:docMk/>
+            <pc:sldMk cId="3198427016" sldId="306"/>
+            <ac:graphicFrameMk id="2" creationId="{4A46E109-EF54-CBF0-8FCA-158AEC5AE535}"/>
+          </ac:graphicFrameMkLst>
+        </pc:graphicFrameChg>
+        <pc:graphicFrameChg chg="del mod">
+          <ac:chgData name="尾嵜 成真" userId="dd95f81a979e9056" providerId="LiveId" clId="{CDA21BDE-563E-44C9-826A-4ED92E3D6D3A}" dt="2023-01-04T14:52:01.781" v="476" actId="478"/>
+          <ac:graphicFrameMkLst>
+            <pc:docMk/>
+            <pc:sldMk cId="3198427016" sldId="306"/>
+            <ac:graphicFrameMk id="3" creationId="{31FFB8B3-1018-C2FE-AB2D-7D3A20AEB7E6}"/>
+          </ac:graphicFrameMkLst>
+        </pc:graphicFrameChg>
+        <pc:graphicFrameChg chg="mod modGraphic">
+          <ac:chgData name="尾嵜 成真" userId="dd95f81a979e9056" providerId="LiveId" clId="{CDA21BDE-563E-44C9-826A-4ED92E3D6D3A}" dt="2023-01-04T14:55:00.794" v="550" actId="207"/>
+          <ac:graphicFrameMkLst>
+            <pc:docMk/>
+            <pc:sldMk cId="3198427016" sldId="306"/>
+            <ac:graphicFrameMk id="4" creationId="{F9B8FF01-FAF6-78EA-838F-9757583E8040}"/>
+          </ac:graphicFrameMkLst>
+        </pc:graphicFrameChg>
+        <pc:graphicFrameChg chg="add mod modGraphic">
+          <ac:chgData name="尾嵜 成真" userId="dd95f81a979e9056" providerId="LiveId" clId="{CDA21BDE-563E-44C9-826A-4ED92E3D6D3A}" dt="2023-01-04T14:59:25.102" v="576" actId="20577"/>
+          <ac:graphicFrameMkLst>
+            <pc:docMk/>
+            <pc:sldMk cId="3198427016" sldId="306"/>
+            <ac:graphicFrameMk id="5" creationId="{BD37686A-DCE8-BE18-07EE-C87BAC7B8406}"/>
+          </ac:graphicFrameMkLst>
+        </pc:graphicFrameChg>
+        <pc:graphicFrameChg chg="del mod">
+          <ac:chgData name="尾嵜 成真" userId="dd95f81a979e9056" providerId="LiveId" clId="{CDA21BDE-563E-44C9-826A-4ED92E3D6D3A}" dt="2023-01-04T14:52:02.661" v="477" actId="478"/>
+          <ac:graphicFrameMkLst>
+            <pc:docMk/>
+            <pc:sldMk cId="3198427016" sldId="306"/>
+            <ac:graphicFrameMk id="6" creationId="{85F9FFB5-5C2B-1879-05B7-483F748F6536}"/>
+          </ac:graphicFrameMkLst>
+        </pc:graphicFrameChg>
+      </pc:sldChg>
+      <pc:sldChg chg="addSp delSp modSp mod">
+        <pc:chgData name="尾嵜 成真" userId="dd95f81a979e9056" providerId="LiveId" clId="{CDA21BDE-563E-44C9-826A-4ED92E3D6D3A}" dt="2023-01-05T15:24:24.427" v="2717" actId="20577"/>
+        <pc:sldMkLst>
+          <pc:docMk/>
+          <pc:sldMk cId="2225451864" sldId="307"/>
+        </pc:sldMkLst>
+        <pc:spChg chg="del">
+          <ac:chgData name="尾嵜 成真" userId="dd95f81a979e9056" providerId="LiveId" clId="{CDA21BDE-563E-44C9-826A-4ED92E3D6D3A}" dt="2023-01-05T09:25:06.613" v="1361" actId="478"/>
+          <ac:spMkLst>
+            <pc:docMk/>
+            <pc:sldMk cId="2225451864" sldId="307"/>
+            <ac:spMk id="4" creationId="{93197517-03A4-B20D-CF2A-660A8A1E510B}"/>
+          </ac:spMkLst>
+        </pc:spChg>
+        <pc:spChg chg="add del mod">
+          <ac:chgData name="尾嵜 成真" userId="dd95f81a979e9056" providerId="LiveId" clId="{CDA21BDE-563E-44C9-826A-4ED92E3D6D3A}" dt="2023-01-05T09:36:52.334" v="1440" actId="478"/>
+          <ac:spMkLst>
+            <pc:docMk/>
+            <pc:sldMk cId="2225451864" sldId="307"/>
+            <ac:spMk id="6" creationId="{4BEE6E87-FB95-6A9D-2935-6DF35BA37164}"/>
+          </ac:spMkLst>
+        </pc:spChg>
+        <pc:spChg chg="del">
+          <ac:chgData name="尾嵜 成真" userId="dd95f81a979e9056" providerId="LiveId" clId="{CDA21BDE-563E-44C9-826A-4ED92E3D6D3A}" dt="2023-01-05T09:25:06.613" v="1361" actId="478"/>
+          <ac:spMkLst>
+            <pc:docMk/>
+            <pc:sldMk cId="2225451864" sldId="307"/>
+            <ac:spMk id="7" creationId="{DC6D6A75-97F3-F980-9BE2-C9A4AB599422}"/>
+          </ac:spMkLst>
+        </pc:spChg>
+        <pc:spChg chg="add del mod">
+          <ac:chgData name="尾嵜 成真" userId="dd95f81a979e9056" providerId="LiveId" clId="{CDA21BDE-563E-44C9-826A-4ED92E3D6D3A}" dt="2023-01-05T09:37:11.347" v="1442" actId="21"/>
+          <ac:spMkLst>
+            <pc:docMk/>
+            <pc:sldMk cId="2225451864" sldId="307"/>
+            <ac:spMk id="8" creationId="{2898CE9B-09CF-23F2-4C6D-4432F24024F4}"/>
+          </ac:spMkLst>
+        </pc:spChg>
+        <pc:spChg chg="mod">
+          <ac:chgData name="尾嵜 成真" userId="dd95f81a979e9056" providerId="LiveId" clId="{CDA21BDE-563E-44C9-826A-4ED92E3D6D3A}" dt="2023-01-05T15:19:27.166" v="2673" actId="113"/>
+          <ac:spMkLst>
+            <pc:docMk/>
+            <pc:sldMk cId="2225451864" sldId="307"/>
+            <ac:spMk id="10" creationId="{4C8D8093-D708-E46A-39FD-79BFCCF8875B}"/>
+          </ac:spMkLst>
+        </pc:spChg>
+        <pc:spChg chg="add mod">
+          <ac:chgData name="尾嵜 成真" userId="dd95f81a979e9056" providerId="LiveId" clId="{CDA21BDE-563E-44C9-826A-4ED92E3D6D3A}" dt="2023-01-05T15:24:08.640" v="2704" actId="1076"/>
+          <ac:spMkLst>
+            <pc:docMk/>
+            <pc:sldMk cId="2225451864" sldId="307"/>
+            <ac:spMk id="15" creationId="{DEC3B5E4-274A-C993-C17C-0CA7C7012A4F}"/>
+          </ac:spMkLst>
+        </pc:spChg>
+        <pc:spChg chg="add mod">
+          <ac:chgData name="尾嵜 成真" userId="dd95f81a979e9056" providerId="LiveId" clId="{CDA21BDE-563E-44C9-826A-4ED92E3D6D3A}" dt="2023-01-05T15:24:08.640" v="2704" actId="1076"/>
+          <ac:spMkLst>
+            <pc:docMk/>
+            <pc:sldMk cId="2225451864" sldId="307"/>
+            <ac:spMk id="18" creationId="{3AB6F5ED-E908-DE64-E150-B404D6EB3693}"/>
+          </ac:spMkLst>
+        </pc:spChg>
+        <pc:spChg chg="add del mod">
+          <ac:chgData name="尾嵜 成真" userId="dd95f81a979e9056" providerId="LiveId" clId="{CDA21BDE-563E-44C9-826A-4ED92E3D6D3A}" dt="2023-01-05T09:45:44.725" v="1652" actId="478"/>
+          <ac:spMkLst>
+            <pc:docMk/>
+            <pc:sldMk cId="2225451864" sldId="307"/>
+            <ac:spMk id="22" creationId="{CCE6C752-88EB-B37A-9807-DFADA32BAD47}"/>
+          </ac:spMkLst>
+        </pc:spChg>
+        <pc:spChg chg="add del mod">
+          <ac:chgData name="尾嵜 成真" userId="dd95f81a979e9056" providerId="LiveId" clId="{CDA21BDE-563E-44C9-826A-4ED92E3D6D3A}" dt="2023-01-05T09:45:47.860" v="1653" actId="478"/>
+          <ac:spMkLst>
+            <pc:docMk/>
+            <pc:sldMk cId="2225451864" sldId="307"/>
+            <ac:spMk id="23" creationId="{87427FD9-FCCD-D6F8-218B-A12E630F83C8}"/>
+          </ac:spMkLst>
+        </pc:spChg>
+        <pc:spChg chg="add mod">
+          <ac:chgData name="尾嵜 成真" userId="dd95f81a979e9056" providerId="LiveId" clId="{CDA21BDE-563E-44C9-826A-4ED92E3D6D3A}" dt="2023-01-05T15:24:08.640" v="2704" actId="1076"/>
+          <ac:spMkLst>
+            <pc:docMk/>
+            <pc:sldMk cId="2225451864" sldId="307"/>
+            <ac:spMk id="25" creationId="{F9BE642C-7639-1304-DB57-7016DCD55BB7}"/>
+          </ac:spMkLst>
+        </pc:spChg>
+        <pc:spChg chg="add mod">
+          <ac:chgData name="尾嵜 成真" userId="dd95f81a979e9056" providerId="LiveId" clId="{CDA21BDE-563E-44C9-826A-4ED92E3D6D3A}" dt="2023-01-05T15:24:08.640" v="2704" actId="1076"/>
+          <ac:spMkLst>
+            <pc:docMk/>
+            <pc:sldMk cId="2225451864" sldId="307"/>
+            <ac:spMk id="26" creationId="{C3ACD9B5-3158-A77D-5649-565BEF9502BA}"/>
+          </ac:spMkLst>
+        </pc:spChg>
+        <pc:spChg chg="add mod">
+          <ac:chgData name="尾嵜 成真" userId="dd95f81a979e9056" providerId="LiveId" clId="{CDA21BDE-563E-44C9-826A-4ED92E3D6D3A}" dt="2023-01-05T15:24:08.640" v="2704" actId="1076"/>
+          <ac:spMkLst>
+            <pc:docMk/>
+            <pc:sldMk cId="2225451864" sldId="307"/>
+            <ac:spMk id="27" creationId="{46F68E5E-84BE-8BB3-AB88-491F40EA702B}"/>
+          </ac:spMkLst>
+        </pc:spChg>
+        <pc:spChg chg="mod">
+          <ac:chgData name="尾嵜 成真" userId="dd95f81a979e9056" providerId="LiveId" clId="{CDA21BDE-563E-44C9-826A-4ED92E3D6D3A}" dt="2023-01-04T15:25:45.915" v="1185" actId="20577"/>
+          <ac:spMkLst>
+            <pc:docMk/>
+            <pc:sldMk cId="2225451864" sldId="307"/>
+            <ac:spMk id="28" creationId="{B0F217A8-646C-15BA-6733-F4B0F1014565}"/>
+          </ac:spMkLst>
+        </pc:spChg>
+        <pc:spChg chg="mod">
+          <ac:chgData name="尾嵜 成真" userId="dd95f81a979e9056" providerId="LiveId" clId="{CDA21BDE-563E-44C9-826A-4ED92E3D6D3A}" dt="2023-01-05T09:25:22.507" v="1372" actId="20577"/>
+          <ac:spMkLst>
+            <pc:docMk/>
+            <pc:sldMk cId="2225451864" sldId="307"/>
+            <ac:spMk id="29" creationId="{A17934AB-FCC8-3776-1635-6E61D9A7D43B}"/>
+          </ac:spMkLst>
+        </pc:spChg>
+        <pc:spChg chg="add mod">
+          <ac:chgData name="尾嵜 成真" userId="dd95f81a979e9056" providerId="LiveId" clId="{CDA21BDE-563E-44C9-826A-4ED92E3D6D3A}" dt="2023-01-05T15:24:08.640" v="2704" actId="1076"/>
+          <ac:spMkLst>
+            <pc:docMk/>
+            <pc:sldMk cId="2225451864" sldId="307"/>
+            <ac:spMk id="31" creationId="{29E73B99-74F3-E133-5B67-1ED0377319DC}"/>
+          </ac:spMkLst>
+        </pc:spChg>
+        <pc:spChg chg="add mod">
+          <ac:chgData name="尾嵜 成真" userId="dd95f81a979e9056" providerId="LiveId" clId="{CDA21BDE-563E-44C9-826A-4ED92E3D6D3A}" dt="2023-01-05T15:24:08.640" v="2704" actId="1076"/>
+          <ac:spMkLst>
+            <pc:docMk/>
+            <pc:sldMk cId="2225451864" sldId="307"/>
+            <ac:spMk id="32" creationId="{D2C3250E-7320-4392-254A-DCF14C8A61E1}"/>
+          </ac:spMkLst>
+        </pc:spChg>
+        <pc:spChg chg="add mod">
+          <ac:chgData name="尾嵜 成真" userId="dd95f81a979e9056" providerId="LiveId" clId="{CDA21BDE-563E-44C9-826A-4ED92E3D6D3A}" dt="2023-01-05T15:24:08.640" v="2704" actId="1076"/>
+          <ac:spMkLst>
+            <pc:docMk/>
+            <pc:sldMk cId="2225451864" sldId="307"/>
+            <ac:spMk id="33" creationId="{365968AE-10FD-5841-FCE2-3A7D3DD0AA12}"/>
+          </ac:spMkLst>
+        </pc:spChg>
+        <pc:spChg chg="add mod">
+          <ac:chgData name="尾嵜 成真" userId="dd95f81a979e9056" providerId="LiveId" clId="{CDA21BDE-563E-44C9-826A-4ED92E3D6D3A}" dt="2023-01-05T15:24:24.427" v="2717" actId="20577"/>
+          <ac:spMkLst>
+            <pc:docMk/>
+            <pc:sldMk cId="2225451864" sldId="307"/>
+            <ac:spMk id="35" creationId="{98B349DC-1F46-B5D4-ECBB-615EF45330F3}"/>
+          </ac:spMkLst>
+        </pc:spChg>
+        <pc:picChg chg="add del mod">
+          <ac:chgData name="尾嵜 成真" userId="dd95f81a979e9056" providerId="LiveId" clId="{CDA21BDE-563E-44C9-826A-4ED92E3D6D3A}" dt="2023-01-05T09:35:25.824" v="1433" actId="478"/>
+          <ac:picMkLst>
+            <pc:docMk/>
+            <pc:sldMk cId="2225451864" sldId="307"/>
+            <ac:picMk id="2" creationId="{2591FE62-80F0-D573-140C-752C4F36879E}"/>
+          </ac:picMkLst>
+        </pc:picChg>
+        <pc:picChg chg="add del mod">
+          <ac:chgData name="尾嵜 成真" userId="dd95f81a979e9056" providerId="LiveId" clId="{CDA21BDE-563E-44C9-826A-4ED92E3D6D3A}" dt="2023-01-05T09:37:11.347" v="1442" actId="21"/>
+          <ac:picMkLst>
+            <pc:docMk/>
+            <pc:sldMk cId="2225451864" sldId="307"/>
+            <ac:picMk id="3" creationId="{606325E6-8F2A-C4E7-C585-C789CC57C92C}"/>
+          </ac:picMkLst>
+        </pc:picChg>
+        <pc:picChg chg="add del mod">
+          <ac:chgData name="尾嵜 成真" userId="dd95f81a979e9056" providerId="LiveId" clId="{CDA21BDE-563E-44C9-826A-4ED92E3D6D3A}" dt="2023-01-05T09:37:11.347" v="1442" actId="21"/>
+          <ac:picMkLst>
+            <pc:docMk/>
+            <pc:sldMk cId="2225451864" sldId="307"/>
+            <ac:picMk id="5" creationId="{2B58696C-2826-4A1A-15CF-70905CE3C84D}"/>
+          </ac:picMkLst>
+        </pc:picChg>
+        <pc:picChg chg="del">
+          <ac:chgData name="尾嵜 成真" userId="dd95f81a979e9056" providerId="LiveId" clId="{CDA21BDE-563E-44C9-826A-4ED92E3D6D3A}" dt="2023-01-05T09:25:06.613" v="1361" actId="478"/>
+          <ac:picMkLst>
+            <pc:docMk/>
+            <pc:sldMk cId="2225451864" sldId="307"/>
+            <ac:picMk id="9" creationId="{911CBB3D-E9FC-A2FC-E63D-5544D5DE1A68}"/>
+          </ac:picMkLst>
+        </pc:picChg>
+        <pc:picChg chg="add del mod">
+          <ac:chgData name="尾嵜 成真" userId="dd95f81a979e9056" providerId="LiveId" clId="{CDA21BDE-563E-44C9-826A-4ED92E3D6D3A}" dt="2023-01-05T09:37:11.347" v="1442" actId="21"/>
+          <ac:picMkLst>
+            <pc:docMk/>
+            <pc:sldMk cId="2225451864" sldId="307"/>
+            <ac:picMk id="11" creationId="{E3652F52-0E6C-1D2E-86A3-0A863205363E}"/>
+          </ac:picMkLst>
+        </pc:picChg>
+        <pc:picChg chg="add del mod">
+          <ac:chgData name="尾嵜 成真" userId="dd95f81a979e9056" providerId="LiveId" clId="{CDA21BDE-563E-44C9-826A-4ED92E3D6D3A}" dt="2023-01-05T09:37:11.347" v="1442" actId="21"/>
+          <ac:picMkLst>
+            <pc:docMk/>
+            <pc:sldMk cId="2225451864" sldId="307"/>
+            <ac:picMk id="12" creationId="{90F15259-A335-D760-F92E-A21F71DD0E4E}"/>
+          </ac:picMkLst>
+        </pc:picChg>
+        <pc:picChg chg="del">
+          <ac:chgData name="尾嵜 成真" userId="dd95f81a979e9056" providerId="LiveId" clId="{CDA21BDE-563E-44C9-826A-4ED92E3D6D3A}" dt="2023-01-05T09:25:06.613" v="1361" actId="478"/>
+          <ac:picMkLst>
+            <pc:docMk/>
+            <pc:sldMk cId="2225451864" sldId="307"/>
+            <ac:picMk id="13" creationId="{41B2F451-564F-7C57-7B2D-024D3A95D12C}"/>
+          </ac:picMkLst>
+        </pc:picChg>
+        <pc:picChg chg="add del mod">
+          <ac:chgData name="尾嵜 成真" userId="dd95f81a979e9056" providerId="LiveId" clId="{CDA21BDE-563E-44C9-826A-4ED92E3D6D3A}" dt="2023-01-05T09:37:11.347" v="1442" actId="21"/>
+          <ac:picMkLst>
+            <pc:docMk/>
+            <pc:sldMk cId="2225451864" sldId="307"/>
+            <ac:picMk id="14" creationId="{A32D243C-DE40-B082-CAB0-E7978DE7B708}"/>
+          </ac:picMkLst>
+        </pc:picChg>
+        <pc:picChg chg="add mod">
+          <ac:chgData name="尾嵜 成真" userId="dd95f81a979e9056" providerId="LiveId" clId="{CDA21BDE-563E-44C9-826A-4ED92E3D6D3A}" dt="2023-01-05T15:24:08.640" v="2704" actId="1076"/>
+          <ac:picMkLst>
+            <pc:docMk/>
+            <pc:sldMk cId="2225451864" sldId="307"/>
+            <ac:picMk id="16" creationId="{E2C0FBF3-DF93-1DBE-CCD2-70BA769CF362}"/>
+          </ac:picMkLst>
+        </pc:picChg>
+        <pc:picChg chg="add mod">
+          <ac:chgData name="尾嵜 成真" userId="dd95f81a979e9056" providerId="LiveId" clId="{CDA21BDE-563E-44C9-826A-4ED92E3D6D3A}" dt="2023-01-05T15:24:08.640" v="2704" actId="1076"/>
+          <ac:picMkLst>
+            <pc:docMk/>
+            <pc:sldMk cId="2225451864" sldId="307"/>
+            <ac:picMk id="17" creationId="{705495D6-8C6B-E871-1A96-DA1CD74AEBF5}"/>
+          </ac:picMkLst>
+        </pc:picChg>
+        <pc:picChg chg="add del mod">
+          <ac:chgData name="尾嵜 成真" userId="dd95f81a979e9056" providerId="LiveId" clId="{CDA21BDE-563E-44C9-826A-4ED92E3D6D3A}" dt="2023-01-05T09:41:19.964" v="1499" actId="478"/>
+          <ac:picMkLst>
+            <pc:docMk/>
+            <pc:sldMk cId="2225451864" sldId="307"/>
+            <ac:picMk id="19" creationId="{6683B3DE-F693-ABF3-83F0-4D99FE6AB872}"/>
+          </ac:picMkLst>
+        </pc:picChg>
+        <pc:picChg chg="add del mod">
+          <ac:chgData name="尾嵜 成真" userId="dd95f81a979e9056" providerId="LiveId" clId="{CDA21BDE-563E-44C9-826A-4ED92E3D6D3A}" dt="2023-01-05T09:38:27.255" v="1466" actId="478"/>
+          <ac:picMkLst>
+            <pc:docMk/>
+            <pc:sldMk cId="2225451864" sldId="307"/>
+            <ac:picMk id="20" creationId="{F636BDBE-CE50-3FFD-2E4A-7BB20B2BACC7}"/>
+          </ac:picMkLst>
+        </pc:picChg>
+        <pc:picChg chg="add mod">
+          <ac:chgData name="尾嵜 成真" userId="dd95f81a979e9056" providerId="LiveId" clId="{CDA21BDE-563E-44C9-826A-4ED92E3D6D3A}" dt="2023-01-05T15:24:08.640" v="2704" actId="1076"/>
+          <ac:picMkLst>
+            <pc:docMk/>
+            <pc:sldMk cId="2225451864" sldId="307"/>
+            <ac:picMk id="21" creationId="{7A83F2A4-5DD3-D555-4E4B-CEBF3BFA6847}"/>
+          </ac:picMkLst>
+        </pc:picChg>
+        <pc:picChg chg="add del mod">
+          <ac:chgData name="尾嵜 成真" userId="dd95f81a979e9056" providerId="LiveId" clId="{CDA21BDE-563E-44C9-826A-4ED92E3D6D3A}" dt="2023-01-05T09:46:06" v="1660" actId="478"/>
+          <ac:picMkLst>
+            <pc:docMk/>
+            <pc:sldMk cId="2225451864" sldId="307"/>
+            <ac:picMk id="24" creationId="{CCC74D3C-E1E5-6D6C-7BE4-73BD80C06737}"/>
+          </ac:picMkLst>
+        </pc:picChg>
+        <pc:picChg chg="add del mod">
+          <ac:chgData name="尾嵜 成真" userId="dd95f81a979e9056" providerId="LiveId" clId="{CDA21BDE-563E-44C9-826A-4ED92E3D6D3A}" dt="2023-01-05T09:42:41.950" v="1548"/>
+          <ac:picMkLst>
+            <pc:docMk/>
+            <pc:sldMk cId="2225451864" sldId="307"/>
+            <ac:picMk id="30" creationId="{11AD5FA9-6A6B-B3D9-E54A-CE7D6E86F90E}"/>
+          </ac:picMkLst>
+        </pc:picChg>
+        <pc:picChg chg="add mod">
+          <ac:chgData name="尾嵜 成真" userId="dd95f81a979e9056" providerId="LiveId" clId="{CDA21BDE-563E-44C9-826A-4ED92E3D6D3A}" dt="2023-01-05T15:24:08.640" v="2704" actId="1076"/>
+          <ac:picMkLst>
+            <pc:docMk/>
+            <pc:sldMk cId="2225451864" sldId="307"/>
+            <ac:picMk id="34" creationId="{20D193DA-1BEC-9A63-C970-27CAB285ABDD}"/>
+          </ac:picMkLst>
+        </pc:picChg>
+      </pc:sldChg>
+      <pc:sldChg chg="del">
+        <pc:chgData name="尾嵜 成真" userId="dd95f81a979e9056" providerId="LiveId" clId="{CDA21BDE-563E-44C9-826A-4ED92E3D6D3A}" dt="2023-01-04T14:51:20.952" v="468" actId="47"/>
+        <pc:sldMkLst>
+          <pc:docMk/>
+          <pc:sldMk cId="4185851663" sldId="390"/>
+        </pc:sldMkLst>
+      </pc:sldChg>
+      <pc:sldChg chg="addSp delSp modSp mod">
+        <pc:chgData name="尾嵜 成真" userId="dd95f81a979e9056" providerId="LiveId" clId="{CDA21BDE-563E-44C9-826A-4ED92E3D6D3A}" dt="2023-01-07T08:19:24.219" v="5684" actId="20577"/>
+        <pc:sldMkLst>
+          <pc:docMk/>
+          <pc:sldMk cId="3006967339" sldId="392"/>
+        </pc:sldMkLst>
+        <pc:spChg chg="del">
+          <ac:chgData name="尾嵜 成真" userId="dd95f81a979e9056" providerId="LiveId" clId="{CDA21BDE-563E-44C9-826A-4ED92E3D6D3A}" dt="2023-01-07T07:13:30.920" v="3900" actId="478"/>
+          <ac:spMkLst>
+            <pc:docMk/>
+            <pc:sldMk cId="3006967339" sldId="392"/>
+            <ac:spMk id="5" creationId="{70260686-8B7E-DF5A-6E75-301B0992F6A8}"/>
+          </ac:spMkLst>
+        </pc:spChg>
+        <pc:spChg chg="del">
+          <ac:chgData name="尾嵜 成真" userId="dd95f81a979e9056" providerId="LiveId" clId="{CDA21BDE-563E-44C9-826A-4ED92E3D6D3A}" dt="2023-01-07T07:13:30.920" v="3900" actId="478"/>
+          <ac:spMkLst>
+            <pc:docMk/>
+            <pc:sldMk cId="3006967339" sldId="392"/>
+            <ac:spMk id="6" creationId="{4A82FFB9-9FED-53F9-A2A2-FC325D82FC40}"/>
+          </ac:spMkLst>
+        </pc:spChg>
+        <pc:spChg chg="add mod">
+          <ac:chgData name="尾嵜 成真" userId="dd95f81a979e9056" providerId="LiveId" clId="{CDA21BDE-563E-44C9-826A-4ED92E3D6D3A}" dt="2023-01-07T07:31:58.260" v="4330" actId="1076"/>
+          <ac:spMkLst>
+            <pc:docMk/>
+            <pc:sldMk cId="3006967339" sldId="392"/>
+            <ac:spMk id="9" creationId="{51CC8720-D960-3B1F-ECC4-2B10E37E2383}"/>
+          </ac:spMkLst>
+        </pc:spChg>
+        <pc:spChg chg="mod">
+          <ac:chgData name="尾嵜 成真" userId="dd95f81a979e9056" providerId="LiveId" clId="{CDA21BDE-563E-44C9-826A-4ED92E3D6D3A}" dt="2023-01-07T08:19:24.219" v="5684" actId="20577"/>
+          <ac:spMkLst>
+            <pc:docMk/>
+            <pc:sldMk cId="3006967339" sldId="392"/>
+            <ac:spMk id="10" creationId="{4C8D8093-D708-E46A-39FD-79BFCCF8875B}"/>
+          </ac:spMkLst>
+        </pc:spChg>
+        <pc:spChg chg="add mod">
+          <ac:chgData name="尾嵜 成真" userId="dd95f81a979e9056" providerId="LiveId" clId="{CDA21BDE-563E-44C9-826A-4ED92E3D6D3A}" dt="2023-01-07T07:32:12.958" v="4333" actId="1076"/>
+          <ac:spMkLst>
+            <pc:docMk/>
+            <pc:sldMk cId="3006967339" sldId="392"/>
+            <ac:spMk id="11" creationId="{0DE371C4-79F2-6F2B-8A65-7596EE584538}"/>
+          </ac:spMkLst>
+        </pc:spChg>
+        <pc:spChg chg="add mod">
+          <ac:chgData name="尾嵜 成真" userId="dd95f81a979e9056" providerId="LiveId" clId="{CDA21BDE-563E-44C9-826A-4ED92E3D6D3A}" dt="2023-01-07T07:31:58.260" v="4330" actId="1076"/>
+          <ac:spMkLst>
+            <pc:docMk/>
+            <pc:sldMk cId="3006967339" sldId="392"/>
+            <ac:spMk id="12" creationId="{2CE9D764-2630-8C92-F237-60EFE1E06B6F}"/>
+          </ac:spMkLst>
+        </pc:spChg>
+        <pc:spChg chg="add mod">
+          <ac:chgData name="尾嵜 成真" userId="dd95f81a979e9056" providerId="LiveId" clId="{CDA21BDE-563E-44C9-826A-4ED92E3D6D3A}" dt="2023-01-07T07:32:19.207" v="4341" actId="14100"/>
+          <ac:spMkLst>
+            <pc:docMk/>
+            <pc:sldMk cId="3006967339" sldId="392"/>
+            <ac:spMk id="13" creationId="{56E12E4A-6B7F-0DF9-73C1-EA6773B54758}"/>
+          </ac:spMkLst>
+        </pc:spChg>
+        <pc:spChg chg="mod">
+          <ac:chgData name="尾嵜 成真" userId="dd95f81a979e9056" providerId="LiveId" clId="{CDA21BDE-563E-44C9-826A-4ED92E3D6D3A}" dt="2023-01-04T15:25:53.665" v="1191" actId="20577"/>
+          <ac:spMkLst>
+            <pc:docMk/>
+            <pc:sldMk cId="3006967339" sldId="392"/>
+            <ac:spMk id="28" creationId="{B0F217A8-646C-15BA-6733-F4B0F1014565}"/>
+          </ac:spMkLst>
+        </pc:spChg>
+        <pc:spChg chg="mod">
+          <ac:chgData name="尾嵜 成真" userId="dd95f81a979e9056" providerId="LiveId" clId="{CDA21BDE-563E-44C9-826A-4ED92E3D6D3A}" dt="2023-01-04T15:29:32.701" v="1264" actId="20577"/>
+          <ac:spMkLst>
+            <pc:docMk/>
+            <pc:sldMk cId="3006967339" sldId="392"/>
+            <ac:spMk id="29" creationId="{A17934AB-FCC8-3776-1635-6E61D9A7D43B}"/>
+          </ac:spMkLst>
+        </pc:spChg>
+        <pc:picChg chg="del">
+          <ac:chgData name="尾嵜 成真" userId="dd95f81a979e9056" providerId="LiveId" clId="{CDA21BDE-563E-44C9-826A-4ED92E3D6D3A}" dt="2023-01-07T07:13:30.920" v="3900" actId="478"/>
+          <ac:picMkLst>
+            <pc:docMk/>
+            <pc:sldMk cId="3006967339" sldId="392"/>
+            <ac:picMk id="3" creationId="{21152B24-6D84-6FB1-91FF-9C816BE6D5C5}"/>
+          </ac:picMkLst>
+        </pc:picChg>
+        <pc:picChg chg="add mod">
+          <ac:chgData name="尾嵜 成真" userId="dd95f81a979e9056" providerId="LiveId" clId="{CDA21BDE-563E-44C9-826A-4ED92E3D6D3A}" dt="2023-01-07T07:31:58.260" v="4330" actId="1076"/>
+          <ac:picMkLst>
+            <pc:docMk/>
+            <pc:sldMk cId="3006967339" sldId="392"/>
+            <ac:picMk id="4" creationId="{161DDD5B-5097-1FF5-525F-B09EDF83CB6A}"/>
+          </ac:picMkLst>
+        </pc:picChg>
+        <pc:picChg chg="add mod">
+          <ac:chgData name="尾嵜 成真" userId="dd95f81a979e9056" providerId="LiveId" clId="{CDA21BDE-563E-44C9-826A-4ED92E3D6D3A}" dt="2023-01-07T07:31:58.260" v="4330" actId="1076"/>
+          <ac:picMkLst>
+            <pc:docMk/>
+            <pc:sldMk cId="3006967339" sldId="392"/>
+            <ac:picMk id="8" creationId="{1A5DF081-0081-9EBF-7762-1188621931ED}"/>
+          </ac:picMkLst>
+        </pc:picChg>
+        <pc:picChg chg="add mod">
+          <ac:chgData name="尾嵜 成真" userId="dd95f81a979e9056" providerId="LiveId" clId="{CDA21BDE-563E-44C9-826A-4ED92E3D6D3A}" dt="2023-01-07T07:32:12.958" v="4333" actId="1076"/>
+          <ac:picMkLst>
+            <pc:docMk/>
+            <pc:sldMk cId="3006967339" sldId="392"/>
+            <ac:picMk id="1026" creationId="{113BBAAA-5194-2C6E-BB50-F310609CB118}"/>
+          </ac:picMkLst>
+        </pc:picChg>
+      </pc:sldChg>
+      <pc:sldChg chg="del">
+        <pc:chgData name="尾嵜 成真" userId="dd95f81a979e9056" providerId="LiveId" clId="{CDA21BDE-563E-44C9-826A-4ED92E3D6D3A}" dt="2023-01-04T15:36:49.999" v="1353" actId="47"/>
+        <pc:sldMkLst>
+          <pc:docMk/>
+          <pc:sldMk cId="200167436" sldId="393"/>
+        </pc:sldMkLst>
+      </pc:sldChg>
+      <pc:sldChg chg="addSp delSp modSp add mod">
+        <pc:chgData name="尾嵜 成真" userId="dd95f81a979e9056" providerId="LiveId" clId="{CDA21BDE-563E-44C9-826A-4ED92E3D6D3A}" dt="2023-01-04T15:00:02.309" v="578" actId="207"/>
+        <pc:sldMkLst>
+          <pc:docMk/>
+          <pc:sldMk cId="1778224841" sldId="394"/>
+        </pc:sldMkLst>
+        <pc:spChg chg="mod">
+          <ac:chgData name="尾嵜 成真" userId="dd95f81a979e9056" providerId="LiveId" clId="{CDA21BDE-563E-44C9-826A-4ED92E3D6D3A}" dt="2023-01-04T14:53:43.972" v="524" actId="20577"/>
+          <ac:spMkLst>
+            <pc:docMk/>
+            <pc:sldMk cId="1778224841" sldId="394"/>
+            <ac:spMk id="10" creationId="{4C8D8093-D708-E46A-39FD-79BFCCF8875B}"/>
+          </ac:spMkLst>
+        </pc:spChg>
+        <pc:graphicFrameChg chg="del">
+          <ac:chgData name="尾嵜 成真" userId="dd95f81a979e9056" providerId="LiveId" clId="{CDA21BDE-563E-44C9-826A-4ED92E3D6D3A}" dt="2023-01-04T14:51:42.627" v="472" actId="478"/>
+          <ac:graphicFrameMkLst>
+            <pc:docMk/>
+            <pc:sldMk cId="1778224841" sldId="394"/>
+            <ac:graphicFrameMk id="2" creationId="{4A46E109-EF54-CBF0-8FCA-158AEC5AE535}"/>
+          </ac:graphicFrameMkLst>
+        </pc:graphicFrameChg>
+        <pc:graphicFrameChg chg="add del">
+          <ac:chgData name="尾嵜 成真" userId="dd95f81a979e9056" providerId="LiveId" clId="{CDA21BDE-563E-44C9-826A-4ED92E3D6D3A}" dt="2023-01-04T14:51:31.060" v="471" actId="21"/>
+          <ac:graphicFrameMkLst>
+            <pc:docMk/>
+            <pc:sldMk cId="1778224841" sldId="394"/>
+            <ac:graphicFrameMk id="3" creationId="{31FFB8B3-1018-C2FE-AB2D-7D3A20AEB7E6}"/>
+          </ac:graphicFrameMkLst>
+        </pc:graphicFrameChg>
+        <pc:graphicFrameChg chg="del">
+          <ac:chgData name="尾嵜 成真" userId="dd95f81a979e9056" providerId="LiveId" clId="{CDA21BDE-563E-44C9-826A-4ED92E3D6D3A}" dt="2023-01-04T14:51:42.627" v="472" actId="478"/>
+          <ac:graphicFrameMkLst>
+            <pc:docMk/>
+            <pc:sldMk cId="1778224841" sldId="394"/>
+            <ac:graphicFrameMk id="4" creationId="{F9B8FF01-FAF6-78EA-838F-9757583E8040}"/>
+          </ac:graphicFrameMkLst>
+        </pc:graphicFrameChg>
+        <pc:graphicFrameChg chg="del">
+          <ac:chgData name="尾嵜 成真" userId="dd95f81a979e9056" providerId="LiveId" clId="{CDA21BDE-563E-44C9-826A-4ED92E3D6D3A}" dt="2023-01-04T14:51:42.627" v="472" actId="478"/>
+          <ac:graphicFrameMkLst>
+            <pc:docMk/>
+            <pc:sldMk cId="1778224841" sldId="394"/>
+            <ac:graphicFrameMk id="5" creationId="{BD37686A-DCE8-BE18-07EE-C87BAC7B8406}"/>
+          </ac:graphicFrameMkLst>
+        </pc:graphicFrameChg>
+        <pc:graphicFrameChg chg="del">
+          <ac:chgData name="尾嵜 成真" userId="dd95f81a979e9056" providerId="LiveId" clId="{CDA21BDE-563E-44C9-826A-4ED92E3D6D3A}" dt="2023-01-04T14:51:31.060" v="471" actId="21"/>
+          <ac:graphicFrameMkLst>
+            <pc:docMk/>
+            <pc:sldMk cId="1778224841" sldId="394"/>
+            <ac:graphicFrameMk id="6" creationId="{85F9FFB5-5C2B-1879-05B7-483F748F6536}"/>
+          </ac:graphicFrameMkLst>
+        </pc:graphicFrameChg>
+        <pc:graphicFrameChg chg="add mod">
+          <ac:chgData name="尾嵜 成真" userId="dd95f81a979e9056" providerId="LiveId" clId="{CDA21BDE-563E-44C9-826A-4ED92E3D6D3A}" dt="2023-01-04T14:53:52.003" v="525" actId="1076"/>
+          <ac:graphicFrameMkLst>
+            <pc:docMk/>
+            <pc:sldMk cId="1778224841" sldId="394"/>
+            <ac:graphicFrameMk id="7" creationId="{1536C17C-50A0-3AD8-030E-ECEF6020BB1A}"/>
+          </ac:graphicFrameMkLst>
+        </pc:graphicFrameChg>
+        <pc:graphicFrameChg chg="add mod modGraphic">
+          <ac:chgData name="尾嵜 成真" userId="dd95f81a979e9056" providerId="LiveId" clId="{CDA21BDE-563E-44C9-826A-4ED92E3D6D3A}" dt="2023-01-04T14:54:09.627" v="537" actId="20577"/>
+          <ac:graphicFrameMkLst>
+            <pc:docMk/>
+            <pc:sldMk cId="1778224841" sldId="394"/>
+            <ac:graphicFrameMk id="8" creationId="{3FB2DDC3-01FE-7F56-2E07-B573E37FB0ED}"/>
+          </ac:graphicFrameMkLst>
+        </pc:graphicFrameChg>
+        <pc:graphicFrameChg chg="add mod modGraphic">
+          <ac:chgData name="尾嵜 成真" userId="dd95f81a979e9056" providerId="LiveId" clId="{CDA21BDE-563E-44C9-826A-4ED92E3D6D3A}" dt="2023-01-04T15:00:02.309" v="578" actId="207"/>
+          <ac:graphicFrameMkLst>
+            <pc:docMk/>
+            <pc:sldMk cId="1778224841" sldId="394"/>
+            <ac:graphicFrameMk id="9" creationId="{7373CF85-B4D4-9F92-8889-E7E4148A1054}"/>
+          </ac:graphicFrameMkLst>
+        </pc:graphicFrameChg>
+      </pc:sldChg>
+      <pc:sldChg chg="addSp delSp modSp add mod">
+        <pc:chgData name="尾嵜 成真" userId="dd95f81a979e9056" providerId="LiveId" clId="{CDA21BDE-563E-44C9-826A-4ED92E3D6D3A}" dt="2023-01-04T15:14:02.149" v="1102" actId="20577"/>
+        <pc:sldMkLst>
+          <pc:docMk/>
+          <pc:sldMk cId="1148648546" sldId="395"/>
+        </pc:sldMkLst>
+        <pc:spChg chg="mod">
+          <ac:chgData name="尾嵜 成真" userId="dd95f81a979e9056" providerId="LiveId" clId="{CDA21BDE-563E-44C9-826A-4ED92E3D6D3A}" dt="2023-01-04T15:14:02.149" v="1102" actId="20577"/>
+          <ac:spMkLst>
+            <pc:docMk/>
+            <pc:sldMk cId="1148648546" sldId="395"/>
+            <ac:spMk id="10" creationId="{4C8D8093-D708-E46A-39FD-79BFCCF8875B}"/>
+          </ac:spMkLst>
+        </pc:spChg>
+        <pc:graphicFrameChg chg="add mod modGraphic">
+          <ac:chgData name="尾嵜 成真" userId="dd95f81a979e9056" providerId="LiveId" clId="{CDA21BDE-563E-44C9-826A-4ED92E3D6D3A}" dt="2023-01-04T15:06:11.976" v="738" actId="20577"/>
+          <ac:graphicFrameMkLst>
+            <pc:docMk/>
+            <pc:sldMk cId="1148648546" sldId="395"/>
+            <ac:graphicFrameMk id="2" creationId="{3DDB769E-1CF3-B14F-F320-D782BF6C5667}"/>
+          </ac:graphicFrameMkLst>
+        </pc:graphicFrameChg>
+        <pc:graphicFrameChg chg="add mod modGraphic">
+          <ac:chgData name="尾嵜 成真" userId="dd95f81a979e9056" providerId="LiveId" clId="{CDA21BDE-563E-44C9-826A-4ED92E3D6D3A}" dt="2023-01-04T15:10:25.946" v="923" actId="20577"/>
+          <ac:graphicFrameMkLst>
+            <pc:docMk/>
+            <pc:sldMk cId="1148648546" sldId="395"/>
+            <ac:graphicFrameMk id="3" creationId="{D3B36031-627F-6834-8FFF-9FB042186059}"/>
+          </ac:graphicFrameMkLst>
+        </pc:graphicFrameChg>
+        <pc:graphicFrameChg chg="add mod modGraphic">
+          <ac:chgData name="尾嵜 成真" userId="dd95f81a979e9056" providerId="LiveId" clId="{CDA21BDE-563E-44C9-826A-4ED92E3D6D3A}" dt="2023-01-04T15:13:29.397" v="1099" actId="20577"/>
+          <ac:graphicFrameMkLst>
+            <pc:docMk/>
+            <pc:sldMk cId="1148648546" sldId="395"/>
+            <ac:graphicFrameMk id="4" creationId="{946D63E4-2E41-7822-CD16-90215A147784}"/>
+          </ac:graphicFrameMkLst>
+        </pc:graphicFrameChg>
+        <pc:graphicFrameChg chg="mod modGraphic">
+          <ac:chgData name="尾嵜 成真" userId="dd95f81a979e9056" providerId="LiveId" clId="{CDA21BDE-563E-44C9-826A-4ED92E3D6D3A}" dt="2023-01-04T15:05:23.496" v="721" actId="20577"/>
+          <ac:graphicFrameMkLst>
+            <pc:docMk/>
+            <pc:sldMk cId="1148648546" sldId="395"/>
+            <ac:graphicFrameMk id="7" creationId="{1536C17C-50A0-3AD8-030E-ECEF6020BB1A}"/>
+          </ac:graphicFrameMkLst>
+        </pc:graphicFrameChg>
+        <pc:graphicFrameChg chg="del">
+          <ac:chgData name="尾嵜 成真" userId="dd95f81a979e9056" providerId="LiveId" clId="{CDA21BDE-563E-44C9-826A-4ED92E3D6D3A}" dt="2023-01-04T15:00:28.567" v="580" actId="478"/>
+          <ac:graphicFrameMkLst>
+            <pc:docMk/>
+            <pc:sldMk cId="1148648546" sldId="395"/>
+            <ac:graphicFrameMk id="8" creationId="{3FB2DDC3-01FE-7F56-2E07-B573E37FB0ED}"/>
+          </ac:graphicFrameMkLst>
+        </pc:graphicFrameChg>
+        <pc:graphicFrameChg chg="del">
+          <ac:chgData name="尾嵜 成真" userId="dd95f81a979e9056" providerId="LiveId" clId="{CDA21BDE-563E-44C9-826A-4ED92E3D6D3A}" dt="2023-01-04T15:00:28.567" v="580" actId="478"/>
+          <ac:graphicFrameMkLst>
+            <pc:docMk/>
+            <pc:sldMk cId="1148648546" sldId="395"/>
+            <ac:graphicFrameMk id="9" creationId="{7373CF85-B4D4-9F92-8889-E7E4148A1054}"/>
+          </ac:graphicFrameMkLst>
+        </pc:graphicFrameChg>
+      </pc:sldChg>
+      <pc:sldChg chg="addSp delSp modSp add mod">
+        <pc:chgData name="尾嵜 成真" userId="dd95f81a979e9056" providerId="LiveId" clId="{CDA21BDE-563E-44C9-826A-4ED92E3D6D3A}" dt="2023-01-07T06:43:35.905" v="3357" actId="947"/>
+        <pc:sldMkLst>
+          <pc:docMk/>
+          <pc:sldMk cId="3911352939" sldId="396"/>
+        </pc:sldMkLst>
+        <pc:spChg chg="del">
+          <ac:chgData name="尾嵜 成真" userId="dd95f81a979e9056" providerId="LiveId" clId="{CDA21BDE-563E-44C9-826A-4ED92E3D6D3A}" dt="2023-01-06T15:42:56.607" v="2742" actId="478"/>
+          <ac:spMkLst>
+            <pc:docMk/>
+            <pc:sldMk cId="3911352939" sldId="396"/>
+            <ac:spMk id="4" creationId="{93197517-03A4-B20D-CF2A-660A8A1E510B}"/>
+          </ac:spMkLst>
+        </pc:spChg>
+        <pc:spChg chg="del">
+          <ac:chgData name="尾嵜 成真" userId="dd95f81a979e9056" providerId="LiveId" clId="{CDA21BDE-563E-44C9-826A-4ED92E3D6D3A}" dt="2023-01-06T15:42:56.607" v="2742" actId="478"/>
+          <ac:spMkLst>
+            <pc:docMk/>
+            <pc:sldMk cId="3911352939" sldId="396"/>
+            <ac:spMk id="7" creationId="{DC6D6A75-97F3-F980-9BE2-C9A4AB599422}"/>
+          </ac:spMkLst>
+        </pc:spChg>
+        <pc:spChg chg="mod">
+          <ac:chgData name="尾嵜 成真" userId="dd95f81a979e9056" providerId="LiveId" clId="{CDA21BDE-563E-44C9-826A-4ED92E3D6D3A}" dt="2023-01-07T06:43:35.905" v="3357" actId="947"/>
+          <ac:spMkLst>
+            <pc:docMk/>
+            <pc:sldMk cId="3911352939" sldId="396"/>
+            <ac:spMk id="10" creationId="{4C8D8093-D708-E46A-39FD-79BFCCF8875B}"/>
+          </ac:spMkLst>
+        </pc:spChg>
+        <pc:spChg chg="mod">
+          <ac:chgData name="尾嵜 成真" userId="dd95f81a979e9056" providerId="LiveId" clId="{CDA21BDE-563E-44C9-826A-4ED92E3D6D3A}" dt="2023-01-04T15:25:41.957" v="1177" actId="20577"/>
+          <ac:spMkLst>
+            <pc:docMk/>
+            <pc:sldMk cId="3911352939" sldId="396"/>
+            <ac:spMk id="28" creationId="{B0F217A8-646C-15BA-6733-F4B0F1014565}"/>
+          </ac:spMkLst>
+        </pc:spChg>
+        <pc:spChg chg="mod">
+          <ac:chgData name="尾嵜 成真" userId="dd95f81a979e9056" providerId="LiveId" clId="{CDA21BDE-563E-44C9-826A-4ED92E3D6D3A}" dt="2023-01-04T15:25:03.378" v="1128" actId="20577"/>
+          <ac:spMkLst>
+            <pc:docMk/>
+            <pc:sldMk cId="3911352939" sldId="396"/>
+            <ac:spMk id="29" creationId="{A17934AB-FCC8-3776-1635-6E61D9A7D43B}"/>
+          </ac:spMkLst>
+        </pc:spChg>
+        <pc:picChg chg="add mod">
+          <ac:chgData name="尾嵜 成真" userId="dd95f81a979e9056" providerId="LiveId" clId="{CDA21BDE-563E-44C9-826A-4ED92E3D6D3A}" dt="2023-01-07T06:42:04.392" v="3345" actId="1076"/>
+          <ac:picMkLst>
+            <pc:docMk/>
+            <pc:sldMk cId="3911352939" sldId="396"/>
+            <ac:picMk id="3" creationId="{6F4E3C19-BB43-D73C-1B37-5FB803BE8621}"/>
+          </ac:picMkLst>
+        </pc:picChg>
+        <pc:picChg chg="del">
+          <ac:chgData name="尾嵜 成真" userId="dd95f81a979e9056" providerId="LiveId" clId="{CDA21BDE-563E-44C9-826A-4ED92E3D6D3A}" dt="2023-01-06T15:42:56.607" v="2742" actId="478"/>
+          <ac:picMkLst>
+            <pc:docMk/>
+            <pc:sldMk cId="3911352939" sldId="396"/>
+            <ac:picMk id="9" creationId="{911CBB3D-E9FC-A2FC-E63D-5544D5DE1A68}"/>
+          </ac:picMkLst>
+        </pc:picChg>
+        <pc:picChg chg="del">
+          <ac:chgData name="尾嵜 成真" userId="dd95f81a979e9056" providerId="LiveId" clId="{CDA21BDE-563E-44C9-826A-4ED92E3D6D3A}" dt="2023-01-06T15:42:56.607" v="2742" actId="478"/>
+          <ac:picMkLst>
+            <pc:docMk/>
+            <pc:sldMk cId="3911352939" sldId="396"/>
+            <ac:picMk id="13" creationId="{41B2F451-564F-7C57-7B2D-024D3A95D12C}"/>
+          </ac:picMkLst>
+        </pc:picChg>
+      </pc:sldChg>
+      <pc:sldChg chg="addSp delSp modSp add mod ord">
+        <pc:chgData name="尾嵜 成真" userId="dd95f81a979e9056" providerId="LiveId" clId="{CDA21BDE-563E-44C9-826A-4ED92E3D6D3A}" dt="2023-01-07T06:35:58.965" v="3340" actId="20577"/>
+        <pc:sldMkLst>
+          <pc:docMk/>
+          <pc:sldMk cId="3193689780" sldId="397"/>
+        </pc:sldMkLst>
+        <pc:spChg chg="add mod">
+          <ac:chgData name="尾嵜 成真" userId="dd95f81a979e9056" providerId="LiveId" clId="{CDA21BDE-563E-44C9-826A-4ED92E3D6D3A}" dt="2023-01-06T16:22:50.876" v="3094" actId="1076"/>
+          <ac:spMkLst>
+            <pc:docMk/>
+            <pc:sldMk cId="3193689780" sldId="397"/>
+            <ac:spMk id="2" creationId="{262AC027-5841-C0CC-66DB-9A9A4619C90F}"/>
+          </ac:spMkLst>
+        </pc:spChg>
+        <pc:spChg chg="del">
+          <ac:chgData name="尾嵜 成真" userId="dd95f81a979e9056" providerId="LiveId" clId="{CDA21BDE-563E-44C9-826A-4ED92E3D6D3A}" dt="2023-01-05T14:55:56.881" v="2140" actId="478"/>
+          <ac:spMkLst>
+            <pc:docMk/>
+            <pc:sldMk cId="3193689780" sldId="397"/>
+            <ac:spMk id="4" creationId="{93197517-03A4-B20D-CF2A-660A8A1E510B}"/>
+          </ac:spMkLst>
+        </pc:spChg>
+        <pc:spChg chg="add del mod">
+          <ac:chgData name="尾嵜 成真" userId="dd95f81a979e9056" providerId="LiveId" clId="{CDA21BDE-563E-44C9-826A-4ED92E3D6D3A}" dt="2023-01-06T16:11:36.717" v="2878" actId="21"/>
+          <ac:spMkLst>
+            <pc:docMk/>
+            <pc:sldMk cId="3193689780" sldId="397"/>
+            <ac:spMk id="5" creationId="{A06617C8-B4C9-C4F2-D3E7-3784E1D72BA6}"/>
+          </ac:spMkLst>
+        </pc:spChg>
+        <pc:spChg chg="add del mod">
+          <ac:chgData name="尾嵜 成真" userId="dd95f81a979e9056" providerId="LiveId" clId="{CDA21BDE-563E-44C9-826A-4ED92E3D6D3A}" dt="2023-01-06T16:11:36.717" v="2878" actId="21"/>
+          <ac:spMkLst>
+            <pc:docMk/>
+            <pc:sldMk cId="3193689780" sldId="397"/>
+            <ac:spMk id="6" creationId="{557219C6-79F3-E6A7-95CC-D256B0E522A0}"/>
+          </ac:spMkLst>
+        </pc:spChg>
+        <pc:spChg chg="del">
+          <ac:chgData name="尾嵜 成真" userId="dd95f81a979e9056" providerId="LiveId" clId="{CDA21BDE-563E-44C9-826A-4ED92E3D6D3A}" dt="2023-01-05T14:55:48.304" v="2139" actId="478"/>
+          <ac:spMkLst>
+            <pc:docMk/>
+            <pc:sldMk cId="3193689780" sldId="397"/>
+            <ac:spMk id="7" creationId="{DC6D6A75-97F3-F980-9BE2-C9A4AB599422}"/>
+          </ac:spMkLst>
+        </pc:spChg>
+        <pc:spChg chg="add mod">
+          <ac:chgData name="尾嵜 成真" userId="dd95f81a979e9056" providerId="LiveId" clId="{CDA21BDE-563E-44C9-826A-4ED92E3D6D3A}" dt="2023-01-06T16:07:48.328" v="2871" actId="1076"/>
+          <ac:spMkLst>
+            <pc:docMk/>
+            <pc:sldMk cId="3193689780" sldId="397"/>
+            <ac:spMk id="8" creationId="{AF171D7C-C62F-653E-F125-9F40B7461BF0}"/>
+          </ac:spMkLst>
+        </pc:spChg>
+        <pc:spChg chg="mod">
+          <ac:chgData name="尾嵜 成真" userId="dd95f81a979e9056" providerId="LiveId" clId="{CDA21BDE-563E-44C9-826A-4ED92E3D6D3A}" dt="2023-01-07T06:35:58.965" v="3340" actId="20577"/>
+          <ac:spMkLst>
+            <pc:docMk/>
+            <pc:sldMk cId="3193689780" sldId="397"/>
+            <ac:spMk id="10" creationId="{4C8D8093-D708-E46A-39FD-79BFCCF8875B}"/>
+          </ac:spMkLst>
+        </pc:spChg>
+        <pc:spChg chg="add mod">
+          <ac:chgData name="尾嵜 成真" userId="dd95f81a979e9056" providerId="LiveId" clId="{CDA21BDE-563E-44C9-826A-4ED92E3D6D3A}" dt="2023-01-06T16:22:56.954" v="3095" actId="1076"/>
+          <ac:spMkLst>
+            <pc:docMk/>
+            <pc:sldMk cId="3193689780" sldId="397"/>
+            <ac:spMk id="11" creationId="{2CE850C5-F962-0124-FF56-4AB77F9A557B}"/>
+          </ac:spMkLst>
+        </pc:spChg>
+        <pc:spChg chg="add mod">
+          <ac:chgData name="尾嵜 成真" userId="dd95f81a979e9056" providerId="LiveId" clId="{CDA21BDE-563E-44C9-826A-4ED92E3D6D3A}" dt="2023-01-06T16:07:48.328" v="2871" actId="1076"/>
+          <ac:spMkLst>
+            <pc:docMk/>
+            <pc:sldMk cId="3193689780" sldId="397"/>
+            <ac:spMk id="12" creationId="{4012BC90-8272-1A14-6224-778E6AC01E7B}"/>
+          </ac:spMkLst>
+        </pc:spChg>
+        <pc:spChg chg="add mod">
+          <ac:chgData name="尾嵜 成真" userId="dd95f81a979e9056" providerId="LiveId" clId="{CDA21BDE-563E-44C9-826A-4ED92E3D6D3A}" dt="2023-01-06T16:23:27.080" v="3100" actId="1076"/>
+          <ac:spMkLst>
+            <pc:docMk/>
+            <pc:sldMk cId="3193689780" sldId="397"/>
+            <ac:spMk id="13" creationId="{BFB05098-0C9F-9914-AED2-A63CC4224B5D}"/>
+          </ac:spMkLst>
+        </pc:spChg>
+        <pc:spChg chg="add mod">
+          <ac:chgData name="尾嵜 成真" userId="dd95f81a979e9056" providerId="LiveId" clId="{CDA21BDE-563E-44C9-826A-4ED92E3D6D3A}" dt="2023-01-06T16:07:48.328" v="2871" actId="1076"/>
+          <ac:spMkLst>
+            <pc:docMk/>
+            <pc:sldMk cId="3193689780" sldId="397"/>
+            <ac:spMk id="14" creationId="{E955C4C7-71C8-C827-AFBC-195E4B2DD2C1}"/>
+          </ac:spMkLst>
+        </pc:spChg>
+        <pc:spChg chg="add mod">
+          <ac:chgData name="尾嵜 成真" userId="dd95f81a979e9056" providerId="LiveId" clId="{CDA21BDE-563E-44C9-826A-4ED92E3D6D3A}" dt="2023-01-06T16:07:48.328" v="2871" actId="1076"/>
+          <ac:spMkLst>
+            <pc:docMk/>
+            <pc:sldMk cId="3193689780" sldId="397"/>
+            <ac:spMk id="15" creationId="{1DA6B531-DA4C-8D2C-6E32-070EC460FBB4}"/>
+          </ac:spMkLst>
+        </pc:spChg>
+        <pc:spChg chg="add mod">
+          <ac:chgData name="尾嵜 成真" userId="dd95f81a979e9056" providerId="LiveId" clId="{CDA21BDE-563E-44C9-826A-4ED92E3D6D3A}" dt="2023-01-06T16:07:48.328" v="2871" actId="1076"/>
+          <ac:spMkLst>
+            <pc:docMk/>
+            <pc:sldMk cId="3193689780" sldId="397"/>
+            <ac:spMk id="16" creationId="{EE799756-2444-29F5-0552-1B3E6C121960}"/>
+          </ac:spMkLst>
+        </pc:spChg>
+        <pc:spChg chg="add mod">
+          <ac:chgData name="尾嵜 成真" userId="dd95f81a979e9056" providerId="LiveId" clId="{CDA21BDE-563E-44C9-826A-4ED92E3D6D3A}" dt="2023-01-06T16:15:26.453" v="2941" actId="1076"/>
+          <ac:spMkLst>
+            <pc:docMk/>
+            <pc:sldMk cId="3193689780" sldId="397"/>
+            <ac:spMk id="18" creationId="{5E685370-A8B9-CA8A-1729-2983540D3F4F}"/>
+          </ac:spMkLst>
+        </pc:spChg>
+        <pc:spChg chg="add del mod">
+          <ac:chgData name="尾嵜 成真" userId="dd95f81a979e9056" providerId="LiveId" clId="{CDA21BDE-563E-44C9-826A-4ED92E3D6D3A}" dt="2023-01-06T16:11:22.366" v="2874"/>
+          <ac:spMkLst>
+            <pc:docMk/>
+            <pc:sldMk cId="3193689780" sldId="397"/>
+            <ac:spMk id="19" creationId="{7BE3A999-C84C-5696-25AA-8A53175A7527}"/>
+          </ac:spMkLst>
+        </pc:spChg>
+        <pc:spChg chg="add del mod">
+          <ac:chgData name="尾嵜 成真" userId="dd95f81a979e9056" providerId="LiveId" clId="{CDA21BDE-563E-44C9-826A-4ED92E3D6D3A}" dt="2023-01-06T16:13:02.845" v="2918" actId="478"/>
+          <ac:spMkLst>
+            <pc:docMk/>
+            <pc:sldMk cId="3193689780" sldId="397"/>
+            <ac:spMk id="20" creationId="{49B243D6-07C1-D9E2-491D-809AB9649191}"/>
+          </ac:spMkLst>
+        </pc:spChg>
+        <pc:spChg chg="add mod">
+          <ac:chgData name="尾嵜 成真" userId="dd95f81a979e9056" providerId="LiveId" clId="{CDA21BDE-563E-44C9-826A-4ED92E3D6D3A}" dt="2023-01-06T16:14:20.477" v="2930" actId="14100"/>
+          <ac:spMkLst>
+            <pc:docMk/>
+            <pc:sldMk cId="3193689780" sldId="397"/>
+            <ac:spMk id="22" creationId="{64D4F206-F0A4-BA4F-5CAF-EDA32C2DCE3B}"/>
+          </ac:spMkLst>
+        </pc:spChg>
+        <pc:spChg chg="add mod">
+          <ac:chgData name="尾嵜 成真" userId="dd95f81a979e9056" providerId="LiveId" clId="{CDA21BDE-563E-44C9-826A-4ED92E3D6D3A}" dt="2023-01-06T16:23:33.404" v="3101" actId="1076"/>
+          <ac:spMkLst>
+            <pc:docMk/>
+            <pc:sldMk cId="3193689780" sldId="397"/>
+            <ac:spMk id="23" creationId="{159F9400-6AF6-4BC1-E38C-AE26D040946A}"/>
+          </ac:spMkLst>
+        </pc:spChg>
+        <pc:spChg chg="add mod">
+          <ac:chgData name="尾嵜 成真" userId="dd95f81a979e9056" providerId="LiveId" clId="{CDA21BDE-563E-44C9-826A-4ED92E3D6D3A}" dt="2023-01-06T16:23:59.473" v="3102" actId="1076"/>
+          <ac:spMkLst>
+            <pc:docMk/>
+            <pc:sldMk cId="3193689780" sldId="397"/>
+            <ac:spMk id="24" creationId="{CB882CFD-D44B-2969-152E-231C86A24E19}"/>
+          </ac:spMkLst>
+        </pc:spChg>
+        <pc:spChg chg="add mod">
+          <ac:chgData name="尾嵜 成真" userId="dd95f81a979e9056" providerId="LiveId" clId="{CDA21BDE-563E-44C9-826A-4ED92E3D6D3A}" dt="2023-01-06T16:13:41.293" v="2923" actId="1076"/>
+          <ac:spMkLst>
+            <pc:docMk/>
+            <pc:sldMk cId="3193689780" sldId="397"/>
+            <ac:spMk id="25" creationId="{61C09B92-AF8B-0D7C-7DA5-D2D3A03F5C64}"/>
+          </ac:spMkLst>
+        </pc:spChg>
+        <pc:spChg chg="add mod">
+          <ac:chgData name="尾嵜 成真" userId="dd95f81a979e9056" providerId="LiveId" clId="{CDA21BDE-563E-44C9-826A-4ED92E3D6D3A}" dt="2023-01-06T16:23:10.504" v="3097" actId="1076"/>
+          <ac:spMkLst>
+            <pc:docMk/>
+            <pc:sldMk cId="3193689780" sldId="397"/>
+            <ac:spMk id="26" creationId="{B6D1D9A3-6853-2193-AD96-8D83EA8817EA}"/>
+          </ac:spMkLst>
+        </pc:spChg>
+        <pc:spChg chg="mod">
+          <ac:chgData name="尾嵜 成真" userId="dd95f81a979e9056" providerId="LiveId" clId="{CDA21BDE-563E-44C9-826A-4ED92E3D6D3A}" dt="2023-01-05T15:05:29.605" v="2489" actId="20577"/>
+          <ac:spMkLst>
+            <pc:docMk/>
+            <pc:sldMk cId="3193689780" sldId="397"/>
+            <ac:spMk id="29" creationId="{A17934AB-FCC8-3776-1635-6E61D9A7D43B}"/>
+          </ac:spMkLst>
+        </pc:spChg>
+        <pc:picChg chg="add del mod">
+          <ac:chgData name="尾嵜 成真" userId="dd95f81a979e9056" providerId="LiveId" clId="{CDA21BDE-563E-44C9-826A-4ED92E3D6D3A}" dt="2023-01-06T16:11:36.717" v="2878" actId="21"/>
+          <ac:picMkLst>
+            <pc:docMk/>
+            <pc:sldMk cId="3193689780" sldId="397"/>
+            <ac:picMk id="3" creationId="{6A394B0C-5898-1122-231A-83D1C046B520}"/>
+          </ac:picMkLst>
+        </pc:picChg>
+        <pc:picChg chg="add mod">
+          <ac:chgData name="尾嵜 成真" userId="dd95f81a979e9056" providerId="LiveId" clId="{CDA21BDE-563E-44C9-826A-4ED92E3D6D3A}" dt="2023-01-06T16:07:48.328" v="2871" actId="1076"/>
+          <ac:picMkLst>
+            <pc:docMk/>
+            <pc:sldMk cId="3193689780" sldId="397"/>
+            <ac:picMk id="4" creationId="{339E2406-2675-DF8C-0F5D-FD1ED75AB829}"/>
+          </ac:picMkLst>
+        </pc:picChg>
+        <pc:picChg chg="add mod">
+          <ac:chgData name="尾嵜 成真" userId="dd95f81a979e9056" providerId="LiveId" clId="{CDA21BDE-563E-44C9-826A-4ED92E3D6D3A}" dt="2023-01-06T16:07:48.328" v="2871" actId="1076"/>
+          <ac:picMkLst>
+            <pc:docMk/>
+            <pc:sldMk cId="3193689780" sldId="397"/>
+            <ac:picMk id="7" creationId="{A444B2AF-FC9E-55B0-3D69-689C30C1D8B3}"/>
+          </ac:picMkLst>
+        </pc:picChg>
+        <pc:picChg chg="add mod">
+          <ac:chgData name="尾嵜 成真" userId="dd95f81a979e9056" providerId="LiveId" clId="{CDA21BDE-563E-44C9-826A-4ED92E3D6D3A}" dt="2023-01-06T16:07:48.328" v="2871" actId="1076"/>
+          <ac:picMkLst>
+            <pc:docMk/>
+            <pc:sldMk cId="3193689780" sldId="397"/>
+            <ac:picMk id="9" creationId="{28A464EA-EAF2-C899-3C44-A34F20C4F3D7}"/>
+          </ac:picMkLst>
+        </pc:picChg>
+        <pc:picChg chg="del">
+          <ac:chgData name="尾嵜 成真" userId="dd95f81a979e9056" providerId="LiveId" clId="{CDA21BDE-563E-44C9-826A-4ED92E3D6D3A}" dt="2023-01-05T14:55:48.304" v="2139" actId="478"/>
+          <ac:picMkLst>
+            <pc:docMk/>
+            <pc:sldMk cId="3193689780" sldId="397"/>
+            <ac:picMk id="9" creationId="{911CBB3D-E9FC-A2FC-E63D-5544D5DE1A68}"/>
+          </ac:picMkLst>
+        </pc:picChg>
+        <pc:picChg chg="del">
+          <ac:chgData name="尾嵜 成真" userId="dd95f81a979e9056" providerId="LiveId" clId="{CDA21BDE-563E-44C9-826A-4ED92E3D6D3A}" dt="2023-01-05T14:55:56.881" v="2140" actId="478"/>
+          <ac:picMkLst>
+            <pc:docMk/>
+            <pc:sldMk cId="3193689780" sldId="397"/>
+            <ac:picMk id="13" creationId="{41B2F451-564F-7C57-7B2D-024D3A95D12C}"/>
+          </ac:picMkLst>
+        </pc:picChg>
+        <pc:picChg chg="add mod">
+          <ac:chgData name="尾嵜 成真" userId="dd95f81a979e9056" providerId="LiveId" clId="{CDA21BDE-563E-44C9-826A-4ED92E3D6D3A}" dt="2023-01-06T16:07:48.328" v="2871" actId="1076"/>
+          <ac:picMkLst>
+            <pc:docMk/>
+            <pc:sldMk cId="3193689780" sldId="397"/>
+            <ac:picMk id="17" creationId="{8A8B2706-5AB7-1A5C-4A4A-463E509EA3A6}"/>
+          </ac:picMkLst>
+        </pc:picChg>
+        <pc:picChg chg="add mod">
+          <ac:chgData name="尾嵜 成真" userId="dd95f81a979e9056" providerId="LiveId" clId="{CDA21BDE-563E-44C9-826A-4ED92E3D6D3A}" dt="2023-01-06T16:14:08.169" v="2926" actId="1076"/>
+          <ac:picMkLst>
+            <pc:docMk/>
+            <pc:sldMk cId="3193689780" sldId="397"/>
+            <ac:picMk id="21" creationId="{F41DB119-0C0C-3864-354C-E90DB65C2E67}"/>
+          </ac:picMkLst>
+        </pc:picChg>
+      </pc:sldChg>
+      <pc:sldChg chg="addSp delSp modSp add mod">
+        <pc:chgData name="尾嵜 成真" userId="dd95f81a979e9056" providerId="LiveId" clId="{CDA21BDE-563E-44C9-826A-4ED92E3D6D3A}" dt="2023-01-07T10:34:08.752" v="6432" actId="1076"/>
+        <pc:sldMkLst>
+          <pc:docMk/>
+          <pc:sldMk cId="2594863473" sldId="398"/>
+        </pc:sldMkLst>
+        <pc:spChg chg="add mod">
+          <ac:chgData name="尾嵜 成真" userId="dd95f81a979e9056" providerId="LiveId" clId="{CDA21BDE-563E-44C9-826A-4ED92E3D6D3A}" dt="2023-01-07T10:34:03.787" v="6431" actId="14100"/>
+          <ac:spMkLst>
+            <pc:docMk/>
+            <pc:sldMk cId="2594863473" sldId="398"/>
+            <ac:spMk id="2" creationId="{6399B9A9-5B2A-AB92-40C8-53F384678D99}"/>
+          </ac:spMkLst>
+        </pc:spChg>
+        <pc:spChg chg="del">
+          <ac:chgData name="尾嵜 成真" userId="dd95f81a979e9056" providerId="LiveId" clId="{CDA21BDE-563E-44C9-826A-4ED92E3D6D3A}" dt="2023-01-07T07:42:05.909" v="4343" actId="478"/>
+          <ac:spMkLst>
+            <pc:docMk/>
+            <pc:sldMk cId="2594863473" sldId="398"/>
+            <ac:spMk id="5" creationId="{70260686-8B7E-DF5A-6E75-301B0992F6A8}"/>
+          </ac:spMkLst>
+        </pc:spChg>
+        <pc:spChg chg="del">
+          <ac:chgData name="尾嵜 成真" userId="dd95f81a979e9056" providerId="LiveId" clId="{CDA21BDE-563E-44C9-826A-4ED92E3D6D3A}" dt="2023-01-07T07:42:05.909" v="4343" actId="478"/>
+          <ac:spMkLst>
+            <pc:docMk/>
+            <pc:sldMk cId="2594863473" sldId="398"/>
+            <ac:spMk id="6" creationId="{4A82FFB9-9FED-53F9-A2A2-FC325D82FC40}"/>
+          </ac:spMkLst>
+        </pc:spChg>
+        <pc:spChg chg="add del mod">
+          <ac:chgData name="尾嵜 成真" userId="dd95f81a979e9056" providerId="LiveId" clId="{CDA21BDE-563E-44C9-826A-4ED92E3D6D3A}" dt="2023-01-07T08:07:39.262" v="5318" actId="478"/>
+          <ac:spMkLst>
+            <pc:docMk/>
+            <pc:sldMk cId="2594863473" sldId="398"/>
+            <ac:spMk id="7" creationId="{DDE2B195-A637-990D-5EA3-8A970695D2AC}"/>
+          </ac:spMkLst>
+        </pc:spChg>
+        <pc:spChg chg="add mod">
+          <ac:chgData name="尾嵜 成真" userId="dd95f81a979e9056" providerId="LiveId" clId="{CDA21BDE-563E-44C9-826A-4ED92E3D6D3A}" dt="2023-01-07T08:17:33.038" v="5641" actId="27636"/>
+          <ac:spMkLst>
+            <pc:docMk/>
+            <pc:sldMk cId="2594863473" sldId="398"/>
+            <ac:spMk id="8" creationId="{010171AA-4303-02CD-6A45-96C650FB762B}"/>
+          </ac:spMkLst>
+        </pc:spChg>
+        <pc:spChg chg="add mod">
+          <ac:chgData name="尾嵜 成真" userId="dd95f81a979e9056" providerId="LiveId" clId="{CDA21BDE-563E-44C9-826A-4ED92E3D6D3A}" dt="2023-01-07T10:34:08.752" v="6432" actId="1076"/>
+          <ac:spMkLst>
+            <pc:docMk/>
+            <pc:sldMk cId="2594863473" sldId="398"/>
+            <ac:spMk id="9" creationId="{ACAA0312-16B0-313C-139F-11679C0D5AC8}"/>
+          </ac:spMkLst>
+        </pc:spChg>
+        <pc:spChg chg="del mod">
+          <ac:chgData name="尾嵜 成真" userId="dd95f81a979e9056" providerId="LiveId" clId="{CDA21BDE-563E-44C9-826A-4ED92E3D6D3A}" dt="2023-01-07T08:07:37.767" v="5317" actId="21"/>
+          <ac:spMkLst>
+            <pc:docMk/>
+            <pc:sldMk cId="2594863473" sldId="398"/>
+            <ac:spMk id="10" creationId="{4C8D8093-D708-E46A-39FD-79BFCCF8875B}"/>
+          </ac:spMkLst>
+        </pc:spChg>
+        <pc:spChg chg="mod">
+          <ac:chgData name="尾嵜 成真" userId="dd95f81a979e9056" providerId="LiveId" clId="{CDA21BDE-563E-44C9-826A-4ED92E3D6D3A}" dt="2023-01-07T08:11:13.271" v="5368" actId="20577"/>
+          <ac:spMkLst>
+            <pc:docMk/>
+            <pc:sldMk cId="2594863473" sldId="398"/>
+            <ac:spMk id="29" creationId="{A17934AB-FCC8-3776-1635-6E61D9A7D43B}"/>
+          </ac:spMkLst>
+        </pc:spChg>
+        <pc:picChg chg="del">
+          <ac:chgData name="尾嵜 成真" userId="dd95f81a979e9056" providerId="LiveId" clId="{CDA21BDE-563E-44C9-826A-4ED92E3D6D3A}" dt="2023-01-07T07:42:05.909" v="4343" actId="478"/>
+          <ac:picMkLst>
+            <pc:docMk/>
+            <pc:sldMk cId="2594863473" sldId="398"/>
+            <ac:picMk id="3" creationId="{21152B24-6D84-6FB1-91FF-9C816BE6D5C5}"/>
+          </ac:picMkLst>
+        </pc:picChg>
+      </pc:sldChg>
+      <pc:sldChg chg="addSp delSp modSp add mod">
+        <pc:chgData name="尾嵜 成真" userId="dd95f81a979e9056" providerId="LiveId" clId="{CDA21BDE-563E-44C9-826A-4ED92E3D6D3A}" dt="2023-01-07T10:33:12.956" v="6429" actId="113"/>
+        <pc:sldMkLst>
+          <pc:docMk/>
+          <pc:sldMk cId="1064526272" sldId="399"/>
+        </pc:sldMkLst>
+        <pc:spChg chg="del">
+          <ac:chgData name="尾嵜 成真" userId="dd95f81a979e9056" providerId="LiveId" clId="{CDA21BDE-563E-44C9-826A-4ED92E3D6D3A}" dt="2023-01-07T09:14:38.283" v="5692" actId="478"/>
+          <ac:spMkLst>
+            <pc:docMk/>
+            <pc:sldMk cId="1064526272" sldId="399"/>
+            <ac:spMk id="5" creationId="{70260686-8B7E-DF5A-6E75-301B0992F6A8}"/>
+          </ac:spMkLst>
+        </pc:spChg>
+        <pc:spChg chg="del">
+          <ac:chgData name="尾嵜 成真" userId="dd95f81a979e9056" providerId="LiveId" clId="{CDA21BDE-563E-44C9-826A-4ED92E3D6D3A}" dt="2023-01-07T09:14:38.283" v="5692" actId="478"/>
+          <ac:spMkLst>
+            <pc:docMk/>
+            <pc:sldMk cId="1064526272" sldId="399"/>
+            <ac:spMk id="6" creationId="{4A82FFB9-9FED-53F9-A2A2-FC325D82FC40}"/>
+          </ac:spMkLst>
+        </pc:spChg>
+        <pc:spChg chg="mod">
+          <ac:chgData name="尾嵜 成真" userId="dd95f81a979e9056" providerId="LiveId" clId="{CDA21BDE-563E-44C9-826A-4ED92E3D6D3A}" dt="2023-01-07T10:33:12.956" v="6429" actId="113"/>
+          <ac:spMkLst>
+            <pc:docMk/>
+            <pc:sldMk cId="1064526272" sldId="399"/>
+            <ac:spMk id="10" creationId="{4C8D8093-D708-E46A-39FD-79BFCCF8875B}"/>
+          </ac:spMkLst>
+        </pc:spChg>
+        <pc:spChg chg="mod">
+          <ac:chgData name="尾嵜 成真" userId="dd95f81a979e9056" providerId="LiveId" clId="{CDA21BDE-563E-44C9-826A-4ED92E3D6D3A}" dt="2023-01-04T15:36:30.259" v="1332"/>
+          <ac:spMkLst>
+            <pc:docMk/>
+            <pc:sldMk cId="1064526272" sldId="399"/>
+            <ac:spMk id="28" creationId="{B0F217A8-646C-15BA-6733-F4B0F1014565}"/>
+          </ac:spMkLst>
+        </pc:spChg>
+        <pc:spChg chg="mod">
+          <ac:chgData name="尾嵜 成真" userId="dd95f81a979e9056" providerId="LiveId" clId="{CDA21BDE-563E-44C9-826A-4ED92E3D6D3A}" dt="2023-01-07T09:26:59.295" v="6015" actId="20577"/>
+          <ac:spMkLst>
+            <pc:docMk/>
+            <pc:sldMk cId="1064526272" sldId="399"/>
+            <ac:spMk id="29" creationId="{A17934AB-FCC8-3776-1635-6E61D9A7D43B}"/>
+          </ac:spMkLst>
+        </pc:spChg>
+        <pc:picChg chg="del">
+          <ac:chgData name="尾嵜 成真" userId="dd95f81a979e9056" providerId="LiveId" clId="{CDA21BDE-563E-44C9-826A-4ED92E3D6D3A}" dt="2023-01-07T09:14:38.283" v="5692" actId="478"/>
+          <ac:picMkLst>
+            <pc:docMk/>
+            <pc:sldMk cId="1064526272" sldId="399"/>
+            <ac:picMk id="3" creationId="{21152B24-6D84-6FB1-91FF-9C816BE6D5C5}"/>
+          </ac:picMkLst>
+        </pc:picChg>
+        <pc:picChg chg="add del mod">
+          <ac:chgData name="尾嵜 成真" userId="dd95f81a979e9056" providerId="LiveId" clId="{CDA21BDE-563E-44C9-826A-4ED92E3D6D3A}" dt="2023-01-07T10:26:09.054" v="6331" actId="478"/>
+          <ac:picMkLst>
+            <pc:docMk/>
+            <pc:sldMk cId="1064526272" sldId="399"/>
+            <ac:picMk id="4" creationId="{5B774784-EC6B-78F4-CEBC-32250F9544C3}"/>
+          </ac:picMkLst>
+        </pc:picChg>
+        <pc:picChg chg="add del mod">
+          <ac:chgData name="尾嵜 成真" userId="dd95f81a979e9056" providerId="LiveId" clId="{CDA21BDE-563E-44C9-826A-4ED92E3D6D3A}" dt="2023-01-07T10:31:17.429" v="6404" actId="478"/>
+          <ac:picMkLst>
+            <pc:docMk/>
+            <pc:sldMk cId="1064526272" sldId="399"/>
+            <ac:picMk id="8" creationId="{31A1BB5E-8693-019E-88A0-485F0D171441}"/>
+          </ac:picMkLst>
+        </pc:picChg>
+        <pc:picChg chg="add mod">
+          <ac:chgData name="尾嵜 成真" userId="dd95f81a979e9056" providerId="LiveId" clId="{CDA21BDE-563E-44C9-826A-4ED92E3D6D3A}" dt="2023-01-07T10:31:27.346" v="6409" actId="1076"/>
+          <ac:picMkLst>
+            <pc:docMk/>
+            <pc:sldMk cId="1064526272" sldId="399"/>
+            <ac:picMk id="11" creationId="{B12D91C7-D76C-49F1-6878-8A4BC966EE55}"/>
+          </ac:picMkLst>
+        </pc:picChg>
+      </pc:sldChg>
+      <pc:sldChg chg="modSp add del mod">
+        <pc:chgData name="尾嵜 成真" userId="dd95f81a979e9056" providerId="LiveId" clId="{CDA21BDE-563E-44C9-826A-4ED92E3D6D3A}" dt="2023-01-07T10:33:34.734" v="6430" actId="47"/>
+        <pc:sldMkLst>
+          <pc:docMk/>
+          <pc:sldMk cId="2249083198" sldId="400"/>
+        </pc:sldMkLst>
+        <pc:spChg chg="mod">
+          <ac:chgData name="尾嵜 成真" userId="dd95f81a979e9056" providerId="LiveId" clId="{CDA21BDE-563E-44C9-826A-4ED92E3D6D3A}" dt="2023-01-04T15:36:32.362" v="1336"/>
+          <ac:spMkLst>
+            <pc:docMk/>
+            <pc:sldMk cId="2249083198" sldId="400"/>
+            <ac:spMk id="28" creationId="{B0F217A8-646C-15BA-6733-F4B0F1014565}"/>
+          </ac:spMkLst>
+        </pc:spChg>
+        <pc:spChg chg="mod">
+          <ac:chgData name="尾嵜 成真" userId="dd95f81a979e9056" providerId="LiveId" clId="{CDA21BDE-563E-44C9-826A-4ED92E3D6D3A}" dt="2023-01-04T15:27:22.864" v="1251" actId="20577"/>
+          <ac:spMkLst>
+            <pc:docMk/>
+            <pc:sldMk cId="2249083198" sldId="400"/>
+            <ac:spMk id="29" creationId="{A17934AB-FCC8-3776-1635-6E61D9A7D43B}"/>
+          </ac:spMkLst>
+        </pc:spChg>
+      </pc:sldChg>
+      <pc:sldChg chg="delSp modSp add mod">
+        <pc:chgData name="尾嵜 成真" userId="dd95f81a979e9056" providerId="LiveId" clId="{CDA21BDE-563E-44C9-826A-4ED92E3D6D3A}" dt="2023-01-07T11:02:52.566" v="7015" actId="113"/>
+        <pc:sldMkLst>
+          <pc:docMk/>
+          <pc:sldMk cId="373197906" sldId="401"/>
+        </pc:sldMkLst>
+        <pc:spChg chg="del">
+          <ac:chgData name="尾嵜 成真" userId="dd95f81a979e9056" providerId="LiveId" clId="{CDA21BDE-563E-44C9-826A-4ED92E3D6D3A}" dt="2023-01-07T10:36:22.413" v="6447" actId="478"/>
+          <ac:spMkLst>
+            <pc:docMk/>
+            <pc:sldMk cId="373197906" sldId="401"/>
+            <ac:spMk id="5" creationId="{70260686-8B7E-DF5A-6E75-301B0992F6A8}"/>
+          </ac:spMkLst>
+        </pc:spChg>
+        <pc:spChg chg="del">
+          <ac:chgData name="尾嵜 成真" userId="dd95f81a979e9056" providerId="LiveId" clId="{CDA21BDE-563E-44C9-826A-4ED92E3D6D3A}" dt="2023-01-07T10:36:22.413" v="6447" actId="478"/>
+          <ac:spMkLst>
+            <pc:docMk/>
+            <pc:sldMk cId="373197906" sldId="401"/>
+            <ac:spMk id="6" creationId="{4A82FFB9-9FED-53F9-A2A2-FC325D82FC40}"/>
+          </ac:spMkLst>
+        </pc:spChg>
+        <pc:spChg chg="mod">
+          <ac:chgData name="尾嵜 成真" userId="dd95f81a979e9056" providerId="LiveId" clId="{CDA21BDE-563E-44C9-826A-4ED92E3D6D3A}" dt="2023-01-07T11:02:52.566" v="7015" actId="113"/>
+          <ac:spMkLst>
+            <pc:docMk/>
+            <pc:sldMk cId="373197906" sldId="401"/>
+            <ac:spMk id="10" creationId="{4C8D8093-D708-E46A-39FD-79BFCCF8875B}"/>
+          </ac:spMkLst>
+        </pc:spChg>
+        <pc:spChg chg="mod">
+          <ac:chgData name="尾嵜 成真" userId="dd95f81a979e9056" providerId="LiveId" clId="{CDA21BDE-563E-44C9-826A-4ED92E3D6D3A}" dt="2023-01-04T15:36:34.710" v="1340"/>
+          <ac:spMkLst>
+            <pc:docMk/>
+            <pc:sldMk cId="373197906" sldId="401"/>
+            <ac:spMk id="28" creationId="{B0F217A8-646C-15BA-6733-F4B0F1014565}"/>
+          </ac:spMkLst>
+        </pc:spChg>
+        <pc:spChg chg="mod">
+          <ac:chgData name="尾嵜 成真" userId="dd95f81a979e9056" providerId="LiveId" clId="{CDA21BDE-563E-44C9-826A-4ED92E3D6D3A}" dt="2023-01-04T15:27:29.578" v="1256"/>
+          <ac:spMkLst>
+            <pc:docMk/>
+            <pc:sldMk cId="373197906" sldId="401"/>
+            <ac:spMk id="29" creationId="{A17934AB-FCC8-3776-1635-6E61D9A7D43B}"/>
+          </ac:spMkLst>
+        </pc:spChg>
+        <pc:picChg chg="del">
+          <ac:chgData name="尾嵜 成真" userId="dd95f81a979e9056" providerId="LiveId" clId="{CDA21BDE-563E-44C9-826A-4ED92E3D6D3A}" dt="2023-01-07T10:36:22.413" v="6447" actId="478"/>
+          <ac:picMkLst>
+            <pc:docMk/>
+            <pc:sldMk cId="373197906" sldId="401"/>
+            <ac:picMk id="3" creationId="{21152B24-6D84-6FB1-91FF-9C816BE6D5C5}"/>
+          </ac:picMkLst>
+        </pc:picChg>
+      </pc:sldChg>
+      <pc:sldChg chg="addSp delSp modSp add mod">
+        <pc:chgData name="尾嵜 成真" userId="dd95f81a979e9056" providerId="LiveId" clId="{CDA21BDE-563E-44C9-826A-4ED92E3D6D3A}" dt="2023-01-08T07:15:26.792" v="8515" actId="20577"/>
+        <pc:sldMkLst>
+          <pc:docMk/>
+          <pc:sldMk cId="1637066913" sldId="402"/>
+        </pc:sldMkLst>
+        <pc:spChg chg="del">
+          <ac:chgData name="尾嵜 成真" userId="dd95f81a979e9056" providerId="LiveId" clId="{CDA21BDE-563E-44C9-826A-4ED92E3D6D3A}" dt="2023-01-08T06:32:04.132" v="7533" actId="478"/>
+          <ac:spMkLst>
+            <pc:docMk/>
+            <pc:sldMk cId="1637066913" sldId="402"/>
+            <ac:spMk id="5" creationId="{70260686-8B7E-DF5A-6E75-301B0992F6A8}"/>
+          </ac:spMkLst>
+        </pc:spChg>
+        <pc:spChg chg="del">
+          <ac:chgData name="尾嵜 成真" userId="dd95f81a979e9056" providerId="LiveId" clId="{CDA21BDE-563E-44C9-826A-4ED92E3D6D3A}" dt="2023-01-08T06:32:04.132" v="7533" actId="478"/>
+          <ac:spMkLst>
+            <pc:docMk/>
+            <pc:sldMk cId="1637066913" sldId="402"/>
+            <ac:spMk id="6" creationId="{4A82FFB9-9FED-53F9-A2A2-FC325D82FC40}"/>
+          </ac:spMkLst>
+        </pc:spChg>
+        <pc:spChg chg="mod">
+          <ac:chgData name="尾嵜 成真" userId="dd95f81a979e9056" providerId="LiveId" clId="{CDA21BDE-563E-44C9-826A-4ED92E3D6D3A}" dt="2023-01-08T07:05:51.643" v="8437" actId="20577"/>
+          <ac:spMkLst>
+            <pc:docMk/>
+            <pc:sldMk cId="1637066913" sldId="402"/>
+            <ac:spMk id="10" creationId="{4C8D8093-D708-E46A-39FD-79BFCCF8875B}"/>
+          </ac:spMkLst>
+        </pc:spChg>
+        <pc:spChg chg="mod">
+          <ac:chgData name="尾嵜 成真" userId="dd95f81a979e9056" providerId="LiveId" clId="{CDA21BDE-563E-44C9-826A-4ED92E3D6D3A}" dt="2023-01-04T15:36:43.449" v="1352"/>
+          <ac:spMkLst>
+            <pc:docMk/>
+            <pc:sldMk cId="1637066913" sldId="402"/>
+            <ac:spMk id="28" creationId="{B0F217A8-646C-15BA-6733-F4B0F1014565}"/>
+          </ac:spMkLst>
+        </pc:spChg>
+        <pc:spChg chg="mod">
+          <ac:chgData name="尾嵜 成真" userId="dd95f81a979e9056" providerId="LiveId" clId="{CDA21BDE-563E-44C9-826A-4ED92E3D6D3A}" dt="2023-01-04T15:27:34.394" v="1259" actId="20577"/>
+          <ac:spMkLst>
+            <pc:docMk/>
+            <pc:sldMk cId="1637066913" sldId="402"/>
+            <ac:spMk id="29" creationId="{A17934AB-FCC8-3776-1635-6E61D9A7D43B}"/>
+          </ac:spMkLst>
+        </pc:spChg>
+        <pc:graphicFrameChg chg="add del">
+          <ac:chgData name="尾嵜 成真" userId="dd95f81a979e9056" providerId="LiveId" clId="{CDA21BDE-563E-44C9-826A-4ED92E3D6D3A}" dt="2023-01-08T06:38:53.572" v="8154" actId="478"/>
+          <ac:graphicFrameMkLst>
+            <pc:docMk/>
+            <pc:sldMk cId="1637066913" sldId="402"/>
+            <ac:graphicFrameMk id="2" creationId="{0D870AAA-85B7-8923-4A79-D75E1785FF1E}"/>
+          </ac:graphicFrameMkLst>
+        </pc:graphicFrameChg>
+        <pc:graphicFrameChg chg="add del">
+          <ac:chgData name="尾嵜 成真" userId="dd95f81a979e9056" providerId="LiveId" clId="{CDA21BDE-563E-44C9-826A-4ED92E3D6D3A}" dt="2023-01-08T06:39:00.069" v="8156" actId="3680"/>
+          <ac:graphicFrameMkLst>
+            <pc:docMk/>
+            <pc:sldMk cId="1637066913" sldId="402"/>
+            <ac:graphicFrameMk id="4" creationId="{E00A7366-4B28-E178-AA8C-C054590191CE}"/>
+          </ac:graphicFrameMkLst>
+        </pc:graphicFrameChg>
+        <pc:graphicFrameChg chg="add del mod">
+          <ac:chgData name="尾嵜 成真" userId="dd95f81a979e9056" providerId="LiveId" clId="{CDA21BDE-563E-44C9-826A-4ED92E3D6D3A}" dt="2023-01-08T06:39:12.213" v="8159" actId="478"/>
+          <ac:graphicFrameMkLst>
+            <pc:docMk/>
+            <pc:sldMk cId="1637066913" sldId="402"/>
+            <ac:graphicFrameMk id="7" creationId="{ECED921B-AD4B-7405-2C68-7450B06C1EBB}"/>
+          </ac:graphicFrameMkLst>
+        </pc:graphicFrameChg>
+        <pc:graphicFrameChg chg="add mod modGraphic">
+          <ac:chgData name="尾嵜 成真" userId="dd95f81a979e9056" providerId="LiveId" clId="{CDA21BDE-563E-44C9-826A-4ED92E3D6D3A}" dt="2023-01-08T07:15:26.792" v="8515" actId="20577"/>
+          <ac:graphicFrameMkLst>
+            <pc:docMk/>
+            <pc:sldMk cId="1637066913" sldId="402"/>
+            <ac:graphicFrameMk id="8" creationId="{07D32C99-E9D7-768E-E8B6-1E5394B8BCA3}"/>
+          </ac:graphicFrameMkLst>
+        </pc:graphicFrameChg>
+        <pc:picChg chg="del">
+          <ac:chgData name="尾嵜 成真" userId="dd95f81a979e9056" providerId="LiveId" clId="{CDA21BDE-563E-44C9-826A-4ED92E3D6D3A}" dt="2023-01-08T06:32:04.132" v="7533" actId="478"/>
+          <ac:picMkLst>
+            <pc:docMk/>
+            <pc:sldMk cId="1637066913" sldId="402"/>
+            <ac:picMk id="3" creationId="{21152B24-6D84-6FB1-91FF-9C816BE6D5C5}"/>
+          </ac:picMkLst>
+        </pc:picChg>
+      </pc:sldChg>
+      <pc:sldChg chg="modSp add del mod">
+        <pc:chgData name="尾嵜 成真" userId="dd95f81a979e9056" providerId="LiveId" clId="{CDA21BDE-563E-44C9-826A-4ED92E3D6D3A}" dt="2023-01-07T11:00:07.581" v="6980" actId="47"/>
+        <pc:sldMkLst>
+          <pc:docMk/>
+          <pc:sldMk cId="2929578275" sldId="403"/>
+        </pc:sldMkLst>
+        <pc:spChg chg="mod">
+          <ac:chgData name="尾嵜 成真" userId="dd95f81a979e9056" providerId="LiveId" clId="{CDA21BDE-563E-44C9-826A-4ED92E3D6D3A}" dt="2023-01-04T15:36:37.528" v="1344"/>
+          <ac:spMkLst>
+            <pc:docMk/>
+            <pc:sldMk cId="2929578275" sldId="403"/>
+            <ac:spMk id="28" creationId="{B0F217A8-646C-15BA-6733-F4B0F1014565}"/>
+          </ac:spMkLst>
+        </pc:spChg>
+        <pc:spChg chg="mod">
+          <ac:chgData name="尾嵜 成真" userId="dd95f81a979e9056" providerId="LiveId" clId="{CDA21BDE-563E-44C9-826A-4ED92E3D6D3A}" dt="2023-01-04T15:30:51.486" v="1328" actId="20577"/>
+          <ac:spMkLst>
+            <pc:docMk/>
+            <pc:sldMk cId="2929578275" sldId="403"/>
+            <ac:spMk id="29" creationId="{A17934AB-FCC8-3776-1635-6E61D9A7D43B}"/>
+          </ac:spMkLst>
+        </pc:spChg>
+      </pc:sldChg>
+      <pc:sldChg chg="modSp add del mod">
+        <pc:chgData name="尾嵜 成真" userId="dd95f81a979e9056" providerId="LiveId" clId="{CDA21BDE-563E-44C9-826A-4ED92E3D6D3A}" dt="2023-01-08T05:56:11.580" v="7016" actId="47"/>
+        <pc:sldMkLst>
+          <pc:docMk/>
+          <pc:sldMk cId="965508378" sldId="404"/>
+        </pc:sldMkLst>
+        <pc:spChg chg="mod">
+          <ac:chgData name="尾嵜 成真" userId="dd95f81a979e9056" providerId="LiveId" clId="{CDA21BDE-563E-44C9-826A-4ED92E3D6D3A}" dt="2023-01-04T15:36:40.121" v="1348"/>
+          <ac:spMkLst>
+            <pc:docMk/>
+            <pc:sldMk cId="965508378" sldId="404"/>
+            <ac:spMk id="28" creationId="{B0F217A8-646C-15BA-6733-F4B0F1014565}"/>
+          </ac:spMkLst>
+        </pc:spChg>
+        <pc:spChg chg="mod">
+          <ac:chgData name="尾嵜 成真" userId="dd95f81a979e9056" providerId="LiveId" clId="{CDA21BDE-563E-44C9-826A-4ED92E3D6D3A}" dt="2023-01-04T15:30:30.055" v="1313" actId="20577"/>
+          <ac:spMkLst>
+            <pc:docMk/>
+            <pc:sldMk cId="965508378" sldId="404"/>
+            <ac:spMk id="29" creationId="{A17934AB-FCC8-3776-1635-6E61D9A7D43B}"/>
+          </ac:spMkLst>
+        </pc:spChg>
+      </pc:sldChg>
+      <pc:sldChg chg="addSp delSp modSp add mod">
+        <pc:chgData name="尾嵜 成真" userId="dd95f81a979e9056" providerId="LiveId" clId="{CDA21BDE-563E-44C9-826A-4ED92E3D6D3A}" dt="2023-01-06T16:22:02.028" v="3083" actId="947"/>
+        <pc:sldMkLst>
+          <pc:docMk/>
+          <pc:sldMk cId="3735046817" sldId="405"/>
+        </pc:sldMkLst>
+        <pc:spChg chg="add mod">
+          <ac:chgData name="尾嵜 成真" userId="dd95f81a979e9056" providerId="LiveId" clId="{CDA21BDE-563E-44C9-826A-4ED92E3D6D3A}" dt="2023-01-06T16:19:39.362" v="2984" actId="14100"/>
+          <ac:spMkLst>
+            <pc:docMk/>
+            <pc:sldMk cId="3735046817" sldId="405"/>
+            <ac:spMk id="2" creationId="{5B270829-1B95-279B-C54F-A5495AF62924}"/>
+          </ac:spMkLst>
+        </pc:spChg>
+        <pc:spChg chg="add mod">
+          <ac:chgData name="尾嵜 成真" userId="dd95f81a979e9056" providerId="LiveId" clId="{CDA21BDE-563E-44C9-826A-4ED92E3D6D3A}" dt="2023-01-06T16:19:55.969" v="3009" actId="20577"/>
+          <ac:spMkLst>
+            <pc:docMk/>
+            <pc:sldMk cId="3735046817" sldId="405"/>
+            <ac:spMk id="3" creationId="{687BA902-E80A-69A3-085F-7D008D638FDE}"/>
+          </ac:spMkLst>
+        </pc:spChg>
+        <pc:spChg chg="mod">
+          <ac:chgData name="尾嵜 成真" userId="dd95f81a979e9056" providerId="LiveId" clId="{CDA21BDE-563E-44C9-826A-4ED92E3D6D3A}" dt="2023-01-06T16:22:02.028" v="3083" actId="947"/>
+          <ac:spMkLst>
+            <pc:docMk/>
+            <pc:sldMk cId="3735046817" sldId="405"/>
+            <ac:spMk id="10" creationId="{4C8D8093-D708-E46A-39FD-79BFCCF8875B}"/>
+          </ac:spMkLst>
+        </pc:spChg>
+        <pc:spChg chg="del">
+          <ac:chgData name="尾嵜 成真" userId="dd95f81a979e9056" providerId="LiveId" clId="{CDA21BDE-563E-44C9-826A-4ED92E3D6D3A}" dt="2023-01-06T15:55:00.315" v="2793" actId="478"/>
+          <ac:spMkLst>
+            <pc:docMk/>
+            <pc:sldMk cId="3735046817" sldId="405"/>
+            <ac:spMk id="15" creationId="{DEC3B5E4-274A-C993-C17C-0CA7C7012A4F}"/>
+          </ac:spMkLst>
+        </pc:spChg>
+        <pc:spChg chg="del">
+          <ac:chgData name="尾嵜 成真" userId="dd95f81a979e9056" providerId="LiveId" clId="{CDA21BDE-563E-44C9-826A-4ED92E3D6D3A}" dt="2023-01-06T15:55:00.315" v="2793" actId="478"/>
+          <ac:spMkLst>
+            <pc:docMk/>
+            <pc:sldMk cId="3735046817" sldId="405"/>
+            <ac:spMk id="18" creationId="{3AB6F5ED-E908-DE64-E150-B404D6EB3693}"/>
+          </ac:spMkLst>
+        </pc:spChg>
+        <pc:spChg chg="del">
+          <ac:chgData name="尾嵜 成真" userId="dd95f81a979e9056" providerId="LiveId" clId="{CDA21BDE-563E-44C9-826A-4ED92E3D6D3A}" dt="2023-01-06T15:55:00.315" v="2793" actId="478"/>
+          <ac:spMkLst>
+            <pc:docMk/>
+            <pc:sldMk cId="3735046817" sldId="405"/>
+            <ac:spMk id="25" creationId="{F9BE642C-7639-1304-DB57-7016DCD55BB7}"/>
+          </ac:spMkLst>
+        </pc:spChg>
+        <pc:spChg chg="del">
+          <ac:chgData name="尾嵜 成真" userId="dd95f81a979e9056" providerId="LiveId" clId="{CDA21BDE-563E-44C9-826A-4ED92E3D6D3A}" dt="2023-01-06T15:55:00.315" v="2793" actId="478"/>
+          <ac:spMkLst>
+            <pc:docMk/>
+            <pc:sldMk cId="3735046817" sldId="405"/>
+            <ac:spMk id="26" creationId="{C3ACD9B5-3158-A77D-5649-565BEF9502BA}"/>
+          </ac:spMkLst>
+        </pc:spChg>
+        <pc:spChg chg="del">
+          <ac:chgData name="尾嵜 成真" userId="dd95f81a979e9056" providerId="LiveId" clId="{CDA21BDE-563E-44C9-826A-4ED92E3D6D3A}" dt="2023-01-06T15:55:00.315" v="2793" actId="478"/>
+          <ac:spMkLst>
+            <pc:docMk/>
+            <pc:sldMk cId="3735046817" sldId="405"/>
+            <ac:spMk id="27" creationId="{46F68E5E-84BE-8BB3-AB88-491F40EA702B}"/>
+          </ac:spMkLst>
+        </pc:spChg>
+        <pc:spChg chg="mod">
+          <ac:chgData name="尾嵜 成真" userId="dd95f81a979e9056" providerId="LiveId" clId="{CDA21BDE-563E-44C9-826A-4ED92E3D6D3A}" dt="2023-01-06T15:49:31.974" v="2791" actId="20577"/>
+          <ac:spMkLst>
+            <pc:docMk/>
+            <pc:sldMk cId="3735046817" sldId="405"/>
+            <ac:spMk id="29" creationId="{A17934AB-FCC8-3776-1635-6E61D9A7D43B}"/>
+          </ac:spMkLst>
+        </pc:spChg>
+        <pc:spChg chg="del">
+          <ac:chgData name="尾嵜 成真" userId="dd95f81a979e9056" providerId="LiveId" clId="{CDA21BDE-563E-44C9-826A-4ED92E3D6D3A}" dt="2023-01-06T15:55:00.315" v="2793" actId="478"/>
+          <ac:spMkLst>
+            <pc:docMk/>
+            <pc:sldMk cId="3735046817" sldId="405"/>
+            <ac:spMk id="31" creationId="{29E73B99-74F3-E133-5B67-1ED0377319DC}"/>
+          </ac:spMkLst>
+        </pc:spChg>
+        <pc:spChg chg="del">
+          <ac:chgData name="尾嵜 成真" userId="dd95f81a979e9056" providerId="LiveId" clId="{CDA21BDE-563E-44C9-826A-4ED92E3D6D3A}" dt="2023-01-06T15:55:00.315" v="2793" actId="478"/>
+          <ac:spMkLst>
+            <pc:docMk/>
+            <pc:sldMk cId="3735046817" sldId="405"/>
+            <ac:spMk id="32" creationId="{D2C3250E-7320-4392-254A-DCF14C8A61E1}"/>
+          </ac:spMkLst>
+        </pc:spChg>
+        <pc:spChg chg="del">
+          <ac:chgData name="尾嵜 成真" userId="dd95f81a979e9056" providerId="LiveId" clId="{CDA21BDE-563E-44C9-826A-4ED92E3D6D3A}" dt="2023-01-06T15:55:00.315" v="2793" actId="478"/>
+          <ac:spMkLst>
+            <pc:docMk/>
+            <pc:sldMk cId="3735046817" sldId="405"/>
+            <ac:spMk id="33" creationId="{365968AE-10FD-5841-FCE2-3A7D3DD0AA12}"/>
+          </ac:spMkLst>
+        </pc:spChg>
+        <pc:spChg chg="del">
+          <ac:chgData name="尾嵜 成真" userId="dd95f81a979e9056" providerId="LiveId" clId="{CDA21BDE-563E-44C9-826A-4ED92E3D6D3A}" dt="2023-01-06T15:55:00.315" v="2793" actId="478"/>
+          <ac:spMkLst>
+            <pc:docMk/>
+            <pc:sldMk cId="3735046817" sldId="405"/>
+            <ac:spMk id="35" creationId="{98B349DC-1F46-B5D4-ECBB-615EF45330F3}"/>
+          </ac:spMkLst>
+        </pc:spChg>
+        <pc:picChg chg="del">
+          <ac:chgData name="尾嵜 成真" userId="dd95f81a979e9056" providerId="LiveId" clId="{CDA21BDE-563E-44C9-826A-4ED92E3D6D3A}" dt="2023-01-06T15:55:00.315" v="2793" actId="478"/>
+          <ac:picMkLst>
+            <pc:docMk/>
+            <pc:sldMk cId="3735046817" sldId="405"/>
+            <ac:picMk id="16" creationId="{E2C0FBF3-DF93-1DBE-CCD2-70BA769CF362}"/>
+          </ac:picMkLst>
+        </pc:picChg>
+        <pc:picChg chg="del">
+          <ac:chgData name="尾嵜 成真" userId="dd95f81a979e9056" providerId="LiveId" clId="{CDA21BDE-563E-44C9-826A-4ED92E3D6D3A}" dt="2023-01-06T15:55:00.315" v="2793" actId="478"/>
+          <ac:picMkLst>
+            <pc:docMk/>
+            <pc:sldMk cId="3735046817" sldId="405"/>
+            <ac:picMk id="17" creationId="{705495D6-8C6B-E871-1A96-DA1CD74AEBF5}"/>
+          </ac:picMkLst>
+        </pc:picChg>
+        <pc:picChg chg="del">
+          <ac:chgData name="尾嵜 成真" userId="dd95f81a979e9056" providerId="LiveId" clId="{CDA21BDE-563E-44C9-826A-4ED92E3D6D3A}" dt="2023-01-06T15:55:00.315" v="2793" actId="478"/>
+          <ac:picMkLst>
+            <pc:docMk/>
+            <pc:sldMk cId="3735046817" sldId="405"/>
+            <ac:picMk id="21" creationId="{7A83F2A4-5DD3-D555-4E4B-CEBF3BFA6847}"/>
+          </ac:picMkLst>
+        </pc:picChg>
+        <pc:picChg chg="del">
+          <ac:chgData name="尾嵜 成真" userId="dd95f81a979e9056" providerId="LiveId" clId="{CDA21BDE-563E-44C9-826A-4ED92E3D6D3A}" dt="2023-01-06T15:55:00.315" v="2793" actId="478"/>
+          <ac:picMkLst>
+            <pc:docMk/>
+            <pc:sldMk cId="3735046817" sldId="405"/>
+            <ac:picMk id="34" creationId="{20D193DA-1BEC-9A63-C970-27CAB285ABDD}"/>
+          </ac:picMkLst>
+        </pc:picChg>
+      </pc:sldChg>
+      <pc:sldChg chg="addSp modSp add mod">
+        <pc:chgData name="尾嵜 成真" userId="dd95f81a979e9056" providerId="LiveId" clId="{CDA21BDE-563E-44C9-826A-4ED92E3D6D3A}" dt="2023-01-07T07:11:52.182" v="3898" actId="20577"/>
+        <pc:sldMkLst>
+          <pc:docMk/>
+          <pc:sldMk cId="1362757188" sldId="406"/>
+        </pc:sldMkLst>
+        <pc:spChg chg="add mod">
+          <ac:chgData name="尾嵜 成真" userId="dd95f81a979e9056" providerId="LiveId" clId="{CDA21BDE-563E-44C9-826A-4ED92E3D6D3A}" dt="2023-01-07T06:48:32.097" v="3404" actId="20577"/>
+          <ac:spMkLst>
+            <pc:docMk/>
+            <pc:sldMk cId="1362757188" sldId="406"/>
+            <ac:spMk id="3" creationId="{E2142266-E189-EFD5-B67D-0A0D866FAB50}"/>
+          </ac:spMkLst>
+        </pc:spChg>
+        <pc:spChg chg="add mod">
+          <ac:chgData name="尾嵜 成真" userId="dd95f81a979e9056" providerId="LiveId" clId="{CDA21BDE-563E-44C9-826A-4ED92E3D6D3A}" dt="2023-01-07T07:09:54.790" v="3896" actId="1076"/>
+          <ac:spMkLst>
+            <pc:docMk/>
+            <pc:sldMk cId="1362757188" sldId="406"/>
+            <ac:spMk id="5" creationId="{F6CF39B1-389C-87AC-931A-5773BE5FFBA6}"/>
+          </ac:spMkLst>
+        </pc:spChg>
+        <pc:spChg chg="mod">
+          <ac:chgData name="尾嵜 成真" userId="dd95f81a979e9056" providerId="LiveId" clId="{CDA21BDE-563E-44C9-826A-4ED92E3D6D3A}" dt="2023-01-07T07:11:52.182" v="3898" actId="20577"/>
+          <ac:spMkLst>
+            <pc:docMk/>
+            <pc:sldMk cId="1362757188" sldId="406"/>
+            <ac:spMk id="10" creationId="{4C8D8093-D708-E46A-39FD-79BFCCF8875B}"/>
+          </ac:spMkLst>
+        </pc:spChg>
+        <pc:spChg chg="mod">
+          <ac:chgData name="尾嵜 成真" userId="dd95f81a979e9056" providerId="LiveId" clId="{CDA21BDE-563E-44C9-826A-4ED92E3D6D3A}" dt="2023-01-07T07:07:58.815" v="3851" actId="313"/>
+          <ac:spMkLst>
+            <pc:docMk/>
+            <pc:sldMk cId="1362757188" sldId="406"/>
+            <ac:spMk id="28" creationId="{B0F217A8-646C-15BA-6733-F4B0F1014565}"/>
+          </ac:spMkLst>
+        </pc:spChg>
+        <pc:spChg chg="mod">
+          <ac:chgData name="尾嵜 成真" userId="dd95f81a979e9056" providerId="LiveId" clId="{CDA21BDE-563E-44C9-826A-4ED92E3D6D3A}" dt="2023-01-06T16:04:37.683" v="2853" actId="20577"/>
+          <ac:spMkLst>
+            <pc:docMk/>
+            <pc:sldMk cId="1362757188" sldId="406"/>
+            <ac:spMk id="29" creationId="{A17934AB-FCC8-3776-1635-6E61D9A7D43B}"/>
+          </ac:spMkLst>
+        </pc:spChg>
+        <pc:picChg chg="add mod">
+          <ac:chgData name="尾嵜 成真" userId="dd95f81a979e9056" providerId="LiveId" clId="{CDA21BDE-563E-44C9-826A-4ED92E3D6D3A}" dt="2023-01-07T06:48:21.836" v="3390" actId="1076"/>
+          <ac:picMkLst>
+            <pc:docMk/>
+            <pc:sldMk cId="1362757188" sldId="406"/>
+            <ac:picMk id="2" creationId="{147811DE-CCFD-CACA-2161-0AB526E6B824}"/>
+          </ac:picMkLst>
+        </pc:picChg>
+        <pc:picChg chg="add mod">
+          <ac:chgData name="尾嵜 成真" userId="dd95f81a979e9056" providerId="LiveId" clId="{CDA21BDE-563E-44C9-826A-4ED92E3D6D3A}" dt="2023-01-07T07:09:54.790" v="3896" actId="1076"/>
+          <ac:picMkLst>
+            <pc:docMk/>
+            <pc:sldMk cId="1362757188" sldId="406"/>
+            <ac:picMk id="4" creationId="{3F300939-3739-A21B-256F-C7555733B00D}"/>
+          </ac:picMkLst>
+        </pc:picChg>
+      </pc:sldChg>
+      <pc:sldChg chg="add del">
+        <pc:chgData name="尾嵜 成真" userId="dd95f81a979e9056" providerId="LiveId" clId="{CDA21BDE-563E-44C9-826A-4ED92E3D6D3A}" dt="2023-01-07T06:28:40.896" v="3105" actId="47"/>
+        <pc:sldMkLst>
+          <pc:docMk/>
+          <pc:sldMk cId="367569215" sldId="407"/>
+        </pc:sldMkLst>
+      </pc:sldChg>
+      <pc:sldChg chg="addSp delSp modSp add mod">
+        <pc:chgData name="尾嵜 成真" userId="dd95f81a979e9056" providerId="LiveId" clId="{CDA21BDE-563E-44C9-826A-4ED92E3D6D3A}" dt="2023-01-08T07:43:10.344" v="9067" actId="947"/>
+        <pc:sldMkLst>
+          <pc:docMk/>
+          <pc:sldMk cId="1137511312" sldId="407"/>
+        </pc:sldMkLst>
+        <pc:spChg chg="add mod">
+          <ac:chgData name="尾嵜 成真" userId="dd95f81a979e9056" providerId="LiveId" clId="{CDA21BDE-563E-44C9-826A-4ED92E3D6D3A}" dt="2023-01-08T07:42:09.766" v="9059" actId="14100"/>
+          <ac:spMkLst>
+            <pc:docMk/>
+            <pc:sldMk cId="1137511312" sldId="407"/>
+            <ac:spMk id="2" creationId="{52155BEC-AC19-EB5E-415D-A6A47EC7FCF2}"/>
+          </ac:spMkLst>
+        </pc:spChg>
+        <pc:spChg chg="del">
+          <ac:chgData name="尾嵜 成真" userId="dd95f81a979e9056" providerId="LiveId" clId="{CDA21BDE-563E-44C9-826A-4ED92E3D6D3A}" dt="2023-01-08T07:21:46.146" v="8769" actId="478"/>
+          <ac:spMkLst>
+            <pc:docMk/>
+            <pc:sldMk cId="1137511312" sldId="407"/>
+            <ac:spMk id="5" creationId="{70260686-8B7E-DF5A-6E75-301B0992F6A8}"/>
+          </ac:spMkLst>
+        </pc:spChg>
+        <pc:spChg chg="del">
+          <ac:chgData name="尾嵜 成真" userId="dd95f81a979e9056" providerId="LiveId" clId="{CDA21BDE-563E-44C9-826A-4ED92E3D6D3A}" dt="2023-01-08T07:21:46.146" v="8769" actId="478"/>
+          <ac:spMkLst>
+            <pc:docMk/>
+            <pc:sldMk cId="1137511312" sldId="407"/>
+            <ac:spMk id="6" creationId="{4A82FFB9-9FED-53F9-A2A2-FC325D82FC40}"/>
+          </ac:spMkLst>
+        </pc:spChg>
+        <pc:spChg chg="add del mod">
+          <ac:chgData name="尾嵜 成真" userId="dd95f81a979e9056" providerId="LiveId" clId="{CDA21BDE-563E-44C9-826A-4ED92E3D6D3A}" dt="2023-01-08T07:41:28.048" v="9050" actId="478"/>
+          <ac:spMkLst>
+            <pc:docMk/>
+            <pc:sldMk cId="1137511312" sldId="407"/>
+            <ac:spMk id="7" creationId="{DCAF0AAA-DCE1-C1EB-6901-4AD46A21239D}"/>
+          </ac:spMkLst>
+        </pc:spChg>
+        <pc:spChg chg="add mod">
+          <ac:chgData name="尾嵜 成真" userId="dd95f81a979e9056" providerId="LiveId" clId="{CDA21BDE-563E-44C9-826A-4ED92E3D6D3A}" dt="2023-01-08T07:43:10.344" v="9067" actId="947"/>
+          <ac:spMkLst>
+            <pc:docMk/>
+            <pc:sldMk cId="1137511312" sldId="407"/>
+            <ac:spMk id="8" creationId="{17619CC4-44AC-4603-C466-1848DEA4041F}"/>
+          </ac:spMkLst>
+        </pc:spChg>
+        <pc:spChg chg="del mod">
+          <ac:chgData name="尾嵜 成真" userId="dd95f81a979e9056" providerId="LiveId" clId="{CDA21BDE-563E-44C9-826A-4ED92E3D6D3A}" dt="2023-01-08T07:41:25.630" v="9049" actId="21"/>
+          <ac:spMkLst>
+            <pc:docMk/>
+            <pc:sldMk cId="1137511312" sldId="407"/>
+            <ac:spMk id="10" creationId="{4C8D8093-D708-E46A-39FD-79BFCCF8875B}"/>
+          </ac:spMkLst>
+        </pc:spChg>
+        <pc:spChg chg="mod">
+          <ac:chgData name="尾嵜 成真" userId="dd95f81a979e9056" providerId="LiveId" clId="{CDA21BDE-563E-44C9-826A-4ED92E3D6D3A}" dt="2023-01-07T10:35:12.956" v="6444" actId="20577"/>
+          <ac:spMkLst>
+            <pc:docMk/>
+            <pc:sldMk cId="1137511312" sldId="407"/>
+            <ac:spMk id="29" creationId="{A17934AB-FCC8-3776-1635-6E61D9A7D43B}"/>
+          </ac:spMkLst>
+        </pc:spChg>
+        <pc:picChg chg="del">
+          <ac:chgData name="尾嵜 成真" userId="dd95f81a979e9056" providerId="LiveId" clId="{CDA21BDE-563E-44C9-826A-4ED92E3D6D3A}" dt="2023-01-08T07:21:46.146" v="8769" actId="478"/>
+          <ac:picMkLst>
+            <pc:docMk/>
+            <pc:sldMk cId="1137511312" sldId="407"/>
+            <ac:picMk id="3" creationId="{21152B24-6D84-6FB1-91FF-9C816BE6D5C5}"/>
+          </ac:picMkLst>
+        </pc:picChg>
+      </pc:sldChg>
+      <pc:sldChg chg="addSp modSp add mod">
+        <pc:chgData name="尾嵜 成真" userId="dd95f81a979e9056" providerId="LiveId" clId="{CDA21BDE-563E-44C9-826A-4ED92E3D6D3A}" dt="2023-01-08T06:27:17.076" v="7531" actId="1076"/>
+        <pc:sldMkLst>
+          <pc:docMk/>
+          <pc:sldMk cId="1924153991" sldId="408"/>
+        </pc:sldMkLst>
+        <pc:spChg chg="mod">
+          <ac:chgData name="尾嵜 成真" userId="dd95f81a979e9056" providerId="LiveId" clId="{CDA21BDE-563E-44C9-826A-4ED92E3D6D3A}" dt="2023-01-08T06:26:59.710" v="7528" actId="113"/>
+          <ac:spMkLst>
+            <pc:docMk/>
+            <pc:sldMk cId="1924153991" sldId="408"/>
+            <ac:spMk id="10" creationId="{4C8D8093-D708-E46A-39FD-79BFCCF8875B}"/>
+          </ac:spMkLst>
+        </pc:spChg>
+        <pc:picChg chg="add mod">
+          <ac:chgData name="尾嵜 成真" userId="dd95f81a979e9056" providerId="LiveId" clId="{CDA21BDE-563E-44C9-826A-4ED92E3D6D3A}" dt="2023-01-08T06:27:17.076" v="7531" actId="1076"/>
+          <ac:picMkLst>
+            <pc:docMk/>
+            <pc:sldMk cId="1924153991" sldId="408"/>
+            <ac:picMk id="3" creationId="{67360E82-536F-F807-C1B3-1B6FCD052DCB}"/>
+          </ac:picMkLst>
+        </pc:picChg>
+      </pc:sldChg>
+      <pc:sldChg chg="add del">
+        <pc:chgData name="尾嵜 成真" userId="dd95f81a979e9056" providerId="LiveId" clId="{CDA21BDE-563E-44C9-826A-4ED92E3D6D3A}" dt="2023-01-07T10:35:14.883" v="6445" actId="47"/>
+        <pc:sldMkLst>
+          <pc:docMk/>
+          <pc:sldMk cId="2681092000" sldId="408"/>
+        </pc:sldMkLst>
+      </pc:sldChg>
+      <pc:sldChg chg="addSp delSp modSp add mod">
+        <pc:chgData name="尾嵜 成真" userId="dd95f81a979e9056" providerId="LiveId" clId="{CDA21BDE-563E-44C9-826A-4ED92E3D6D3A}" dt="2023-01-08T08:01:32.887" v="9468" actId="113"/>
+        <pc:sldMkLst>
+          <pc:docMk/>
+          <pc:sldMk cId="3356467864" sldId="409"/>
+        </pc:sldMkLst>
+        <pc:spChg chg="del">
+          <ac:chgData name="尾嵜 成真" userId="dd95f81a979e9056" providerId="LiveId" clId="{CDA21BDE-563E-44C9-826A-4ED92E3D6D3A}" dt="2023-01-08T07:54:43.176" v="9447" actId="478"/>
+          <ac:spMkLst>
+            <pc:docMk/>
+            <pc:sldMk cId="3356467864" sldId="409"/>
+            <ac:spMk id="5" creationId="{70260686-8B7E-DF5A-6E75-301B0992F6A8}"/>
+          </ac:spMkLst>
+        </pc:spChg>
+        <pc:spChg chg="del">
+          <ac:chgData name="尾嵜 成真" userId="dd95f81a979e9056" providerId="LiveId" clId="{CDA21BDE-563E-44C9-826A-4ED92E3D6D3A}" dt="2023-01-08T07:54:43.176" v="9447" actId="478"/>
+          <ac:spMkLst>
+            <pc:docMk/>
+            <pc:sldMk cId="3356467864" sldId="409"/>
+            <ac:spMk id="6" creationId="{4A82FFB9-9FED-53F9-A2A2-FC325D82FC40}"/>
+          </ac:spMkLst>
+        </pc:spChg>
+        <pc:spChg chg="mod">
+          <ac:chgData name="尾嵜 成真" userId="dd95f81a979e9056" providerId="LiveId" clId="{CDA21BDE-563E-44C9-826A-4ED92E3D6D3A}" dt="2023-01-08T08:01:32.887" v="9468" actId="113"/>
+          <ac:spMkLst>
+            <pc:docMk/>
+            <pc:sldMk cId="3356467864" sldId="409"/>
+            <ac:spMk id="10" creationId="{4C8D8093-D708-E46A-39FD-79BFCCF8875B}"/>
+          </ac:spMkLst>
+        </pc:spChg>
+        <pc:spChg chg="mod">
+          <ac:chgData name="尾嵜 成真" userId="dd95f81a979e9056" providerId="LiveId" clId="{CDA21BDE-563E-44C9-826A-4ED92E3D6D3A}" dt="2023-01-08T05:56:32.307" v="7025" actId="20577"/>
+          <ac:spMkLst>
+            <pc:docMk/>
+            <pc:sldMk cId="3356467864" sldId="409"/>
+            <ac:spMk id="29" creationId="{A17934AB-FCC8-3776-1635-6E61D9A7D43B}"/>
+          </ac:spMkLst>
+        </pc:spChg>
+        <pc:picChg chg="del">
+          <ac:chgData name="尾嵜 成真" userId="dd95f81a979e9056" providerId="LiveId" clId="{CDA21BDE-563E-44C9-826A-4ED92E3D6D3A}" dt="2023-01-08T07:54:43.176" v="9447" actId="478"/>
+          <ac:picMkLst>
+            <pc:docMk/>
+            <pc:sldMk cId="3356467864" sldId="409"/>
+            <ac:picMk id="3" creationId="{21152B24-6D84-6FB1-91FF-9C816BE6D5C5}"/>
+          </ac:picMkLst>
+        </pc:picChg>
+        <pc:picChg chg="add mod">
+          <ac:chgData name="尾嵜 成真" userId="dd95f81a979e9056" providerId="LiveId" clId="{CDA21BDE-563E-44C9-826A-4ED92E3D6D3A}" dt="2023-01-08T08:00:35.300" v="9450" actId="1076"/>
+          <ac:picMkLst>
+            <pc:docMk/>
+            <pc:sldMk cId="3356467864" sldId="409"/>
+            <ac:picMk id="4" creationId="{D8B375CB-542C-FFA9-885F-C27289A3D516}"/>
+          </ac:picMkLst>
+        </pc:picChg>
+      </pc:sldChg>
+    </pc:docChg>
+  </pc:docChgLst>
+  <pc:docChgLst>
     <pc:chgData name="尾嵜 成真" userId="dd95f81a979e9056" providerId="LiveId" clId="{17755A40-A7A9-4FA6-8632-C2FF9700AB17}"/>
     <pc:docChg chg="undo custSel addSld delSld modSld">
       <pc:chgData name="尾嵜 成真" userId="dd95f81a979e9056" providerId="LiveId" clId="{17755A40-A7A9-4FA6-8632-C2FF9700AB17}" dt="2023-01-03T15:22:44.157" v="2748" actId="1076"/>
@@ -7610,2044 +9688,6 @@
             <pc:docMk/>
             <pc:sldMk cId="200167436" sldId="393"/>
             <ac:picMk id="13" creationId="{4B519090-F769-D42C-690C-E3E92EE5222B}"/>
-          </ac:picMkLst>
-        </pc:picChg>
-      </pc:sldChg>
-    </pc:docChg>
-  </pc:docChgLst>
-  <pc:docChgLst>
-    <pc:chgData name="尾嵜 成真" userId="dd95f81a979e9056" providerId="LiveId" clId="{CDA21BDE-563E-44C9-826A-4ED92E3D6D3A}"/>
-    <pc:docChg chg="undo redo custSel addSld delSld modSld sldOrd">
-      <pc:chgData name="尾嵜 成真" userId="dd95f81a979e9056" providerId="LiveId" clId="{CDA21BDE-563E-44C9-826A-4ED92E3D6D3A}" dt="2023-01-08T08:03:21.952" v="9493"/>
-      <pc:docMkLst>
-        <pc:docMk/>
-      </pc:docMkLst>
-      <pc:sldChg chg="addSp delSp modSp mod">
-        <pc:chgData name="尾嵜 成真" userId="dd95f81a979e9056" providerId="LiveId" clId="{CDA21BDE-563E-44C9-826A-4ED92E3D6D3A}" dt="2023-01-08T08:03:21.952" v="9493"/>
-        <pc:sldMkLst>
-          <pc:docMk/>
-          <pc:sldMk cId="0" sldId="259"/>
-        </pc:sldMkLst>
-        <pc:spChg chg="mod">
-          <ac:chgData name="尾嵜 成真" userId="dd95f81a979e9056" providerId="LiveId" clId="{CDA21BDE-563E-44C9-826A-4ED92E3D6D3A}" dt="2023-01-08T08:02:36.095" v="9471"/>
-          <ac:spMkLst>
-            <pc:docMk/>
-            <pc:sldMk cId="0" sldId="259"/>
-            <ac:spMk id="5" creationId="{FD830EDF-0AE0-07AC-3408-C14707F98F7C}"/>
-          </ac:spMkLst>
-        </pc:spChg>
-        <pc:spChg chg="mod">
-          <ac:chgData name="尾嵜 成真" userId="dd95f81a979e9056" providerId="LiveId" clId="{CDA21BDE-563E-44C9-826A-4ED92E3D6D3A}" dt="2023-01-08T08:02:36.095" v="9471"/>
-          <ac:spMkLst>
-            <pc:docMk/>
-            <pc:sldMk cId="0" sldId="259"/>
-            <ac:spMk id="6" creationId="{5E8DF250-E2E1-463A-1CFB-606AA0029019}"/>
-          </ac:spMkLst>
-        </pc:spChg>
-        <pc:spChg chg="del">
-          <ac:chgData name="尾嵜 成真" userId="dd95f81a979e9056" providerId="LiveId" clId="{CDA21BDE-563E-44C9-826A-4ED92E3D6D3A}" dt="2023-01-08T08:02:35.913" v="9470" actId="478"/>
-          <ac:spMkLst>
-            <pc:docMk/>
-            <pc:sldMk cId="0" sldId="259"/>
-            <ac:spMk id="7" creationId="{868586D0-495E-0042-21C8-6D9C53F32F5A}"/>
-          </ac:spMkLst>
-        </pc:spChg>
-        <pc:spChg chg="mod">
-          <ac:chgData name="尾嵜 成真" userId="dd95f81a979e9056" providerId="LiveId" clId="{CDA21BDE-563E-44C9-826A-4ED92E3D6D3A}" dt="2023-01-08T08:02:36.095" v="9471"/>
-          <ac:spMkLst>
-            <pc:docMk/>
-            <pc:sldMk cId="0" sldId="259"/>
-            <ac:spMk id="8" creationId="{E222909A-9036-F7D3-BE09-C025DCAE0646}"/>
-          </ac:spMkLst>
-        </pc:spChg>
-        <pc:spChg chg="mod">
-          <ac:chgData name="尾嵜 成真" userId="dd95f81a979e9056" providerId="LiveId" clId="{CDA21BDE-563E-44C9-826A-4ED92E3D6D3A}" dt="2023-01-08T08:02:36.095" v="9471"/>
-          <ac:spMkLst>
-            <pc:docMk/>
-            <pc:sldMk cId="0" sldId="259"/>
-            <ac:spMk id="10" creationId="{1672DA89-349C-8309-A511-350F09352493}"/>
-          </ac:spMkLst>
-        </pc:spChg>
-        <pc:spChg chg="mod">
-          <ac:chgData name="尾嵜 成真" userId="dd95f81a979e9056" providerId="LiveId" clId="{CDA21BDE-563E-44C9-826A-4ED92E3D6D3A}" dt="2023-01-08T08:02:36.095" v="9471"/>
-          <ac:spMkLst>
-            <pc:docMk/>
-            <pc:sldMk cId="0" sldId="259"/>
-            <ac:spMk id="11" creationId="{A46567DC-FCEE-BEBC-E1EF-A6D636BCEE40}"/>
-          </ac:spMkLst>
-        </pc:spChg>
-        <pc:spChg chg="mod">
-          <ac:chgData name="尾嵜 成真" userId="dd95f81a979e9056" providerId="LiveId" clId="{CDA21BDE-563E-44C9-826A-4ED92E3D6D3A}" dt="2023-01-08T08:02:36.095" v="9471"/>
-          <ac:spMkLst>
-            <pc:docMk/>
-            <pc:sldMk cId="0" sldId="259"/>
-            <ac:spMk id="13" creationId="{876820BD-90E4-79F3-3708-6452A8E8AB28}"/>
-          </ac:spMkLst>
-        </pc:spChg>
-        <pc:spChg chg="mod">
-          <ac:chgData name="尾嵜 成真" userId="dd95f81a979e9056" providerId="LiveId" clId="{CDA21BDE-563E-44C9-826A-4ED92E3D6D3A}" dt="2023-01-08T08:02:36.095" v="9471"/>
-          <ac:spMkLst>
-            <pc:docMk/>
-            <pc:sldMk cId="0" sldId="259"/>
-            <ac:spMk id="14" creationId="{84B8BDC7-3A1E-7358-7651-F75675669039}"/>
-          </ac:spMkLst>
-        </pc:spChg>
-        <pc:spChg chg="mod">
-          <ac:chgData name="尾嵜 成真" userId="dd95f81a979e9056" providerId="LiveId" clId="{CDA21BDE-563E-44C9-826A-4ED92E3D6D3A}" dt="2023-01-08T08:02:36.095" v="9471"/>
-          <ac:spMkLst>
-            <pc:docMk/>
-            <pc:sldMk cId="0" sldId="259"/>
-            <ac:spMk id="16" creationId="{28B2A99B-06B7-7194-14A2-260C9E93F2DD}"/>
-          </ac:spMkLst>
-        </pc:spChg>
-        <pc:spChg chg="mod">
-          <ac:chgData name="尾嵜 成真" userId="dd95f81a979e9056" providerId="LiveId" clId="{CDA21BDE-563E-44C9-826A-4ED92E3D6D3A}" dt="2023-01-08T08:02:36.095" v="9471"/>
-          <ac:spMkLst>
-            <pc:docMk/>
-            <pc:sldMk cId="0" sldId="259"/>
-            <ac:spMk id="17" creationId="{ADA89448-5159-F66C-80CE-8F46B466264C}"/>
-          </ac:spMkLst>
-        </pc:spChg>
-        <pc:spChg chg="add mod">
-          <ac:chgData name="尾嵜 成真" userId="dd95f81a979e9056" providerId="LiveId" clId="{CDA21BDE-563E-44C9-826A-4ED92E3D6D3A}" dt="2023-01-08T08:02:58.088" v="9480" actId="20577"/>
-          <ac:spMkLst>
-            <pc:docMk/>
-            <pc:sldMk cId="0" sldId="259"/>
-            <ac:spMk id="19" creationId="{C6CA1394-23CE-E914-905A-097451AC4BCF}"/>
-          </ac:spMkLst>
-        </pc:spChg>
-        <pc:spChg chg="add mod">
-          <ac:chgData name="尾嵜 成真" userId="dd95f81a979e9056" providerId="LiveId" clId="{CDA21BDE-563E-44C9-826A-4ED92E3D6D3A}" dt="2023-01-08T08:03:08.483" v="9487" actId="1076"/>
-          <ac:spMkLst>
-            <pc:docMk/>
-            <pc:sldMk cId="0" sldId="259"/>
-            <ac:spMk id="22" creationId="{6286828B-49EF-1DB2-95F8-A3227739ECEA}"/>
-          </ac:spMkLst>
-        </pc:spChg>
-        <pc:spChg chg="add mod">
-          <ac:chgData name="尾嵜 成真" userId="dd95f81a979e9056" providerId="LiveId" clId="{CDA21BDE-563E-44C9-826A-4ED92E3D6D3A}" dt="2023-01-08T08:03:21.952" v="9493"/>
-          <ac:spMkLst>
-            <pc:docMk/>
-            <pc:sldMk cId="0" sldId="259"/>
-            <ac:spMk id="23" creationId="{2E9F8BEE-54A9-4485-30DE-5BD610AD9383}"/>
-          </ac:spMkLst>
-        </pc:spChg>
-        <pc:spChg chg="mod">
-          <ac:chgData name="尾嵜 成真" userId="dd95f81a979e9056" providerId="LiveId" clId="{CDA21BDE-563E-44C9-826A-4ED92E3D6D3A}" dt="2023-01-08T08:02:20.162" v="9469" actId="1076"/>
-          <ac:spMkLst>
-            <pc:docMk/>
-            <pc:sldMk cId="0" sldId="259"/>
-            <ac:spMk id="27" creationId="{00000000-0000-0000-0000-000000000000}"/>
-          </ac:spMkLst>
-        </pc:spChg>
-        <pc:grpChg chg="del">
-          <ac:chgData name="尾嵜 成真" userId="dd95f81a979e9056" providerId="LiveId" clId="{CDA21BDE-563E-44C9-826A-4ED92E3D6D3A}" dt="2023-01-08T08:02:35.913" v="9470" actId="478"/>
-          <ac:grpSpMkLst>
-            <pc:docMk/>
-            <pc:sldMk cId="0" sldId="259"/>
-            <ac:grpSpMk id="2" creationId="{F3E18761-6F4D-4A56-A95B-FE9E51163FF2}"/>
-          </ac:grpSpMkLst>
-        </pc:grpChg>
-        <pc:grpChg chg="del">
-          <ac:chgData name="尾嵜 成真" userId="dd95f81a979e9056" providerId="LiveId" clId="{CDA21BDE-563E-44C9-826A-4ED92E3D6D3A}" dt="2023-01-08T08:02:35.913" v="9470" actId="478"/>
-          <ac:grpSpMkLst>
-            <pc:docMk/>
-            <pc:sldMk cId="0" sldId="259"/>
-            <ac:grpSpMk id="3" creationId="{28D86D72-E7AD-4CA2-BA44-25225DE74CDA}"/>
-          </ac:grpSpMkLst>
-        </pc:grpChg>
-        <pc:grpChg chg="add mod">
-          <ac:chgData name="尾嵜 成真" userId="dd95f81a979e9056" providerId="LiveId" clId="{CDA21BDE-563E-44C9-826A-4ED92E3D6D3A}" dt="2023-01-08T08:02:43.337" v="9472" actId="1076"/>
-          <ac:grpSpMkLst>
-            <pc:docMk/>
-            <pc:sldMk cId="0" sldId="259"/>
-            <ac:grpSpMk id="4" creationId="{D878DFA1-E3C6-85BD-E041-0F46C006721D}"/>
-          </ac:grpSpMkLst>
-        </pc:grpChg>
-        <pc:grpChg chg="add mod">
-          <ac:chgData name="尾嵜 成真" userId="dd95f81a979e9056" providerId="LiveId" clId="{CDA21BDE-563E-44C9-826A-4ED92E3D6D3A}" dt="2023-01-08T08:02:43.337" v="9472" actId="1076"/>
-          <ac:grpSpMkLst>
-            <pc:docMk/>
-            <pc:sldMk cId="0" sldId="259"/>
-            <ac:grpSpMk id="9" creationId="{EF7ADAA6-09FB-2358-E4FC-1C2B2AF8D65E}"/>
-          </ac:grpSpMkLst>
-        </pc:grpChg>
-        <pc:grpChg chg="add mod">
-          <ac:chgData name="尾嵜 成真" userId="dd95f81a979e9056" providerId="LiveId" clId="{CDA21BDE-563E-44C9-826A-4ED92E3D6D3A}" dt="2023-01-08T08:02:43.337" v="9472" actId="1076"/>
-          <ac:grpSpMkLst>
-            <pc:docMk/>
-            <pc:sldMk cId="0" sldId="259"/>
-            <ac:grpSpMk id="12" creationId="{7932C5DD-8842-00F0-E891-D564ACEDE896}"/>
-          </ac:grpSpMkLst>
-        </pc:grpChg>
-        <pc:grpChg chg="add mod">
-          <ac:chgData name="尾嵜 成真" userId="dd95f81a979e9056" providerId="LiveId" clId="{CDA21BDE-563E-44C9-826A-4ED92E3D6D3A}" dt="2023-01-08T08:02:43.337" v="9472" actId="1076"/>
-          <ac:grpSpMkLst>
-            <pc:docMk/>
-            <pc:sldMk cId="0" sldId="259"/>
-            <ac:grpSpMk id="15" creationId="{ABF64C8C-9B4C-9D21-9AF5-4477981CD304}"/>
-          </ac:grpSpMkLst>
-        </pc:grpChg>
-      </pc:sldChg>
-      <pc:sldChg chg="modSp mod">
-        <pc:chgData name="尾嵜 成真" userId="dd95f81a979e9056" providerId="LiveId" clId="{CDA21BDE-563E-44C9-826A-4ED92E3D6D3A}" dt="2023-01-04T12:18:43.619" v="19" actId="1076"/>
-        <pc:sldMkLst>
-          <pc:docMk/>
-          <pc:sldMk cId="0" sldId="293"/>
-        </pc:sldMkLst>
-        <pc:spChg chg="mod">
-          <ac:chgData name="尾嵜 成真" userId="dd95f81a979e9056" providerId="LiveId" clId="{CDA21BDE-563E-44C9-826A-4ED92E3D6D3A}" dt="2023-01-04T12:18:43.619" v="19" actId="1076"/>
-          <ac:spMkLst>
-            <pc:docMk/>
-            <pc:sldMk cId="0" sldId="293"/>
-            <ac:spMk id="7" creationId="{00000000-0000-0000-0000-000000000000}"/>
-          </ac:spMkLst>
-        </pc:spChg>
-      </pc:sldChg>
-      <pc:sldChg chg="addSp delSp modSp mod">
-        <pc:chgData name="尾嵜 成真" userId="dd95f81a979e9056" providerId="LiveId" clId="{CDA21BDE-563E-44C9-826A-4ED92E3D6D3A}" dt="2023-01-04T15:17:25.011" v="1104" actId="14100"/>
-        <pc:sldMkLst>
-          <pc:docMk/>
-          <pc:sldMk cId="4190097553" sldId="303"/>
-        </pc:sldMkLst>
-        <pc:spChg chg="add del mod">
-          <ac:chgData name="尾嵜 成真" userId="dd95f81a979e9056" providerId="LiveId" clId="{CDA21BDE-563E-44C9-826A-4ED92E3D6D3A}" dt="2023-01-04T14:41:56.165" v="396" actId="21"/>
-          <ac:spMkLst>
-            <pc:docMk/>
-            <pc:sldMk cId="4190097553" sldId="303"/>
-            <ac:spMk id="7" creationId="{1DAD7CB3-6707-B178-07F9-CF9C063BCEBE}"/>
-          </ac:spMkLst>
-        </pc:spChg>
-        <pc:spChg chg="add del mod">
-          <ac:chgData name="尾嵜 成真" userId="dd95f81a979e9056" providerId="LiveId" clId="{CDA21BDE-563E-44C9-826A-4ED92E3D6D3A}" dt="2023-01-04T14:42:36.162" v="406" actId="21"/>
-          <ac:spMkLst>
-            <pc:docMk/>
-            <pc:sldMk cId="4190097553" sldId="303"/>
-            <ac:spMk id="10" creationId="{DD038A8F-615D-0E77-D277-A2AFF967B0D7}"/>
-          </ac:spMkLst>
-        </pc:spChg>
-        <pc:spChg chg="mod">
-          <ac:chgData name="尾嵜 成真" userId="dd95f81a979e9056" providerId="LiveId" clId="{CDA21BDE-563E-44C9-826A-4ED92E3D6D3A}" dt="2023-01-04T14:58:38.327" v="571" actId="1076"/>
-          <ac:spMkLst>
-            <pc:docMk/>
-            <pc:sldMk cId="4190097553" sldId="303"/>
-            <ac:spMk id="11" creationId="{8F4012D2-E45B-57FF-3B8C-E8092847CB68}"/>
-          </ac:spMkLst>
-        </pc:spChg>
-        <pc:spChg chg="add del mod">
-          <ac:chgData name="尾嵜 成真" userId="dd95f81a979e9056" providerId="LiveId" clId="{CDA21BDE-563E-44C9-826A-4ED92E3D6D3A}" dt="2023-01-04T14:46:21.159" v="417" actId="21"/>
-          <ac:spMkLst>
-            <pc:docMk/>
-            <pc:sldMk cId="4190097553" sldId="303"/>
-            <ac:spMk id="15" creationId="{4DDEEC26-53E6-3D8F-8587-F591B5E52D20}"/>
-          </ac:spMkLst>
-        </pc:spChg>
-        <pc:spChg chg="add del mod">
-          <ac:chgData name="尾嵜 成真" userId="dd95f81a979e9056" providerId="LiveId" clId="{CDA21BDE-563E-44C9-826A-4ED92E3D6D3A}" dt="2023-01-04T14:57:33.928" v="558" actId="21"/>
-          <ac:spMkLst>
-            <pc:docMk/>
-            <pc:sldMk cId="4190097553" sldId="303"/>
-            <ac:spMk id="18" creationId="{C2CA49C6-90E0-3D92-49D2-125487BBC082}"/>
-          </ac:spMkLst>
-        </pc:spChg>
-        <pc:spChg chg="add del mod">
-          <ac:chgData name="尾嵜 成真" userId="dd95f81a979e9056" providerId="LiveId" clId="{CDA21BDE-563E-44C9-826A-4ED92E3D6D3A}" dt="2023-01-04T14:58:44.328" v="572" actId="21"/>
-          <ac:spMkLst>
-            <pc:docMk/>
-            <pc:sldMk cId="4190097553" sldId="303"/>
-            <ac:spMk id="21" creationId="{7F9B698E-A140-7553-C696-4481E681F4BB}"/>
-          </ac:spMkLst>
-        </pc:spChg>
-        <pc:spChg chg="mod">
-          <ac:chgData name="尾嵜 成真" userId="dd95f81a979e9056" providerId="LiveId" clId="{CDA21BDE-563E-44C9-826A-4ED92E3D6D3A}" dt="2023-01-04T15:17:25.011" v="1104" actId="14100"/>
-          <ac:spMkLst>
-            <pc:docMk/>
-            <pc:sldMk cId="4190097553" sldId="303"/>
-            <ac:spMk id="22" creationId="{130837D4-140A-1DB8-3B90-658860BB5C5B}"/>
-          </ac:spMkLst>
-        </pc:spChg>
-        <pc:spChg chg="add mod">
-          <ac:chgData name="尾嵜 成真" userId="dd95f81a979e9056" providerId="LiveId" clId="{CDA21BDE-563E-44C9-826A-4ED92E3D6D3A}" dt="2023-01-04T14:58:50.376" v="574" actId="1076"/>
-          <ac:spMkLst>
-            <pc:docMk/>
-            <pc:sldMk cId="4190097553" sldId="303"/>
-            <ac:spMk id="25" creationId="{6AD23C59-3008-CD1A-E4B5-28FCCA95819E}"/>
-          </ac:spMkLst>
-        </pc:spChg>
-        <pc:spChg chg="mod">
-          <ac:chgData name="尾嵜 成真" userId="dd95f81a979e9056" providerId="LiveId" clId="{CDA21BDE-563E-44C9-826A-4ED92E3D6D3A}" dt="2023-01-04T14:40:28.676" v="386"/>
-          <ac:spMkLst>
-            <pc:docMk/>
-            <pc:sldMk cId="4190097553" sldId="303"/>
-            <ac:spMk id="26" creationId="{4C6CF6C6-84B1-9D0E-1D23-344066B0F396}"/>
-          </ac:spMkLst>
-        </pc:spChg>
-        <pc:spChg chg="del mod">
-          <ac:chgData name="尾嵜 成真" userId="dd95f81a979e9056" providerId="LiveId" clId="{CDA21BDE-563E-44C9-826A-4ED92E3D6D3A}" dt="2023-01-04T14:40:07.816" v="378" actId="21"/>
-          <ac:spMkLst>
-            <pc:docMk/>
-            <pc:sldMk cId="4190097553" sldId="303"/>
-            <ac:spMk id="28" creationId="{C265F40D-3F25-6778-A99F-C0FFAD5908E8}"/>
-          </ac:spMkLst>
-        </pc:spChg>
-        <pc:picChg chg="add del mod">
-          <ac:chgData name="尾嵜 成真" userId="dd95f81a979e9056" providerId="LiveId" clId="{CDA21BDE-563E-44C9-826A-4ED92E3D6D3A}" dt="2023-01-04T14:39:24.599" v="368" actId="478"/>
-          <ac:picMkLst>
-            <pc:docMk/>
-            <pc:sldMk cId="4190097553" sldId="303"/>
-            <ac:picMk id="3" creationId="{5F61E938-1CB2-5D4B-87E2-A4428859F370}"/>
-          </ac:picMkLst>
-        </pc:picChg>
-        <pc:picChg chg="add del mod">
-          <ac:chgData name="尾嵜 成真" userId="dd95f81a979e9056" providerId="LiveId" clId="{CDA21BDE-563E-44C9-826A-4ED92E3D6D3A}" dt="2023-01-04T14:41:34.353" v="387" actId="478"/>
-          <ac:picMkLst>
-            <pc:docMk/>
-            <pc:sldMk cId="4190097553" sldId="303"/>
-            <ac:picMk id="5" creationId="{83B4A0B9-E0A0-BC06-0733-902457139BA1}"/>
-          </ac:picMkLst>
-        </pc:picChg>
-        <pc:picChg chg="del">
-          <ac:chgData name="尾嵜 成真" userId="dd95f81a979e9056" providerId="LiveId" clId="{CDA21BDE-563E-44C9-826A-4ED92E3D6D3A}" dt="2023-01-04T14:33:43.772" v="20" actId="478"/>
-          <ac:picMkLst>
-            <pc:docMk/>
-            <pc:sldMk cId="4190097553" sldId="303"/>
-            <ac:picMk id="6" creationId="{A19635C5-D727-342D-DCAB-A69665FCF2FC}"/>
-          </ac:picMkLst>
-        </pc:picChg>
-        <pc:picChg chg="add del mod">
-          <ac:chgData name="尾嵜 成真" userId="dd95f81a979e9056" providerId="LiveId" clId="{CDA21BDE-563E-44C9-826A-4ED92E3D6D3A}" dt="2023-01-04T14:42:19.527" v="399" actId="478"/>
-          <ac:picMkLst>
-            <pc:docMk/>
-            <pc:sldMk cId="4190097553" sldId="303"/>
-            <ac:picMk id="9" creationId="{E8641E0F-AC24-92D7-1C24-D8EE51F1A343}"/>
-          </ac:picMkLst>
-        </pc:picChg>
-        <pc:picChg chg="add del mod">
-          <ac:chgData name="尾嵜 成真" userId="dd95f81a979e9056" providerId="LiveId" clId="{CDA21BDE-563E-44C9-826A-4ED92E3D6D3A}" dt="2023-01-04T14:46:01.872" v="409" actId="478"/>
-          <ac:picMkLst>
-            <pc:docMk/>
-            <pc:sldMk cId="4190097553" sldId="303"/>
-            <ac:picMk id="14" creationId="{00757E79-E267-7C8F-C8B8-68A6D7A13B64}"/>
-          </ac:picMkLst>
-        </pc:picChg>
-        <pc:picChg chg="add del mod">
-          <ac:chgData name="尾嵜 成真" userId="dd95f81a979e9056" providerId="LiveId" clId="{CDA21BDE-563E-44C9-826A-4ED92E3D6D3A}" dt="2023-01-04T14:57:15.829" v="552" actId="478"/>
-          <ac:picMkLst>
-            <pc:docMk/>
-            <pc:sldMk cId="4190097553" sldId="303"/>
-            <ac:picMk id="17" creationId="{9ADC44DE-BCA8-CDC5-D6E2-930D690B6BF3}"/>
-          </ac:picMkLst>
-        </pc:picChg>
-        <pc:picChg chg="add del mod">
-          <ac:chgData name="尾嵜 成真" userId="dd95f81a979e9056" providerId="LiveId" clId="{CDA21BDE-563E-44C9-826A-4ED92E3D6D3A}" dt="2023-01-04T14:58:14.949" v="561" actId="478"/>
-          <ac:picMkLst>
-            <pc:docMk/>
-            <pc:sldMk cId="4190097553" sldId="303"/>
-            <ac:picMk id="20" creationId="{8305A078-DF1F-ABC6-6C31-4E309BE391D9}"/>
-          </ac:picMkLst>
-        </pc:picChg>
-        <pc:picChg chg="add mod">
-          <ac:chgData name="尾嵜 成真" userId="dd95f81a979e9056" providerId="LiveId" clId="{CDA21BDE-563E-44C9-826A-4ED92E3D6D3A}" dt="2023-01-04T14:58:35.815" v="569" actId="1076"/>
-          <ac:picMkLst>
-            <pc:docMk/>
-            <pc:sldMk cId="4190097553" sldId="303"/>
-            <ac:picMk id="24" creationId="{75A56AED-8FCB-1181-6716-DED43235156D}"/>
-          </ac:picMkLst>
-        </pc:picChg>
-      </pc:sldChg>
-      <pc:sldChg chg="delSp modSp mod">
-        <pc:chgData name="尾嵜 成真" userId="dd95f81a979e9056" providerId="LiveId" clId="{CDA21BDE-563E-44C9-826A-4ED92E3D6D3A}" dt="2023-01-04T15:16:58.538" v="1103" actId="1076"/>
-        <pc:sldMkLst>
-          <pc:docMk/>
-          <pc:sldMk cId="1793902739" sldId="305"/>
-        </pc:sldMkLst>
-        <pc:spChg chg="mod">
-          <ac:chgData name="尾嵜 成真" userId="dd95f81a979e9056" providerId="LiveId" clId="{CDA21BDE-563E-44C9-826A-4ED92E3D6D3A}" dt="2023-01-04T14:49:37.225" v="440" actId="21"/>
-          <ac:spMkLst>
-            <pc:docMk/>
-            <pc:sldMk cId="1793902739" sldId="305"/>
-            <ac:spMk id="10" creationId="{4C8D8093-D708-E46A-39FD-79BFCCF8875B}"/>
-          </ac:spMkLst>
-        </pc:spChg>
-        <pc:graphicFrameChg chg="del mod">
-          <ac:chgData name="尾嵜 成真" userId="dd95f81a979e9056" providerId="LiveId" clId="{CDA21BDE-563E-44C9-826A-4ED92E3D6D3A}" dt="2023-01-04T14:50:05" v="447" actId="21"/>
-          <ac:graphicFrameMkLst>
-            <pc:docMk/>
-            <pc:sldMk cId="1793902739" sldId="305"/>
-            <ac:graphicFrameMk id="2" creationId="{7B87186C-A8B4-ED74-004E-2B74DDD0A081}"/>
-          </ac:graphicFrameMkLst>
-        </pc:graphicFrameChg>
-        <pc:graphicFrameChg chg="mod modGraphic">
-          <ac:chgData name="尾嵜 成真" userId="dd95f81a979e9056" providerId="LiveId" clId="{CDA21BDE-563E-44C9-826A-4ED92E3D6D3A}" dt="2023-01-04T14:54:39.855" v="547" actId="207"/>
-          <ac:graphicFrameMkLst>
-            <pc:docMk/>
-            <pc:sldMk cId="1793902739" sldId="305"/>
-            <ac:graphicFrameMk id="31" creationId="{48DC726C-6E54-B2D0-3B8B-B4BA03014533}"/>
-          </ac:graphicFrameMkLst>
-        </pc:graphicFrameChg>
-        <pc:graphicFrameChg chg="mod">
-          <ac:chgData name="尾嵜 成真" userId="dd95f81a979e9056" providerId="LiveId" clId="{CDA21BDE-563E-44C9-826A-4ED92E3D6D3A}" dt="2023-01-04T15:16:58.538" v="1103" actId="1076"/>
-          <ac:graphicFrameMkLst>
-            <pc:docMk/>
-            <pc:sldMk cId="1793902739" sldId="305"/>
-            <ac:graphicFrameMk id="32" creationId="{09633478-8EA1-EC49-9A21-449910C52C1D}"/>
-          </ac:graphicFrameMkLst>
-        </pc:graphicFrameChg>
-      </pc:sldChg>
-      <pc:sldChg chg="addSp delSp modSp mod">
-        <pc:chgData name="尾嵜 成真" userId="dd95f81a979e9056" providerId="LiveId" clId="{CDA21BDE-563E-44C9-826A-4ED92E3D6D3A}" dt="2023-01-04T14:59:25.102" v="576" actId="20577"/>
-        <pc:sldMkLst>
-          <pc:docMk/>
-          <pc:sldMk cId="3198427016" sldId="306"/>
-        </pc:sldMkLst>
-        <pc:spChg chg="mod">
-          <ac:chgData name="尾嵜 成真" userId="dd95f81a979e9056" providerId="LiveId" clId="{CDA21BDE-563E-44C9-826A-4ED92E3D6D3A}" dt="2023-01-04T14:51:15.400" v="466" actId="20577"/>
-          <ac:spMkLst>
-            <pc:docMk/>
-            <pc:sldMk cId="3198427016" sldId="306"/>
-            <ac:spMk id="10" creationId="{4C8D8093-D708-E46A-39FD-79BFCCF8875B}"/>
-          </ac:spMkLst>
-        </pc:spChg>
-        <pc:graphicFrameChg chg="mod modGraphic">
-          <ac:chgData name="尾嵜 成真" userId="dd95f81a979e9056" providerId="LiveId" clId="{CDA21BDE-563E-44C9-826A-4ED92E3D6D3A}" dt="2023-01-04T14:54:46.908" v="548" actId="207"/>
-          <ac:graphicFrameMkLst>
-            <pc:docMk/>
-            <pc:sldMk cId="3198427016" sldId="306"/>
-            <ac:graphicFrameMk id="2" creationId="{4A46E109-EF54-CBF0-8FCA-158AEC5AE535}"/>
-          </ac:graphicFrameMkLst>
-        </pc:graphicFrameChg>
-        <pc:graphicFrameChg chg="del mod">
-          <ac:chgData name="尾嵜 成真" userId="dd95f81a979e9056" providerId="LiveId" clId="{CDA21BDE-563E-44C9-826A-4ED92E3D6D3A}" dt="2023-01-04T14:52:01.781" v="476" actId="478"/>
-          <ac:graphicFrameMkLst>
-            <pc:docMk/>
-            <pc:sldMk cId="3198427016" sldId="306"/>
-            <ac:graphicFrameMk id="3" creationId="{31FFB8B3-1018-C2FE-AB2D-7D3A20AEB7E6}"/>
-          </ac:graphicFrameMkLst>
-        </pc:graphicFrameChg>
-        <pc:graphicFrameChg chg="mod modGraphic">
-          <ac:chgData name="尾嵜 成真" userId="dd95f81a979e9056" providerId="LiveId" clId="{CDA21BDE-563E-44C9-826A-4ED92E3D6D3A}" dt="2023-01-04T14:55:00.794" v="550" actId="207"/>
-          <ac:graphicFrameMkLst>
-            <pc:docMk/>
-            <pc:sldMk cId="3198427016" sldId="306"/>
-            <ac:graphicFrameMk id="4" creationId="{F9B8FF01-FAF6-78EA-838F-9757583E8040}"/>
-          </ac:graphicFrameMkLst>
-        </pc:graphicFrameChg>
-        <pc:graphicFrameChg chg="add mod modGraphic">
-          <ac:chgData name="尾嵜 成真" userId="dd95f81a979e9056" providerId="LiveId" clId="{CDA21BDE-563E-44C9-826A-4ED92E3D6D3A}" dt="2023-01-04T14:59:25.102" v="576" actId="20577"/>
-          <ac:graphicFrameMkLst>
-            <pc:docMk/>
-            <pc:sldMk cId="3198427016" sldId="306"/>
-            <ac:graphicFrameMk id="5" creationId="{BD37686A-DCE8-BE18-07EE-C87BAC7B8406}"/>
-          </ac:graphicFrameMkLst>
-        </pc:graphicFrameChg>
-        <pc:graphicFrameChg chg="del mod">
-          <ac:chgData name="尾嵜 成真" userId="dd95f81a979e9056" providerId="LiveId" clId="{CDA21BDE-563E-44C9-826A-4ED92E3D6D3A}" dt="2023-01-04T14:52:02.661" v="477" actId="478"/>
-          <ac:graphicFrameMkLst>
-            <pc:docMk/>
-            <pc:sldMk cId="3198427016" sldId="306"/>
-            <ac:graphicFrameMk id="6" creationId="{85F9FFB5-5C2B-1879-05B7-483F748F6536}"/>
-          </ac:graphicFrameMkLst>
-        </pc:graphicFrameChg>
-      </pc:sldChg>
-      <pc:sldChg chg="addSp delSp modSp mod">
-        <pc:chgData name="尾嵜 成真" userId="dd95f81a979e9056" providerId="LiveId" clId="{CDA21BDE-563E-44C9-826A-4ED92E3D6D3A}" dt="2023-01-05T15:24:24.427" v="2717" actId="20577"/>
-        <pc:sldMkLst>
-          <pc:docMk/>
-          <pc:sldMk cId="2225451864" sldId="307"/>
-        </pc:sldMkLst>
-        <pc:spChg chg="del">
-          <ac:chgData name="尾嵜 成真" userId="dd95f81a979e9056" providerId="LiveId" clId="{CDA21BDE-563E-44C9-826A-4ED92E3D6D3A}" dt="2023-01-05T09:25:06.613" v="1361" actId="478"/>
-          <ac:spMkLst>
-            <pc:docMk/>
-            <pc:sldMk cId="2225451864" sldId="307"/>
-            <ac:spMk id="4" creationId="{93197517-03A4-B20D-CF2A-660A8A1E510B}"/>
-          </ac:spMkLst>
-        </pc:spChg>
-        <pc:spChg chg="add del mod">
-          <ac:chgData name="尾嵜 成真" userId="dd95f81a979e9056" providerId="LiveId" clId="{CDA21BDE-563E-44C9-826A-4ED92E3D6D3A}" dt="2023-01-05T09:36:52.334" v="1440" actId="478"/>
-          <ac:spMkLst>
-            <pc:docMk/>
-            <pc:sldMk cId="2225451864" sldId="307"/>
-            <ac:spMk id="6" creationId="{4BEE6E87-FB95-6A9D-2935-6DF35BA37164}"/>
-          </ac:spMkLst>
-        </pc:spChg>
-        <pc:spChg chg="del">
-          <ac:chgData name="尾嵜 成真" userId="dd95f81a979e9056" providerId="LiveId" clId="{CDA21BDE-563E-44C9-826A-4ED92E3D6D3A}" dt="2023-01-05T09:25:06.613" v="1361" actId="478"/>
-          <ac:spMkLst>
-            <pc:docMk/>
-            <pc:sldMk cId="2225451864" sldId="307"/>
-            <ac:spMk id="7" creationId="{DC6D6A75-97F3-F980-9BE2-C9A4AB599422}"/>
-          </ac:spMkLst>
-        </pc:spChg>
-        <pc:spChg chg="add del mod">
-          <ac:chgData name="尾嵜 成真" userId="dd95f81a979e9056" providerId="LiveId" clId="{CDA21BDE-563E-44C9-826A-4ED92E3D6D3A}" dt="2023-01-05T09:37:11.347" v="1442" actId="21"/>
-          <ac:spMkLst>
-            <pc:docMk/>
-            <pc:sldMk cId="2225451864" sldId="307"/>
-            <ac:spMk id="8" creationId="{2898CE9B-09CF-23F2-4C6D-4432F24024F4}"/>
-          </ac:spMkLst>
-        </pc:spChg>
-        <pc:spChg chg="mod">
-          <ac:chgData name="尾嵜 成真" userId="dd95f81a979e9056" providerId="LiveId" clId="{CDA21BDE-563E-44C9-826A-4ED92E3D6D3A}" dt="2023-01-05T15:19:27.166" v="2673" actId="113"/>
-          <ac:spMkLst>
-            <pc:docMk/>
-            <pc:sldMk cId="2225451864" sldId="307"/>
-            <ac:spMk id="10" creationId="{4C8D8093-D708-E46A-39FD-79BFCCF8875B}"/>
-          </ac:spMkLst>
-        </pc:spChg>
-        <pc:spChg chg="add mod">
-          <ac:chgData name="尾嵜 成真" userId="dd95f81a979e9056" providerId="LiveId" clId="{CDA21BDE-563E-44C9-826A-4ED92E3D6D3A}" dt="2023-01-05T15:24:08.640" v="2704" actId="1076"/>
-          <ac:spMkLst>
-            <pc:docMk/>
-            <pc:sldMk cId="2225451864" sldId="307"/>
-            <ac:spMk id="15" creationId="{DEC3B5E4-274A-C993-C17C-0CA7C7012A4F}"/>
-          </ac:spMkLst>
-        </pc:spChg>
-        <pc:spChg chg="add mod">
-          <ac:chgData name="尾嵜 成真" userId="dd95f81a979e9056" providerId="LiveId" clId="{CDA21BDE-563E-44C9-826A-4ED92E3D6D3A}" dt="2023-01-05T15:24:08.640" v="2704" actId="1076"/>
-          <ac:spMkLst>
-            <pc:docMk/>
-            <pc:sldMk cId="2225451864" sldId="307"/>
-            <ac:spMk id="18" creationId="{3AB6F5ED-E908-DE64-E150-B404D6EB3693}"/>
-          </ac:spMkLst>
-        </pc:spChg>
-        <pc:spChg chg="add del mod">
-          <ac:chgData name="尾嵜 成真" userId="dd95f81a979e9056" providerId="LiveId" clId="{CDA21BDE-563E-44C9-826A-4ED92E3D6D3A}" dt="2023-01-05T09:45:44.725" v="1652" actId="478"/>
-          <ac:spMkLst>
-            <pc:docMk/>
-            <pc:sldMk cId="2225451864" sldId="307"/>
-            <ac:spMk id="22" creationId="{CCE6C752-88EB-B37A-9807-DFADA32BAD47}"/>
-          </ac:spMkLst>
-        </pc:spChg>
-        <pc:spChg chg="add del mod">
-          <ac:chgData name="尾嵜 成真" userId="dd95f81a979e9056" providerId="LiveId" clId="{CDA21BDE-563E-44C9-826A-4ED92E3D6D3A}" dt="2023-01-05T09:45:47.860" v="1653" actId="478"/>
-          <ac:spMkLst>
-            <pc:docMk/>
-            <pc:sldMk cId="2225451864" sldId="307"/>
-            <ac:spMk id="23" creationId="{87427FD9-FCCD-D6F8-218B-A12E630F83C8}"/>
-          </ac:spMkLst>
-        </pc:spChg>
-        <pc:spChg chg="add mod">
-          <ac:chgData name="尾嵜 成真" userId="dd95f81a979e9056" providerId="LiveId" clId="{CDA21BDE-563E-44C9-826A-4ED92E3D6D3A}" dt="2023-01-05T15:24:08.640" v="2704" actId="1076"/>
-          <ac:spMkLst>
-            <pc:docMk/>
-            <pc:sldMk cId="2225451864" sldId="307"/>
-            <ac:spMk id="25" creationId="{F9BE642C-7639-1304-DB57-7016DCD55BB7}"/>
-          </ac:spMkLst>
-        </pc:spChg>
-        <pc:spChg chg="add mod">
-          <ac:chgData name="尾嵜 成真" userId="dd95f81a979e9056" providerId="LiveId" clId="{CDA21BDE-563E-44C9-826A-4ED92E3D6D3A}" dt="2023-01-05T15:24:08.640" v="2704" actId="1076"/>
-          <ac:spMkLst>
-            <pc:docMk/>
-            <pc:sldMk cId="2225451864" sldId="307"/>
-            <ac:spMk id="26" creationId="{C3ACD9B5-3158-A77D-5649-565BEF9502BA}"/>
-          </ac:spMkLst>
-        </pc:spChg>
-        <pc:spChg chg="add mod">
-          <ac:chgData name="尾嵜 成真" userId="dd95f81a979e9056" providerId="LiveId" clId="{CDA21BDE-563E-44C9-826A-4ED92E3D6D3A}" dt="2023-01-05T15:24:08.640" v="2704" actId="1076"/>
-          <ac:spMkLst>
-            <pc:docMk/>
-            <pc:sldMk cId="2225451864" sldId="307"/>
-            <ac:spMk id="27" creationId="{46F68E5E-84BE-8BB3-AB88-491F40EA702B}"/>
-          </ac:spMkLst>
-        </pc:spChg>
-        <pc:spChg chg="mod">
-          <ac:chgData name="尾嵜 成真" userId="dd95f81a979e9056" providerId="LiveId" clId="{CDA21BDE-563E-44C9-826A-4ED92E3D6D3A}" dt="2023-01-04T15:25:45.915" v="1185" actId="20577"/>
-          <ac:spMkLst>
-            <pc:docMk/>
-            <pc:sldMk cId="2225451864" sldId="307"/>
-            <ac:spMk id="28" creationId="{B0F217A8-646C-15BA-6733-F4B0F1014565}"/>
-          </ac:spMkLst>
-        </pc:spChg>
-        <pc:spChg chg="mod">
-          <ac:chgData name="尾嵜 成真" userId="dd95f81a979e9056" providerId="LiveId" clId="{CDA21BDE-563E-44C9-826A-4ED92E3D6D3A}" dt="2023-01-05T09:25:22.507" v="1372" actId="20577"/>
-          <ac:spMkLst>
-            <pc:docMk/>
-            <pc:sldMk cId="2225451864" sldId="307"/>
-            <ac:spMk id="29" creationId="{A17934AB-FCC8-3776-1635-6E61D9A7D43B}"/>
-          </ac:spMkLst>
-        </pc:spChg>
-        <pc:spChg chg="add mod">
-          <ac:chgData name="尾嵜 成真" userId="dd95f81a979e9056" providerId="LiveId" clId="{CDA21BDE-563E-44C9-826A-4ED92E3D6D3A}" dt="2023-01-05T15:24:08.640" v="2704" actId="1076"/>
-          <ac:spMkLst>
-            <pc:docMk/>
-            <pc:sldMk cId="2225451864" sldId="307"/>
-            <ac:spMk id="31" creationId="{29E73B99-74F3-E133-5B67-1ED0377319DC}"/>
-          </ac:spMkLst>
-        </pc:spChg>
-        <pc:spChg chg="add mod">
-          <ac:chgData name="尾嵜 成真" userId="dd95f81a979e9056" providerId="LiveId" clId="{CDA21BDE-563E-44C9-826A-4ED92E3D6D3A}" dt="2023-01-05T15:24:08.640" v="2704" actId="1076"/>
-          <ac:spMkLst>
-            <pc:docMk/>
-            <pc:sldMk cId="2225451864" sldId="307"/>
-            <ac:spMk id="32" creationId="{D2C3250E-7320-4392-254A-DCF14C8A61E1}"/>
-          </ac:spMkLst>
-        </pc:spChg>
-        <pc:spChg chg="add mod">
-          <ac:chgData name="尾嵜 成真" userId="dd95f81a979e9056" providerId="LiveId" clId="{CDA21BDE-563E-44C9-826A-4ED92E3D6D3A}" dt="2023-01-05T15:24:08.640" v="2704" actId="1076"/>
-          <ac:spMkLst>
-            <pc:docMk/>
-            <pc:sldMk cId="2225451864" sldId="307"/>
-            <ac:spMk id="33" creationId="{365968AE-10FD-5841-FCE2-3A7D3DD0AA12}"/>
-          </ac:spMkLst>
-        </pc:spChg>
-        <pc:spChg chg="add mod">
-          <ac:chgData name="尾嵜 成真" userId="dd95f81a979e9056" providerId="LiveId" clId="{CDA21BDE-563E-44C9-826A-4ED92E3D6D3A}" dt="2023-01-05T15:24:24.427" v="2717" actId="20577"/>
-          <ac:spMkLst>
-            <pc:docMk/>
-            <pc:sldMk cId="2225451864" sldId="307"/>
-            <ac:spMk id="35" creationId="{98B349DC-1F46-B5D4-ECBB-615EF45330F3}"/>
-          </ac:spMkLst>
-        </pc:spChg>
-        <pc:picChg chg="add del mod">
-          <ac:chgData name="尾嵜 成真" userId="dd95f81a979e9056" providerId="LiveId" clId="{CDA21BDE-563E-44C9-826A-4ED92E3D6D3A}" dt="2023-01-05T09:35:25.824" v="1433" actId="478"/>
-          <ac:picMkLst>
-            <pc:docMk/>
-            <pc:sldMk cId="2225451864" sldId="307"/>
-            <ac:picMk id="2" creationId="{2591FE62-80F0-D573-140C-752C4F36879E}"/>
-          </ac:picMkLst>
-        </pc:picChg>
-        <pc:picChg chg="add del mod">
-          <ac:chgData name="尾嵜 成真" userId="dd95f81a979e9056" providerId="LiveId" clId="{CDA21BDE-563E-44C9-826A-4ED92E3D6D3A}" dt="2023-01-05T09:37:11.347" v="1442" actId="21"/>
-          <ac:picMkLst>
-            <pc:docMk/>
-            <pc:sldMk cId="2225451864" sldId="307"/>
-            <ac:picMk id="3" creationId="{606325E6-8F2A-C4E7-C585-C789CC57C92C}"/>
-          </ac:picMkLst>
-        </pc:picChg>
-        <pc:picChg chg="add del mod">
-          <ac:chgData name="尾嵜 成真" userId="dd95f81a979e9056" providerId="LiveId" clId="{CDA21BDE-563E-44C9-826A-4ED92E3D6D3A}" dt="2023-01-05T09:37:11.347" v="1442" actId="21"/>
-          <ac:picMkLst>
-            <pc:docMk/>
-            <pc:sldMk cId="2225451864" sldId="307"/>
-            <ac:picMk id="5" creationId="{2B58696C-2826-4A1A-15CF-70905CE3C84D}"/>
-          </ac:picMkLst>
-        </pc:picChg>
-        <pc:picChg chg="del">
-          <ac:chgData name="尾嵜 成真" userId="dd95f81a979e9056" providerId="LiveId" clId="{CDA21BDE-563E-44C9-826A-4ED92E3D6D3A}" dt="2023-01-05T09:25:06.613" v="1361" actId="478"/>
-          <ac:picMkLst>
-            <pc:docMk/>
-            <pc:sldMk cId="2225451864" sldId="307"/>
-            <ac:picMk id="9" creationId="{911CBB3D-E9FC-A2FC-E63D-5544D5DE1A68}"/>
-          </ac:picMkLst>
-        </pc:picChg>
-        <pc:picChg chg="add del mod">
-          <ac:chgData name="尾嵜 成真" userId="dd95f81a979e9056" providerId="LiveId" clId="{CDA21BDE-563E-44C9-826A-4ED92E3D6D3A}" dt="2023-01-05T09:37:11.347" v="1442" actId="21"/>
-          <ac:picMkLst>
-            <pc:docMk/>
-            <pc:sldMk cId="2225451864" sldId="307"/>
-            <ac:picMk id="11" creationId="{E3652F52-0E6C-1D2E-86A3-0A863205363E}"/>
-          </ac:picMkLst>
-        </pc:picChg>
-        <pc:picChg chg="add del mod">
-          <ac:chgData name="尾嵜 成真" userId="dd95f81a979e9056" providerId="LiveId" clId="{CDA21BDE-563E-44C9-826A-4ED92E3D6D3A}" dt="2023-01-05T09:37:11.347" v="1442" actId="21"/>
-          <ac:picMkLst>
-            <pc:docMk/>
-            <pc:sldMk cId="2225451864" sldId="307"/>
-            <ac:picMk id="12" creationId="{90F15259-A335-D760-F92E-A21F71DD0E4E}"/>
-          </ac:picMkLst>
-        </pc:picChg>
-        <pc:picChg chg="del">
-          <ac:chgData name="尾嵜 成真" userId="dd95f81a979e9056" providerId="LiveId" clId="{CDA21BDE-563E-44C9-826A-4ED92E3D6D3A}" dt="2023-01-05T09:25:06.613" v="1361" actId="478"/>
-          <ac:picMkLst>
-            <pc:docMk/>
-            <pc:sldMk cId="2225451864" sldId="307"/>
-            <ac:picMk id="13" creationId="{41B2F451-564F-7C57-7B2D-024D3A95D12C}"/>
-          </ac:picMkLst>
-        </pc:picChg>
-        <pc:picChg chg="add del mod">
-          <ac:chgData name="尾嵜 成真" userId="dd95f81a979e9056" providerId="LiveId" clId="{CDA21BDE-563E-44C9-826A-4ED92E3D6D3A}" dt="2023-01-05T09:37:11.347" v="1442" actId="21"/>
-          <ac:picMkLst>
-            <pc:docMk/>
-            <pc:sldMk cId="2225451864" sldId="307"/>
-            <ac:picMk id="14" creationId="{A32D243C-DE40-B082-CAB0-E7978DE7B708}"/>
-          </ac:picMkLst>
-        </pc:picChg>
-        <pc:picChg chg="add mod">
-          <ac:chgData name="尾嵜 成真" userId="dd95f81a979e9056" providerId="LiveId" clId="{CDA21BDE-563E-44C9-826A-4ED92E3D6D3A}" dt="2023-01-05T15:24:08.640" v="2704" actId="1076"/>
-          <ac:picMkLst>
-            <pc:docMk/>
-            <pc:sldMk cId="2225451864" sldId="307"/>
-            <ac:picMk id="16" creationId="{E2C0FBF3-DF93-1DBE-CCD2-70BA769CF362}"/>
-          </ac:picMkLst>
-        </pc:picChg>
-        <pc:picChg chg="add mod">
-          <ac:chgData name="尾嵜 成真" userId="dd95f81a979e9056" providerId="LiveId" clId="{CDA21BDE-563E-44C9-826A-4ED92E3D6D3A}" dt="2023-01-05T15:24:08.640" v="2704" actId="1076"/>
-          <ac:picMkLst>
-            <pc:docMk/>
-            <pc:sldMk cId="2225451864" sldId="307"/>
-            <ac:picMk id="17" creationId="{705495D6-8C6B-E871-1A96-DA1CD74AEBF5}"/>
-          </ac:picMkLst>
-        </pc:picChg>
-        <pc:picChg chg="add del mod">
-          <ac:chgData name="尾嵜 成真" userId="dd95f81a979e9056" providerId="LiveId" clId="{CDA21BDE-563E-44C9-826A-4ED92E3D6D3A}" dt="2023-01-05T09:41:19.964" v="1499" actId="478"/>
-          <ac:picMkLst>
-            <pc:docMk/>
-            <pc:sldMk cId="2225451864" sldId="307"/>
-            <ac:picMk id="19" creationId="{6683B3DE-F693-ABF3-83F0-4D99FE6AB872}"/>
-          </ac:picMkLst>
-        </pc:picChg>
-        <pc:picChg chg="add del mod">
-          <ac:chgData name="尾嵜 成真" userId="dd95f81a979e9056" providerId="LiveId" clId="{CDA21BDE-563E-44C9-826A-4ED92E3D6D3A}" dt="2023-01-05T09:38:27.255" v="1466" actId="478"/>
-          <ac:picMkLst>
-            <pc:docMk/>
-            <pc:sldMk cId="2225451864" sldId="307"/>
-            <ac:picMk id="20" creationId="{F636BDBE-CE50-3FFD-2E4A-7BB20B2BACC7}"/>
-          </ac:picMkLst>
-        </pc:picChg>
-        <pc:picChg chg="add mod">
-          <ac:chgData name="尾嵜 成真" userId="dd95f81a979e9056" providerId="LiveId" clId="{CDA21BDE-563E-44C9-826A-4ED92E3D6D3A}" dt="2023-01-05T15:24:08.640" v="2704" actId="1076"/>
-          <ac:picMkLst>
-            <pc:docMk/>
-            <pc:sldMk cId="2225451864" sldId="307"/>
-            <ac:picMk id="21" creationId="{7A83F2A4-5DD3-D555-4E4B-CEBF3BFA6847}"/>
-          </ac:picMkLst>
-        </pc:picChg>
-        <pc:picChg chg="add del mod">
-          <ac:chgData name="尾嵜 成真" userId="dd95f81a979e9056" providerId="LiveId" clId="{CDA21BDE-563E-44C9-826A-4ED92E3D6D3A}" dt="2023-01-05T09:46:06" v="1660" actId="478"/>
-          <ac:picMkLst>
-            <pc:docMk/>
-            <pc:sldMk cId="2225451864" sldId="307"/>
-            <ac:picMk id="24" creationId="{CCC74D3C-E1E5-6D6C-7BE4-73BD80C06737}"/>
-          </ac:picMkLst>
-        </pc:picChg>
-        <pc:picChg chg="add del mod">
-          <ac:chgData name="尾嵜 成真" userId="dd95f81a979e9056" providerId="LiveId" clId="{CDA21BDE-563E-44C9-826A-4ED92E3D6D3A}" dt="2023-01-05T09:42:41.950" v="1548"/>
-          <ac:picMkLst>
-            <pc:docMk/>
-            <pc:sldMk cId="2225451864" sldId="307"/>
-            <ac:picMk id="30" creationId="{11AD5FA9-6A6B-B3D9-E54A-CE7D6E86F90E}"/>
-          </ac:picMkLst>
-        </pc:picChg>
-        <pc:picChg chg="add mod">
-          <ac:chgData name="尾嵜 成真" userId="dd95f81a979e9056" providerId="LiveId" clId="{CDA21BDE-563E-44C9-826A-4ED92E3D6D3A}" dt="2023-01-05T15:24:08.640" v="2704" actId="1076"/>
-          <ac:picMkLst>
-            <pc:docMk/>
-            <pc:sldMk cId="2225451864" sldId="307"/>
-            <ac:picMk id="34" creationId="{20D193DA-1BEC-9A63-C970-27CAB285ABDD}"/>
-          </ac:picMkLst>
-        </pc:picChg>
-      </pc:sldChg>
-      <pc:sldChg chg="del">
-        <pc:chgData name="尾嵜 成真" userId="dd95f81a979e9056" providerId="LiveId" clId="{CDA21BDE-563E-44C9-826A-4ED92E3D6D3A}" dt="2023-01-04T14:51:20.952" v="468" actId="47"/>
-        <pc:sldMkLst>
-          <pc:docMk/>
-          <pc:sldMk cId="4185851663" sldId="390"/>
-        </pc:sldMkLst>
-      </pc:sldChg>
-      <pc:sldChg chg="addSp delSp modSp mod">
-        <pc:chgData name="尾嵜 成真" userId="dd95f81a979e9056" providerId="LiveId" clId="{CDA21BDE-563E-44C9-826A-4ED92E3D6D3A}" dt="2023-01-07T08:19:24.219" v="5684" actId="20577"/>
-        <pc:sldMkLst>
-          <pc:docMk/>
-          <pc:sldMk cId="3006967339" sldId="392"/>
-        </pc:sldMkLst>
-        <pc:spChg chg="del">
-          <ac:chgData name="尾嵜 成真" userId="dd95f81a979e9056" providerId="LiveId" clId="{CDA21BDE-563E-44C9-826A-4ED92E3D6D3A}" dt="2023-01-07T07:13:30.920" v="3900" actId="478"/>
-          <ac:spMkLst>
-            <pc:docMk/>
-            <pc:sldMk cId="3006967339" sldId="392"/>
-            <ac:spMk id="5" creationId="{70260686-8B7E-DF5A-6E75-301B0992F6A8}"/>
-          </ac:spMkLst>
-        </pc:spChg>
-        <pc:spChg chg="del">
-          <ac:chgData name="尾嵜 成真" userId="dd95f81a979e9056" providerId="LiveId" clId="{CDA21BDE-563E-44C9-826A-4ED92E3D6D3A}" dt="2023-01-07T07:13:30.920" v="3900" actId="478"/>
-          <ac:spMkLst>
-            <pc:docMk/>
-            <pc:sldMk cId="3006967339" sldId="392"/>
-            <ac:spMk id="6" creationId="{4A82FFB9-9FED-53F9-A2A2-FC325D82FC40}"/>
-          </ac:spMkLst>
-        </pc:spChg>
-        <pc:spChg chg="add mod">
-          <ac:chgData name="尾嵜 成真" userId="dd95f81a979e9056" providerId="LiveId" clId="{CDA21BDE-563E-44C9-826A-4ED92E3D6D3A}" dt="2023-01-07T07:31:58.260" v="4330" actId="1076"/>
-          <ac:spMkLst>
-            <pc:docMk/>
-            <pc:sldMk cId="3006967339" sldId="392"/>
-            <ac:spMk id="9" creationId="{51CC8720-D960-3B1F-ECC4-2B10E37E2383}"/>
-          </ac:spMkLst>
-        </pc:spChg>
-        <pc:spChg chg="mod">
-          <ac:chgData name="尾嵜 成真" userId="dd95f81a979e9056" providerId="LiveId" clId="{CDA21BDE-563E-44C9-826A-4ED92E3D6D3A}" dt="2023-01-07T08:19:24.219" v="5684" actId="20577"/>
-          <ac:spMkLst>
-            <pc:docMk/>
-            <pc:sldMk cId="3006967339" sldId="392"/>
-            <ac:spMk id="10" creationId="{4C8D8093-D708-E46A-39FD-79BFCCF8875B}"/>
-          </ac:spMkLst>
-        </pc:spChg>
-        <pc:spChg chg="add mod">
-          <ac:chgData name="尾嵜 成真" userId="dd95f81a979e9056" providerId="LiveId" clId="{CDA21BDE-563E-44C9-826A-4ED92E3D6D3A}" dt="2023-01-07T07:32:12.958" v="4333" actId="1076"/>
-          <ac:spMkLst>
-            <pc:docMk/>
-            <pc:sldMk cId="3006967339" sldId="392"/>
-            <ac:spMk id="11" creationId="{0DE371C4-79F2-6F2B-8A65-7596EE584538}"/>
-          </ac:spMkLst>
-        </pc:spChg>
-        <pc:spChg chg="add mod">
-          <ac:chgData name="尾嵜 成真" userId="dd95f81a979e9056" providerId="LiveId" clId="{CDA21BDE-563E-44C9-826A-4ED92E3D6D3A}" dt="2023-01-07T07:31:58.260" v="4330" actId="1076"/>
-          <ac:spMkLst>
-            <pc:docMk/>
-            <pc:sldMk cId="3006967339" sldId="392"/>
-            <ac:spMk id="12" creationId="{2CE9D764-2630-8C92-F237-60EFE1E06B6F}"/>
-          </ac:spMkLst>
-        </pc:spChg>
-        <pc:spChg chg="add mod">
-          <ac:chgData name="尾嵜 成真" userId="dd95f81a979e9056" providerId="LiveId" clId="{CDA21BDE-563E-44C9-826A-4ED92E3D6D3A}" dt="2023-01-07T07:32:19.207" v="4341" actId="14100"/>
-          <ac:spMkLst>
-            <pc:docMk/>
-            <pc:sldMk cId="3006967339" sldId="392"/>
-            <ac:spMk id="13" creationId="{56E12E4A-6B7F-0DF9-73C1-EA6773B54758}"/>
-          </ac:spMkLst>
-        </pc:spChg>
-        <pc:spChg chg="mod">
-          <ac:chgData name="尾嵜 成真" userId="dd95f81a979e9056" providerId="LiveId" clId="{CDA21BDE-563E-44C9-826A-4ED92E3D6D3A}" dt="2023-01-04T15:25:53.665" v="1191" actId="20577"/>
-          <ac:spMkLst>
-            <pc:docMk/>
-            <pc:sldMk cId="3006967339" sldId="392"/>
-            <ac:spMk id="28" creationId="{B0F217A8-646C-15BA-6733-F4B0F1014565}"/>
-          </ac:spMkLst>
-        </pc:spChg>
-        <pc:spChg chg="mod">
-          <ac:chgData name="尾嵜 成真" userId="dd95f81a979e9056" providerId="LiveId" clId="{CDA21BDE-563E-44C9-826A-4ED92E3D6D3A}" dt="2023-01-04T15:29:32.701" v="1264" actId="20577"/>
-          <ac:spMkLst>
-            <pc:docMk/>
-            <pc:sldMk cId="3006967339" sldId="392"/>
-            <ac:spMk id="29" creationId="{A17934AB-FCC8-3776-1635-6E61D9A7D43B}"/>
-          </ac:spMkLst>
-        </pc:spChg>
-        <pc:picChg chg="del">
-          <ac:chgData name="尾嵜 成真" userId="dd95f81a979e9056" providerId="LiveId" clId="{CDA21BDE-563E-44C9-826A-4ED92E3D6D3A}" dt="2023-01-07T07:13:30.920" v="3900" actId="478"/>
-          <ac:picMkLst>
-            <pc:docMk/>
-            <pc:sldMk cId="3006967339" sldId="392"/>
-            <ac:picMk id="3" creationId="{21152B24-6D84-6FB1-91FF-9C816BE6D5C5}"/>
-          </ac:picMkLst>
-        </pc:picChg>
-        <pc:picChg chg="add mod">
-          <ac:chgData name="尾嵜 成真" userId="dd95f81a979e9056" providerId="LiveId" clId="{CDA21BDE-563E-44C9-826A-4ED92E3D6D3A}" dt="2023-01-07T07:31:58.260" v="4330" actId="1076"/>
-          <ac:picMkLst>
-            <pc:docMk/>
-            <pc:sldMk cId="3006967339" sldId="392"/>
-            <ac:picMk id="4" creationId="{161DDD5B-5097-1FF5-525F-B09EDF83CB6A}"/>
-          </ac:picMkLst>
-        </pc:picChg>
-        <pc:picChg chg="add mod">
-          <ac:chgData name="尾嵜 成真" userId="dd95f81a979e9056" providerId="LiveId" clId="{CDA21BDE-563E-44C9-826A-4ED92E3D6D3A}" dt="2023-01-07T07:31:58.260" v="4330" actId="1076"/>
-          <ac:picMkLst>
-            <pc:docMk/>
-            <pc:sldMk cId="3006967339" sldId="392"/>
-            <ac:picMk id="8" creationId="{1A5DF081-0081-9EBF-7762-1188621931ED}"/>
-          </ac:picMkLst>
-        </pc:picChg>
-        <pc:picChg chg="add mod">
-          <ac:chgData name="尾嵜 成真" userId="dd95f81a979e9056" providerId="LiveId" clId="{CDA21BDE-563E-44C9-826A-4ED92E3D6D3A}" dt="2023-01-07T07:32:12.958" v="4333" actId="1076"/>
-          <ac:picMkLst>
-            <pc:docMk/>
-            <pc:sldMk cId="3006967339" sldId="392"/>
-            <ac:picMk id="1026" creationId="{113BBAAA-5194-2C6E-BB50-F310609CB118}"/>
-          </ac:picMkLst>
-        </pc:picChg>
-      </pc:sldChg>
-      <pc:sldChg chg="del">
-        <pc:chgData name="尾嵜 成真" userId="dd95f81a979e9056" providerId="LiveId" clId="{CDA21BDE-563E-44C9-826A-4ED92E3D6D3A}" dt="2023-01-04T15:36:49.999" v="1353" actId="47"/>
-        <pc:sldMkLst>
-          <pc:docMk/>
-          <pc:sldMk cId="200167436" sldId="393"/>
-        </pc:sldMkLst>
-      </pc:sldChg>
-      <pc:sldChg chg="addSp delSp modSp add mod">
-        <pc:chgData name="尾嵜 成真" userId="dd95f81a979e9056" providerId="LiveId" clId="{CDA21BDE-563E-44C9-826A-4ED92E3D6D3A}" dt="2023-01-04T15:00:02.309" v="578" actId="207"/>
-        <pc:sldMkLst>
-          <pc:docMk/>
-          <pc:sldMk cId="1778224841" sldId="394"/>
-        </pc:sldMkLst>
-        <pc:spChg chg="mod">
-          <ac:chgData name="尾嵜 成真" userId="dd95f81a979e9056" providerId="LiveId" clId="{CDA21BDE-563E-44C9-826A-4ED92E3D6D3A}" dt="2023-01-04T14:53:43.972" v="524" actId="20577"/>
-          <ac:spMkLst>
-            <pc:docMk/>
-            <pc:sldMk cId="1778224841" sldId="394"/>
-            <ac:spMk id="10" creationId="{4C8D8093-D708-E46A-39FD-79BFCCF8875B}"/>
-          </ac:spMkLst>
-        </pc:spChg>
-        <pc:graphicFrameChg chg="del">
-          <ac:chgData name="尾嵜 成真" userId="dd95f81a979e9056" providerId="LiveId" clId="{CDA21BDE-563E-44C9-826A-4ED92E3D6D3A}" dt="2023-01-04T14:51:42.627" v="472" actId="478"/>
-          <ac:graphicFrameMkLst>
-            <pc:docMk/>
-            <pc:sldMk cId="1778224841" sldId="394"/>
-            <ac:graphicFrameMk id="2" creationId="{4A46E109-EF54-CBF0-8FCA-158AEC5AE535}"/>
-          </ac:graphicFrameMkLst>
-        </pc:graphicFrameChg>
-        <pc:graphicFrameChg chg="add del">
-          <ac:chgData name="尾嵜 成真" userId="dd95f81a979e9056" providerId="LiveId" clId="{CDA21BDE-563E-44C9-826A-4ED92E3D6D3A}" dt="2023-01-04T14:51:31.060" v="471" actId="21"/>
-          <ac:graphicFrameMkLst>
-            <pc:docMk/>
-            <pc:sldMk cId="1778224841" sldId="394"/>
-            <ac:graphicFrameMk id="3" creationId="{31FFB8B3-1018-C2FE-AB2D-7D3A20AEB7E6}"/>
-          </ac:graphicFrameMkLst>
-        </pc:graphicFrameChg>
-        <pc:graphicFrameChg chg="del">
-          <ac:chgData name="尾嵜 成真" userId="dd95f81a979e9056" providerId="LiveId" clId="{CDA21BDE-563E-44C9-826A-4ED92E3D6D3A}" dt="2023-01-04T14:51:42.627" v="472" actId="478"/>
-          <ac:graphicFrameMkLst>
-            <pc:docMk/>
-            <pc:sldMk cId="1778224841" sldId="394"/>
-            <ac:graphicFrameMk id="4" creationId="{F9B8FF01-FAF6-78EA-838F-9757583E8040}"/>
-          </ac:graphicFrameMkLst>
-        </pc:graphicFrameChg>
-        <pc:graphicFrameChg chg="del">
-          <ac:chgData name="尾嵜 成真" userId="dd95f81a979e9056" providerId="LiveId" clId="{CDA21BDE-563E-44C9-826A-4ED92E3D6D3A}" dt="2023-01-04T14:51:42.627" v="472" actId="478"/>
-          <ac:graphicFrameMkLst>
-            <pc:docMk/>
-            <pc:sldMk cId="1778224841" sldId="394"/>
-            <ac:graphicFrameMk id="5" creationId="{BD37686A-DCE8-BE18-07EE-C87BAC7B8406}"/>
-          </ac:graphicFrameMkLst>
-        </pc:graphicFrameChg>
-        <pc:graphicFrameChg chg="del">
-          <ac:chgData name="尾嵜 成真" userId="dd95f81a979e9056" providerId="LiveId" clId="{CDA21BDE-563E-44C9-826A-4ED92E3D6D3A}" dt="2023-01-04T14:51:31.060" v="471" actId="21"/>
-          <ac:graphicFrameMkLst>
-            <pc:docMk/>
-            <pc:sldMk cId="1778224841" sldId="394"/>
-            <ac:graphicFrameMk id="6" creationId="{85F9FFB5-5C2B-1879-05B7-483F748F6536}"/>
-          </ac:graphicFrameMkLst>
-        </pc:graphicFrameChg>
-        <pc:graphicFrameChg chg="add mod">
-          <ac:chgData name="尾嵜 成真" userId="dd95f81a979e9056" providerId="LiveId" clId="{CDA21BDE-563E-44C9-826A-4ED92E3D6D3A}" dt="2023-01-04T14:53:52.003" v="525" actId="1076"/>
-          <ac:graphicFrameMkLst>
-            <pc:docMk/>
-            <pc:sldMk cId="1778224841" sldId="394"/>
-            <ac:graphicFrameMk id="7" creationId="{1536C17C-50A0-3AD8-030E-ECEF6020BB1A}"/>
-          </ac:graphicFrameMkLst>
-        </pc:graphicFrameChg>
-        <pc:graphicFrameChg chg="add mod modGraphic">
-          <ac:chgData name="尾嵜 成真" userId="dd95f81a979e9056" providerId="LiveId" clId="{CDA21BDE-563E-44C9-826A-4ED92E3D6D3A}" dt="2023-01-04T14:54:09.627" v="537" actId="20577"/>
-          <ac:graphicFrameMkLst>
-            <pc:docMk/>
-            <pc:sldMk cId="1778224841" sldId="394"/>
-            <ac:graphicFrameMk id="8" creationId="{3FB2DDC3-01FE-7F56-2E07-B573E37FB0ED}"/>
-          </ac:graphicFrameMkLst>
-        </pc:graphicFrameChg>
-        <pc:graphicFrameChg chg="add mod modGraphic">
-          <ac:chgData name="尾嵜 成真" userId="dd95f81a979e9056" providerId="LiveId" clId="{CDA21BDE-563E-44C9-826A-4ED92E3D6D3A}" dt="2023-01-04T15:00:02.309" v="578" actId="207"/>
-          <ac:graphicFrameMkLst>
-            <pc:docMk/>
-            <pc:sldMk cId="1778224841" sldId="394"/>
-            <ac:graphicFrameMk id="9" creationId="{7373CF85-B4D4-9F92-8889-E7E4148A1054}"/>
-          </ac:graphicFrameMkLst>
-        </pc:graphicFrameChg>
-      </pc:sldChg>
-      <pc:sldChg chg="addSp delSp modSp add mod">
-        <pc:chgData name="尾嵜 成真" userId="dd95f81a979e9056" providerId="LiveId" clId="{CDA21BDE-563E-44C9-826A-4ED92E3D6D3A}" dt="2023-01-04T15:14:02.149" v="1102" actId="20577"/>
-        <pc:sldMkLst>
-          <pc:docMk/>
-          <pc:sldMk cId="1148648546" sldId="395"/>
-        </pc:sldMkLst>
-        <pc:spChg chg="mod">
-          <ac:chgData name="尾嵜 成真" userId="dd95f81a979e9056" providerId="LiveId" clId="{CDA21BDE-563E-44C9-826A-4ED92E3D6D3A}" dt="2023-01-04T15:14:02.149" v="1102" actId="20577"/>
-          <ac:spMkLst>
-            <pc:docMk/>
-            <pc:sldMk cId="1148648546" sldId="395"/>
-            <ac:spMk id="10" creationId="{4C8D8093-D708-E46A-39FD-79BFCCF8875B}"/>
-          </ac:spMkLst>
-        </pc:spChg>
-        <pc:graphicFrameChg chg="add mod modGraphic">
-          <ac:chgData name="尾嵜 成真" userId="dd95f81a979e9056" providerId="LiveId" clId="{CDA21BDE-563E-44C9-826A-4ED92E3D6D3A}" dt="2023-01-04T15:06:11.976" v="738" actId="20577"/>
-          <ac:graphicFrameMkLst>
-            <pc:docMk/>
-            <pc:sldMk cId="1148648546" sldId="395"/>
-            <ac:graphicFrameMk id="2" creationId="{3DDB769E-1CF3-B14F-F320-D782BF6C5667}"/>
-          </ac:graphicFrameMkLst>
-        </pc:graphicFrameChg>
-        <pc:graphicFrameChg chg="add mod modGraphic">
-          <ac:chgData name="尾嵜 成真" userId="dd95f81a979e9056" providerId="LiveId" clId="{CDA21BDE-563E-44C9-826A-4ED92E3D6D3A}" dt="2023-01-04T15:10:25.946" v="923" actId="20577"/>
-          <ac:graphicFrameMkLst>
-            <pc:docMk/>
-            <pc:sldMk cId="1148648546" sldId="395"/>
-            <ac:graphicFrameMk id="3" creationId="{D3B36031-627F-6834-8FFF-9FB042186059}"/>
-          </ac:graphicFrameMkLst>
-        </pc:graphicFrameChg>
-        <pc:graphicFrameChg chg="add mod modGraphic">
-          <ac:chgData name="尾嵜 成真" userId="dd95f81a979e9056" providerId="LiveId" clId="{CDA21BDE-563E-44C9-826A-4ED92E3D6D3A}" dt="2023-01-04T15:13:29.397" v="1099" actId="20577"/>
-          <ac:graphicFrameMkLst>
-            <pc:docMk/>
-            <pc:sldMk cId="1148648546" sldId="395"/>
-            <ac:graphicFrameMk id="4" creationId="{946D63E4-2E41-7822-CD16-90215A147784}"/>
-          </ac:graphicFrameMkLst>
-        </pc:graphicFrameChg>
-        <pc:graphicFrameChg chg="mod modGraphic">
-          <ac:chgData name="尾嵜 成真" userId="dd95f81a979e9056" providerId="LiveId" clId="{CDA21BDE-563E-44C9-826A-4ED92E3D6D3A}" dt="2023-01-04T15:05:23.496" v="721" actId="20577"/>
-          <ac:graphicFrameMkLst>
-            <pc:docMk/>
-            <pc:sldMk cId="1148648546" sldId="395"/>
-            <ac:graphicFrameMk id="7" creationId="{1536C17C-50A0-3AD8-030E-ECEF6020BB1A}"/>
-          </ac:graphicFrameMkLst>
-        </pc:graphicFrameChg>
-        <pc:graphicFrameChg chg="del">
-          <ac:chgData name="尾嵜 成真" userId="dd95f81a979e9056" providerId="LiveId" clId="{CDA21BDE-563E-44C9-826A-4ED92E3D6D3A}" dt="2023-01-04T15:00:28.567" v="580" actId="478"/>
-          <ac:graphicFrameMkLst>
-            <pc:docMk/>
-            <pc:sldMk cId="1148648546" sldId="395"/>
-            <ac:graphicFrameMk id="8" creationId="{3FB2DDC3-01FE-7F56-2E07-B573E37FB0ED}"/>
-          </ac:graphicFrameMkLst>
-        </pc:graphicFrameChg>
-        <pc:graphicFrameChg chg="del">
-          <ac:chgData name="尾嵜 成真" userId="dd95f81a979e9056" providerId="LiveId" clId="{CDA21BDE-563E-44C9-826A-4ED92E3D6D3A}" dt="2023-01-04T15:00:28.567" v="580" actId="478"/>
-          <ac:graphicFrameMkLst>
-            <pc:docMk/>
-            <pc:sldMk cId="1148648546" sldId="395"/>
-            <ac:graphicFrameMk id="9" creationId="{7373CF85-B4D4-9F92-8889-E7E4148A1054}"/>
-          </ac:graphicFrameMkLst>
-        </pc:graphicFrameChg>
-      </pc:sldChg>
-      <pc:sldChg chg="addSp delSp modSp add mod">
-        <pc:chgData name="尾嵜 成真" userId="dd95f81a979e9056" providerId="LiveId" clId="{CDA21BDE-563E-44C9-826A-4ED92E3D6D3A}" dt="2023-01-07T06:43:35.905" v="3357" actId="947"/>
-        <pc:sldMkLst>
-          <pc:docMk/>
-          <pc:sldMk cId="3911352939" sldId="396"/>
-        </pc:sldMkLst>
-        <pc:spChg chg="del">
-          <ac:chgData name="尾嵜 成真" userId="dd95f81a979e9056" providerId="LiveId" clId="{CDA21BDE-563E-44C9-826A-4ED92E3D6D3A}" dt="2023-01-06T15:42:56.607" v="2742" actId="478"/>
-          <ac:spMkLst>
-            <pc:docMk/>
-            <pc:sldMk cId="3911352939" sldId="396"/>
-            <ac:spMk id="4" creationId="{93197517-03A4-B20D-CF2A-660A8A1E510B}"/>
-          </ac:spMkLst>
-        </pc:spChg>
-        <pc:spChg chg="del">
-          <ac:chgData name="尾嵜 成真" userId="dd95f81a979e9056" providerId="LiveId" clId="{CDA21BDE-563E-44C9-826A-4ED92E3D6D3A}" dt="2023-01-06T15:42:56.607" v="2742" actId="478"/>
-          <ac:spMkLst>
-            <pc:docMk/>
-            <pc:sldMk cId="3911352939" sldId="396"/>
-            <ac:spMk id="7" creationId="{DC6D6A75-97F3-F980-9BE2-C9A4AB599422}"/>
-          </ac:spMkLst>
-        </pc:spChg>
-        <pc:spChg chg="mod">
-          <ac:chgData name="尾嵜 成真" userId="dd95f81a979e9056" providerId="LiveId" clId="{CDA21BDE-563E-44C9-826A-4ED92E3D6D3A}" dt="2023-01-07T06:43:35.905" v="3357" actId="947"/>
-          <ac:spMkLst>
-            <pc:docMk/>
-            <pc:sldMk cId="3911352939" sldId="396"/>
-            <ac:spMk id="10" creationId="{4C8D8093-D708-E46A-39FD-79BFCCF8875B}"/>
-          </ac:spMkLst>
-        </pc:spChg>
-        <pc:spChg chg="mod">
-          <ac:chgData name="尾嵜 成真" userId="dd95f81a979e9056" providerId="LiveId" clId="{CDA21BDE-563E-44C9-826A-4ED92E3D6D3A}" dt="2023-01-04T15:25:41.957" v="1177" actId="20577"/>
-          <ac:spMkLst>
-            <pc:docMk/>
-            <pc:sldMk cId="3911352939" sldId="396"/>
-            <ac:spMk id="28" creationId="{B0F217A8-646C-15BA-6733-F4B0F1014565}"/>
-          </ac:spMkLst>
-        </pc:spChg>
-        <pc:spChg chg="mod">
-          <ac:chgData name="尾嵜 成真" userId="dd95f81a979e9056" providerId="LiveId" clId="{CDA21BDE-563E-44C9-826A-4ED92E3D6D3A}" dt="2023-01-04T15:25:03.378" v="1128" actId="20577"/>
-          <ac:spMkLst>
-            <pc:docMk/>
-            <pc:sldMk cId="3911352939" sldId="396"/>
-            <ac:spMk id="29" creationId="{A17934AB-FCC8-3776-1635-6E61D9A7D43B}"/>
-          </ac:spMkLst>
-        </pc:spChg>
-        <pc:picChg chg="add mod">
-          <ac:chgData name="尾嵜 成真" userId="dd95f81a979e9056" providerId="LiveId" clId="{CDA21BDE-563E-44C9-826A-4ED92E3D6D3A}" dt="2023-01-07T06:42:04.392" v="3345" actId="1076"/>
-          <ac:picMkLst>
-            <pc:docMk/>
-            <pc:sldMk cId="3911352939" sldId="396"/>
-            <ac:picMk id="3" creationId="{6F4E3C19-BB43-D73C-1B37-5FB803BE8621}"/>
-          </ac:picMkLst>
-        </pc:picChg>
-        <pc:picChg chg="del">
-          <ac:chgData name="尾嵜 成真" userId="dd95f81a979e9056" providerId="LiveId" clId="{CDA21BDE-563E-44C9-826A-4ED92E3D6D3A}" dt="2023-01-06T15:42:56.607" v="2742" actId="478"/>
-          <ac:picMkLst>
-            <pc:docMk/>
-            <pc:sldMk cId="3911352939" sldId="396"/>
-            <ac:picMk id="9" creationId="{911CBB3D-E9FC-A2FC-E63D-5544D5DE1A68}"/>
-          </ac:picMkLst>
-        </pc:picChg>
-        <pc:picChg chg="del">
-          <ac:chgData name="尾嵜 成真" userId="dd95f81a979e9056" providerId="LiveId" clId="{CDA21BDE-563E-44C9-826A-4ED92E3D6D3A}" dt="2023-01-06T15:42:56.607" v="2742" actId="478"/>
-          <ac:picMkLst>
-            <pc:docMk/>
-            <pc:sldMk cId="3911352939" sldId="396"/>
-            <ac:picMk id="13" creationId="{41B2F451-564F-7C57-7B2D-024D3A95D12C}"/>
-          </ac:picMkLst>
-        </pc:picChg>
-      </pc:sldChg>
-      <pc:sldChg chg="addSp delSp modSp add mod ord">
-        <pc:chgData name="尾嵜 成真" userId="dd95f81a979e9056" providerId="LiveId" clId="{CDA21BDE-563E-44C9-826A-4ED92E3D6D3A}" dt="2023-01-07T06:35:58.965" v="3340" actId="20577"/>
-        <pc:sldMkLst>
-          <pc:docMk/>
-          <pc:sldMk cId="3193689780" sldId="397"/>
-        </pc:sldMkLst>
-        <pc:spChg chg="add mod">
-          <ac:chgData name="尾嵜 成真" userId="dd95f81a979e9056" providerId="LiveId" clId="{CDA21BDE-563E-44C9-826A-4ED92E3D6D3A}" dt="2023-01-06T16:22:50.876" v="3094" actId="1076"/>
-          <ac:spMkLst>
-            <pc:docMk/>
-            <pc:sldMk cId="3193689780" sldId="397"/>
-            <ac:spMk id="2" creationId="{262AC027-5841-C0CC-66DB-9A9A4619C90F}"/>
-          </ac:spMkLst>
-        </pc:spChg>
-        <pc:spChg chg="del">
-          <ac:chgData name="尾嵜 成真" userId="dd95f81a979e9056" providerId="LiveId" clId="{CDA21BDE-563E-44C9-826A-4ED92E3D6D3A}" dt="2023-01-05T14:55:56.881" v="2140" actId="478"/>
-          <ac:spMkLst>
-            <pc:docMk/>
-            <pc:sldMk cId="3193689780" sldId="397"/>
-            <ac:spMk id="4" creationId="{93197517-03A4-B20D-CF2A-660A8A1E510B}"/>
-          </ac:spMkLst>
-        </pc:spChg>
-        <pc:spChg chg="add del mod">
-          <ac:chgData name="尾嵜 成真" userId="dd95f81a979e9056" providerId="LiveId" clId="{CDA21BDE-563E-44C9-826A-4ED92E3D6D3A}" dt="2023-01-06T16:11:36.717" v="2878" actId="21"/>
-          <ac:spMkLst>
-            <pc:docMk/>
-            <pc:sldMk cId="3193689780" sldId="397"/>
-            <ac:spMk id="5" creationId="{A06617C8-B4C9-C4F2-D3E7-3784E1D72BA6}"/>
-          </ac:spMkLst>
-        </pc:spChg>
-        <pc:spChg chg="add del mod">
-          <ac:chgData name="尾嵜 成真" userId="dd95f81a979e9056" providerId="LiveId" clId="{CDA21BDE-563E-44C9-826A-4ED92E3D6D3A}" dt="2023-01-06T16:11:36.717" v="2878" actId="21"/>
-          <ac:spMkLst>
-            <pc:docMk/>
-            <pc:sldMk cId="3193689780" sldId="397"/>
-            <ac:spMk id="6" creationId="{557219C6-79F3-E6A7-95CC-D256B0E522A0}"/>
-          </ac:spMkLst>
-        </pc:spChg>
-        <pc:spChg chg="del">
-          <ac:chgData name="尾嵜 成真" userId="dd95f81a979e9056" providerId="LiveId" clId="{CDA21BDE-563E-44C9-826A-4ED92E3D6D3A}" dt="2023-01-05T14:55:48.304" v="2139" actId="478"/>
-          <ac:spMkLst>
-            <pc:docMk/>
-            <pc:sldMk cId="3193689780" sldId="397"/>
-            <ac:spMk id="7" creationId="{DC6D6A75-97F3-F980-9BE2-C9A4AB599422}"/>
-          </ac:spMkLst>
-        </pc:spChg>
-        <pc:spChg chg="add mod">
-          <ac:chgData name="尾嵜 成真" userId="dd95f81a979e9056" providerId="LiveId" clId="{CDA21BDE-563E-44C9-826A-4ED92E3D6D3A}" dt="2023-01-06T16:07:48.328" v="2871" actId="1076"/>
-          <ac:spMkLst>
-            <pc:docMk/>
-            <pc:sldMk cId="3193689780" sldId="397"/>
-            <ac:spMk id="8" creationId="{AF171D7C-C62F-653E-F125-9F40B7461BF0}"/>
-          </ac:spMkLst>
-        </pc:spChg>
-        <pc:spChg chg="mod">
-          <ac:chgData name="尾嵜 成真" userId="dd95f81a979e9056" providerId="LiveId" clId="{CDA21BDE-563E-44C9-826A-4ED92E3D6D3A}" dt="2023-01-07T06:35:58.965" v="3340" actId="20577"/>
-          <ac:spMkLst>
-            <pc:docMk/>
-            <pc:sldMk cId="3193689780" sldId="397"/>
-            <ac:spMk id="10" creationId="{4C8D8093-D708-E46A-39FD-79BFCCF8875B}"/>
-          </ac:spMkLst>
-        </pc:spChg>
-        <pc:spChg chg="add mod">
-          <ac:chgData name="尾嵜 成真" userId="dd95f81a979e9056" providerId="LiveId" clId="{CDA21BDE-563E-44C9-826A-4ED92E3D6D3A}" dt="2023-01-06T16:22:56.954" v="3095" actId="1076"/>
-          <ac:spMkLst>
-            <pc:docMk/>
-            <pc:sldMk cId="3193689780" sldId="397"/>
-            <ac:spMk id="11" creationId="{2CE850C5-F962-0124-FF56-4AB77F9A557B}"/>
-          </ac:spMkLst>
-        </pc:spChg>
-        <pc:spChg chg="add mod">
-          <ac:chgData name="尾嵜 成真" userId="dd95f81a979e9056" providerId="LiveId" clId="{CDA21BDE-563E-44C9-826A-4ED92E3D6D3A}" dt="2023-01-06T16:07:48.328" v="2871" actId="1076"/>
-          <ac:spMkLst>
-            <pc:docMk/>
-            <pc:sldMk cId="3193689780" sldId="397"/>
-            <ac:spMk id="12" creationId="{4012BC90-8272-1A14-6224-778E6AC01E7B}"/>
-          </ac:spMkLst>
-        </pc:spChg>
-        <pc:spChg chg="add mod">
-          <ac:chgData name="尾嵜 成真" userId="dd95f81a979e9056" providerId="LiveId" clId="{CDA21BDE-563E-44C9-826A-4ED92E3D6D3A}" dt="2023-01-06T16:23:27.080" v="3100" actId="1076"/>
-          <ac:spMkLst>
-            <pc:docMk/>
-            <pc:sldMk cId="3193689780" sldId="397"/>
-            <ac:spMk id="13" creationId="{BFB05098-0C9F-9914-AED2-A63CC4224B5D}"/>
-          </ac:spMkLst>
-        </pc:spChg>
-        <pc:spChg chg="add mod">
-          <ac:chgData name="尾嵜 成真" userId="dd95f81a979e9056" providerId="LiveId" clId="{CDA21BDE-563E-44C9-826A-4ED92E3D6D3A}" dt="2023-01-06T16:07:48.328" v="2871" actId="1076"/>
-          <ac:spMkLst>
-            <pc:docMk/>
-            <pc:sldMk cId="3193689780" sldId="397"/>
-            <ac:spMk id="14" creationId="{E955C4C7-71C8-C827-AFBC-195E4B2DD2C1}"/>
-          </ac:spMkLst>
-        </pc:spChg>
-        <pc:spChg chg="add mod">
-          <ac:chgData name="尾嵜 成真" userId="dd95f81a979e9056" providerId="LiveId" clId="{CDA21BDE-563E-44C9-826A-4ED92E3D6D3A}" dt="2023-01-06T16:07:48.328" v="2871" actId="1076"/>
-          <ac:spMkLst>
-            <pc:docMk/>
-            <pc:sldMk cId="3193689780" sldId="397"/>
-            <ac:spMk id="15" creationId="{1DA6B531-DA4C-8D2C-6E32-070EC460FBB4}"/>
-          </ac:spMkLst>
-        </pc:spChg>
-        <pc:spChg chg="add mod">
-          <ac:chgData name="尾嵜 成真" userId="dd95f81a979e9056" providerId="LiveId" clId="{CDA21BDE-563E-44C9-826A-4ED92E3D6D3A}" dt="2023-01-06T16:07:48.328" v="2871" actId="1076"/>
-          <ac:spMkLst>
-            <pc:docMk/>
-            <pc:sldMk cId="3193689780" sldId="397"/>
-            <ac:spMk id="16" creationId="{EE799756-2444-29F5-0552-1B3E6C121960}"/>
-          </ac:spMkLst>
-        </pc:spChg>
-        <pc:spChg chg="add mod">
-          <ac:chgData name="尾嵜 成真" userId="dd95f81a979e9056" providerId="LiveId" clId="{CDA21BDE-563E-44C9-826A-4ED92E3D6D3A}" dt="2023-01-06T16:15:26.453" v="2941" actId="1076"/>
-          <ac:spMkLst>
-            <pc:docMk/>
-            <pc:sldMk cId="3193689780" sldId="397"/>
-            <ac:spMk id="18" creationId="{5E685370-A8B9-CA8A-1729-2983540D3F4F}"/>
-          </ac:spMkLst>
-        </pc:spChg>
-        <pc:spChg chg="add del mod">
-          <ac:chgData name="尾嵜 成真" userId="dd95f81a979e9056" providerId="LiveId" clId="{CDA21BDE-563E-44C9-826A-4ED92E3D6D3A}" dt="2023-01-06T16:11:22.366" v="2874"/>
-          <ac:spMkLst>
-            <pc:docMk/>
-            <pc:sldMk cId="3193689780" sldId="397"/>
-            <ac:spMk id="19" creationId="{7BE3A999-C84C-5696-25AA-8A53175A7527}"/>
-          </ac:spMkLst>
-        </pc:spChg>
-        <pc:spChg chg="add del mod">
-          <ac:chgData name="尾嵜 成真" userId="dd95f81a979e9056" providerId="LiveId" clId="{CDA21BDE-563E-44C9-826A-4ED92E3D6D3A}" dt="2023-01-06T16:13:02.845" v="2918" actId="478"/>
-          <ac:spMkLst>
-            <pc:docMk/>
-            <pc:sldMk cId="3193689780" sldId="397"/>
-            <ac:spMk id="20" creationId="{49B243D6-07C1-D9E2-491D-809AB9649191}"/>
-          </ac:spMkLst>
-        </pc:spChg>
-        <pc:spChg chg="add mod">
-          <ac:chgData name="尾嵜 成真" userId="dd95f81a979e9056" providerId="LiveId" clId="{CDA21BDE-563E-44C9-826A-4ED92E3D6D3A}" dt="2023-01-06T16:14:20.477" v="2930" actId="14100"/>
-          <ac:spMkLst>
-            <pc:docMk/>
-            <pc:sldMk cId="3193689780" sldId="397"/>
-            <ac:spMk id="22" creationId="{64D4F206-F0A4-BA4F-5CAF-EDA32C2DCE3B}"/>
-          </ac:spMkLst>
-        </pc:spChg>
-        <pc:spChg chg="add mod">
-          <ac:chgData name="尾嵜 成真" userId="dd95f81a979e9056" providerId="LiveId" clId="{CDA21BDE-563E-44C9-826A-4ED92E3D6D3A}" dt="2023-01-06T16:23:33.404" v="3101" actId="1076"/>
-          <ac:spMkLst>
-            <pc:docMk/>
-            <pc:sldMk cId="3193689780" sldId="397"/>
-            <ac:spMk id="23" creationId="{159F9400-6AF6-4BC1-E38C-AE26D040946A}"/>
-          </ac:spMkLst>
-        </pc:spChg>
-        <pc:spChg chg="add mod">
-          <ac:chgData name="尾嵜 成真" userId="dd95f81a979e9056" providerId="LiveId" clId="{CDA21BDE-563E-44C9-826A-4ED92E3D6D3A}" dt="2023-01-06T16:23:59.473" v="3102" actId="1076"/>
-          <ac:spMkLst>
-            <pc:docMk/>
-            <pc:sldMk cId="3193689780" sldId="397"/>
-            <ac:spMk id="24" creationId="{CB882CFD-D44B-2969-152E-231C86A24E19}"/>
-          </ac:spMkLst>
-        </pc:spChg>
-        <pc:spChg chg="add mod">
-          <ac:chgData name="尾嵜 成真" userId="dd95f81a979e9056" providerId="LiveId" clId="{CDA21BDE-563E-44C9-826A-4ED92E3D6D3A}" dt="2023-01-06T16:13:41.293" v="2923" actId="1076"/>
-          <ac:spMkLst>
-            <pc:docMk/>
-            <pc:sldMk cId="3193689780" sldId="397"/>
-            <ac:spMk id="25" creationId="{61C09B92-AF8B-0D7C-7DA5-D2D3A03F5C64}"/>
-          </ac:spMkLst>
-        </pc:spChg>
-        <pc:spChg chg="add mod">
-          <ac:chgData name="尾嵜 成真" userId="dd95f81a979e9056" providerId="LiveId" clId="{CDA21BDE-563E-44C9-826A-4ED92E3D6D3A}" dt="2023-01-06T16:23:10.504" v="3097" actId="1076"/>
-          <ac:spMkLst>
-            <pc:docMk/>
-            <pc:sldMk cId="3193689780" sldId="397"/>
-            <ac:spMk id="26" creationId="{B6D1D9A3-6853-2193-AD96-8D83EA8817EA}"/>
-          </ac:spMkLst>
-        </pc:spChg>
-        <pc:spChg chg="mod">
-          <ac:chgData name="尾嵜 成真" userId="dd95f81a979e9056" providerId="LiveId" clId="{CDA21BDE-563E-44C9-826A-4ED92E3D6D3A}" dt="2023-01-05T15:05:29.605" v="2489" actId="20577"/>
-          <ac:spMkLst>
-            <pc:docMk/>
-            <pc:sldMk cId="3193689780" sldId="397"/>
-            <ac:spMk id="29" creationId="{A17934AB-FCC8-3776-1635-6E61D9A7D43B}"/>
-          </ac:spMkLst>
-        </pc:spChg>
-        <pc:picChg chg="add del mod">
-          <ac:chgData name="尾嵜 成真" userId="dd95f81a979e9056" providerId="LiveId" clId="{CDA21BDE-563E-44C9-826A-4ED92E3D6D3A}" dt="2023-01-06T16:11:36.717" v="2878" actId="21"/>
-          <ac:picMkLst>
-            <pc:docMk/>
-            <pc:sldMk cId="3193689780" sldId="397"/>
-            <ac:picMk id="3" creationId="{6A394B0C-5898-1122-231A-83D1C046B520}"/>
-          </ac:picMkLst>
-        </pc:picChg>
-        <pc:picChg chg="add mod">
-          <ac:chgData name="尾嵜 成真" userId="dd95f81a979e9056" providerId="LiveId" clId="{CDA21BDE-563E-44C9-826A-4ED92E3D6D3A}" dt="2023-01-06T16:07:48.328" v="2871" actId="1076"/>
-          <ac:picMkLst>
-            <pc:docMk/>
-            <pc:sldMk cId="3193689780" sldId="397"/>
-            <ac:picMk id="4" creationId="{339E2406-2675-DF8C-0F5D-FD1ED75AB829}"/>
-          </ac:picMkLst>
-        </pc:picChg>
-        <pc:picChg chg="add mod">
-          <ac:chgData name="尾嵜 成真" userId="dd95f81a979e9056" providerId="LiveId" clId="{CDA21BDE-563E-44C9-826A-4ED92E3D6D3A}" dt="2023-01-06T16:07:48.328" v="2871" actId="1076"/>
-          <ac:picMkLst>
-            <pc:docMk/>
-            <pc:sldMk cId="3193689780" sldId="397"/>
-            <ac:picMk id="7" creationId="{A444B2AF-FC9E-55B0-3D69-689C30C1D8B3}"/>
-          </ac:picMkLst>
-        </pc:picChg>
-        <pc:picChg chg="add mod">
-          <ac:chgData name="尾嵜 成真" userId="dd95f81a979e9056" providerId="LiveId" clId="{CDA21BDE-563E-44C9-826A-4ED92E3D6D3A}" dt="2023-01-06T16:07:48.328" v="2871" actId="1076"/>
-          <ac:picMkLst>
-            <pc:docMk/>
-            <pc:sldMk cId="3193689780" sldId="397"/>
-            <ac:picMk id="9" creationId="{28A464EA-EAF2-C899-3C44-A34F20C4F3D7}"/>
-          </ac:picMkLst>
-        </pc:picChg>
-        <pc:picChg chg="del">
-          <ac:chgData name="尾嵜 成真" userId="dd95f81a979e9056" providerId="LiveId" clId="{CDA21BDE-563E-44C9-826A-4ED92E3D6D3A}" dt="2023-01-05T14:55:48.304" v="2139" actId="478"/>
-          <ac:picMkLst>
-            <pc:docMk/>
-            <pc:sldMk cId="3193689780" sldId="397"/>
-            <ac:picMk id="9" creationId="{911CBB3D-E9FC-A2FC-E63D-5544D5DE1A68}"/>
-          </ac:picMkLst>
-        </pc:picChg>
-        <pc:picChg chg="del">
-          <ac:chgData name="尾嵜 成真" userId="dd95f81a979e9056" providerId="LiveId" clId="{CDA21BDE-563E-44C9-826A-4ED92E3D6D3A}" dt="2023-01-05T14:55:56.881" v="2140" actId="478"/>
-          <ac:picMkLst>
-            <pc:docMk/>
-            <pc:sldMk cId="3193689780" sldId="397"/>
-            <ac:picMk id="13" creationId="{41B2F451-564F-7C57-7B2D-024D3A95D12C}"/>
-          </ac:picMkLst>
-        </pc:picChg>
-        <pc:picChg chg="add mod">
-          <ac:chgData name="尾嵜 成真" userId="dd95f81a979e9056" providerId="LiveId" clId="{CDA21BDE-563E-44C9-826A-4ED92E3D6D3A}" dt="2023-01-06T16:07:48.328" v="2871" actId="1076"/>
-          <ac:picMkLst>
-            <pc:docMk/>
-            <pc:sldMk cId="3193689780" sldId="397"/>
-            <ac:picMk id="17" creationId="{8A8B2706-5AB7-1A5C-4A4A-463E509EA3A6}"/>
-          </ac:picMkLst>
-        </pc:picChg>
-        <pc:picChg chg="add mod">
-          <ac:chgData name="尾嵜 成真" userId="dd95f81a979e9056" providerId="LiveId" clId="{CDA21BDE-563E-44C9-826A-4ED92E3D6D3A}" dt="2023-01-06T16:14:08.169" v="2926" actId="1076"/>
-          <ac:picMkLst>
-            <pc:docMk/>
-            <pc:sldMk cId="3193689780" sldId="397"/>
-            <ac:picMk id="21" creationId="{F41DB119-0C0C-3864-354C-E90DB65C2E67}"/>
-          </ac:picMkLst>
-        </pc:picChg>
-      </pc:sldChg>
-      <pc:sldChg chg="addSp delSp modSp add mod">
-        <pc:chgData name="尾嵜 成真" userId="dd95f81a979e9056" providerId="LiveId" clId="{CDA21BDE-563E-44C9-826A-4ED92E3D6D3A}" dt="2023-01-07T10:34:08.752" v="6432" actId="1076"/>
-        <pc:sldMkLst>
-          <pc:docMk/>
-          <pc:sldMk cId="2594863473" sldId="398"/>
-        </pc:sldMkLst>
-        <pc:spChg chg="add mod">
-          <ac:chgData name="尾嵜 成真" userId="dd95f81a979e9056" providerId="LiveId" clId="{CDA21BDE-563E-44C9-826A-4ED92E3D6D3A}" dt="2023-01-07T10:34:03.787" v="6431" actId="14100"/>
-          <ac:spMkLst>
-            <pc:docMk/>
-            <pc:sldMk cId="2594863473" sldId="398"/>
-            <ac:spMk id="2" creationId="{6399B9A9-5B2A-AB92-40C8-53F384678D99}"/>
-          </ac:spMkLst>
-        </pc:spChg>
-        <pc:spChg chg="del">
-          <ac:chgData name="尾嵜 成真" userId="dd95f81a979e9056" providerId="LiveId" clId="{CDA21BDE-563E-44C9-826A-4ED92E3D6D3A}" dt="2023-01-07T07:42:05.909" v="4343" actId="478"/>
-          <ac:spMkLst>
-            <pc:docMk/>
-            <pc:sldMk cId="2594863473" sldId="398"/>
-            <ac:spMk id="5" creationId="{70260686-8B7E-DF5A-6E75-301B0992F6A8}"/>
-          </ac:spMkLst>
-        </pc:spChg>
-        <pc:spChg chg="del">
-          <ac:chgData name="尾嵜 成真" userId="dd95f81a979e9056" providerId="LiveId" clId="{CDA21BDE-563E-44C9-826A-4ED92E3D6D3A}" dt="2023-01-07T07:42:05.909" v="4343" actId="478"/>
-          <ac:spMkLst>
-            <pc:docMk/>
-            <pc:sldMk cId="2594863473" sldId="398"/>
-            <ac:spMk id="6" creationId="{4A82FFB9-9FED-53F9-A2A2-FC325D82FC40}"/>
-          </ac:spMkLst>
-        </pc:spChg>
-        <pc:spChg chg="add del mod">
-          <ac:chgData name="尾嵜 成真" userId="dd95f81a979e9056" providerId="LiveId" clId="{CDA21BDE-563E-44C9-826A-4ED92E3D6D3A}" dt="2023-01-07T08:07:39.262" v="5318" actId="478"/>
-          <ac:spMkLst>
-            <pc:docMk/>
-            <pc:sldMk cId="2594863473" sldId="398"/>
-            <ac:spMk id="7" creationId="{DDE2B195-A637-990D-5EA3-8A970695D2AC}"/>
-          </ac:spMkLst>
-        </pc:spChg>
-        <pc:spChg chg="add mod">
-          <ac:chgData name="尾嵜 成真" userId="dd95f81a979e9056" providerId="LiveId" clId="{CDA21BDE-563E-44C9-826A-4ED92E3D6D3A}" dt="2023-01-07T08:17:33.038" v="5641" actId="27636"/>
-          <ac:spMkLst>
-            <pc:docMk/>
-            <pc:sldMk cId="2594863473" sldId="398"/>
-            <ac:spMk id="8" creationId="{010171AA-4303-02CD-6A45-96C650FB762B}"/>
-          </ac:spMkLst>
-        </pc:spChg>
-        <pc:spChg chg="add mod">
-          <ac:chgData name="尾嵜 成真" userId="dd95f81a979e9056" providerId="LiveId" clId="{CDA21BDE-563E-44C9-826A-4ED92E3D6D3A}" dt="2023-01-07T10:34:08.752" v="6432" actId="1076"/>
-          <ac:spMkLst>
-            <pc:docMk/>
-            <pc:sldMk cId="2594863473" sldId="398"/>
-            <ac:spMk id="9" creationId="{ACAA0312-16B0-313C-139F-11679C0D5AC8}"/>
-          </ac:spMkLst>
-        </pc:spChg>
-        <pc:spChg chg="del mod">
-          <ac:chgData name="尾嵜 成真" userId="dd95f81a979e9056" providerId="LiveId" clId="{CDA21BDE-563E-44C9-826A-4ED92E3D6D3A}" dt="2023-01-07T08:07:37.767" v="5317" actId="21"/>
-          <ac:spMkLst>
-            <pc:docMk/>
-            <pc:sldMk cId="2594863473" sldId="398"/>
-            <ac:spMk id="10" creationId="{4C8D8093-D708-E46A-39FD-79BFCCF8875B}"/>
-          </ac:spMkLst>
-        </pc:spChg>
-        <pc:spChg chg="mod">
-          <ac:chgData name="尾嵜 成真" userId="dd95f81a979e9056" providerId="LiveId" clId="{CDA21BDE-563E-44C9-826A-4ED92E3D6D3A}" dt="2023-01-07T08:11:13.271" v="5368" actId="20577"/>
-          <ac:spMkLst>
-            <pc:docMk/>
-            <pc:sldMk cId="2594863473" sldId="398"/>
-            <ac:spMk id="29" creationId="{A17934AB-FCC8-3776-1635-6E61D9A7D43B}"/>
-          </ac:spMkLst>
-        </pc:spChg>
-        <pc:picChg chg="del">
-          <ac:chgData name="尾嵜 成真" userId="dd95f81a979e9056" providerId="LiveId" clId="{CDA21BDE-563E-44C9-826A-4ED92E3D6D3A}" dt="2023-01-07T07:42:05.909" v="4343" actId="478"/>
-          <ac:picMkLst>
-            <pc:docMk/>
-            <pc:sldMk cId="2594863473" sldId="398"/>
-            <ac:picMk id="3" creationId="{21152B24-6D84-6FB1-91FF-9C816BE6D5C5}"/>
-          </ac:picMkLst>
-        </pc:picChg>
-      </pc:sldChg>
-      <pc:sldChg chg="addSp delSp modSp add mod">
-        <pc:chgData name="尾嵜 成真" userId="dd95f81a979e9056" providerId="LiveId" clId="{CDA21BDE-563E-44C9-826A-4ED92E3D6D3A}" dt="2023-01-07T10:33:12.956" v="6429" actId="113"/>
-        <pc:sldMkLst>
-          <pc:docMk/>
-          <pc:sldMk cId="1064526272" sldId="399"/>
-        </pc:sldMkLst>
-        <pc:spChg chg="del">
-          <ac:chgData name="尾嵜 成真" userId="dd95f81a979e9056" providerId="LiveId" clId="{CDA21BDE-563E-44C9-826A-4ED92E3D6D3A}" dt="2023-01-07T09:14:38.283" v="5692" actId="478"/>
-          <ac:spMkLst>
-            <pc:docMk/>
-            <pc:sldMk cId="1064526272" sldId="399"/>
-            <ac:spMk id="5" creationId="{70260686-8B7E-DF5A-6E75-301B0992F6A8}"/>
-          </ac:spMkLst>
-        </pc:spChg>
-        <pc:spChg chg="del">
-          <ac:chgData name="尾嵜 成真" userId="dd95f81a979e9056" providerId="LiveId" clId="{CDA21BDE-563E-44C9-826A-4ED92E3D6D3A}" dt="2023-01-07T09:14:38.283" v="5692" actId="478"/>
-          <ac:spMkLst>
-            <pc:docMk/>
-            <pc:sldMk cId="1064526272" sldId="399"/>
-            <ac:spMk id="6" creationId="{4A82FFB9-9FED-53F9-A2A2-FC325D82FC40}"/>
-          </ac:spMkLst>
-        </pc:spChg>
-        <pc:spChg chg="mod">
-          <ac:chgData name="尾嵜 成真" userId="dd95f81a979e9056" providerId="LiveId" clId="{CDA21BDE-563E-44C9-826A-4ED92E3D6D3A}" dt="2023-01-07T10:33:12.956" v="6429" actId="113"/>
-          <ac:spMkLst>
-            <pc:docMk/>
-            <pc:sldMk cId="1064526272" sldId="399"/>
-            <ac:spMk id="10" creationId="{4C8D8093-D708-E46A-39FD-79BFCCF8875B}"/>
-          </ac:spMkLst>
-        </pc:spChg>
-        <pc:spChg chg="mod">
-          <ac:chgData name="尾嵜 成真" userId="dd95f81a979e9056" providerId="LiveId" clId="{CDA21BDE-563E-44C9-826A-4ED92E3D6D3A}" dt="2023-01-04T15:36:30.259" v="1332"/>
-          <ac:spMkLst>
-            <pc:docMk/>
-            <pc:sldMk cId="1064526272" sldId="399"/>
-            <ac:spMk id="28" creationId="{B0F217A8-646C-15BA-6733-F4B0F1014565}"/>
-          </ac:spMkLst>
-        </pc:spChg>
-        <pc:spChg chg="mod">
-          <ac:chgData name="尾嵜 成真" userId="dd95f81a979e9056" providerId="LiveId" clId="{CDA21BDE-563E-44C9-826A-4ED92E3D6D3A}" dt="2023-01-07T09:26:59.295" v="6015" actId="20577"/>
-          <ac:spMkLst>
-            <pc:docMk/>
-            <pc:sldMk cId="1064526272" sldId="399"/>
-            <ac:spMk id="29" creationId="{A17934AB-FCC8-3776-1635-6E61D9A7D43B}"/>
-          </ac:spMkLst>
-        </pc:spChg>
-        <pc:picChg chg="del">
-          <ac:chgData name="尾嵜 成真" userId="dd95f81a979e9056" providerId="LiveId" clId="{CDA21BDE-563E-44C9-826A-4ED92E3D6D3A}" dt="2023-01-07T09:14:38.283" v="5692" actId="478"/>
-          <ac:picMkLst>
-            <pc:docMk/>
-            <pc:sldMk cId="1064526272" sldId="399"/>
-            <ac:picMk id="3" creationId="{21152B24-6D84-6FB1-91FF-9C816BE6D5C5}"/>
-          </ac:picMkLst>
-        </pc:picChg>
-        <pc:picChg chg="add del mod">
-          <ac:chgData name="尾嵜 成真" userId="dd95f81a979e9056" providerId="LiveId" clId="{CDA21BDE-563E-44C9-826A-4ED92E3D6D3A}" dt="2023-01-07T10:26:09.054" v="6331" actId="478"/>
-          <ac:picMkLst>
-            <pc:docMk/>
-            <pc:sldMk cId="1064526272" sldId="399"/>
-            <ac:picMk id="4" creationId="{5B774784-EC6B-78F4-CEBC-32250F9544C3}"/>
-          </ac:picMkLst>
-        </pc:picChg>
-        <pc:picChg chg="add del mod">
-          <ac:chgData name="尾嵜 成真" userId="dd95f81a979e9056" providerId="LiveId" clId="{CDA21BDE-563E-44C9-826A-4ED92E3D6D3A}" dt="2023-01-07T10:31:17.429" v="6404" actId="478"/>
-          <ac:picMkLst>
-            <pc:docMk/>
-            <pc:sldMk cId="1064526272" sldId="399"/>
-            <ac:picMk id="8" creationId="{31A1BB5E-8693-019E-88A0-485F0D171441}"/>
-          </ac:picMkLst>
-        </pc:picChg>
-        <pc:picChg chg="add mod">
-          <ac:chgData name="尾嵜 成真" userId="dd95f81a979e9056" providerId="LiveId" clId="{CDA21BDE-563E-44C9-826A-4ED92E3D6D3A}" dt="2023-01-07T10:31:27.346" v="6409" actId="1076"/>
-          <ac:picMkLst>
-            <pc:docMk/>
-            <pc:sldMk cId="1064526272" sldId="399"/>
-            <ac:picMk id="11" creationId="{B12D91C7-D76C-49F1-6878-8A4BC966EE55}"/>
-          </ac:picMkLst>
-        </pc:picChg>
-      </pc:sldChg>
-      <pc:sldChg chg="modSp add del mod">
-        <pc:chgData name="尾嵜 成真" userId="dd95f81a979e9056" providerId="LiveId" clId="{CDA21BDE-563E-44C9-826A-4ED92E3D6D3A}" dt="2023-01-07T10:33:34.734" v="6430" actId="47"/>
-        <pc:sldMkLst>
-          <pc:docMk/>
-          <pc:sldMk cId="2249083198" sldId="400"/>
-        </pc:sldMkLst>
-        <pc:spChg chg="mod">
-          <ac:chgData name="尾嵜 成真" userId="dd95f81a979e9056" providerId="LiveId" clId="{CDA21BDE-563E-44C9-826A-4ED92E3D6D3A}" dt="2023-01-04T15:36:32.362" v="1336"/>
-          <ac:spMkLst>
-            <pc:docMk/>
-            <pc:sldMk cId="2249083198" sldId="400"/>
-            <ac:spMk id="28" creationId="{B0F217A8-646C-15BA-6733-F4B0F1014565}"/>
-          </ac:spMkLst>
-        </pc:spChg>
-        <pc:spChg chg="mod">
-          <ac:chgData name="尾嵜 成真" userId="dd95f81a979e9056" providerId="LiveId" clId="{CDA21BDE-563E-44C9-826A-4ED92E3D6D3A}" dt="2023-01-04T15:27:22.864" v="1251" actId="20577"/>
-          <ac:spMkLst>
-            <pc:docMk/>
-            <pc:sldMk cId="2249083198" sldId="400"/>
-            <ac:spMk id="29" creationId="{A17934AB-FCC8-3776-1635-6E61D9A7D43B}"/>
-          </ac:spMkLst>
-        </pc:spChg>
-      </pc:sldChg>
-      <pc:sldChg chg="delSp modSp add mod">
-        <pc:chgData name="尾嵜 成真" userId="dd95f81a979e9056" providerId="LiveId" clId="{CDA21BDE-563E-44C9-826A-4ED92E3D6D3A}" dt="2023-01-07T11:02:52.566" v="7015" actId="113"/>
-        <pc:sldMkLst>
-          <pc:docMk/>
-          <pc:sldMk cId="373197906" sldId="401"/>
-        </pc:sldMkLst>
-        <pc:spChg chg="del">
-          <ac:chgData name="尾嵜 成真" userId="dd95f81a979e9056" providerId="LiveId" clId="{CDA21BDE-563E-44C9-826A-4ED92E3D6D3A}" dt="2023-01-07T10:36:22.413" v="6447" actId="478"/>
-          <ac:spMkLst>
-            <pc:docMk/>
-            <pc:sldMk cId="373197906" sldId="401"/>
-            <ac:spMk id="5" creationId="{70260686-8B7E-DF5A-6E75-301B0992F6A8}"/>
-          </ac:spMkLst>
-        </pc:spChg>
-        <pc:spChg chg="del">
-          <ac:chgData name="尾嵜 成真" userId="dd95f81a979e9056" providerId="LiveId" clId="{CDA21BDE-563E-44C9-826A-4ED92E3D6D3A}" dt="2023-01-07T10:36:22.413" v="6447" actId="478"/>
-          <ac:spMkLst>
-            <pc:docMk/>
-            <pc:sldMk cId="373197906" sldId="401"/>
-            <ac:spMk id="6" creationId="{4A82FFB9-9FED-53F9-A2A2-FC325D82FC40}"/>
-          </ac:spMkLst>
-        </pc:spChg>
-        <pc:spChg chg="mod">
-          <ac:chgData name="尾嵜 成真" userId="dd95f81a979e9056" providerId="LiveId" clId="{CDA21BDE-563E-44C9-826A-4ED92E3D6D3A}" dt="2023-01-07T11:02:52.566" v="7015" actId="113"/>
-          <ac:spMkLst>
-            <pc:docMk/>
-            <pc:sldMk cId="373197906" sldId="401"/>
-            <ac:spMk id="10" creationId="{4C8D8093-D708-E46A-39FD-79BFCCF8875B}"/>
-          </ac:spMkLst>
-        </pc:spChg>
-        <pc:spChg chg="mod">
-          <ac:chgData name="尾嵜 成真" userId="dd95f81a979e9056" providerId="LiveId" clId="{CDA21BDE-563E-44C9-826A-4ED92E3D6D3A}" dt="2023-01-04T15:36:34.710" v="1340"/>
-          <ac:spMkLst>
-            <pc:docMk/>
-            <pc:sldMk cId="373197906" sldId="401"/>
-            <ac:spMk id="28" creationId="{B0F217A8-646C-15BA-6733-F4B0F1014565}"/>
-          </ac:spMkLst>
-        </pc:spChg>
-        <pc:spChg chg="mod">
-          <ac:chgData name="尾嵜 成真" userId="dd95f81a979e9056" providerId="LiveId" clId="{CDA21BDE-563E-44C9-826A-4ED92E3D6D3A}" dt="2023-01-04T15:27:29.578" v="1256"/>
-          <ac:spMkLst>
-            <pc:docMk/>
-            <pc:sldMk cId="373197906" sldId="401"/>
-            <ac:spMk id="29" creationId="{A17934AB-FCC8-3776-1635-6E61D9A7D43B}"/>
-          </ac:spMkLst>
-        </pc:spChg>
-        <pc:picChg chg="del">
-          <ac:chgData name="尾嵜 成真" userId="dd95f81a979e9056" providerId="LiveId" clId="{CDA21BDE-563E-44C9-826A-4ED92E3D6D3A}" dt="2023-01-07T10:36:22.413" v="6447" actId="478"/>
-          <ac:picMkLst>
-            <pc:docMk/>
-            <pc:sldMk cId="373197906" sldId="401"/>
-            <ac:picMk id="3" creationId="{21152B24-6D84-6FB1-91FF-9C816BE6D5C5}"/>
-          </ac:picMkLst>
-        </pc:picChg>
-      </pc:sldChg>
-      <pc:sldChg chg="addSp delSp modSp add mod">
-        <pc:chgData name="尾嵜 成真" userId="dd95f81a979e9056" providerId="LiveId" clId="{CDA21BDE-563E-44C9-826A-4ED92E3D6D3A}" dt="2023-01-08T07:15:26.792" v="8515" actId="20577"/>
-        <pc:sldMkLst>
-          <pc:docMk/>
-          <pc:sldMk cId="1637066913" sldId="402"/>
-        </pc:sldMkLst>
-        <pc:spChg chg="del">
-          <ac:chgData name="尾嵜 成真" userId="dd95f81a979e9056" providerId="LiveId" clId="{CDA21BDE-563E-44C9-826A-4ED92E3D6D3A}" dt="2023-01-08T06:32:04.132" v="7533" actId="478"/>
-          <ac:spMkLst>
-            <pc:docMk/>
-            <pc:sldMk cId="1637066913" sldId="402"/>
-            <ac:spMk id="5" creationId="{70260686-8B7E-DF5A-6E75-301B0992F6A8}"/>
-          </ac:spMkLst>
-        </pc:spChg>
-        <pc:spChg chg="del">
-          <ac:chgData name="尾嵜 成真" userId="dd95f81a979e9056" providerId="LiveId" clId="{CDA21BDE-563E-44C9-826A-4ED92E3D6D3A}" dt="2023-01-08T06:32:04.132" v="7533" actId="478"/>
-          <ac:spMkLst>
-            <pc:docMk/>
-            <pc:sldMk cId="1637066913" sldId="402"/>
-            <ac:spMk id="6" creationId="{4A82FFB9-9FED-53F9-A2A2-FC325D82FC40}"/>
-          </ac:spMkLst>
-        </pc:spChg>
-        <pc:spChg chg="mod">
-          <ac:chgData name="尾嵜 成真" userId="dd95f81a979e9056" providerId="LiveId" clId="{CDA21BDE-563E-44C9-826A-4ED92E3D6D3A}" dt="2023-01-08T07:05:51.643" v="8437" actId="20577"/>
-          <ac:spMkLst>
-            <pc:docMk/>
-            <pc:sldMk cId="1637066913" sldId="402"/>
-            <ac:spMk id="10" creationId="{4C8D8093-D708-E46A-39FD-79BFCCF8875B}"/>
-          </ac:spMkLst>
-        </pc:spChg>
-        <pc:spChg chg="mod">
-          <ac:chgData name="尾嵜 成真" userId="dd95f81a979e9056" providerId="LiveId" clId="{CDA21BDE-563E-44C9-826A-4ED92E3D6D3A}" dt="2023-01-04T15:36:43.449" v="1352"/>
-          <ac:spMkLst>
-            <pc:docMk/>
-            <pc:sldMk cId="1637066913" sldId="402"/>
-            <ac:spMk id="28" creationId="{B0F217A8-646C-15BA-6733-F4B0F1014565}"/>
-          </ac:spMkLst>
-        </pc:spChg>
-        <pc:spChg chg="mod">
-          <ac:chgData name="尾嵜 成真" userId="dd95f81a979e9056" providerId="LiveId" clId="{CDA21BDE-563E-44C9-826A-4ED92E3D6D3A}" dt="2023-01-04T15:27:34.394" v="1259" actId="20577"/>
-          <ac:spMkLst>
-            <pc:docMk/>
-            <pc:sldMk cId="1637066913" sldId="402"/>
-            <ac:spMk id="29" creationId="{A17934AB-FCC8-3776-1635-6E61D9A7D43B}"/>
-          </ac:spMkLst>
-        </pc:spChg>
-        <pc:graphicFrameChg chg="add del">
-          <ac:chgData name="尾嵜 成真" userId="dd95f81a979e9056" providerId="LiveId" clId="{CDA21BDE-563E-44C9-826A-4ED92E3D6D3A}" dt="2023-01-08T06:38:53.572" v="8154" actId="478"/>
-          <ac:graphicFrameMkLst>
-            <pc:docMk/>
-            <pc:sldMk cId="1637066913" sldId="402"/>
-            <ac:graphicFrameMk id="2" creationId="{0D870AAA-85B7-8923-4A79-D75E1785FF1E}"/>
-          </ac:graphicFrameMkLst>
-        </pc:graphicFrameChg>
-        <pc:graphicFrameChg chg="add del">
-          <ac:chgData name="尾嵜 成真" userId="dd95f81a979e9056" providerId="LiveId" clId="{CDA21BDE-563E-44C9-826A-4ED92E3D6D3A}" dt="2023-01-08T06:39:00.069" v="8156" actId="3680"/>
-          <ac:graphicFrameMkLst>
-            <pc:docMk/>
-            <pc:sldMk cId="1637066913" sldId="402"/>
-            <ac:graphicFrameMk id="4" creationId="{E00A7366-4B28-E178-AA8C-C054590191CE}"/>
-          </ac:graphicFrameMkLst>
-        </pc:graphicFrameChg>
-        <pc:graphicFrameChg chg="add del mod">
-          <ac:chgData name="尾嵜 成真" userId="dd95f81a979e9056" providerId="LiveId" clId="{CDA21BDE-563E-44C9-826A-4ED92E3D6D3A}" dt="2023-01-08T06:39:12.213" v="8159" actId="478"/>
-          <ac:graphicFrameMkLst>
-            <pc:docMk/>
-            <pc:sldMk cId="1637066913" sldId="402"/>
-            <ac:graphicFrameMk id="7" creationId="{ECED921B-AD4B-7405-2C68-7450B06C1EBB}"/>
-          </ac:graphicFrameMkLst>
-        </pc:graphicFrameChg>
-        <pc:graphicFrameChg chg="add mod modGraphic">
-          <ac:chgData name="尾嵜 成真" userId="dd95f81a979e9056" providerId="LiveId" clId="{CDA21BDE-563E-44C9-826A-4ED92E3D6D3A}" dt="2023-01-08T07:15:26.792" v="8515" actId="20577"/>
-          <ac:graphicFrameMkLst>
-            <pc:docMk/>
-            <pc:sldMk cId="1637066913" sldId="402"/>
-            <ac:graphicFrameMk id="8" creationId="{07D32C99-E9D7-768E-E8B6-1E5394B8BCA3}"/>
-          </ac:graphicFrameMkLst>
-        </pc:graphicFrameChg>
-        <pc:picChg chg="del">
-          <ac:chgData name="尾嵜 成真" userId="dd95f81a979e9056" providerId="LiveId" clId="{CDA21BDE-563E-44C9-826A-4ED92E3D6D3A}" dt="2023-01-08T06:32:04.132" v="7533" actId="478"/>
-          <ac:picMkLst>
-            <pc:docMk/>
-            <pc:sldMk cId="1637066913" sldId="402"/>
-            <ac:picMk id="3" creationId="{21152B24-6D84-6FB1-91FF-9C816BE6D5C5}"/>
-          </ac:picMkLst>
-        </pc:picChg>
-      </pc:sldChg>
-      <pc:sldChg chg="modSp add del mod">
-        <pc:chgData name="尾嵜 成真" userId="dd95f81a979e9056" providerId="LiveId" clId="{CDA21BDE-563E-44C9-826A-4ED92E3D6D3A}" dt="2023-01-07T11:00:07.581" v="6980" actId="47"/>
-        <pc:sldMkLst>
-          <pc:docMk/>
-          <pc:sldMk cId="2929578275" sldId="403"/>
-        </pc:sldMkLst>
-        <pc:spChg chg="mod">
-          <ac:chgData name="尾嵜 成真" userId="dd95f81a979e9056" providerId="LiveId" clId="{CDA21BDE-563E-44C9-826A-4ED92E3D6D3A}" dt="2023-01-04T15:36:37.528" v="1344"/>
-          <ac:spMkLst>
-            <pc:docMk/>
-            <pc:sldMk cId="2929578275" sldId="403"/>
-            <ac:spMk id="28" creationId="{B0F217A8-646C-15BA-6733-F4B0F1014565}"/>
-          </ac:spMkLst>
-        </pc:spChg>
-        <pc:spChg chg="mod">
-          <ac:chgData name="尾嵜 成真" userId="dd95f81a979e9056" providerId="LiveId" clId="{CDA21BDE-563E-44C9-826A-4ED92E3D6D3A}" dt="2023-01-04T15:30:51.486" v="1328" actId="20577"/>
-          <ac:spMkLst>
-            <pc:docMk/>
-            <pc:sldMk cId="2929578275" sldId="403"/>
-            <ac:spMk id="29" creationId="{A17934AB-FCC8-3776-1635-6E61D9A7D43B}"/>
-          </ac:spMkLst>
-        </pc:spChg>
-      </pc:sldChg>
-      <pc:sldChg chg="modSp add del mod">
-        <pc:chgData name="尾嵜 成真" userId="dd95f81a979e9056" providerId="LiveId" clId="{CDA21BDE-563E-44C9-826A-4ED92E3D6D3A}" dt="2023-01-08T05:56:11.580" v="7016" actId="47"/>
-        <pc:sldMkLst>
-          <pc:docMk/>
-          <pc:sldMk cId="965508378" sldId="404"/>
-        </pc:sldMkLst>
-        <pc:spChg chg="mod">
-          <ac:chgData name="尾嵜 成真" userId="dd95f81a979e9056" providerId="LiveId" clId="{CDA21BDE-563E-44C9-826A-4ED92E3D6D3A}" dt="2023-01-04T15:36:40.121" v="1348"/>
-          <ac:spMkLst>
-            <pc:docMk/>
-            <pc:sldMk cId="965508378" sldId="404"/>
-            <ac:spMk id="28" creationId="{B0F217A8-646C-15BA-6733-F4B0F1014565}"/>
-          </ac:spMkLst>
-        </pc:spChg>
-        <pc:spChg chg="mod">
-          <ac:chgData name="尾嵜 成真" userId="dd95f81a979e9056" providerId="LiveId" clId="{CDA21BDE-563E-44C9-826A-4ED92E3D6D3A}" dt="2023-01-04T15:30:30.055" v="1313" actId="20577"/>
-          <ac:spMkLst>
-            <pc:docMk/>
-            <pc:sldMk cId="965508378" sldId="404"/>
-            <ac:spMk id="29" creationId="{A17934AB-FCC8-3776-1635-6E61D9A7D43B}"/>
-          </ac:spMkLst>
-        </pc:spChg>
-      </pc:sldChg>
-      <pc:sldChg chg="addSp delSp modSp add mod">
-        <pc:chgData name="尾嵜 成真" userId="dd95f81a979e9056" providerId="LiveId" clId="{CDA21BDE-563E-44C9-826A-4ED92E3D6D3A}" dt="2023-01-06T16:22:02.028" v="3083" actId="947"/>
-        <pc:sldMkLst>
-          <pc:docMk/>
-          <pc:sldMk cId="3735046817" sldId="405"/>
-        </pc:sldMkLst>
-        <pc:spChg chg="add mod">
-          <ac:chgData name="尾嵜 成真" userId="dd95f81a979e9056" providerId="LiveId" clId="{CDA21BDE-563E-44C9-826A-4ED92E3D6D3A}" dt="2023-01-06T16:19:39.362" v="2984" actId="14100"/>
-          <ac:spMkLst>
-            <pc:docMk/>
-            <pc:sldMk cId="3735046817" sldId="405"/>
-            <ac:spMk id="2" creationId="{5B270829-1B95-279B-C54F-A5495AF62924}"/>
-          </ac:spMkLst>
-        </pc:spChg>
-        <pc:spChg chg="add mod">
-          <ac:chgData name="尾嵜 成真" userId="dd95f81a979e9056" providerId="LiveId" clId="{CDA21BDE-563E-44C9-826A-4ED92E3D6D3A}" dt="2023-01-06T16:19:55.969" v="3009" actId="20577"/>
-          <ac:spMkLst>
-            <pc:docMk/>
-            <pc:sldMk cId="3735046817" sldId="405"/>
-            <ac:spMk id="3" creationId="{687BA902-E80A-69A3-085F-7D008D638FDE}"/>
-          </ac:spMkLst>
-        </pc:spChg>
-        <pc:spChg chg="mod">
-          <ac:chgData name="尾嵜 成真" userId="dd95f81a979e9056" providerId="LiveId" clId="{CDA21BDE-563E-44C9-826A-4ED92E3D6D3A}" dt="2023-01-06T16:22:02.028" v="3083" actId="947"/>
-          <ac:spMkLst>
-            <pc:docMk/>
-            <pc:sldMk cId="3735046817" sldId="405"/>
-            <ac:spMk id="10" creationId="{4C8D8093-D708-E46A-39FD-79BFCCF8875B}"/>
-          </ac:spMkLst>
-        </pc:spChg>
-        <pc:spChg chg="del">
-          <ac:chgData name="尾嵜 成真" userId="dd95f81a979e9056" providerId="LiveId" clId="{CDA21BDE-563E-44C9-826A-4ED92E3D6D3A}" dt="2023-01-06T15:55:00.315" v="2793" actId="478"/>
-          <ac:spMkLst>
-            <pc:docMk/>
-            <pc:sldMk cId="3735046817" sldId="405"/>
-            <ac:spMk id="15" creationId="{DEC3B5E4-274A-C993-C17C-0CA7C7012A4F}"/>
-          </ac:spMkLst>
-        </pc:spChg>
-        <pc:spChg chg="del">
-          <ac:chgData name="尾嵜 成真" userId="dd95f81a979e9056" providerId="LiveId" clId="{CDA21BDE-563E-44C9-826A-4ED92E3D6D3A}" dt="2023-01-06T15:55:00.315" v="2793" actId="478"/>
-          <ac:spMkLst>
-            <pc:docMk/>
-            <pc:sldMk cId="3735046817" sldId="405"/>
-            <ac:spMk id="18" creationId="{3AB6F5ED-E908-DE64-E150-B404D6EB3693}"/>
-          </ac:spMkLst>
-        </pc:spChg>
-        <pc:spChg chg="del">
-          <ac:chgData name="尾嵜 成真" userId="dd95f81a979e9056" providerId="LiveId" clId="{CDA21BDE-563E-44C9-826A-4ED92E3D6D3A}" dt="2023-01-06T15:55:00.315" v="2793" actId="478"/>
-          <ac:spMkLst>
-            <pc:docMk/>
-            <pc:sldMk cId="3735046817" sldId="405"/>
-            <ac:spMk id="25" creationId="{F9BE642C-7639-1304-DB57-7016DCD55BB7}"/>
-          </ac:spMkLst>
-        </pc:spChg>
-        <pc:spChg chg="del">
-          <ac:chgData name="尾嵜 成真" userId="dd95f81a979e9056" providerId="LiveId" clId="{CDA21BDE-563E-44C9-826A-4ED92E3D6D3A}" dt="2023-01-06T15:55:00.315" v="2793" actId="478"/>
-          <ac:spMkLst>
-            <pc:docMk/>
-            <pc:sldMk cId="3735046817" sldId="405"/>
-            <ac:spMk id="26" creationId="{C3ACD9B5-3158-A77D-5649-565BEF9502BA}"/>
-          </ac:spMkLst>
-        </pc:spChg>
-        <pc:spChg chg="del">
-          <ac:chgData name="尾嵜 成真" userId="dd95f81a979e9056" providerId="LiveId" clId="{CDA21BDE-563E-44C9-826A-4ED92E3D6D3A}" dt="2023-01-06T15:55:00.315" v="2793" actId="478"/>
-          <ac:spMkLst>
-            <pc:docMk/>
-            <pc:sldMk cId="3735046817" sldId="405"/>
-            <ac:spMk id="27" creationId="{46F68E5E-84BE-8BB3-AB88-491F40EA702B}"/>
-          </ac:spMkLst>
-        </pc:spChg>
-        <pc:spChg chg="mod">
-          <ac:chgData name="尾嵜 成真" userId="dd95f81a979e9056" providerId="LiveId" clId="{CDA21BDE-563E-44C9-826A-4ED92E3D6D3A}" dt="2023-01-06T15:49:31.974" v="2791" actId="20577"/>
-          <ac:spMkLst>
-            <pc:docMk/>
-            <pc:sldMk cId="3735046817" sldId="405"/>
-            <ac:spMk id="29" creationId="{A17934AB-FCC8-3776-1635-6E61D9A7D43B}"/>
-          </ac:spMkLst>
-        </pc:spChg>
-        <pc:spChg chg="del">
-          <ac:chgData name="尾嵜 成真" userId="dd95f81a979e9056" providerId="LiveId" clId="{CDA21BDE-563E-44C9-826A-4ED92E3D6D3A}" dt="2023-01-06T15:55:00.315" v="2793" actId="478"/>
-          <ac:spMkLst>
-            <pc:docMk/>
-            <pc:sldMk cId="3735046817" sldId="405"/>
-            <ac:spMk id="31" creationId="{29E73B99-74F3-E133-5B67-1ED0377319DC}"/>
-          </ac:spMkLst>
-        </pc:spChg>
-        <pc:spChg chg="del">
-          <ac:chgData name="尾嵜 成真" userId="dd95f81a979e9056" providerId="LiveId" clId="{CDA21BDE-563E-44C9-826A-4ED92E3D6D3A}" dt="2023-01-06T15:55:00.315" v="2793" actId="478"/>
-          <ac:spMkLst>
-            <pc:docMk/>
-            <pc:sldMk cId="3735046817" sldId="405"/>
-            <ac:spMk id="32" creationId="{D2C3250E-7320-4392-254A-DCF14C8A61E1}"/>
-          </ac:spMkLst>
-        </pc:spChg>
-        <pc:spChg chg="del">
-          <ac:chgData name="尾嵜 成真" userId="dd95f81a979e9056" providerId="LiveId" clId="{CDA21BDE-563E-44C9-826A-4ED92E3D6D3A}" dt="2023-01-06T15:55:00.315" v="2793" actId="478"/>
-          <ac:spMkLst>
-            <pc:docMk/>
-            <pc:sldMk cId="3735046817" sldId="405"/>
-            <ac:spMk id="33" creationId="{365968AE-10FD-5841-FCE2-3A7D3DD0AA12}"/>
-          </ac:spMkLst>
-        </pc:spChg>
-        <pc:spChg chg="del">
-          <ac:chgData name="尾嵜 成真" userId="dd95f81a979e9056" providerId="LiveId" clId="{CDA21BDE-563E-44C9-826A-4ED92E3D6D3A}" dt="2023-01-06T15:55:00.315" v="2793" actId="478"/>
-          <ac:spMkLst>
-            <pc:docMk/>
-            <pc:sldMk cId="3735046817" sldId="405"/>
-            <ac:spMk id="35" creationId="{98B349DC-1F46-B5D4-ECBB-615EF45330F3}"/>
-          </ac:spMkLst>
-        </pc:spChg>
-        <pc:picChg chg="del">
-          <ac:chgData name="尾嵜 成真" userId="dd95f81a979e9056" providerId="LiveId" clId="{CDA21BDE-563E-44C9-826A-4ED92E3D6D3A}" dt="2023-01-06T15:55:00.315" v="2793" actId="478"/>
-          <ac:picMkLst>
-            <pc:docMk/>
-            <pc:sldMk cId="3735046817" sldId="405"/>
-            <ac:picMk id="16" creationId="{E2C0FBF3-DF93-1DBE-CCD2-70BA769CF362}"/>
-          </ac:picMkLst>
-        </pc:picChg>
-        <pc:picChg chg="del">
-          <ac:chgData name="尾嵜 成真" userId="dd95f81a979e9056" providerId="LiveId" clId="{CDA21BDE-563E-44C9-826A-4ED92E3D6D3A}" dt="2023-01-06T15:55:00.315" v="2793" actId="478"/>
-          <ac:picMkLst>
-            <pc:docMk/>
-            <pc:sldMk cId="3735046817" sldId="405"/>
-            <ac:picMk id="17" creationId="{705495D6-8C6B-E871-1A96-DA1CD74AEBF5}"/>
-          </ac:picMkLst>
-        </pc:picChg>
-        <pc:picChg chg="del">
-          <ac:chgData name="尾嵜 成真" userId="dd95f81a979e9056" providerId="LiveId" clId="{CDA21BDE-563E-44C9-826A-4ED92E3D6D3A}" dt="2023-01-06T15:55:00.315" v="2793" actId="478"/>
-          <ac:picMkLst>
-            <pc:docMk/>
-            <pc:sldMk cId="3735046817" sldId="405"/>
-            <ac:picMk id="21" creationId="{7A83F2A4-5DD3-D555-4E4B-CEBF3BFA6847}"/>
-          </ac:picMkLst>
-        </pc:picChg>
-        <pc:picChg chg="del">
-          <ac:chgData name="尾嵜 成真" userId="dd95f81a979e9056" providerId="LiveId" clId="{CDA21BDE-563E-44C9-826A-4ED92E3D6D3A}" dt="2023-01-06T15:55:00.315" v="2793" actId="478"/>
-          <ac:picMkLst>
-            <pc:docMk/>
-            <pc:sldMk cId="3735046817" sldId="405"/>
-            <ac:picMk id="34" creationId="{20D193DA-1BEC-9A63-C970-27CAB285ABDD}"/>
-          </ac:picMkLst>
-        </pc:picChg>
-      </pc:sldChg>
-      <pc:sldChg chg="addSp modSp add mod">
-        <pc:chgData name="尾嵜 成真" userId="dd95f81a979e9056" providerId="LiveId" clId="{CDA21BDE-563E-44C9-826A-4ED92E3D6D3A}" dt="2023-01-07T07:11:52.182" v="3898" actId="20577"/>
-        <pc:sldMkLst>
-          <pc:docMk/>
-          <pc:sldMk cId="1362757188" sldId="406"/>
-        </pc:sldMkLst>
-        <pc:spChg chg="add mod">
-          <ac:chgData name="尾嵜 成真" userId="dd95f81a979e9056" providerId="LiveId" clId="{CDA21BDE-563E-44C9-826A-4ED92E3D6D3A}" dt="2023-01-07T06:48:32.097" v="3404" actId="20577"/>
-          <ac:spMkLst>
-            <pc:docMk/>
-            <pc:sldMk cId="1362757188" sldId="406"/>
-            <ac:spMk id="3" creationId="{E2142266-E189-EFD5-B67D-0A0D866FAB50}"/>
-          </ac:spMkLst>
-        </pc:spChg>
-        <pc:spChg chg="add mod">
-          <ac:chgData name="尾嵜 成真" userId="dd95f81a979e9056" providerId="LiveId" clId="{CDA21BDE-563E-44C9-826A-4ED92E3D6D3A}" dt="2023-01-07T07:09:54.790" v="3896" actId="1076"/>
-          <ac:spMkLst>
-            <pc:docMk/>
-            <pc:sldMk cId="1362757188" sldId="406"/>
-            <ac:spMk id="5" creationId="{F6CF39B1-389C-87AC-931A-5773BE5FFBA6}"/>
-          </ac:spMkLst>
-        </pc:spChg>
-        <pc:spChg chg="mod">
-          <ac:chgData name="尾嵜 成真" userId="dd95f81a979e9056" providerId="LiveId" clId="{CDA21BDE-563E-44C9-826A-4ED92E3D6D3A}" dt="2023-01-07T07:11:52.182" v="3898" actId="20577"/>
-          <ac:spMkLst>
-            <pc:docMk/>
-            <pc:sldMk cId="1362757188" sldId="406"/>
-            <ac:spMk id="10" creationId="{4C8D8093-D708-E46A-39FD-79BFCCF8875B}"/>
-          </ac:spMkLst>
-        </pc:spChg>
-        <pc:spChg chg="mod">
-          <ac:chgData name="尾嵜 成真" userId="dd95f81a979e9056" providerId="LiveId" clId="{CDA21BDE-563E-44C9-826A-4ED92E3D6D3A}" dt="2023-01-07T07:07:58.815" v="3851" actId="313"/>
-          <ac:spMkLst>
-            <pc:docMk/>
-            <pc:sldMk cId="1362757188" sldId="406"/>
-            <ac:spMk id="28" creationId="{B0F217A8-646C-15BA-6733-F4B0F1014565}"/>
-          </ac:spMkLst>
-        </pc:spChg>
-        <pc:spChg chg="mod">
-          <ac:chgData name="尾嵜 成真" userId="dd95f81a979e9056" providerId="LiveId" clId="{CDA21BDE-563E-44C9-826A-4ED92E3D6D3A}" dt="2023-01-06T16:04:37.683" v="2853" actId="20577"/>
-          <ac:spMkLst>
-            <pc:docMk/>
-            <pc:sldMk cId="1362757188" sldId="406"/>
-            <ac:spMk id="29" creationId="{A17934AB-FCC8-3776-1635-6E61D9A7D43B}"/>
-          </ac:spMkLst>
-        </pc:spChg>
-        <pc:picChg chg="add mod">
-          <ac:chgData name="尾嵜 成真" userId="dd95f81a979e9056" providerId="LiveId" clId="{CDA21BDE-563E-44C9-826A-4ED92E3D6D3A}" dt="2023-01-07T06:48:21.836" v="3390" actId="1076"/>
-          <ac:picMkLst>
-            <pc:docMk/>
-            <pc:sldMk cId="1362757188" sldId="406"/>
-            <ac:picMk id="2" creationId="{147811DE-CCFD-CACA-2161-0AB526E6B824}"/>
-          </ac:picMkLst>
-        </pc:picChg>
-        <pc:picChg chg="add mod">
-          <ac:chgData name="尾嵜 成真" userId="dd95f81a979e9056" providerId="LiveId" clId="{CDA21BDE-563E-44C9-826A-4ED92E3D6D3A}" dt="2023-01-07T07:09:54.790" v="3896" actId="1076"/>
-          <ac:picMkLst>
-            <pc:docMk/>
-            <pc:sldMk cId="1362757188" sldId="406"/>
-            <ac:picMk id="4" creationId="{3F300939-3739-A21B-256F-C7555733B00D}"/>
-          </ac:picMkLst>
-        </pc:picChg>
-      </pc:sldChg>
-      <pc:sldChg chg="add del">
-        <pc:chgData name="尾嵜 成真" userId="dd95f81a979e9056" providerId="LiveId" clId="{CDA21BDE-563E-44C9-826A-4ED92E3D6D3A}" dt="2023-01-07T06:28:40.896" v="3105" actId="47"/>
-        <pc:sldMkLst>
-          <pc:docMk/>
-          <pc:sldMk cId="367569215" sldId="407"/>
-        </pc:sldMkLst>
-      </pc:sldChg>
-      <pc:sldChg chg="addSp delSp modSp add mod">
-        <pc:chgData name="尾嵜 成真" userId="dd95f81a979e9056" providerId="LiveId" clId="{CDA21BDE-563E-44C9-826A-4ED92E3D6D3A}" dt="2023-01-08T07:43:10.344" v="9067" actId="947"/>
-        <pc:sldMkLst>
-          <pc:docMk/>
-          <pc:sldMk cId="1137511312" sldId="407"/>
-        </pc:sldMkLst>
-        <pc:spChg chg="add mod">
-          <ac:chgData name="尾嵜 成真" userId="dd95f81a979e9056" providerId="LiveId" clId="{CDA21BDE-563E-44C9-826A-4ED92E3D6D3A}" dt="2023-01-08T07:42:09.766" v="9059" actId="14100"/>
-          <ac:spMkLst>
-            <pc:docMk/>
-            <pc:sldMk cId="1137511312" sldId="407"/>
-            <ac:spMk id="2" creationId="{52155BEC-AC19-EB5E-415D-A6A47EC7FCF2}"/>
-          </ac:spMkLst>
-        </pc:spChg>
-        <pc:spChg chg="del">
-          <ac:chgData name="尾嵜 成真" userId="dd95f81a979e9056" providerId="LiveId" clId="{CDA21BDE-563E-44C9-826A-4ED92E3D6D3A}" dt="2023-01-08T07:21:46.146" v="8769" actId="478"/>
-          <ac:spMkLst>
-            <pc:docMk/>
-            <pc:sldMk cId="1137511312" sldId="407"/>
-            <ac:spMk id="5" creationId="{70260686-8B7E-DF5A-6E75-301B0992F6A8}"/>
-          </ac:spMkLst>
-        </pc:spChg>
-        <pc:spChg chg="del">
-          <ac:chgData name="尾嵜 成真" userId="dd95f81a979e9056" providerId="LiveId" clId="{CDA21BDE-563E-44C9-826A-4ED92E3D6D3A}" dt="2023-01-08T07:21:46.146" v="8769" actId="478"/>
-          <ac:spMkLst>
-            <pc:docMk/>
-            <pc:sldMk cId="1137511312" sldId="407"/>
-            <ac:spMk id="6" creationId="{4A82FFB9-9FED-53F9-A2A2-FC325D82FC40}"/>
-          </ac:spMkLst>
-        </pc:spChg>
-        <pc:spChg chg="add del mod">
-          <ac:chgData name="尾嵜 成真" userId="dd95f81a979e9056" providerId="LiveId" clId="{CDA21BDE-563E-44C9-826A-4ED92E3D6D3A}" dt="2023-01-08T07:41:28.048" v="9050" actId="478"/>
-          <ac:spMkLst>
-            <pc:docMk/>
-            <pc:sldMk cId="1137511312" sldId="407"/>
-            <ac:spMk id="7" creationId="{DCAF0AAA-DCE1-C1EB-6901-4AD46A21239D}"/>
-          </ac:spMkLst>
-        </pc:spChg>
-        <pc:spChg chg="add mod">
-          <ac:chgData name="尾嵜 成真" userId="dd95f81a979e9056" providerId="LiveId" clId="{CDA21BDE-563E-44C9-826A-4ED92E3D6D3A}" dt="2023-01-08T07:43:10.344" v="9067" actId="947"/>
-          <ac:spMkLst>
-            <pc:docMk/>
-            <pc:sldMk cId="1137511312" sldId="407"/>
-            <ac:spMk id="8" creationId="{17619CC4-44AC-4603-C466-1848DEA4041F}"/>
-          </ac:spMkLst>
-        </pc:spChg>
-        <pc:spChg chg="del mod">
-          <ac:chgData name="尾嵜 成真" userId="dd95f81a979e9056" providerId="LiveId" clId="{CDA21BDE-563E-44C9-826A-4ED92E3D6D3A}" dt="2023-01-08T07:41:25.630" v="9049" actId="21"/>
-          <ac:spMkLst>
-            <pc:docMk/>
-            <pc:sldMk cId="1137511312" sldId="407"/>
-            <ac:spMk id="10" creationId="{4C8D8093-D708-E46A-39FD-79BFCCF8875B}"/>
-          </ac:spMkLst>
-        </pc:spChg>
-        <pc:spChg chg="mod">
-          <ac:chgData name="尾嵜 成真" userId="dd95f81a979e9056" providerId="LiveId" clId="{CDA21BDE-563E-44C9-826A-4ED92E3D6D3A}" dt="2023-01-07T10:35:12.956" v="6444" actId="20577"/>
-          <ac:spMkLst>
-            <pc:docMk/>
-            <pc:sldMk cId="1137511312" sldId="407"/>
-            <ac:spMk id="29" creationId="{A17934AB-FCC8-3776-1635-6E61D9A7D43B}"/>
-          </ac:spMkLst>
-        </pc:spChg>
-        <pc:picChg chg="del">
-          <ac:chgData name="尾嵜 成真" userId="dd95f81a979e9056" providerId="LiveId" clId="{CDA21BDE-563E-44C9-826A-4ED92E3D6D3A}" dt="2023-01-08T07:21:46.146" v="8769" actId="478"/>
-          <ac:picMkLst>
-            <pc:docMk/>
-            <pc:sldMk cId="1137511312" sldId="407"/>
-            <ac:picMk id="3" creationId="{21152B24-6D84-6FB1-91FF-9C816BE6D5C5}"/>
-          </ac:picMkLst>
-        </pc:picChg>
-      </pc:sldChg>
-      <pc:sldChg chg="addSp modSp add mod">
-        <pc:chgData name="尾嵜 成真" userId="dd95f81a979e9056" providerId="LiveId" clId="{CDA21BDE-563E-44C9-826A-4ED92E3D6D3A}" dt="2023-01-08T06:27:17.076" v="7531" actId="1076"/>
-        <pc:sldMkLst>
-          <pc:docMk/>
-          <pc:sldMk cId="1924153991" sldId="408"/>
-        </pc:sldMkLst>
-        <pc:spChg chg="mod">
-          <ac:chgData name="尾嵜 成真" userId="dd95f81a979e9056" providerId="LiveId" clId="{CDA21BDE-563E-44C9-826A-4ED92E3D6D3A}" dt="2023-01-08T06:26:59.710" v="7528" actId="113"/>
-          <ac:spMkLst>
-            <pc:docMk/>
-            <pc:sldMk cId="1924153991" sldId="408"/>
-            <ac:spMk id="10" creationId="{4C8D8093-D708-E46A-39FD-79BFCCF8875B}"/>
-          </ac:spMkLst>
-        </pc:spChg>
-        <pc:picChg chg="add mod">
-          <ac:chgData name="尾嵜 成真" userId="dd95f81a979e9056" providerId="LiveId" clId="{CDA21BDE-563E-44C9-826A-4ED92E3D6D3A}" dt="2023-01-08T06:27:17.076" v="7531" actId="1076"/>
-          <ac:picMkLst>
-            <pc:docMk/>
-            <pc:sldMk cId="1924153991" sldId="408"/>
-            <ac:picMk id="3" creationId="{67360E82-536F-F807-C1B3-1B6FCD052DCB}"/>
-          </ac:picMkLst>
-        </pc:picChg>
-      </pc:sldChg>
-      <pc:sldChg chg="add del">
-        <pc:chgData name="尾嵜 成真" userId="dd95f81a979e9056" providerId="LiveId" clId="{CDA21BDE-563E-44C9-826A-4ED92E3D6D3A}" dt="2023-01-07T10:35:14.883" v="6445" actId="47"/>
-        <pc:sldMkLst>
-          <pc:docMk/>
-          <pc:sldMk cId="2681092000" sldId="408"/>
-        </pc:sldMkLst>
-      </pc:sldChg>
-      <pc:sldChg chg="addSp delSp modSp add mod">
-        <pc:chgData name="尾嵜 成真" userId="dd95f81a979e9056" providerId="LiveId" clId="{CDA21BDE-563E-44C9-826A-4ED92E3D6D3A}" dt="2023-01-08T08:01:32.887" v="9468" actId="113"/>
-        <pc:sldMkLst>
-          <pc:docMk/>
-          <pc:sldMk cId="3356467864" sldId="409"/>
-        </pc:sldMkLst>
-        <pc:spChg chg="del">
-          <ac:chgData name="尾嵜 成真" userId="dd95f81a979e9056" providerId="LiveId" clId="{CDA21BDE-563E-44C9-826A-4ED92E3D6D3A}" dt="2023-01-08T07:54:43.176" v="9447" actId="478"/>
-          <ac:spMkLst>
-            <pc:docMk/>
-            <pc:sldMk cId="3356467864" sldId="409"/>
-            <ac:spMk id="5" creationId="{70260686-8B7E-DF5A-6E75-301B0992F6A8}"/>
-          </ac:spMkLst>
-        </pc:spChg>
-        <pc:spChg chg="del">
-          <ac:chgData name="尾嵜 成真" userId="dd95f81a979e9056" providerId="LiveId" clId="{CDA21BDE-563E-44C9-826A-4ED92E3D6D3A}" dt="2023-01-08T07:54:43.176" v="9447" actId="478"/>
-          <ac:spMkLst>
-            <pc:docMk/>
-            <pc:sldMk cId="3356467864" sldId="409"/>
-            <ac:spMk id="6" creationId="{4A82FFB9-9FED-53F9-A2A2-FC325D82FC40}"/>
-          </ac:spMkLst>
-        </pc:spChg>
-        <pc:spChg chg="mod">
-          <ac:chgData name="尾嵜 成真" userId="dd95f81a979e9056" providerId="LiveId" clId="{CDA21BDE-563E-44C9-826A-4ED92E3D6D3A}" dt="2023-01-08T08:01:32.887" v="9468" actId="113"/>
-          <ac:spMkLst>
-            <pc:docMk/>
-            <pc:sldMk cId="3356467864" sldId="409"/>
-            <ac:spMk id="10" creationId="{4C8D8093-D708-E46A-39FD-79BFCCF8875B}"/>
-          </ac:spMkLst>
-        </pc:spChg>
-        <pc:spChg chg="mod">
-          <ac:chgData name="尾嵜 成真" userId="dd95f81a979e9056" providerId="LiveId" clId="{CDA21BDE-563E-44C9-826A-4ED92E3D6D3A}" dt="2023-01-08T05:56:32.307" v="7025" actId="20577"/>
-          <ac:spMkLst>
-            <pc:docMk/>
-            <pc:sldMk cId="3356467864" sldId="409"/>
-            <ac:spMk id="29" creationId="{A17934AB-FCC8-3776-1635-6E61D9A7D43B}"/>
-          </ac:spMkLst>
-        </pc:spChg>
-        <pc:picChg chg="del">
-          <ac:chgData name="尾嵜 成真" userId="dd95f81a979e9056" providerId="LiveId" clId="{CDA21BDE-563E-44C9-826A-4ED92E3D6D3A}" dt="2023-01-08T07:54:43.176" v="9447" actId="478"/>
-          <ac:picMkLst>
-            <pc:docMk/>
-            <pc:sldMk cId="3356467864" sldId="409"/>
-            <ac:picMk id="3" creationId="{21152B24-6D84-6FB1-91FF-9C816BE6D5C5}"/>
-          </ac:picMkLst>
-        </pc:picChg>
-        <pc:picChg chg="add mod">
-          <ac:chgData name="尾嵜 成真" userId="dd95f81a979e9056" providerId="LiveId" clId="{CDA21BDE-563E-44C9-826A-4ED92E3D6D3A}" dt="2023-01-08T08:00:35.300" v="9450" actId="1076"/>
-          <ac:picMkLst>
-            <pc:docMk/>
-            <pc:sldMk cId="3356467864" sldId="409"/>
-            <ac:picMk id="4" creationId="{D8B375CB-542C-FFA9-885F-C27289A3D516}"/>
           </ac:picMkLst>
         </pc:picChg>
       </pc:sldChg>
@@ -10523,7 +10563,7 @@
             <a:fld id="{D4CCFBE2-2B8D-499C-81C9-2CD5B3EB8E93}" type="datetimeFigureOut">
               <a:rPr lang="ko-KR" altLang="en-US" smtClean="0"/>
               <a:pPr/>
-              <a:t>2023-01-18</a:t>
+              <a:t>2023-02-08</a:t>
             </a:fld>
             <a:endParaRPr lang="ko-KR" altLang="en-US"/>
           </a:p>
@@ -10690,7 +10730,7 @@
             <a:fld id="{FB545AC5-813F-4ED1-B011-8EA17CB93331}" type="datetimeFigureOut">
               <a:rPr lang="ko-KR" altLang="en-US" smtClean="0"/>
               <a:pPr/>
-              <a:t>2023-01-18</a:t>
+              <a:t>2023-02-08</a:t>
             </a:fld>
             <a:endParaRPr lang="ko-KR" altLang="en-US"/>
           </a:p>
@@ -11112,7 +11152,7 @@
             <a:fld id="{ED3D6733-6F27-4404-AB51-585418F146E5}" type="datetimeFigureOut">
               <a:rPr lang="ko-KR" altLang="en-US" smtClean="0"/>
               <a:pPr/>
-              <a:t>2023-01-18</a:t>
+              <a:t>2023-02-08</a:t>
             </a:fld>
             <a:endParaRPr lang="ko-KR" altLang="en-US"/>
           </a:p>
@@ -11297,7 +11337,7 @@
             <a:fld id="{ED3D6733-6F27-4404-AB51-585418F146E5}" type="datetimeFigureOut">
               <a:rPr lang="ko-KR" altLang="en-US" smtClean="0"/>
               <a:pPr/>
-              <a:t>2023-01-18</a:t>
+              <a:t>2023-02-08</a:t>
             </a:fld>
             <a:endParaRPr lang="ko-KR" altLang="en-US"/>
           </a:p>
@@ -11435,7 +11475,7 @@
             <a:fld id="{ED3D6733-6F27-4404-AB51-585418F146E5}" type="datetimeFigureOut">
               <a:rPr lang="ko-KR" altLang="en-US" smtClean="0"/>
               <a:pPr/>
-              <a:t>2023-01-18</a:t>
+              <a:t>2023-02-08</a:t>
             </a:fld>
             <a:endParaRPr lang="ko-KR" altLang="en-US"/>
           </a:p>
@@ -11648,7 +11688,7 @@
             <a:fld id="{ED3D6733-6F27-4404-AB51-585418F146E5}" type="datetimeFigureOut">
               <a:rPr lang="ko-KR" altLang="en-US" smtClean="0"/>
               <a:pPr/>
-              <a:t>2023-01-18</a:t>
+              <a:t>2023-02-08</a:t>
             </a:fld>
             <a:endParaRPr lang="ko-KR" altLang="en-US"/>
           </a:p>
@@ -11925,7 +11965,7 @@
             <a:fld id="{ED3D6733-6F27-4404-AB51-585418F146E5}" type="datetimeFigureOut">
               <a:rPr lang="ko-KR" altLang="en-US" smtClean="0"/>
               <a:pPr/>
-              <a:t>2023-01-18</a:t>
+              <a:t>2023-02-08</a:t>
             </a:fld>
             <a:endParaRPr lang="ko-KR" altLang="en-US"/>
           </a:p>
@@ -12248,7 +12288,7 @@
             <a:fld id="{ED3D6733-6F27-4404-AB51-585418F146E5}" type="datetimeFigureOut">
               <a:rPr lang="ko-KR" altLang="en-US" smtClean="0"/>
               <a:pPr/>
-              <a:t>2023-01-18</a:t>
+              <a:t>2023-02-08</a:t>
             </a:fld>
             <a:endParaRPr lang="ko-KR" altLang="en-US"/>
           </a:p>
@@ -12521,7 +12561,7 @@
             <a:fld id="{ED3D6733-6F27-4404-AB51-585418F146E5}" type="datetimeFigureOut">
               <a:rPr lang="ko-KR" altLang="en-US" smtClean="0"/>
               <a:pPr/>
-              <a:t>2023-01-18</a:t>
+              <a:t>2023-02-08</a:t>
             </a:fld>
             <a:endParaRPr lang="ko-KR" altLang="en-US"/>
           </a:p>
@@ -12999,7 +13039,7 @@
         </p:nvSpPr>
         <p:spPr>
           <a:xfrm>
-            <a:off x="5463567" y="1335120"/>
+            <a:off x="755576" y="3030344"/>
             <a:ext cx="2304256" cy="553998"/>
           </a:xfrm>
           <a:prstGeom prst="rect">
@@ -13059,7 +13099,7 @@
         </p:nvGrpSpPr>
         <p:grpSpPr>
           <a:xfrm>
-            <a:off x="4595639" y="2204864"/>
+            <a:off x="4716016" y="2852936"/>
             <a:ext cx="3744416" cy="864096"/>
             <a:chOff x="4238823" y="1217861"/>
             <a:chExt cx="3744416" cy="864096"/>
@@ -13256,7 +13296,7 @@
         </p:nvGrpSpPr>
         <p:grpSpPr>
           <a:xfrm>
-            <a:off x="4595639" y="3295294"/>
+            <a:off x="4716016" y="4365104"/>
             <a:ext cx="864096" cy="864096"/>
             <a:chOff x="4238823" y="2308291"/>
             <a:chExt cx="864096" cy="864096"/>
@@ -13385,7 +13425,7 @@
         </p:nvSpPr>
         <p:spPr bwMode="auto">
           <a:xfrm>
-            <a:off x="5613602" y="3671110"/>
+            <a:off x="5733979" y="4740920"/>
             <a:ext cx="3150969" cy="369332"/>
           </a:xfrm>
           <a:prstGeom prst="rect">
